--- a/Week 7-Model Basics and Building/Week 7-Model Basics and Building.pptx
+++ b/Week 7-Model Basics and Building/Week 7-Model Basics and Building.pptx
@@ -1,42 +1,50 @@
 
 <file path=ppt/presentation.xml><?xml version="1.0" encoding="utf-8"?>
-<p:presentation xmlns:a="http://schemas.openxmlformats.org/drawingml/2006/main" xmlns:r="http://schemas.openxmlformats.org/officeDocument/2006/relationships" xmlns:mc="http://schemas.openxmlformats.org/markup-compatibility/2006" xmlns:mv="urn:schemas-microsoft-com:mac:vml" xmlns:p="http://schemas.openxmlformats.org/presentationml/2006/main" xmlns:c="http://schemas.openxmlformats.org/drawingml/2006/chart" xmlns:dgm="http://schemas.openxmlformats.org/drawingml/2006/diagram" xmlns:o="urn:schemas-microsoft-com:office:office" xmlns:v="urn:schemas-microsoft-com:vml" xmlns:pvml="urn:schemas-microsoft-com:office:powerpoint" xmlns:com="http://schemas.openxmlformats.org/drawingml/2006/compatibility" xmlns:p14="http://schemas.microsoft.com/office/powerpoint/2010/main" xmlns:p15="http://schemas.microsoft.com/office/powerpoint/2012/main" xmlns:ahyp="http://schemas.microsoft.com/office/drawing/2018/hyperlinkcolor" autoCompressPictures="0" embedTrueTypeFonts="1" strictFirstAndLastChars="0" saveSubsetFonts="1">
+<p:presentation xmlns:a="http://schemas.openxmlformats.org/drawingml/2006/main" xmlns:r="http://schemas.openxmlformats.org/officeDocument/2006/relationships" xmlns:p="http://schemas.openxmlformats.org/presentationml/2006/main" strictFirstAndLastChars="0" embedTrueTypeFonts="1" saveSubsetFonts="1" autoCompressPictures="0">
   <p:sldMasterIdLst>
-    <p:sldMasterId id="2147483659" r:id="rId4"/>
+    <p:sldMasterId id="2147483659" r:id="rId1"/>
   </p:sldMasterIdLst>
   <p:notesMasterIdLst>
-    <p:notesMasterId r:id="rId5"/>
+    <p:notesMasterId r:id="rId20"/>
   </p:notesMasterIdLst>
   <p:sldIdLst>
-    <p:sldId id="256" r:id="rId6"/>
-    <p:sldId id="257" r:id="rId7"/>
-    <p:sldId id="258" r:id="rId8"/>
-    <p:sldId id="259" r:id="rId9"/>
-    <p:sldId id="260" r:id="rId10"/>
-    <p:sldId id="261" r:id="rId11"/>
-    <p:sldId id="262" r:id="rId12"/>
-    <p:sldId id="263" r:id="rId13"/>
-    <p:sldId id="264" r:id="rId14"/>
-    <p:sldId id="265" r:id="rId15"/>
+    <p:sldId id="256" r:id="rId2"/>
+    <p:sldId id="257" r:id="rId3"/>
+    <p:sldId id="271" r:id="rId4"/>
+    <p:sldId id="258" r:id="rId5"/>
+    <p:sldId id="261" r:id="rId6"/>
+    <p:sldId id="259" r:id="rId7"/>
+    <p:sldId id="260" r:id="rId8"/>
+    <p:sldId id="262" r:id="rId9"/>
+    <p:sldId id="263" r:id="rId10"/>
+    <p:sldId id="268" r:id="rId11"/>
+    <p:sldId id="270" r:id="rId12"/>
+    <p:sldId id="266" r:id="rId13"/>
+    <p:sldId id="269" r:id="rId14"/>
+    <p:sldId id="264" r:id="rId15"/>
+    <p:sldId id="267" r:id="rId16"/>
+    <p:sldId id="265" r:id="rId17"/>
+    <p:sldId id="272" r:id="rId18"/>
+    <p:sldId id="273" r:id="rId19"/>
   </p:sldIdLst>
-  <p:sldSz cy="5143500" cx="9144000"/>
+  <p:sldSz cx="9144000" cy="5143500" type="screen16x9"/>
   <p:notesSz cx="6858000" cy="9144000"/>
   <p:embeddedFontLst>
     <p:embeddedFont>
-      <p:font typeface="Roboto Slab"/>
-      <p:regular r:id="rId16"/>
-      <p:bold r:id="rId17"/>
+      <p:font typeface="Roboto Slab" panose="020B0604020202020204" charset="0"/>
+      <p:regular r:id="rId21"/>
+      <p:bold r:id="rId22"/>
     </p:embeddedFont>
     <p:embeddedFont>
-      <p:font typeface="Roboto"/>
-      <p:regular r:id="rId18"/>
-      <p:bold r:id="rId19"/>
-      <p:italic r:id="rId20"/>
-      <p:boldItalic r:id="rId21"/>
+      <p:font typeface="Roboto" panose="020B0604020202020204" charset="0"/>
+      <p:regular r:id="rId23"/>
+      <p:bold r:id="rId24"/>
+      <p:italic r:id="rId25"/>
+      <p:boldItalic r:id="rId26"/>
     </p:embeddedFont>
   </p:embeddedFontLst>
   <p:defaultTextStyle>
-    <a:defPPr lvl="0" marR="0" rtl="0" algn="l">
+    <a:defPPr marR="0" lvl="0" algn="l" rtl="0">
       <a:lnSpc>
         <a:spcPct val="100000"/>
       </a:lnSpc>
@@ -47,7 +55,7 @@
         <a:spcPts val="0"/>
       </a:spcAft>
     </a:defPPr>
-    <a:lvl1pPr lvl="0" marR="0" rtl="0" algn="l">
+    <a:lvl1pPr marR="0" lvl="0" algn="l" rtl="0">
       <a:lnSpc>
         <a:spcPct val="100000"/>
       </a:lnSpc>
@@ -61,7 +69,7 @@
         <a:srgbClr val="000000"/>
       </a:buClr>
       <a:buFont typeface="Arial"/>
-      <a:defRPr b="0" i="0" sz="1400" u="none" cap="none" strike="noStrike">
+      <a:defRPr sz="1400" b="0" i="0" u="none" strike="noStrike" cap="none">
         <a:solidFill>
           <a:srgbClr val="000000"/>
         </a:solidFill>
@@ -71,7 +79,7 @@
         <a:sym typeface="Arial"/>
       </a:defRPr>
     </a:lvl1pPr>
-    <a:lvl2pPr lvl="1" marR="0" rtl="0" algn="l">
+    <a:lvl2pPr marR="0" lvl="1" algn="l" rtl="0">
       <a:lnSpc>
         <a:spcPct val="100000"/>
       </a:lnSpc>
@@ -85,7 +93,7 @@
         <a:srgbClr val="000000"/>
       </a:buClr>
       <a:buFont typeface="Arial"/>
-      <a:defRPr b="0" i="0" sz="1400" u="none" cap="none" strike="noStrike">
+      <a:defRPr sz="1400" b="0" i="0" u="none" strike="noStrike" cap="none">
         <a:solidFill>
           <a:srgbClr val="000000"/>
         </a:solidFill>
@@ -95,7 +103,7 @@
         <a:sym typeface="Arial"/>
       </a:defRPr>
     </a:lvl2pPr>
-    <a:lvl3pPr lvl="2" marR="0" rtl="0" algn="l">
+    <a:lvl3pPr marR="0" lvl="2" algn="l" rtl="0">
       <a:lnSpc>
         <a:spcPct val="100000"/>
       </a:lnSpc>
@@ -109,7 +117,7 @@
         <a:srgbClr val="000000"/>
       </a:buClr>
       <a:buFont typeface="Arial"/>
-      <a:defRPr b="0" i="0" sz="1400" u="none" cap="none" strike="noStrike">
+      <a:defRPr sz="1400" b="0" i="0" u="none" strike="noStrike" cap="none">
         <a:solidFill>
           <a:srgbClr val="000000"/>
         </a:solidFill>
@@ -119,7 +127,7 @@
         <a:sym typeface="Arial"/>
       </a:defRPr>
     </a:lvl3pPr>
-    <a:lvl4pPr lvl="3" marR="0" rtl="0" algn="l">
+    <a:lvl4pPr marR="0" lvl="3" algn="l" rtl="0">
       <a:lnSpc>
         <a:spcPct val="100000"/>
       </a:lnSpc>
@@ -133,7 +141,7 @@
         <a:srgbClr val="000000"/>
       </a:buClr>
       <a:buFont typeface="Arial"/>
-      <a:defRPr b="0" i="0" sz="1400" u="none" cap="none" strike="noStrike">
+      <a:defRPr sz="1400" b="0" i="0" u="none" strike="noStrike" cap="none">
         <a:solidFill>
           <a:srgbClr val="000000"/>
         </a:solidFill>
@@ -143,7 +151,7 @@
         <a:sym typeface="Arial"/>
       </a:defRPr>
     </a:lvl4pPr>
-    <a:lvl5pPr lvl="4" marR="0" rtl="0" algn="l">
+    <a:lvl5pPr marR="0" lvl="4" algn="l" rtl="0">
       <a:lnSpc>
         <a:spcPct val="100000"/>
       </a:lnSpc>
@@ -157,7 +165,7 @@
         <a:srgbClr val="000000"/>
       </a:buClr>
       <a:buFont typeface="Arial"/>
-      <a:defRPr b="0" i="0" sz="1400" u="none" cap="none" strike="noStrike">
+      <a:defRPr sz="1400" b="0" i="0" u="none" strike="noStrike" cap="none">
         <a:solidFill>
           <a:srgbClr val="000000"/>
         </a:solidFill>
@@ -167,7 +175,7 @@
         <a:sym typeface="Arial"/>
       </a:defRPr>
     </a:lvl5pPr>
-    <a:lvl6pPr lvl="5" marR="0" rtl="0" algn="l">
+    <a:lvl6pPr marR="0" lvl="5" algn="l" rtl="0">
       <a:lnSpc>
         <a:spcPct val="100000"/>
       </a:lnSpc>
@@ -181,7 +189,7 @@
         <a:srgbClr val="000000"/>
       </a:buClr>
       <a:buFont typeface="Arial"/>
-      <a:defRPr b="0" i="0" sz="1400" u="none" cap="none" strike="noStrike">
+      <a:defRPr sz="1400" b="0" i="0" u="none" strike="noStrike" cap="none">
         <a:solidFill>
           <a:srgbClr val="000000"/>
         </a:solidFill>
@@ -191,7 +199,7 @@
         <a:sym typeface="Arial"/>
       </a:defRPr>
     </a:lvl6pPr>
-    <a:lvl7pPr lvl="6" marR="0" rtl="0" algn="l">
+    <a:lvl7pPr marR="0" lvl="6" algn="l" rtl="0">
       <a:lnSpc>
         <a:spcPct val="100000"/>
       </a:lnSpc>
@@ -205,7 +213,7 @@
         <a:srgbClr val="000000"/>
       </a:buClr>
       <a:buFont typeface="Arial"/>
-      <a:defRPr b="0" i="0" sz="1400" u="none" cap="none" strike="noStrike">
+      <a:defRPr sz="1400" b="0" i="0" u="none" strike="noStrike" cap="none">
         <a:solidFill>
           <a:srgbClr val="000000"/>
         </a:solidFill>
@@ -215,7 +223,7 @@
         <a:sym typeface="Arial"/>
       </a:defRPr>
     </a:lvl7pPr>
-    <a:lvl8pPr lvl="7" marR="0" rtl="0" algn="l">
+    <a:lvl8pPr marR="0" lvl="7" algn="l" rtl="0">
       <a:lnSpc>
         <a:spcPct val="100000"/>
       </a:lnSpc>
@@ -229,7 +237,7 @@
         <a:srgbClr val="000000"/>
       </a:buClr>
       <a:buFont typeface="Arial"/>
-      <a:defRPr b="0" i="0" sz="1400" u="none" cap="none" strike="noStrike">
+      <a:defRPr sz="1400" b="0" i="0" u="none" strike="noStrike" cap="none">
         <a:solidFill>
           <a:srgbClr val="000000"/>
         </a:solidFill>
@@ -239,7 +247,7 @@
         <a:sym typeface="Arial"/>
       </a:defRPr>
     </a:lvl8pPr>
-    <a:lvl9pPr lvl="8" marR="0" rtl="0" algn="l">
+    <a:lvl9pPr marR="0" lvl="8" algn="l" rtl="0">
       <a:lnSpc>
         <a:spcPct val="100000"/>
       </a:lnSpc>
@@ -253,7 +261,7 @@
         <a:srgbClr val="000000"/>
       </a:buClr>
       <a:buFont typeface="Arial"/>
-      <a:defRPr b="0" i="0" sz="1400" u="none" cap="none" strike="noStrike">
+      <a:defRPr sz="1400" b="0" i="0" u="none" strike="noStrike" cap="none">
         <a:solidFill>
           <a:srgbClr val="000000"/>
         </a:solidFill>
@@ -266,7 +274,7 @@
   </p:defaultTextStyle>
   <p:extLst>
     <p:ext uri="{EFAFB233-063F-42B5-8137-9DF3F51BA10A}">
-      <p15:sldGuideLst>
+      <p15:sldGuideLst xmlns:p15="http://schemas.microsoft.com/office/powerpoint/2012/main">
         <p15:guide id="1" orient="horz" pos="1620">
           <p15:clr>
             <a:srgbClr val="A4A3A4"/>
@@ -284,11 +292,16 @@
 </file>
 
 <file path=ppt/notesMasters/notesMaster1.xml><?xml version="1.0" encoding="utf-8"?>
-<p:notesMaster xmlns:a="http://schemas.openxmlformats.org/drawingml/2006/main" xmlns:r="http://schemas.openxmlformats.org/officeDocument/2006/relationships" xmlns:mc="http://schemas.openxmlformats.org/markup-compatibility/2006" xmlns:mv="urn:schemas-microsoft-com:mac:vml" xmlns:p="http://schemas.openxmlformats.org/presentationml/2006/main" xmlns:c="http://schemas.openxmlformats.org/drawingml/2006/chart" xmlns:dgm="http://schemas.openxmlformats.org/drawingml/2006/diagram" xmlns:o="urn:schemas-microsoft-com:office:office" xmlns:v="urn:schemas-microsoft-com:vml" xmlns:pvml="urn:schemas-microsoft-com:office:powerpoint" xmlns:com="http://schemas.openxmlformats.org/drawingml/2006/compatibility" xmlns:p14="http://schemas.microsoft.com/office/powerpoint/2010/main" xmlns:p15="http://schemas.microsoft.com/office/powerpoint/2012/main" xmlns:ahyp="http://schemas.microsoft.com/office/drawing/2018/hyperlinkcolor">
+<p:notesMaster xmlns:a="http://schemas.openxmlformats.org/drawingml/2006/main" xmlns:r="http://schemas.openxmlformats.org/officeDocument/2006/relationships" xmlns:p="http://schemas.openxmlformats.org/presentationml/2006/main">
   <p:cSld>
+    <p:bg>
+      <p:bgRef idx="1001">
+        <a:schemeClr val="bg1"/>
+      </p:bgRef>
+    </p:bg>
     <p:spTree>
       <p:nvGrpSpPr>
-        <p:cNvPr id="2" name="Shape 2"/>
+        <p:cNvPr id="1" name="Shape 2"/>
         <p:cNvGrpSpPr/>
         <p:nvPr/>
       </p:nvGrpSpPr>
@@ -303,9 +316,11 @@
       <p:sp>
         <p:nvSpPr>
           <p:cNvPr id="3" name="Google Shape;3;n"/>
-          <p:cNvSpPr/>
+          <p:cNvSpPr>
+            <a:spLocks noGrp="1" noRot="1" noChangeAspect="1"/>
+          </p:cNvSpPr>
           <p:nvPr>
-            <p:ph idx="2" type="sldImg"/>
+            <p:ph type="sldImg" idx="2"/>
           </p:nvPr>
         </p:nvSpPr>
         <p:spPr>
@@ -314,9 +329,13 @@
             <a:ext cx="6096075" cy="3429000"/>
           </a:xfrm>
           <a:custGeom>
-            <a:rect b="b" l="l" r="r" t="t"/>
+            <a:avLst/>
+            <a:gdLst/>
+            <a:ahLst/>
+            <a:cxnLst/>
+            <a:rect l="l" t="t" r="r" b="b"/>
             <a:pathLst>
-              <a:path extrusionOk="0" h="120000" w="120000">
+              <a:path w="120000" h="120000" extrusionOk="0">
                 <a:moveTo>
                   <a:pt x="0" y="0"/>
                 </a:moveTo>
@@ -334,23 +353,25 @@
             </a:pathLst>
           </a:custGeom>
           <a:noFill/>
-          <a:ln cap="flat" cmpd="sng" w="9525">
+          <a:ln w="9525" cap="flat" cmpd="sng">
             <a:solidFill>
               <a:srgbClr val="000000"/>
             </a:solidFill>
             <a:prstDash val="solid"/>
             <a:round/>
-            <a:headEnd len="sm" w="sm" type="none"/>
-            <a:tailEnd len="sm" w="sm" type="none"/>
+            <a:headEnd type="none" w="sm" len="sm"/>
+            <a:tailEnd type="none" w="sm" len="sm"/>
           </a:ln>
         </p:spPr>
       </p:sp>
       <p:sp>
         <p:nvSpPr>
           <p:cNvPr id="4" name="Google Shape;4;n"/>
-          <p:cNvSpPr txBox="1"/>
+          <p:cNvSpPr txBox="1">
+            <a:spLocks noGrp="1"/>
+          </p:cNvSpPr>
           <p:nvPr>
-            <p:ph idx="1" type="body"/>
+            <p:ph type="body" idx="1"/>
           </p:nvPr>
         </p:nvSpPr>
         <p:spPr>
@@ -367,11 +388,11 @@
           </a:ln>
         </p:spPr>
         <p:txBody>
-          <a:bodyPr anchorCtr="0" anchor="t" bIns="91425" lIns="91425" spcFirstLastPara="1" rIns="91425" wrap="square" tIns="91425">
+          <a:bodyPr spcFirstLastPara="1" wrap="square" lIns="91425" tIns="91425" rIns="91425" bIns="91425" anchor="t" anchorCtr="0">
             <a:noAutofit/>
           </a:bodyPr>
           <a:lstStyle>
-            <a:lvl1pPr indent="-298450" lvl="0" marL="457200">
+            <a:lvl1pPr marL="457200" lvl="0" indent="-298450">
               <a:spcBef>
                 <a:spcPts val="0"/>
               </a:spcBef>
@@ -382,7 +403,7 @@
               <a:buChar char="●"/>
               <a:defRPr sz="1100"/>
             </a:lvl1pPr>
-            <a:lvl2pPr indent="-298450" lvl="1" marL="914400">
+            <a:lvl2pPr marL="914400" lvl="1" indent="-298450">
               <a:spcBef>
                 <a:spcPts val="0"/>
               </a:spcBef>
@@ -393,7 +414,7 @@
               <a:buChar char="○"/>
               <a:defRPr sz="1100"/>
             </a:lvl2pPr>
-            <a:lvl3pPr indent="-298450" lvl="2" marL="1371600">
+            <a:lvl3pPr marL="1371600" lvl="2" indent="-298450">
               <a:spcBef>
                 <a:spcPts val="0"/>
               </a:spcBef>
@@ -404,7 +425,7 @@
               <a:buChar char="■"/>
               <a:defRPr sz="1100"/>
             </a:lvl3pPr>
-            <a:lvl4pPr indent="-298450" lvl="3" marL="1828800">
+            <a:lvl4pPr marL="1828800" lvl="3" indent="-298450">
               <a:spcBef>
                 <a:spcPts val="0"/>
               </a:spcBef>
@@ -415,7 +436,7 @@
               <a:buChar char="●"/>
               <a:defRPr sz="1100"/>
             </a:lvl4pPr>
-            <a:lvl5pPr indent="-298450" lvl="4" marL="2286000">
+            <a:lvl5pPr marL="2286000" lvl="4" indent="-298450">
               <a:spcBef>
                 <a:spcPts val="0"/>
               </a:spcBef>
@@ -426,7 +447,7 @@
               <a:buChar char="○"/>
               <a:defRPr sz="1100"/>
             </a:lvl5pPr>
-            <a:lvl6pPr indent="-298450" lvl="5" marL="2743200">
+            <a:lvl6pPr marL="2743200" lvl="5" indent="-298450">
               <a:spcBef>
                 <a:spcPts val="0"/>
               </a:spcBef>
@@ -437,7 +458,7 @@
               <a:buChar char="■"/>
               <a:defRPr sz="1100"/>
             </a:lvl6pPr>
-            <a:lvl7pPr indent="-298450" lvl="6" marL="3200400">
+            <a:lvl7pPr marL="3200400" lvl="6" indent="-298450">
               <a:spcBef>
                 <a:spcPts val="0"/>
               </a:spcBef>
@@ -448,7 +469,7 @@
               <a:buChar char="●"/>
               <a:defRPr sz="1100"/>
             </a:lvl7pPr>
-            <a:lvl8pPr indent="-298450" lvl="7" marL="3657600">
+            <a:lvl8pPr marL="3657600" lvl="7" indent="-298450">
               <a:spcBef>
                 <a:spcPts val="0"/>
               </a:spcBef>
@@ -459,7 +480,7 @@
               <a:buChar char="○"/>
               <a:defRPr sz="1100"/>
             </a:lvl8pPr>
-            <a:lvl9pPr indent="-298450" lvl="8" marL="4114800">
+            <a:lvl9pPr marL="4114800" lvl="8" indent="-298450">
               <a:spcBef>
                 <a:spcPts val="0"/>
               </a:spcBef>
@@ -471,14 +492,16 @@
               <a:defRPr sz="1100"/>
             </a:lvl9pPr>
           </a:lstStyle>
-          <a:p/>
+          <a:p>
+            <a:endParaRPr/>
+          </a:p>
         </p:txBody>
       </p:sp>
     </p:spTree>
   </p:cSld>
-  <p:clrMap accent1="accent1" accent2="accent2" accent3="accent3" accent4="accent4" accent5="accent5" accent6="accent6" bg1="lt1" bg2="dk2" tx1="dk1" tx2="lt2" folHlink="folHlink" hlink="hlink"/>
+  <p:clrMap bg1="lt1" tx1="dk1" bg2="dk2" tx2="lt2" accent1="accent1" accent2="accent2" accent3="accent3" accent4="accent4" accent5="accent5" accent6="accent6" hlink="hlink" folHlink="folHlink"/>
   <p:notesStyle>
-    <a:defPPr lvl="0" marR="0" rtl="0" algn="l">
+    <a:defPPr marR="0" lvl="0" algn="l" rtl="0">
       <a:lnSpc>
         <a:spcPct val="100000"/>
       </a:lnSpc>
@@ -489,7 +512,7 @@
         <a:spcPts val="0"/>
       </a:spcAft>
     </a:defPPr>
-    <a:lvl1pPr lvl="0" marR="0" rtl="0" algn="l">
+    <a:lvl1pPr marR="0" lvl="0" algn="l" rtl="0">
       <a:lnSpc>
         <a:spcPct val="100000"/>
       </a:lnSpc>
@@ -503,7 +526,7 @@
         <a:srgbClr val="000000"/>
       </a:buClr>
       <a:buFont typeface="Arial"/>
-      <a:defRPr b="0" i="0" sz="1400" u="none" cap="none" strike="noStrike">
+      <a:defRPr sz="1400" b="0" i="0" u="none" strike="noStrike" cap="none">
         <a:solidFill>
           <a:srgbClr val="000000"/>
         </a:solidFill>
@@ -513,7 +536,7 @@
         <a:sym typeface="Arial"/>
       </a:defRPr>
     </a:lvl1pPr>
-    <a:lvl2pPr lvl="1" marR="0" rtl="0" algn="l">
+    <a:lvl2pPr marR="0" lvl="1" algn="l" rtl="0">
       <a:lnSpc>
         <a:spcPct val="100000"/>
       </a:lnSpc>
@@ -527,7 +550,7 @@
         <a:srgbClr val="000000"/>
       </a:buClr>
       <a:buFont typeface="Arial"/>
-      <a:defRPr b="0" i="0" sz="1400" u="none" cap="none" strike="noStrike">
+      <a:defRPr sz="1400" b="0" i="0" u="none" strike="noStrike" cap="none">
         <a:solidFill>
           <a:srgbClr val="000000"/>
         </a:solidFill>
@@ -537,7 +560,7 @@
         <a:sym typeface="Arial"/>
       </a:defRPr>
     </a:lvl2pPr>
-    <a:lvl3pPr lvl="2" marR="0" rtl="0" algn="l">
+    <a:lvl3pPr marR="0" lvl="2" algn="l" rtl="0">
       <a:lnSpc>
         <a:spcPct val="100000"/>
       </a:lnSpc>
@@ -551,7 +574,7 @@
         <a:srgbClr val="000000"/>
       </a:buClr>
       <a:buFont typeface="Arial"/>
-      <a:defRPr b="0" i="0" sz="1400" u="none" cap="none" strike="noStrike">
+      <a:defRPr sz="1400" b="0" i="0" u="none" strike="noStrike" cap="none">
         <a:solidFill>
           <a:srgbClr val="000000"/>
         </a:solidFill>
@@ -561,7 +584,7 @@
         <a:sym typeface="Arial"/>
       </a:defRPr>
     </a:lvl3pPr>
-    <a:lvl4pPr lvl="3" marR="0" rtl="0" algn="l">
+    <a:lvl4pPr marR="0" lvl="3" algn="l" rtl="0">
       <a:lnSpc>
         <a:spcPct val="100000"/>
       </a:lnSpc>
@@ -575,7 +598,7 @@
         <a:srgbClr val="000000"/>
       </a:buClr>
       <a:buFont typeface="Arial"/>
-      <a:defRPr b="0" i="0" sz="1400" u="none" cap="none" strike="noStrike">
+      <a:defRPr sz="1400" b="0" i="0" u="none" strike="noStrike" cap="none">
         <a:solidFill>
           <a:srgbClr val="000000"/>
         </a:solidFill>
@@ -585,7 +608,7 @@
         <a:sym typeface="Arial"/>
       </a:defRPr>
     </a:lvl4pPr>
-    <a:lvl5pPr lvl="4" marR="0" rtl="0" algn="l">
+    <a:lvl5pPr marR="0" lvl="4" algn="l" rtl="0">
       <a:lnSpc>
         <a:spcPct val="100000"/>
       </a:lnSpc>
@@ -599,7 +622,7 @@
         <a:srgbClr val="000000"/>
       </a:buClr>
       <a:buFont typeface="Arial"/>
-      <a:defRPr b="0" i="0" sz="1400" u="none" cap="none" strike="noStrike">
+      <a:defRPr sz="1400" b="0" i="0" u="none" strike="noStrike" cap="none">
         <a:solidFill>
           <a:srgbClr val="000000"/>
         </a:solidFill>
@@ -609,7 +632,7 @@
         <a:sym typeface="Arial"/>
       </a:defRPr>
     </a:lvl5pPr>
-    <a:lvl6pPr lvl="5" marR="0" rtl="0" algn="l">
+    <a:lvl6pPr marR="0" lvl="5" algn="l" rtl="0">
       <a:lnSpc>
         <a:spcPct val="100000"/>
       </a:lnSpc>
@@ -623,7 +646,7 @@
         <a:srgbClr val="000000"/>
       </a:buClr>
       <a:buFont typeface="Arial"/>
-      <a:defRPr b="0" i="0" sz="1400" u="none" cap="none" strike="noStrike">
+      <a:defRPr sz="1400" b="0" i="0" u="none" strike="noStrike" cap="none">
         <a:solidFill>
           <a:srgbClr val="000000"/>
         </a:solidFill>
@@ -633,7 +656,7 @@
         <a:sym typeface="Arial"/>
       </a:defRPr>
     </a:lvl6pPr>
-    <a:lvl7pPr lvl="6" marR="0" rtl="0" algn="l">
+    <a:lvl7pPr marR="0" lvl="6" algn="l" rtl="0">
       <a:lnSpc>
         <a:spcPct val="100000"/>
       </a:lnSpc>
@@ -647,7 +670,7 @@
         <a:srgbClr val="000000"/>
       </a:buClr>
       <a:buFont typeface="Arial"/>
-      <a:defRPr b="0" i="0" sz="1400" u="none" cap="none" strike="noStrike">
+      <a:defRPr sz="1400" b="0" i="0" u="none" strike="noStrike" cap="none">
         <a:solidFill>
           <a:srgbClr val="000000"/>
         </a:solidFill>
@@ -657,7 +680,7 @@
         <a:sym typeface="Arial"/>
       </a:defRPr>
     </a:lvl7pPr>
-    <a:lvl8pPr lvl="7" marR="0" rtl="0" algn="l">
+    <a:lvl8pPr marR="0" lvl="7" algn="l" rtl="0">
       <a:lnSpc>
         <a:spcPct val="100000"/>
       </a:lnSpc>
@@ -671,7 +694,7 @@
         <a:srgbClr val="000000"/>
       </a:buClr>
       <a:buFont typeface="Arial"/>
-      <a:defRPr b="0" i="0" sz="1400" u="none" cap="none" strike="noStrike">
+      <a:defRPr sz="1400" b="0" i="0" u="none" strike="noStrike" cap="none">
         <a:solidFill>
           <a:srgbClr val="000000"/>
         </a:solidFill>
@@ -681,7 +704,7 @@
         <a:sym typeface="Arial"/>
       </a:defRPr>
     </a:lvl8pPr>
-    <a:lvl9pPr lvl="8" marR="0" rtl="0" algn="l">
+    <a:lvl9pPr marR="0" lvl="8" algn="l" rtl="0">
       <a:lnSpc>
         <a:spcPct val="100000"/>
       </a:lnSpc>
@@ -695,7 +718,7 @@
         <a:srgbClr val="000000"/>
       </a:buClr>
       <a:buFont typeface="Arial"/>
-      <a:defRPr b="0" i="0" sz="1400" u="none" cap="none" strike="noStrike">
+      <a:defRPr sz="1400" b="0" i="0" u="none" strike="noStrike" cap="none">
         <a:solidFill>
           <a:srgbClr val="000000"/>
         </a:solidFill>
@@ -710,11 +733,11 @@
 </file>
 
 <file path=ppt/notesSlides/notesSlide1.xml><?xml version="1.0" encoding="utf-8"?>
-<p:notes xmlns:a="http://schemas.openxmlformats.org/drawingml/2006/main" xmlns:r="http://schemas.openxmlformats.org/officeDocument/2006/relationships" xmlns:mc="http://schemas.openxmlformats.org/markup-compatibility/2006" xmlns:mv="urn:schemas-microsoft-com:mac:vml" xmlns:p="http://schemas.openxmlformats.org/presentationml/2006/main" xmlns:c="http://schemas.openxmlformats.org/drawingml/2006/chart" xmlns:dgm="http://schemas.openxmlformats.org/drawingml/2006/diagram" xmlns:o="urn:schemas-microsoft-com:office:office" xmlns:v="urn:schemas-microsoft-com:vml" xmlns:pvml="urn:schemas-microsoft-com:office:powerpoint" xmlns:com="http://schemas.openxmlformats.org/drawingml/2006/compatibility" xmlns:p14="http://schemas.microsoft.com/office/powerpoint/2010/main" xmlns:p15="http://schemas.microsoft.com/office/powerpoint/2012/main" xmlns:ahyp="http://schemas.microsoft.com/office/drawing/2018/hyperlinkcolor" showMasterPhAnim="0" showMasterSp="0">
+<p:notes xmlns:a="http://schemas.openxmlformats.org/drawingml/2006/main" xmlns:r="http://schemas.openxmlformats.org/officeDocument/2006/relationships" xmlns:p="http://schemas.openxmlformats.org/presentationml/2006/main" showMasterSp="0" showMasterPhAnim="0">
   <p:cSld>
     <p:spTree>
       <p:nvGrpSpPr>
-        <p:cNvPr id="59" name="Shape 59"/>
+        <p:cNvPr id="1" name="Shape 59"/>
         <p:cNvGrpSpPr/>
         <p:nvPr/>
       </p:nvGrpSpPr>
@@ -729,9 +752,11 @@
       <p:sp>
         <p:nvSpPr>
           <p:cNvPr id="60" name="Google Shape;60;p:notes"/>
-          <p:cNvSpPr/>
+          <p:cNvSpPr>
+            <a:spLocks noGrp="1" noRot="1" noChangeAspect="1"/>
+          </p:cNvSpPr>
           <p:nvPr>
-            <p:ph idx="2" type="sldImg"/>
+            <p:ph type="sldImg" idx="2"/>
           </p:nvPr>
         </p:nvSpPr>
         <p:spPr>
@@ -740,9 +765,13 @@
             <a:ext cx="6096075" cy="3429000"/>
           </a:xfrm>
           <a:custGeom>
-            <a:rect b="b" l="l" r="r" t="t"/>
+            <a:avLst/>
+            <a:gdLst/>
+            <a:ahLst/>
+            <a:cxnLst/>
+            <a:rect l="l" t="t" r="r" b="b"/>
             <a:pathLst>
-              <a:path extrusionOk="0" h="120000" w="120000">
+              <a:path w="120000" h="120000" extrusionOk="0">
                 <a:moveTo>
                   <a:pt x="0" y="0"/>
                 </a:moveTo>
@@ -764,9 +793,11 @@
       <p:sp>
         <p:nvSpPr>
           <p:cNvPr id="61" name="Google Shape;61;p:notes"/>
-          <p:cNvSpPr txBox="1"/>
+          <p:cNvSpPr txBox="1">
+            <a:spLocks noGrp="1"/>
+          </p:cNvSpPr>
           <p:nvPr>
-            <p:ph idx="1" type="body"/>
+            <p:ph type="body" idx="1"/>
           </p:nvPr>
         </p:nvSpPr>
         <p:spPr>
@@ -779,12 +810,12 @@
           </a:prstGeom>
         </p:spPr>
         <p:txBody>
-          <a:bodyPr anchorCtr="0" anchor="t" bIns="91425" lIns="91425" spcFirstLastPara="1" rIns="91425" wrap="square" tIns="91425">
+          <a:bodyPr spcFirstLastPara="1" wrap="square" lIns="91425" tIns="91425" rIns="91425" bIns="91425" anchor="t" anchorCtr="0">
             <a:noAutofit/>
           </a:bodyPr>
           <a:lstStyle/>
           <a:p>
-            <a:pPr indent="0" lvl="0" marL="0" rtl="0" algn="l">
+            <a:pPr marL="0" lvl="0" indent="0" algn="l" rtl="0">
               <a:spcBef>
                 <a:spcPts val="0"/>
               </a:spcBef>
@@ -794,54 +825,30 @@
               <a:buNone/>
             </a:pPr>
             <a:r>
-              <a:rPr lang="en-GB" u="sng">
-                <a:solidFill>
-                  <a:schemeClr val="hlink"/>
-                </a:solidFill>
-                <a:hlinkClick r:id="rId2"/>
-              </a:rPr>
-              <a:t>https://www.tmwr.org/resampling.html</a:t>
-            </a:r>
-            <a:endParaRPr/>
-          </a:p>
-          <a:p>
-            <a:pPr indent="0" lvl="0" marL="0" rtl="0" algn="l">
-              <a:spcBef>
-                <a:spcPts val="0"/>
-              </a:spcBef>
-              <a:spcAft>
-                <a:spcPts val="0"/>
-              </a:spcAft>
-              <a:buNone/>
-            </a:pPr>
-            <a:r>
-              <a:t/>
-            </a:r>
-            <a:endParaRPr/>
-          </a:p>
-          <a:p>
-            <a:pPr indent="0" lvl="0" marL="0" rtl="0" algn="l">
-              <a:spcBef>
-                <a:spcPts val="0"/>
-              </a:spcBef>
-              <a:spcAft>
-                <a:spcPts val="0"/>
-              </a:spcAft>
-              <a:buNone/>
-            </a:pPr>
-            <a:r>
-              <a:rPr lang="en-GB" u="sng">
+              <a:rPr lang="en-GB" u="sng" dirty="0">
                 <a:solidFill>
                   <a:schemeClr val="hlink"/>
                 </a:solidFill>
                 <a:hlinkClick r:id="rId3"/>
               </a:rPr>
-              <a:t>http://journal.embnet.org/index.php/embnetjournal/article/view/550</a:t>
+              <a:t>https://www.tmwr.org/resampling.html</a:t>
             </a:r>
-            <a:endParaRPr/>
-          </a:p>
-          <a:p>
-            <a:pPr indent="0" lvl="0" marL="0" rtl="0" algn="l">
+            <a:endParaRPr dirty="0"/>
+          </a:p>
+          <a:p>
+            <a:pPr marL="0" lvl="0" indent="0" algn="l" rtl="0">
+              <a:spcBef>
+                <a:spcPts val="0"/>
+              </a:spcBef>
+              <a:spcAft>
+                <a:spcPts val="0"/>
+              </a:spcAft>
+              <a:buNone/>
+            </a:pPr>
+            <a:endParaRPr dirty="0"/>
+          </a:p>
+          <a:p>
+            <a:pPr marL="0" lvl="0" indent="0" algn="l" rtl="0">
               <a:spcBef>
                 <a:spcPts val="0"/>
               </a:spcBef>
@@ -851,12 +858,31 @@
               <a:buNone/>
             </a:pPr>
             <a:r>
-              <a:t/>
+              <a:rPr lang="en-GB" u="sng" dirty="0">
+                <a:solidFill>
+                  <a:schemeClr val="hlink"/>
+                </a:solidFill>
+                <a:hlinkClick r:id="rId4"/>
+              </a:rPr>
+              <a:t>http://</a:t>
             </a:r>
-            <a:endParaRPr/>
-          </a:p>
-          <a:p>
-            <a:pPr indent="0" lvl="0" marL="0" rtl="0" algn="l">
+            <a:r>
+              <a:rPr lang="en-GB" u="sng" dirty="0" smtClean="0">
+                <a:solidFill>
+                  <a:schemeClr val="hlink"/>
+                </a:solidFill>
+                <a:hlinkClick r:id="rId4"/>
+              </a:rPr>
+              <a:t>journal.embnet.org/index.php/embnetjournal/article/view/550</a:t>
+            </a:r>
+            <a:endParaRPr lang="en-GB" u="sng" dirty="0" smtClean="0">
+              <a:solidFill>
+                <a:schemeClr val="hlink"/>
+              </a:solidFill>
+            </a:endParaRPr>
+          </a:p>
+          <a:p>
+            <a:pPr marL="0" lvl="0" indent="0" algn="l" rtl="0">
               <a:spcBef>
                 <a:spcPts val="0"/>
               </a:spcBef>
@@ -865,10 +891,19 @@
               </a:spcAft>
               <a:buNone/>
             </a:pPr>
-            <a:r>
-              <a:t/>
-            </a:r>
-            <a:endParaRPr/>
+            <a:endParaRPr dirty="0"/>
+          </a:p>
+          <a:p>
+            <a:pPr marL="0" lvl="0" indent="0" algn="l" rtl="0">
+              <a:spcBef>
+                <a:spcPts val="0"/>
+              </a:spcBef>
+              <a:spcAft>
+                <a:spcPts val="0"/>
+              </a:spcAft>
+              <a:buNone/>
+            </a:pPr>
+            <a:endParaRPr dirty="0"/>
           </a:p>
         </p:txBody>
       </p:sp>
@@ -881,11 +916,551 @@
 </file>
 
 <file path=ppt/notesSlides/notesSlide10.xml><?xml version="1.0" encoding="utf-8"?>
-<p:notes xmlns:a="http://schemas.openxmlformats.org/drawingml/2006/main" xmlns:r="http://schemas.openxmlformats.org/officeDocument/2006/relationships" xmlns:mc="http://schemas.openxmlformats.org/markup-compatibility/2006" xmlns:mv="urn:schemas-microsoft-com:mac:vml" xmlns:p="http://schemas.openxmlformats.org/presentationml/2006/main" xmlns:c="http://schemas.openxmlformats.org/drawingml/2006/chart" xmlns:dgm="http://schemas.openxmlformats.org/drawingml/2006/diagram" xmlns:o="urn:schemas-microsoft-com:office:office" xmlns:v="urn:schemas-microsoft-com:vml" xmlns:pvml="urn:schemas-microsoft-com:office:powerpoint" xmlns:com="http://schemas.openxmlformats.org/drawingml/2006/compatibility" xmlns:p14="http://schemas.microsoft.com/office/powerpoint/2010/main" xmlns:p15="http://schemas.microsoft.com/office/powerpoint/2012/main" xmlns:ahyp="http://schemas.microsoft.com/office/drawing/2018/hyperlinkcolor" showMasterPhAnim="0" showMasterSp="0">
+<p:notes xmlns:a="http://schemas.openxmlformats.org/drawingml/2006/main" xmlns:r="http://schemas.openxmlformats.org/officeDocument/2006/relationships" xmlns:p="http://schemas.openxmlformats.org/presentationml/2006/main" showMasterSp="0" showMasterPhAnim="0">
   <p:cSld>
     <p:spTree>
       <p:nvGrpSpPr>
-        <p:cNvPr id="113" name="Shape 113"/>
+        <p:cNvPr id="1" name="Shape 101"/>
+        <p:cNvGrpSpPr/>
+        <p:nvPr/>
+      </p:nvGrpSpPr>
+      <p:grpSpPr>
+        <a:xfrm>
+          <a:off x="0" y="0"/>
+          <a:ext cx="0" cy="0"/>
+          <a:chOff x="0" y="0"/>
+          <a:chExt cx="0" cy="0"/>
+        </a:xfrm>
+      </p:grpSpPr>
+      <p:sp>
+        <p:nvSpPr>
+          <p:cNvPr id="102" name="Google Shape;102;gd679ff7f26_0_24:notes"/>
+          <p:cNvSpPr>
+            <a:spLocks noGrp="1" noRot="1" noChangeAspect="1"/>
+          </p:cNvSpPr>
+          <p:nvPr>
+            <p:ph type="sldImg" idx="2"/>
+          </p:nvPr>
+        </p:nvSpPr>
+        <p:spPr>
+          <a:xfrm>
+            <a:off x="381000" y="685800"/>
+            <a:ext cx="6096000" cy="3429000"/>
+          </a:xfrm>
+          <a:custGeom>
+            <a:avLst/>
+            <a:gdLst/>
+            <a:ahLst/>
+            <a:cxnLst/>
+            <a:rect l="l" t="t" r="r" b="b"/>
+            <a:pathLst>
+              <a:path w="120000" h="120000" extrusionOk="0">
+                <a:moveTo>
+                  <a:pt x="0" y="0"/>
+                </a:moveTo>
+                <a:lnTo>
+                  <a:pt x="120000" y="0"/>
+                </a:lnTo>
+                <a:lnTo>
+                  <a:pt x="120000" y="120000"/>
+                </a:lnTo>
+                <a:lnTo>
+                  <a:pt x="0" y="120000"/>
+                </a:lnTo>
+                <a:close/>
+              </a:path>
+            </a:pathLst>
+          </a:custGeom>
+        </p:spPr>
+      </p:sp>
+      <p:sp>
+        <p:nvSpPr>
+          <p:cNvPr id="103" name="Google Shape;103;gd679ff7f26_0_24:notes"/>
+          <p:cNvSpPr txBox="1">
+            <a:spLocks noGrp="1"/>
+          </p:cNvSpPr>
+          <p:nvPr>
+            <p:ph type="body" idx="1"/>
+          </p:nvPr>
+        </p:nvSpPr>
+        <p:spPr>
+          <a:xfrm>
+            <a:off x="685800" y="4343400"/>
+            <a:ext cx="5486400" cy="4114800"/>
+          </a:xfrm>
+          <a:prstGeom prst="rect">
+            <a:avLst/>
+          </a:prstGeom>
+        </p:spPr>
+        <p:txBody>
+          <a:bodyPr spcFirstLastPara="1" wrap="square" lIns="91425" tIns="91425" rIns="91425" bIns="91425" anchor="t" anchorCtr="0">
+            <a:noAutofit/>
+          </a:bodyPr>
+          <a:lstStyle/>
+          <a:p>
+            <a:pPr marL="0" lvl="0" indent="0" algn="l" rtl="0">
+              <a:spcBef>
+                <a:spcPts val="0"/>
+              </a:spcBef>
+              <a:spcAft>
+                <a:spcPts val="0"/>
+              </a:spcAft>
+              <a:buNone/>
+            </a:pPr>
+            <a:endParaRPr dirty="0"/>
+          </a:p>
+        </p:txBody>
+      </p:sp>
+    </p:spTree>
+    <p:extLst>
+      <p:ext uri="{BB962C8B-B14F-4D97-AF65-F5344CB8AC3E}">
+        <p14:creationId xmlns:p14="http://schemas.microsoft.com/office/powerpoint/2010/main" val="4171790466"/>
+      </p:ext>
+    </p:extLst>
+  </p:cSld>
+  <p:clrMapOvr>
+    <a:masterClrMapping/>
+  </p:clrMapOvr>
+</p:notes>
+</file>
+
+<file path=ppt/notesSlides/notesSlide11.xml><?xml version="1.0" encoding="utf-8"?>
+<p:notes xmlns:a="http://schemas.openxmlformats.org/drawingml/2006/main" xmlns:r="http://schemas.openxmlformats.org/officeDocument/2006/relationships" xmlns:p="http://schemas.openxmlformats.org/presentationml/2006/main" showMasterSp="0" showMasterPhAnim="0">
+  <p:cSld>
+    <p:spTree>
+      <p:nvGrpSpPr>
+        <p:cNvPr id="1" name="Shape 101"/>
+        <p:cNvGrpSpPr/>
+        <p:nvPr/>
+      </p:nvGrpSpPr>
+      <p:grpSpPr>
+        <a:xfrm>
+          <a:off x="0" y="0"/>
+          <a:ext cx="0" cy="0"/>
+          <a:chOff x="0" y="0"/>
+          <a:chExt cx="0" cy="0"/>
+        </a:xfrm>
+      </p:grpSpPr>
+      <p:sp>
+        <p:nvSpPr>
+          <p:cNvPr id="102" name="Google Shape;102;gd679ff7f26_0_24:notes"/>
+          <p:cNvSpPr>
+            <a:spLocks noGrp="1" noRot="1" noChangeAspect="1"/>
+          </p:cNvSpPr>
+          <p:nvPr>
+            <p:ph type="sldImg" idx="2"/>
+          </p:nvPr>
+        </p:nvSpPr>
+        <p:spPr>
+          <a:xfrm>
+            <a:off x="381000" y="685800"/>
+            <a:ext cx="6096000" cy="3429000"/>
+          </a:xfrm>
+          <a:custGeom>
+            <a:avLst/>
+            <a:gdLst/>
+            <a:ahLst/>
+            <a:cxnLst/>
+            <a:rect l="l" t="t" r="r" b="b"/>
+            <a:pathLst>
+              <a:path w="120000" h="120000" extrusionOk="0">
+                <a:moveTo>
+                  <a:pt x="0" y="0"/>
+                </a:moveTo>
+                <a:lnTo>
+                  <a:pt x="120000" y="0"/>
+                </a:lnTo>
+                <a:lnTo>
+                  <a:pt x="120000" y="120000"/>
+                </a:lnTo>
+                <a:lnTo>
+                  <a:pt x="0" y="120000"/>
+                </a:lnTo>
+                <a:close/>
+              </a:path>
+            </a:pathLst>
+          </a:custGeom>
+        </p:spPr>
+      </p:sp>
+      <p:sp>
+        <p:nvSpPr>
+          <p:cNvPr id="103" name="Google Shape;103;gd679ff7f26_0_24:notes"/>
+          <p:cNvSpPr txBox="1">
+            <a:spLocks noGrp="1"/>
+          </p:cNvSpPr>
+          <p:nvPr>
+            <p:ph type="body" idx="1"/>
+          </p:nvPr>
+        </p:nvSpPr>
+        <p:spPr>
+          <a:xfrm>
+            <a:off x="685800" y="4343400"/>
+            <a:ext cx="5486400" cy="4114800"/>
+          </a:xfrm>
+          <a:prstGeom prst="rect">
+            <a:avLst/>
+          </a:prstGeom>
+        </p:spPr>
+        <p:txBody>
+          <a:bodyPr spcFirstLastPara="1" wrap="square" lIns="91425" tIns="91425" rIns="91425" bIns="91425" anchor="t" anchorCtr="0">
+            <a:noAutofit/>
+          </a:bodyPr>
+          <a:lstStyle/>
+          <a:p>
+            <a:pPr marL="0" lvl="0" indent="0" algn="l" rtl="0">
+              <a:spcBef>
+                <a:spcPts val="0"/>
+              </a:spcBef>
+              <a:spcAft>
+                <a:spcPts val="0"/>
+              </a:spcAft>
+              <a:buNone/>
+            </a:pPr>
+            <a:endParaRPr/>
+          </a:p>
+        </p:txBody>
+      </p:sp>
+    </p:spTree>
+    <p:extLst>
+      <p:ext uri="{BB962C8B-B14F-4D97-AF65-F5344CB8AC3E}">
+        <p14:creationId xmlns:p14="http://schemas.microsoft.com/office/powerpoint/2010/main" val="1175085743"/>
+      </p:ext>
+    </p:extLst>
+  </p:cSld>
+  <p:clrMapOvr>
+    <a:masterClrMapping/>
+  </p:clrMapOvr>
+</p:notes>
+</file>
+
+<file path=ppt/notesSlides/notesSlide12.xml><?xml version="1.0" encoding="utf-8"?>
+<p:notes xmlns:a="http://schemas.openxmlformats.org/drawingml/2006/main" xmlns:r="http://schemas.openxmlformats.org/officeDocument/2006/relationships" xmlns:p="http://schemas.openxmlformats.org/presentationml/2006/main" showMasterSp="0" showMasterPhAnim="0">
+  <p:cSld>
+    <p:spTree>
+      <p:nvGrpSpPr>
+        <p:cNvPr id="1" name="Shape 101"/>
+        <p:cNvGrpSpPr/>
+        <p:nvPr/>
+      </p:nvGrpSpPr>
+      <p:grpSpPr>
+        <a:xfrm>
+          <a:off x="0" y="0"/>
+          <a:ext cx="0" cy="0"/>
+          <a:chOff x="0" y="0"/>
+          <a:chExt cx="0" cy="0"/>
+        </a:xfrm>
+      </p:grpSpPr>
+      <p:sp>
+        <p:nvSpPr>
+          <p:cNvPr id="102" name="Google Shape;102;gd679ff7f26_0_24:notes"/>
+          <p:cNvSpPr>
+            <a:spLocks noGrp="1" noRot="1" noChangeAspect="1"/>
+          </p:cNvSpPr>
+          <p:nvPr>
+            <p:ph type="sldImg" idx="2"/>
+          </p:nvPr>
+        </p:nvSpPr>
+        <p:spPr>
+          <a:xfrm>
+            <a:off x="381000" y="685800"/>
+            <a:ext cx="6096000" cy="3429000"/>
+          </a:xfrm>
+          <a:custGeom>
+            <a:avLst/>
+            <a:gdLst/>
+            <a:ahLst/>
+            <a:cxnLst/>
+            <a:rect l="l" t="t" r="r" b="b"/>
+            <a:pathLst>
+              <a:path w="120000" h="120000" extrusionOk="0">
+                <a:moveTo>
+                  <a:pt x="0" y="0"/>
+                </a:moveTo>
+                <a:lnTo>
+                  <a:pt x="120000" y="0"/>
+                </a:lnTo>
+                <a:lnTo>
+                  <a:pt x="120000" y="120000"/>
+                </a:lnTo>
+                <a:lnTo>
+                  <a:pt x="0" y="120000"/>
+                </a:lnTo>
+                <a:close/>
+              </a:path>
+            </a:pathLst>
+          </a:custGeom>
+        </p:spPr>
+      </p:sp>
+      <p:sp>
+        <p:nvSpPr>
+          <p:cNvPr id="103" name="Google Shape;103;gd679ff7f26_0_24:notes"/>
+          <p:cNvSpPr txBox="1">
+            <a:spLocks noGrp="1"/>
+          </p:cNvSpPr>
+          <p:nvPr>
+            <p:ph type="body" idx="1"/>
+          </p:nvPr>
+        </p:nvSpPr>
+        <p:spPr>
+          <a:xfrm>
+            <a:off x="685800" y="4343400"/>
+            <a:ext cx="5486400" cy="4114800"/>
+          </a:xfrm>
+          <a:prstGeom prst="rect">
+            <a:avLst/>
+          </a:prstGeom>
+        </p:spPr>
+        <p:txBody>
+          <a:bodyPr spcFirstLastPara="1" wrap="square" lIns="91425" tIns="91425" rIns="91425" bIns="91425" anchor="t" anchorCtr="0">
+            <a:noAutofit/>
+          </a:bodyPr>
+          <a:lstStyle/>
+          <a:p>
+            <a:pPr marL="0" lvl="0" indent="0" algn="l" rtl="0">
+              <a:spcBef>
+                <a:spcPts val="0"/>
+              </a:spcBef>
+              <a:spcAft>
+                <a:spcPts val="0"/>
+              </a:spcAft>
+              <a:buNone/>
+            </a:pPr>
+            <a:endParaRPr/>
+          </a:p>
+        </p:txBody>
+      </p:sp>
+    </p:spTree>
+    <p:extLst>
+      <p:ext uri="{BB962C8B-B14F-4D97-AF65-F5344CB8AC3E}">
+        <p14:creationId xmlns:p14="http://schemas.microsoft.com/office/powerpoint/2010/main" val="4246698061"/>
+      </p:ext>
+    </p:extLst>
+  </p:cSld>
+  <p:clrMapOvr>
+    <a:masterClrMapping/>
+  </p:clrMapOvr>
+</p:notes>
+</file>
+
+<file path=ppt/notesSlides/notesSlide13.xml><?xml version="1.0" encoding="utf-8"?>
+<p:notes xmlns:a="http://schemas.openxmlformats.org/drawingml/2006/main" xmlns:r="http://schemas.openxmlformats.org/officeDocument/2006/relationships" xmlns:p="http://schemas.openxmlformats.org/presentationml/2006/main" showMasterSp="0" showMasterPhAnim="0">
+  <p:cSld>
+    <p:spTree>
+      <p:nvGrpSpPr>
+        <p:cNvPr id="1" name="Shape 107"/>
+        <p:cNvGrpSpPr/>
+        <p:nvPr/>
+      </p:nvGrpSpPr>
+      <p:grpSpPr>
+        <a:xfrm>
+          <a:off x="0" y="0"/>
+          <a:ext cx="0" cy="0"/>
+          <a:chOff x="0" y="0"/>
+          <a:chExt cx="0" cy="0"/>
+        </a:xfrm>
+      </p:grpSpPr>
+      <p:sp>
+        <p:nvSpPr>
+          <p:cNvPr id="108" name="Google Shape;108;gd679ff7f26_0_14:notes"/>
+          <p:cNvSpPr>
+            <a:spLocks noGrp="1" noRot="1" noChangeAspect="1"/>
+          </p:cNvSpPr>
+          <p:nvPr>
+            <p:ph type="sldImg" idx="2"/>
+          </p:nvPr>
+        </p:nvSpPr>
+        <p:spPr>
+          <a:xfrm>
+            <a:off x="381000" y="685800"/>
+            <a:ext cx="6096000" cy="3429000"/>
+          </a:xfrm>
+          <a:custGeom>
+            <a:avLst/>
+            <a:gdLst/>
+            <a:ahLst/>
+            <a:cxnLst/>
+            <a:rect l="l" t="t" r="r" b="b"/>
+            <a:pathLst>
+              <a:path w="120000" h="120000" extrusionOk="0">
+                <a:moveTo>
+                  <a:pt x="0" y="0"/>
+                </a:moveTo>
+                <a:lnTo>
+                  <a:pt x="120000" y="0"/>
+                </a:lnTo>
+                <a:lnTo>
+                  <a:pt x="120000" y="120000"/>
+                </a:lnTo>
+                <a:lnTo>
+                  <a:pt x="0" y="120000"/>
+                </a:lnTo>
+                <a:close/>
+              </a:path>
+            </a:pathLst>
+          </a:custGeom>
+        </p:spPr>
+      </p:sp>
+      <p:sp>
+        <p:nvSpPr>
+          <p:cNvPr id="109" name="Google Shape;109;gd679ff7f26_0_14:notes"/>
+          <p:cNvSpPr txBox="1">
+            <a:spLocks noGrp="1"/>
+          </p:cNvSpPr>
+          <p:nvPr>
+            <p:ph type="body" idx="1"/>
+          </p:nvPr>
+        </p:nvSpPr>
+        <p:spPr>
+          <a:xfrm>
+            <a:off x="685800" y="4343400"/>
+            <a:ext cx="5486400" cy="4114800"/>
+          </a:xfrm>
+          <a:prstGeom prst="rect">
+            <a:avLst/>
+          </a:prstGeom>
+        </p:spPr>
+        <p:txBody>
+          <a:bodyPr spcFirstLastPara="1" wrap="square" lIns="91425" tIns="91425" rIns="91425" bIns="91425" anchor="t" anchorCtr="0">
+            <a:noAutofit/>
+          </a:bodyPr>
+          <a:lstStyle/>
+          <a:p>
+            <a:pPr marL="0" lvl="0" indent="0" algn="l" rtl="0">
+              <a:spcBef>
+                <a:spcPts val="0"/>
+              </a:spcBef>
+              <a:spcAft>
+                <a:spcPts val="0"/>
+              </a:spcAft>
+              <a:buNone/>
+            </a:pPr>
+            <a:endParaRPr/>
+          </a:p>
+        </p:txBody>
+      </p:sp>
+    </p:spTree>
+  </p:cSld>
+  <p:clrMapOvr>
+    <a:masterClrMapping/>
+  </p:clrMapOvr>
+</p:notes>
+</file>
+
+<file path=ppt/notesSlides/notesSlide14.xml><?xml version="1.0" encoding="utf-8"?>
+<p:notes xmlns:a="http://schemas.openxmlformats.org/drawingml/2006/main" xmlns:r="http://schemas.openxmlformats.org/officeDocument/2006/relationships" xmlns:p="http://schemas.openxmlformats.org/presentationml/2006/main" showMasterSp="0" showMasterPhAnim="0">
+  <p:cSld>
+    <p:spTree>
+      <p:nvGrpSpPr>
+        <p:cNvPr id="1" name="Shape 107"/>
+        <p:cNvGrpSpPr/>
+        <p:nvPr/>
+      </p:nvGrpSpPr>
+      <p:grpSpPr>
+        <a:xfrm>
+          <a:off x="0" y="0"/>
+          <a:ext cx="0" cy="0"/>
+          <a:chOff x="0" y="0"/>
+          <a:chExt cx="0" cy="0"/>
+        </a:xfrm>
+      </p:grpSpPr>
+      <p:sp>
+        <p:nvSpPr>
+          <p:cNvPr id="108" name="Google Shape;108;gd679ff7f26_0_14:notes"/>
+          <p:cNvSpPr>
+            <a:spLocks noGrp="1" noRot="1" noChangeAspect="1"/>
+          </p:cNvSpPr>
+          <p:nvPr>
+            <p:ph type="sldImg" idx="2"/>
+          </p:nvPr>
+        </p:nvSpPr>
+        <p:spPr>
+          <a:xfrm>
+            <a:off x="381000" y="685800"/>
+            <a:ext cx="6096000" cy="3429000"/>
+          </a:xfrm>
+          <a:custGeom>
+            <a:avLst/>
+            <a:gdLst/>
+            <a:ahLst/>
+            <a:cxnLst/>
+            <a:rect l="l" t="t" r="r" b="b"/>
+            <a:pathLst>
+              <a:path w="120000" h="120000" extrusionOk="0">
+                <a:moveTo>
+                  <a:pt x="0" y="0"/>
+                </a:moveTo>
+                <a:lnTo>
+                  <a:pt x="120000" y="0"/>
+                </a:lnTo>
+                <a:lnTo>
+                  <a:pt x="120000" y="120000"/>
+                </a:lnTo>
+                <a:lnTo>
+                  <a:pt x="0" y="120000"/>
+                </a:lnTo>
+                <a:close/>
+              </a:path>
+            </a:pathLst>
+          </a:custGeom>
+        </p:spPr>
+      </p:sp>
+      <p:sp>
+        <p:nvSpPr>
+          <p:cNvPr id="109" name="Google Shape;109;gd679ff7f26_0_14:notes"/>
+          <p:cNvSpPr txBox="1">
+            <a:spLocks noGrp="1"/>
+          </p:cNvSpPr>
+          <p:nvPr>
+            <p:ph type="body" idx="1"/>
+          </p:nvPr>
+        </p:nvSpPr>
+        <p:spPr>
+          <a:xfrm>
+            <a:off x="685800" y="4343400"/>
+            <a:ext cx="5486400" cy="4114800"/>
+          </a:xfrm>
+          <a:prstGeom prst="rect">
+            <a:avLst/>
+          </a:prstGeom>
+        </p:spPr>
+        <p:txBody>
+          <a:bodyPr spcFirstLastPara="1" wrap="square" lIns="91425" tIns="91425" rIns="91425" bIns="91425" anchor="t" anchorCtr="0">
+            <a:noAutofit/>
+          </a:bodyPr>
+          <a:lstStyle/>
+          <a:p>
+            <a:pPr marL="0" lvl="0" indent="0" algn="l" rtl="0">
+              <a:spcBef>
+                <a:spcPts val="0"/>
+              </a:spcBef>
+              <a:spcAft>
+                <a:spcPts val="0"/>
+              </a:spcAft>
+              <a:buNone/>
+            </a:pPr>
+            <a:endParaRPr/>
+          </a:p>
+        </p:txBody>
+      </p:sp>
+    </p:spTree>
+    <p:extLst>
+      <p:ext uri="{BB962C8B-B14F-4D97-AF65-F5344CB8AC3E}">
+        <p14:creationId xmlns:p14="http://schemas.microsoft.com/office/powerpoint/2010/main" val="4096203883"/>
+      </p:ext>
+    </p:extLst>
+  </p:cSld>
+  <p:clrMapOvr>
+    <a:masterClrMapping/>
+  </p:clrMapOvr>
+</p:notes>
+</file>
+
+<file path=ppt/notesSlides/notesSlide15.xml><?xml version="1.0" encoding="utf-8"?>
+<p:notes xmlns:a="http://schemas.openxmlformats.org/drawingml/2006/main" xmlns:r="http://schemas.openxmlformats.org/officeDocument/2006/relationships" xmlns:p="http://schemas.openxmlformats.org/presentationml/2006/main" showMasterSp="0" showMasterPhAnim="0">
+  <p:cSld>
+    <p:spTree>
+      <p:nvGrpSpPr>
+        <p:cNvPr id="1" name="Shape 113"/>
         <p:cNvGrpSpPr/>
         <p:nvPr/>
       </p:nvGrpSpPr>
@@ -900,20 +1475,26 @@
       <p:sp>
         <p:nvSpPr>
           <p:cNvPr id="114" name="Google Shape;114;gd679ff7f26_0_19:notes"/>
-          <p:cNvSpPr/>
+          <p:cNvSpPr>
+            <a:spLocks noGrp="1" noRot="1" noChangeAspect="1"/>
+          </p:cNvSpPr>
           <p:nvPr>
-            <p:ph idx="2" type="sldImg"/>
+            <p:ph type="sldImg" idx="2"/>
           </p:nvPr>
         </p:nvSpPr>
         <p:spPr>
           <a:xfrm>
-            <a:off x="381300" y="685800"/>
+            <a:off x="381000" y="685800"/>
             <a:ext cx="6096000" cy="3429000"/>
           </a:xfrm>
           <a:custGeom>
-            <a:rect b="b" l="l" r="r" t="t"/>
+            <a:avLst/>
+            <a:gdLst/>
+            <a:ahLst/>
+            <a:cxnLst/>
+            <a:rect l="l" t="t" r="r" b="b"/>
             <a:pathLst>
-              <a:path extrusionOk="0" h="120000" w="120000">
+              <a:path w="120000" h="120000" extrusionOk="0">
                 <a:moveTo>
                   <a:pt x="0" y="0"/>
                 </a:moveTo>
@@ -935,9 +1516,11 @@
       <p:sp>
         <p:nvSpPr>
           <p:cNvPr id="115" name="Google Shape;115;gd679ff7f26_0_19:notes"/>
-          <p:cNvSpPr txBox="1"/>
+          <p:cNvSpPr txBox="1">
+            <a:spLocks noGrp="1"/>
+          </p:cNvSpPr>
           <p:nvPr>
-            <p:ph idx="1" type="body"/>
+            <p:ph type="body" idx="1"/>
           </p:nvPr>
         </p:nvSpPr>
         <p:spPr>
@@ -950,12 +1533,12 @@
           </a:prstGeom>
         </p:spPr>
         <p:txBody>
-          <a:bodyPr anchorCtr="0" anchor="t" bIns="91425" lIns="91425" spcFirstLastPara="1" rIns="91425" wrap="square" tIns="91425">
+          <a:bodyPr spcFirstLastPara="1" wrap="square" lIns="91425" tIns="91425" rIns="91425" bIns="91425" anchor="t" anchorCtr="0">
             <a:noAutofit/>
           </a:bodyPr>
           <a:lstStyle/>
           <a:p>
-            <a:pPr indent="0" lvl="0" marL="0" rtl="0" algn="l">
+            <a:pPr marL="0" lvl="0" indent="0" algn="l" rtl="0">
               <a:spcBef>
                 <a:spcPts val="0"/>
               </a:spcBef>
@@ -964,9 +1547,6 @@
               </a:spcAft>
               <a:buNone/>
             </a:pPr>
-            <a:r>
-              <a:t/>
-            </a:r>
             <a:endParaRPr/>
           </a:p>
         </p:txBody>
@@ -979,12 +1559,230 @@
 </p:notes>
 </file>
 
-<file path=ppt/notesSlides/notesSlide2.xml><?xml version="1.0" encoding="utf-8"?>
-<p:notes xmlns:a="http://schemas.openxmlformats.org/drawingml/2006/main" xmlns:r="http://schemas.openxmlformats.org/officeDocument/2006/relationships" xmlns:mc="http://schemas.openxmlformats.org/markup-compatibility/2006" xmlns:mv="urn:schemas-microsoft-com:mac:vml" xmlns:p="http://schemas.openxmlformats.org/presentationml/2006/main" xmlns:c="http://schemas.openxmlformats.org/drawingml/2006/chart" xmlns:dgm="http://schemas.openxmlformats.org/drawingml/2006/diagram" xmlns:o="urn:schemas-microsoft-com:office:office" xmlns:v="urn:schemas-microsoft-com:vml" xmlns:pvml="urn:schemas-microsoft-com:office:powerpoint" xmlns:com="http://schemas.openxmlformats.org/drawingml/2006/compatibility" xmlns:p14="http://schemas.microsoft.com/office/powerpoint/2010/main" xmlns:p15="http://schemas.microsoft.com/office/powerpoint/2012/main" xmlns:ahyp="http://schemas.microsoft.com/office/drawing/2018/hyperlinkcolor" showMasterPhAnim="0" showMasterSp="0">
+<file path=ppt/notesSlides/notesSlide16.xml><?xml version="1.0" encoding="utf-8"?>
+<p:notes xmlns:a="http://schemas.openxmlformats.org/drawingml/2006/main" xmlns:r="http://schemas.openxmlformats.org/officeDocument/2006/relationships" xmlns:p="http://schemas.openxmlformats.org/presentationml/2006/main" showMasterSp="0" showMasterPhAnim="0">
   <p:cSld>
     <p:spTree>
       <p:nvGrpSpPr>
-        <p:cNvPr id="65" name="Shape 65"/>
+        <p:cNvPr id="1" name="Shape 113"/>
+        <p:cNvGrpSpPr/>
+        <p:nvPr/>
+      </p:nvGrpSpPr>
+      <p:grpSpPr>
+        <a:xfrm>
+          <a:off x="0" y="0"/>
+          <a:ext cx="0" cy="0"/>
+          <a:chOff x="0" y="0"/>
+          <a:chExt cx="0" cy="0"/>
+        </a:xfrm>
+      </p:grpSpPr>
+      <p:sp>
+        <p:nvSpPr>
+          <p:cNvPr id="114" name="Google Shape;114;gd679ff7f26_0_19:notes"/>
+          <p:cNvSpPr>
+            <a:spLocks noGrp="1" noRot="1" noChangeAspect="1"/>
+          </p:cNvSpPr>
+          <p:nvPr>
+            <p:ph type="sldImg" idx="2"/>
+          </p:nvPr>
+        </p:nvSpPr>
+        <p:spPr>
+          <a:xfrm>
+            <a:off x="381000" y="685800"/>
+            <a:ext cx="6096000" cy="3429000"/>
+          </a:xfrm>
+          <a:custGeom>
+            <a:avLst/>
+            <a:gdLst/>
+            <a:ahLst/>
+            <a:cxnLst/>
+            <a:rect l="l" t="t" r="r" b="b"/>
+            <a:pathLst>
+              <a:path w="120000" h="120000" extrusionOk="0">
+                <a:moveTo>
+                  <a:pt x="0" y="0"/>
+                </a:moveTo>
+                <a:lnTo>
+                  <a:pt x="120000" y="0"/>
+                </a:lnTo>
+                <a:lnTo>
+                  <a:pt x="120000" y="120000"/>
+                </a:lnTo>
+                <a:lnTo>
+                  <a:pt x="0" y="120000"/>
+                </a:lnTo>
+                <a:close/>
+              </a:path>
+            </a:pathLst>
+          </a:custGeom>
+        </p:spPr>
+      </p:sp>
+      <p:sp>
+        <p:nvSpPr>
+          <p:cNvPr id="115" name="Google Shape;115;gd679ff7f26_0_19:notes"/>
+          <p:cNvSpPr txBox="1">
+            <a:spLocks noGrp="1"/>
+          </p:cNvSpPr>
+          <p:nvPr>
+            <p:ph type="body" idx="1"/>
+          </p:nvPr>
+        </p:nvSpPr>
+        <p:spPr>
+          <a:xfrm>
+            <a:off x="685800" y="4343400"/>
+            <a:ext cx="5486400" cy="4114800"/>
+          </a:xfrm>
+          <a:prstGeom prst="rect">
+            <a:avLst/>
+          </a:prstGeom>
+        </p:spPr>
+        <p:txBody>
+          <a:bodyPr spcFirstLastPara="1" wrap="square" lIns="91425" tIns="91425" rIns="91425" bIns="91425" anchor="t" anchorCtr="0">
+            <a:noAutofit/>
+          </a:bodyPr>
+          <a:lstStyle/>
+          <a:p>
+            <a:pPr marL="0" lvl="0" indent="0" algn="l" rtl="0">
+              <a:spcBef>
+                <a:spcPts val="0"/>
+              </a:spcBef>
+              <a:spcAft>
+                <a:spcPts val="0"/>
+              </a:spcAft>
+              <a:buNone/>
+            </a:pPr>
+            <a:endParaRPr/>
+          </a:p>
+        </p:txBody>
+      </p:sp>
+    </p:spTree>
+    <p:extLst>
+      <p:ext uri="{BB962C8B-B14F-4D97-AF65-F5344CB8AC3E}">
+        <p14:creationId xmlns:p14="http://schemas.microsoft.com/office/powerpoint/2010/main" val="1458553195"/>
+      </p:ext>
+    </p:extLst>
+  </p:cSld>
+  <p:clrMapOvr>
+    <a:masterClrMapping/>
+  </p:clrMapOvr>
+</p:notes>
+</file>
+
+<file path=ppt/notesSlides/notesSlide17.xml><?xml version="1.0" encoding="utf-8"?>
+<p:notes xmlns:a="http://schemas.openxmlformats.org/drawingml/2006/main" xmlns:r="http://schemas.openxmlformats.org/officeDocument/2006/relationships" xmlns:p="http://schemas.openxmlformats.org/presentationml/2006/main" showMasterSp="0" showMasterPhAnim="0">
+  <p:cSld>
+    <p:spTree>
+      <p:nvGrpSpPr>
+        <p:cNvPr id="1" name="Shape 113"/>
+        <p:cNvGrpSpPr/>
+        <p:nvPr/>
+      </p:nvGrpSpPr>
+      <p:grpSpPr>
+        <a:xfrm>
+          <a:off x="0" y="0"/>
+          <a:ext cx="0" cy="0"/>
+          <a:chOff x="0" y="0"/>
+          <a:chExt cx="0" cy="0"/>
+        </a:xfrm>
+      </p:grpSpPr>
+      <p:sp>
+        <p:nvSpPr>
+          <p:cNvPr id="114" name="Google Shape;114;gd679ff7f26_0_19:notes"/>
+          <p:cNvSpPr>
+            <a:spLocks noGrp="1" noRot="1" noChangeAspect="1"/>
+          </p:cNvSpPr>
+          <p:nvPr>
+            <p:ph type="sldImg" idx="2"/>
+          </p:nvPr>
+        </p:nvSpPr>
+        <p:spPr>
+          <a:xfrm>
+            <a:off x="381000" y="685800"/>
+            <a:ext cx="6096000" cy="3429000"/>
+          </a:xfrm>
+          <a:custGeom>
+            <a:avLst/>
+            <a:gdLst/>
+            <a:ahLst/>
+            <a:cxnLst/>
+            <a:rect l="l" t="t" r="r" b="b"/>
+            <a:pathLst>
+              <a:path w="120000" h="120000" extrusionOk="0">
+                <a:moveTo>
+                  <a:pt x="0" y="0"/>
+                </a:moveTo>
+                <a:lnTo>
+                  <a:pt x="120000" y="0"/>
+                </a:lnTo>
+                <a:lnTo>
+                  <a:pt x="120000" y="120000"/>
+                </a:lnTo>
+                <a:lnTo>
+                  <a:pt x="0" y="120000"/>
+                </a:lnTo>
+                <a:close/>
+              </a:path>
+            </a:pathLst>
+          </a:custGeom>
+        </p:spPr>
+      </p:sp>
+      <p:sp>
+        <p:nvSpPr>
+          <p:cNvPr id="115" name="Google Shape;115;gd679ff7f26_0_19:notes"/>
+          <p:cNvSpPr txBox="1">
+            <a:spLocks noGrp="1"/>
+          </p:cNvSpPr>
+          <p:nvPr>
+            <p:ph type="body" idx="1"/>
+          </p:nvPr>
+        </p:nvSpPr>
+        <p:spPr>
+          <a:xfrm>
+            <a:off x="685800" y="4343400"/>
+            <a:ext cx="5486400" cy="4114800"/>
+          </a:xfrm>
+          <a:prstGeom prst="rect">
+            <a:avLst/>
+          </a:prstGeom>
+        </p:spPr>
+        <p:txBody>
+          <a:bodyPr spcFirstLastPara="1" wrap="square" lIns="91425" tIns="91425" rIns="91425" bIns="91425" anchor="t" anchorCtr="0">
+            <a:noAutofit/>
+          </a:bodyPr>
+          <a:lstStyle/>
+          <a:p>
+            <a:pPr marL="0" lvl="0" indent="0" algn="l" rtl="0">
+              <a:spcBef>
+                <a:spcPts val="0"/>
+              </a:spcBef>
+              <a:spcAft>
+                <a:spcPts val="0"/>
+              </a:spcAft>
+              <a:buNone/>
+            </a:pPr>
+            <a:endParaRPr/>
+          </a:p>
+        </p:txBody>
+      </p:sp>
+    </p:spTree>
+    <p:extLst>
+      <p:ext uri="{BB962C8B-B14F-4D97-AF65-F5344CB8AC3E}">
+        <p14:creationId xmlns:p14="http://schemas.microsoft.com/office/powerpoint/2010/main" val="3187876403"/>
+      </p:ext>
+    </p:extLst>
+  </p:cSld>
+  <p:clrMapOvr>
+    <a:masterClrMapping/>
+  </p:clrMapOvr>
+</p:notes>
+</file>
+
+<file path=ppt/notesSlides/notesSlide2.xml><?xml version="1.0" encoding="utf-8"?>
+<p:notes xmlns:a="http://schemas.openxmlformats.org/drawingml/2006/main" xmlns:r="http://schemas.openxmlformats.org/officeDocument/2006/relationships" xmlns:p="http://schemas.openxmlformats.org/presentationml/2006/main" showMasterSp="0" showMasterPhAnim="0">
+  <p:cSld>
+    <p:spTree>
+      <p:nvGrpSpPr>
+        <p:cNvPr id="1" name="Shape 65"/>
         <p:cNvGrpSpPr/>
         <p:nvPr/>
       </p:nvGrpSpPr>
@@ -999,9 +1797,11 @@
       <p:sp>
         <p:nvSpPr>
           <p:cNvPr id="66" name="Google Shape;66;gc93e512bf0_0_0:notes"/>
-          <p:cNvSpPr/>
+          <p:cNvSpPr>
+            <a:spLocks noGrp="1" noRot="1" noChangeAspect="1"/>
+          </p:cNvSpPr>
           <p:nvPr>
-            <p:ph idx="2" type="sldImg"/>
+            <p:ph type="sldImg" idx="2"/>
           </p:nvPr>
         </p:nvSpPr>
         <p:spPr>
@@ -1010,9 +1810,13 @@
             <a:ext cx="6096000" cy="3429000"/>
           </a:xfrm>
           <a:custGeom>
-            <a:rect b="b" l="l" r="r" t="t"/>
+            <a:avLst/>
+            <a:gdLst/>
+            <a:ahLst/>
+            <a:cxnLst/>
+            <a:rect l="l" t="t" r="r" b="b"/>
             <a:pathLst>
-              <a:path extrusionOk="0" h="120000" w="120000">
+              <a:path w="120000" h="120000" extrusionOk="0">
                 <a:moveTo>
                   <a:pt x="0" y="0"/>
                 </a:moveTo>
@@ -1034,9 +1838,11 @@
       <p:sp>
         <p:nvSpPr>
           <p:cNvPr id="67" name="Google Shape;67;gc93e512bf0_0_0:notes"/>
-          <p:cNvSpPr txBox="1"/>
+          <p:cNvSpPr txBox="1">
+            <a:spLocks noGrp="1"/>
+          </p:cNvSpPr>
           <p:nvPr>
-            <p:ph idx="1" type="body"/>
+            <p:ph type="body" idx="1"/>
           </p:nvPr>
         </p:nvSpPr>
         <p:spPr>
@@ -1049,12 +1855,12 @@
           </a:prstGeom>
         </p:spPr>
         <p:txBody>
-          <a:bodyPr anchorCtr="0" anchor="t" bIns="91425" lIns="91425" spcFirstLastPara="1" rIns="91425" wrap="square" tIns="91425">
+          <a:bodyPr spcFirstLastPara="1" wrap="square" lIns="91425" tIns="91425" rIns="91425" bIns="91425" anchor="t" anchorCtr="0">
             <a:noAutofit/>
           </a:bodyPr>
           <a:lstStyle/>
           <a:p>
-            <a:pPr indent="0" lvl="0" marL="0" rtl="0" algn="l">
+            <a:pPr marL="0" lvl="0" indent="0" algn="l" rtl="0">
               <a:spcBef>
                 <a:spcPts val="0"/>
               </a:spcBef>
@@ -1063,9 +1869,6 @@
               </a:spcAft>
               <a:buNone/>
             </a:pPr>
-            <a:r>
-              <a:t/>
-            </a:r>
             <a:endParaRPr/>
           </a:p>
         </p:txBody>
@@ -1079,11 +1882,11 @@
 </file>
 
 <file path=ppt/notesSlides/notesSlide3.xml><?xml version="1.0" encoding="utf-8"?>
-<p:notes xmlns:a="http://schemas.openxmlformats.org/drawingml/2006/main" xmlns:r="http://schemas.openxmlformats.org/officeDocument/2006/relationships" xmlns:mc="http://schemas.openxmlformats.org/markup-compatibility/2006" xmlns:mv="urn:schemas-microsoft-com:mac:vml" xmlns:p="http://schemas.openxmlformats.org/presentationml/2006/main" xmlns:c="http://schemas.openxmlformats.org/drawingml/2006/chart" xmlns:dgm="http://schemas.openxmlformats.org/drawingml/2006/diagram" xmlns:o="urn:schemas-microsoft-com:office:office" xmlns:v="urn:schemas-microsoft-com:vml" xmlns:pvml="urn:schemas-microsoft-com:office:powerpoint" xmlns:com="http://schemas.openxmlformats.org/drawingml/2006/compatibility" xmlns:p14="http://schemas.microsoft.com/office/powerpoint/2010/main" xmlns:p15="http://schemas.microsoft.com/office/powerpoint/2012/main" xmlns:ahyp="http://schemas.microsoft.com/office/drawing/2018/hyperlinkcolor" showMasterPhAnim="0" showMasterSp="0">
+<p:notes xmlns:a="http://schemas.openxmlformats.org/drawingml/2006/main" xmlns:r="http://schemas.openxmlformats.org/officeDocument/2006/relationships" xmlns:p="http://schemas.openxmlformats.org/presentationml/2006/main" showMasterSp="0" showMasterPhAnim="0">
   <p:cSld>
     <p:spTree>
       <p:nvGrpSpPr>
-        <p:cNvPr id="71" name="Shape 71"/>
+        <p:cNvPr id="1" name="Shape 71"/>
         <p:cNvGrpSpPr/>
         <p:nvPr/>
       </p:nvGrpSpPr>
@@ -1098,20 +1901,26 @@
       <p:sp>
         <p:nvSpPr>
           <p:cNvPr id="72" name="Google Shape;72;g7b244c7288_0_54:notes"/>
-          <p:cNvSpPr/>
+          <p:cNvSpPr>
+            <a:spLocks noGrp="1" noRot="1" noChangeAspect="1"/>
+          </p:cNvSpPr>
           <p:nvPr>
-            <p:ph idx="2" type="sldImg"/>
+            <p:ph type="sldImg" idx="2"/>
           </p:nvPr>
         </p:nvSpPr>
         <p:spPr>
           <a:xfrm>
-            <a:off x="381300" y="685800"/>
+            <a:off x="381000" y="685800"/>
             <a:ext cx="6096000" cy="3429000"/>
           </a:xfrm>
           <a:custGeom>
-            <a:rect b="b" l="l" r="r" t="t"/>
+            <a:avLst/>
+            <a:gdLst/>
+            <a:ahLst/>
+            <a:cxnLst/>
+            <a:rect l="l" t="t" r="r" b="b"/>
             <a:pathLst>
-              <a:path extrusionOk="0" h="120000" w="120000">
+              <a:path w="120000" h="120000" extrusionOk="0">
                 <a:moveTo>
                   <a:pt x="0" y="0"/>
                 </a:moveTo>
@@ -1133,9 +1942,11 @@
       <p:sp>
         <p:nvSpPr>
           <p:cNvPr id="73" name="Google Shape;73;g7b244c7288_0_54:notes"/>
-          <p:cNvSpPr txBox="1"/>
+          <p:cNvSpPr txBox="1">
+            <a:spLocks noGrp="1"/>
+          </p:cNvSpPr>
           <p:nvPr>
-            <p:ph idx="1" type="body"/>
+            <p:ph type="body" idx="1"/>
           </p:nvPr>
         </p:nvSpPr>
         <p:spPr>
@@ -1148,12 +1959,125 @@
           </a:prstGeom>
         </p:spPr>
         <p:txBody>
-          <a:bodyPr anchorCtr="0" anchor="t" bIns="91425" lIns="91425" spcFirstLastPara="1" rIns="91425" wrap="square" tIns="91425">
+          <a:bodyPr spcFirstLastPara="1" wrap="square" lIns="91425" tIns="91425" rIns="91425" bIns="91425" anchor="t" anchorCtr="0">
             <a:noAutofit/>
           </a:bodyPr>
           <a:lstStyle/>
           <a:p>
-            <a:pPr indent="0" lvl="0" marL="0" rtl="0" algn="l">
+            <a:pPr marL="0" lvl="0" indent="0" algn="l" rtl="0">
+              <a:spcBef>
+                <a:spcPts val="0"/>
+              </a:spcBef>
+              <a:spcAft>
+                <a:spcPts val="0"/>
+              </a:spcAft>
+              <a:buNone/>
+            </a:pPr>
+            <a:r>
+              <a:rPr lang="en-GB"/>
+              <a:t>https://en.wikipedia.org/wiki/Data_model</a:t>
+            </a:r>
+            <a:endParaRPr/>
+          </a:p>
+        </p:txBody>
+      </p:sp>
+    </p:spTree>
+    <p:extLst>
+      <p:ext uri="{BB962C8B-B14F-4D97-AF65-F5344CB8AC3E}">
+        <p14:creationId xmlns:p14="http://schemas.microsoft.com/office/powerpoint/2010/main" val="3180890667"/>
+      </p:ext>
+    </p:extLst>
+  </p:cSld>
+  <p:clrMapOvr>
+    <a:masterClrMapping/>
+  </p:clrMapOvr>
+</p:notes>
+</file>
+
+<file path=ppt/notesSlides/notesSlide4.xml><?xml version="1.0" encoding="utf-8"?>
+<p:notes xmlns:a="http://schemas.openxmlformats.org/drawingml/2006/main" xmlns:r="http://schemas.openxmlformats.org/officeDocument/2006/relationships" xmlns:p="http://schemas.openxmlformats.org/presentationml/2006/main" showMasterSp="0" showMasterPhAnim="0">
+  <p:cSld>
+    <p:spTree>
+      <p:nvGrpSpPr>
+        <p:cNvPr id="1" name="Shape 71"/>
+        <p:cNvGrpSpPr/>
+        <p:nvPr/>
+      </p:nvGrpSpPr>
+      <p:grpSpPr>
+        <a:xfrm>
+          <a:off x="0" y="0"/>
+          <a:ext cx="0" cy="0"/>
+          <a:chOff x="0" y="0"/>
+          <a:chExt cx="0" cy="0"/>
+        </a:xfrm>
+      </p:grpSpPr>
+      <p:sp>
+        <p:nvSpPr>
+          <p:cNvPr id="72" name="Google Shape;72;g7b244c7288_0_54:notes"/>
+          <p:cNvSpPr>
+            <a:spLocks noGrp="1" noRot="1" noChangeAspect="1"/>
+          </p:cNvSpPr>
+          <p:nvPr>
+            <p:ph type="sldImg" idx="2"/>
+          </p:nvPr>
+        </p:nvSpPr>
+        <p:spPr>
+          <a:xfrm>
+            <a:off x="381000" y="685800"/>
+            <a:ext cx="6096000" cy="3429000"/>
+          </a:xfrm>
+          <a:custGeom>
+            <a:avLst/>
+            <a:gdLst/>
+            <a:ahLst/>
+            <a:cxnLst/>
+            <a:rect l="l" t="t" r="r" b="b"/>
+            <a:pathLst>
+              <a:path w="120000" h="120000" extrusionOk="0">
+                <a:moveTo>
+                  <a:pt x="0" y="0"/>
+                </a:moveTo>
+                <a:lnTo>
+                  <a:pt x="120000" y="0"/>
+                </a:lnTo>
+                <a:lnTo>
+                  <a:pt x="120000" y="120000"/>
+                </a:lnTo>
+                <a:lnTo>
+                  <a:pt x="0" y="120000"/>
+                </a:lnTo>
+                <a:close/>
+              </a:path>
+            </a:pathLst>
+          </a:custGeom>
+        </p:spPr>
+      </p:sp>
+      <p:sp>
+        <p:nvSpPr>
+          <p:cNvPr id="73" name="Google Shape;73;g7b244c7288_0_54:notes"/>
+          <p:cNvSpPr txBox="1">
+            <a:spLocks noGrp="1"/>
+          </p:cNvSpPr>
+          <p:nvPr>
+            <p:ph type="body" idx="1"/>
+          </p:nvPr>
+        </p:nvSpPr>
+        <p:spPr>
+          <a:xfrm>
+            <a:off x="685800" y="4343400"/>
+            <a:ext cx="5486400" cy="4114800"/>
+          </a:xfrm>
+          <a:prstGeom prst="rect">
+            <a:avLst/>
+          </a:prstGeom>
+        </p:spPr>
+        <p:txBody>
+          <a:bodyPr spcFirstLastPara="1" wrap="square" lIns="91425" tIns="91425" rIns="91425" bIns="91425" anchor="t" anchorCtr="0">
+            <a:noAutofit/>
+          </a:bodyPr>
+          <a:lstStyle/>
+          <a:p>
+            <a:pPr marL="0" lvl="0" indent="0" algn="l" rtl="0">
               <a:spcBef>
                 <a:spcPts val="0"/>
               </a:spcBef>
@@ -1178,12 +2102,120 @@
 </p:notes>
 </file>
 
-<file path=ppt/notesSlides/notesSlide4.xml><?xml version="1.0" encoding="utf-8"?>
-<p:notes xmlns:a="http://schemas.openxmlformats.org/drawingml/2006/main" xmlns:r="http://schemas.openxmlformats.org/officeDocument/2006/relationships" xmlns:mc="http://schemas.openxmlformats.org/markup-compatibility/2006" xmlns:mv="urn:schemas-microsoft-com:mac:vml" xmlns:p="http://schemas.openxmlformats.org/presentationml/2006/main" xmlns:c="http://schemas.openxmlformats.org/drawingml/2006/chart" xmlns:dgm="http://schemas.openxmlformats.org/drawingml/2006/diagram" xmlns:o="urn:schemas-microsoft-com:office:office" xmlns:v="urn:schemas-microsoft-com:vml" xmlns:pvml="urn:schemas-microsoft-com:office:powerpoint" xmlns:com="http://schemas.openxmlformats.org/drawingml/2006/compatibility" xmlns:p14="http://schemas.microsoft.com/office/powerpoint/2010/main" xmlns:p15="http://schemas.microsoft.com/office/powerpoint/2012/main" xmlns:ahyp="http://schemas.microsoft.com/office/drawing/2018/hyperlinkcolor" showMasterPhAnim="0" showMasterSp="0">
+<file path=ppt/notesSlides/notesSlide5.xml><?xml version="1.0" encoding="utf-8"?>
+<p:notes xmlns:a="http://schemas.openxmlformats.org/drawingml/2006/main" xmlns:r="http://schemas.openxmlformats.org/officeDocument/2006/relationships" xmlns:p="http://schemas.openxmlformats.org/presentationml/2006/main" showMasterSp="0" showMasterPhAnim="0">
   <p:cSld>
     <p:spTree>
       <p:nvGrpSpPr>
-        <p:cNvPr id="77" name="Shape 77"/>
+        <p:cNvPr id="1" name="Shape 89"/>
+        <p:cNvGrpSpPr/>
+        <p:nvPr/>
+      </p:nvGrpSpPr>
+      <p:grpSpPr>
+        <a:xfrm>
+          <a:off x="0" y="0"/>
+          <a:ext cx="0" cy="0"/>
+          <a:chOff x="0" y="0"/>
+          <a:chExt cx="0" cy="0"/>
+        </a:xfrm>
+      </p:grpSpPr>
+      <p:sp>
+        <p:nvSpPr>
+          <p:cNvPr id="90" name="Google Shape;90;g7b244c7288_0_59:notes"/>
+          <p:cNvSpPr>
+            <a:spLocks noGrp="1" noRot="1" noChangeAspect="1"/>
+          </p:cNvSpPr>
+          <p:nvPr>
+            <p:ph type="sldImg" idx="2"/>
+          </p:nvPr>
+        </p:nvSpPr>
+        <p:spPr>
+          <a:xfrm>
+            <a:off x="381000" y="685800"/>
+            <a:ext cx="6096000" cy="3429000"/>
+          </a:xfrm>
+          <a:custGeom>
+            <a:avLst/>
+            <a:gdLst/>
+            <a:ahLst/>
+            <a:cxnLst/>
+            <a:rect l="l" t="t" r="r" b="b"/>
+            <a:pathLst>
+              <a:path w="120000" h="120000" extrusionOk="0">
+                <a:moveTo>
+                  <a:pt x="0" y="0"/>
+                </a:moveTo>
+                <a:lnTo>
+                  <a:pt x="120000" y="0"/>
+                </a:lnTo>
+                <a:lnTo>
+                  <a:pt x="120000" y="120000"/>
+                </a:lnTo>
+                <a:lnTo>
+                  <a:pt x="0" y="120000"/>
+                </a:lnTo>
+                <a:close/>
+              </a:path>
+            </a:pathLst>
+          </a:custGeom>
+        </p:spPr>
+      </p:sp>
+      <p:sp>
+        <p:nvSpPr>
+          <p:cNvPr id="91" name="Google Shape;91;g7b244c7288_0_59:notes"/>
+          <p:cNvSpPr txBox="1">
+            <a:spLocks noGrp="1"/>
+          </p:cNvSpPr>
+          <p:nvPr>
+            <p:ph type="body" idx="1"/>
+          </p:nvPr>
+        </p:nvSpPr>
+        <p:spPr>
+          <a:xfrm>
+            <a:off x="685800" y="4343400"/>
+            <a:ext cx="5486400" cy="4114800"/>
+          </a:xfrm>
+          <a:prstGeom prst="rect">
+            <a:avLst/>
+          </a:prstGeom>
+        </p:spPr>
+        <p:txBody>
+          <a:bodyPr spcFirstLastPara="1" wrap="square" lIns="91425" tIns="91425" rIns="91425" bIns="91425" anchor="t" anchorCtr="0">
+            <a:noAutofit/>
+          </a:bodyPr>
+          <a:lstStyle/>
+          <a:p>
+            <a:pPr marL="0" lvl="0" indent="0" algn="l" rtl="0">
+              <a:spcBef>
+                <a:spcPts val="0"/>
+              </a:spcBef>
+              <a:spcAft>
+                <a:spcPts val="0"/>
+              </a:spcAft>
+              <a:buNone/>
+            </a:pPr>
+            <a:r>
+              <a:rPr lang="en-GB"/>
+              <a:t>https://www.guru99.com/data-modelling-conceptual-logical.html</a:t>
+            </a:r>
+            <a:endParaRPr/>
+          </a:p>
+        </p:txBody>
+      </p:sp>
+    </p:spTree>
+  </p:cSld>
+  <p:clrMapOvr>
+    <a:masterClrMapping/>
+  </p:clrMapOvr>
+</p:notes>
+</file>
+
+<file path=ppt/notesSlides/notesSlide6.xml><?xml version="1.0" encoding="utf-8"?>
+<p:notes xmlns:a="http://schemas.openxmlformats.org/drawingml/2006/main" xmlns:r="http://schemas.openxmlformats.org/officeDocument/2006/relationships" xmlns:p="http://schemas.openxmlformats.org/presentationml/2006/main" showMasterSp="0" showMasterPhAnim="0">
+  <p:cSld>
+    <p:spTree>
+      <p:nvGrpSpPr>
+        <p:cNvPr id="1" name="Shape 77"/>
         <p:cNvGrpSpPr/>
         <p:nvPr/>
       </p:nvGrpSpPr>
@@ -1198,20 +2230,26 @@
       <p:sp>
         <p:nvSpPr>
           <p:cNvPr id="78" name="Google Shape;78;g7b244c7288_0_83:notes"/>
-          <p:cNvSpPr/>
+          <p:cNvSpPr>
+            <a:spLocks noGrp="1" noRot="1" noChangeAspect="1"/>
+          </p:cNvSpPr>
           <p:nvPr>
-            <p:ph idx="2" type="sldImg"/>
+            <p:ph type="sldImg" idx="2"/>
           </p:nvPr>
         </p:nvSpPr>
         <p:spPr>
           <a:xfrm>
-            <a:off x="381300" y="685800"/>
+            <a:off x="381000" y="685800"/>
             <a:ext cx="6096000" cy="3429000"/>
           </a:xfrm>
           <a:custGeom>
-            <a:rect b="b" l="l" r="r" t="t"/>
+            <a:avLst/>
+            <a:gdLst/>
+            <a:ahLst/>
+            <a:cxnLst/>
+            <a:rect l="l" t="t" r="r" b="b"/>
             <a:pathLst>
-              <a:path extrusionOk="0" h="120000" w="120000">
+              <a:path w="120000" h="120000" extrusionOk="0">
                 <a:moveTo>
                   <a:pt x="0" y="0"/>
                 </a:moveTo>
@@ -1233,9 +2271,11 @@
       <p:sp>
         <p:nvSpPr>
           <p:cNvPr id="79" name="Google Shape;79;g7b244c7288_0_83:notes"/>
-          <p:cNvSpPr txBox="1"/>
+          <p:cNvSpPr txBox="1">
+            <a:spLocks noGrp="1"/>
+          </p:cNvSpPr>
           <p:nvPr>
-            <p:ph idx="1" type="body"/>
+            <p:ph type="body" idx="1"/>
           </p:nvPr>
         </p:nvSpPr>
         <p:spPr>
@@ -1248,12 +2288,12 @@
           </a:prstGeom>
         </p:spPr>
         <p:txBody>
-          <a:bodyPr anchorCtr="0" anchor="t" bIns="91425" lIns="91425" spcFirstLastPara="1" rIns="91425" wrap="square" tIns="91425">
+          <a:bodyPr spcFirstLastPara="1" wrap="square" lIns="91425" tIns="91425" rIns="91425" bIns="91425" anchor="t" anchorCtr="0">
             <a:noAutofit/>
           </a:bodyPr>
           <a:lstStyle/>
           <a:p>
-            <a:pPr indent="0" lvl="0" marL="0" rtl="0" algn="l">
+            <a:pPr marL="0" lvl="0" indent="0" algn="l" rtl="0">
               <a:spcBef>
                 <a:spcPts val="0"/>
               </a:spcBef>
@@ -1278,12 +2318,12 @@
 </p:notes>
 </file>
 
-<file path=ppt/notesSlides/notesSlide5.xml><?xml version="1.0" encoding="utf-8"?>
-<p:notes xmlns:a="http://schemas.openxmlformats.org/drawingml/2006/main" xmlns:r="http://schemas.openxmlformats.org/officeDocument/2006/relationships" xmlns:mc="http://schemas.openxmlformats.org/markup-compatibility/2006" xmlns:mv="urn:schemas-microsoft-com:mac:vml" xmlns:p="http://schemas.openxmlformats.org/presentationml/2006/main" xmlns:c="http://schemas.openxmlformats.org/drawingml/2006/chart" xmlns:dgm="http://schemas.openxmlformats.org/drawingml/2006/diagram" xmlns:o="urn:schemas-microsoft-com:office:office" xmlns:v="urn:schemas-microsoft-com:vml" xmlns:pvml="urn:schemas-microsoft-com:office:powerpoint" xmlns:com="http://schemas.openxmlformats.org/drawingml/2006/compatibility" xmlns:p14="http://schemas.microsoft.com/office/powerpoint/2010/main" xmlns:p15="http://schemas.microsoft.com/office/powerpoint/2012/main" xmlns:ahyp="http://schemas.microsoft.com/office/drawing/2018/hyperlinkcolor" showMasterPhAnim="0" showMasterSp="0">
+<file path=ppt/notesSlides/notesSlide7.xml><?xml version="1.0" encoding="utf-8"?>
+<p:notes xmlns:a="http://schemas.openxmlformats.org/drawingml/2006/main" xmlns:r="http://schemas.openxmlformats.org/officeDocument/2006/relationships" xmlns:p="http://schemas.openxmlformats.org/presentationml/2006/main" showMasterSp="0" showMasterPhAnim="0">
   <p:cSld>
     <p:spTree>
       <p:nvGrpSpPr>
-        <p:cNvPr id="83" name="Shape 83"/>
+        <p:cNvPr id="1" name="Shape 83"/>
         <p:cNvGrpSpPr/>
         <p:nvPr/>
       </p:nvGrpSpPr>
@@ -1298,9 +2338,11 @@
       <p:sp>
         <p:nvSpPr>
           <p:cNvPr id="84" name="Google Shape;84;gd679ff7f26_0_0:notes"/>
-          <p:cNvSpPr/>
+          <p:cNvSpPr>
+            <a:spLocks noGrp="1" noRot="1" noChangeAspect="1"/>
+          </p:cNvSpPr>
           <p:nvPr>
-            <p:ph idx="2" type="sldImg"/>
+            <p:ph type="sldImg" idx="2"/>
           </p:nvPr>
         </p:nvSpPr>
         <p:spPr>
@@ -1309,9 +2351,13 @@
             <a:ext cx="6096000" cy="3429000"/>
           </a:xfrm>
           <a:custGeom>
-            <a:rect b="b" l="l" r="r" t="t"/>
+            <a:avLst/>
+            <a:gdLst/>
+            <a:ahLst/>
+            <a:cxnLst/>
+            <a:rect l="l" t="t" r="r" b="b"/>
             <a:pathLst>
-              <a:path extrusionOk="0" h="120000" w="120000">
+              <a:path w="120000" h="120000" extrusionOk="0">
                 <a:moveTo>
                   <a:pt x="0" y="0"/>
                 </a:moveTo>
@@ -1333,9 +2379,11 @@
       <p:sp>
         <p:nvSpPr>
           <p:cNvPr id="85" name="Google Shape;85;gd679ff7f26_0_0:notes"/>
-          <p:cNvSpPr txBox="1"/>
+          <p:cNvSpPr txBox="1">
+            <a:spLocks noGrp="1"/>
+          </p:cNvSpPr>
           <p:nvPr>
-            <p:ph idx="1" type="body"/>
+            <p:ph type="body" idx="1"/>
           </p:nvPr>
         </p:nvSpPr>
         <p:spPr>
@@ -1348,12 +2396,12 @@
           </a:prstGeom>
         </p:spPr>
         <p:txBody>
-          <a:bodyPr anchorCtr="0" anchor="t" bIns="91425" lIns="91425" spcFirstLastPara="1" rIns="91425" wrap="square" tIns="91425">
+          <a:bodyPr spcFirstLastPara="1" wrap="square" lIns="91425" tIns="91425" rIns="91425" bIns="91425" anchor="t" anchorCtr="0">
             <a:noAutofit/>
           </a:bodyPr>
           <a:lstStyle/>
           <a:p>
-            <a:pPr indent="-342900" lvl="0" marL="457200" rtl="0" algn="l">
+            <a:pPr marL="457200" lvl="0" indent="-342900" algn="l" rtl="0">
               <a:lnSpc>
                 <a:spcPct val="115000"/>
               </a:lnSpc>
@@ -1393,7 +2441,7 @@
             </a:endParaRPr>
           </a:p>
           <a:p>
-            <a:pPr indent="-342900" lvl="0" marL="457200" rtl="0" algn="l">
+            <a:pPr marL="457200" lvl="0" indent="-342900" algn="l" rtl="0">
               <a:lnSpc>
                 <a:spcPct val="115000"/>
               </a:lnSpc>
@@ -1433,7 +2481,7 @@
             </a:endParaRPr>
           </a:p>
           <a:p>
-            <a:pPr indent="-342900" lvl="0" marL="457200" rtl="0" algn="l">
+            <a:pPr marL="457200" lvl="0" indent="-342900" algn="l" rtl="0">
               <a:lnSpc>
                 <a:spcPct val="115000"/>
               </a:lnSpc>
@@ -1473,7 +2521,7 @@
             </a:endParaRPr>
           </a:p>
           <a:p>
-            <a:pPr indent="-317500" lvl="1" marL="914400" rtl="0" algn="l">
+            <a:pPr marL="914400" lvl="1" indent="-317500" algn="l" rtl="0">
               <a:lnSpc>
                 <a:spcPct val="115000"/>
               </a:lnSpc>
@@ -1513,7 +2561,7 @@
             </a:endParaRPr>
           </a:p>
           <a:p>
-            <a:pPr indent="-317500" lvl="1" marL="914400" rtl="0" algn="l">
+            <a:pPr marL="914400" lvl="1" indent="-317500" algn="l" rtl="0">
               <a:lnSpc>
                 <a:spcPct val="115000"/>
               </a:lnSpc>
@@ -1553,7 +2601,7 @@
             </a:endParaRPr>
           </a:p>
           <a:p>
-            <a:pPr indent="-317500" lvl="1" marL="914400" rtl="0" algn="l">
+            <a:pPr marL="914400" lvl="1" indent="-317500" algn="l" rtl="0">
               <a:lnSpc>
                 <a:spcPct val="115000"/>
               </a:lnSpc>
@@ -1593,7 +2641,7 @@
             </a:endParaRPr>
           </a:p>
           <a:p>
-            <a:pPr indent="-317500" lvl="1" marL="914400" rtl="0" algn="l">
+            <a:pPr marL="914400" lvl="1" indent="-317500" algn="l" rtl="0">
               <a:lnSpc>
                 <a:spcPct val="115000"/>
               </a:lnSpc>
@@ -1610,9 +2658,6 @@
               <a:buFont typeface="Roboto"/>
               <a:buAutoNum type="alphaLcPeriod"/>
             </a:pPr>
-            <a:r>
-              <a:t/>
-            </a:r>
             <a:endParaRPr sz="1400">
               <a:solidFill>
                 <a:schemeClr val="lt1"/>
@@ -1624,7 +2669,7 @@
             </a:endParaRPr>
           </a:p>
           <a:p>
-            <a:pPr indent="0" lvl="0" marL="0" rtl="0" algn="l">
+            <a:pPr marL="0" lvl="0" indent="0" algn="l" rtl="0">
               <a:lnSpc>
                 <a:spcPct val="115000"/>
               </a:lnSpc>
@@ -1641,9 +2686,6 @@
               <a:buFont typeface="Arial"/>
               <a:buNone/>
             </a:pPr>
-            <a:r>
-              <a:t/>
-            </a:r>
             <a:endParaRPr sz="1800">
               <a:solidFill>
                 <a:schemeClr val="lt1"/>
@@ -1655,7 +2697,7 @@
             </a:endParaRPr>
           </a:p>
           <a:p>
-            <a:pPr indent="0" lvl="0" marL="0" rtl="0" algn="l">
+            <a:pPr marL="0" lvl="0" indent="0" algn="l" rtl="0">
               <a:spcBef>
                 <a:spcPts val="1200"/>
               </a:spcBef>
@@ -1664,9 +2706,6 @@
               </a:spcAft>
               <a:buNone/>
             </a:pPr>
-            <a:r>
-              <a:t/>
-            </a:r>
             <a:endParaRPr/>
           </a:p>
         </p:txBody>
@@ -1679,112 +2718,12 @@
 </p:notes>
 </file>
 
-<file path=ppt/notesSlides/notesSlide6.xml><?xml version="1.0" encoding="utf-8"?>
-<p:notes xmlns:a="http://schemas.openxmlformats.org/drawingml/2006/main" xmlns:r="http://schemas.openxmlformats.org/officeDocument/2006/relationships" xmlns:mc="http://schemas.openxmlformats.org/markup-compatibility/2006" xmlns:mv="urn:schemas-microsoft-com:mac:vml" xmlns:p="http://schemas.openxmlformats.org/presentationml/2006/main" xmlns:c="http://schemas.openxmlformats.org/drawingml/2006/chart" xmlns:dgm="http://schemas.openxmlformats.org/drawingml/2006/diagram" xmlns:o="urn:schemas-microsoft-com:office:office" xmlns:v="urn:schemas-microsoft-com:vml" xmlns:pvml="urn:schemas-microsoft-com:office:powerpoint" xmlns:com="http://schemas.openxmlformats.org/drawingml/2006/compatibility" xmlns:p14="http://schemas.microsoft.com/office/powerpoint/2010/main" xmlns:p15="http://schemas.microsoft.com/office/powerpoint/2012/main" xmlns:ahyp="http://schemas.microsoft.com/office/drawing/2018/hyperlinkcolor" showMasterPhAnim="0" showMasterSp="0">
+<file path=ppt/notesSlides/notesSlide8.xml><?xml version="1.0" encoding="utf-8"?>
+<p:notes xmlns:a="http://schemas.openxmlformats.org/drawingml/2006/main" xmlns:r="http://schemas.openxmlformats.org/officeDocument/2006/relationships" xmlns:p="http://schemas.openxmlformats.org/presentationml/2006/main" showMasterSp="0" showMasterPhAnim="0">
   <p:cSld>
     <p:spTree>
       <p:nvGrpSpPr>
-        <p:cNvPr id="89" name="Shape 89"/>
-        <p:cNvGrpSpPr/>
-        <p:nvPr/>
-      </p:nvGrpSpPr>
-      <p:grpSpPr>
-        <a:xfrm>
-          <a:off x="0" y="0"/>
-          <a:ext cx="0" cy="0"/>
-          <a:chOff x="0" y="0"/>
-          <a:chExt cx="0" cy="0"/>
-        </a:xfrm>
-      </p:grpSpPr>
-      <p:sp>
-        <p:nvSpPr>
-          <p:cNvPr id="90" name="Google Shape;90;g7b244c7288_0_59:notes"/>
-          <p:cNvSpPr/>
-          <p:nvPr>
-            <p:ph idx="2" type="sldImg"/>
-          </p:nvPr>
-        </p:nvSpPr>
-        <p:spPr>
-          <a:xfrm>
-            <a:off x="381300" y="685800"/>
-            <a:ext cx="6096000" cy="3429000"/>
-          </a:xfrm>
-          <a:custGeom>
-            <a:rect b="b" l="l" r="r" t="t"/>
-            <a:pathLst>
-              <a:path extrusionOk="0" h="120000" w="120000">
-                <a:moveTo>
-                  <a:pt x="0" y="0"/>
-                </a:moveTo>
-                <a:lnTo>
-                  <a:pt x="120000" y="0"/>
-                </a:lnTo>
-                <a:lnTo>
-                  <a:pt x="120000" y="120000"/>
-                </a:lnTo>
-                <a:lnTo>
-                  <a:pt x="0" y="120000"/>
-                </a:lnTo>
-                <a:close/>
-              </a:path>
-            </a:pathLst>
-          </a:custGeom>
-        </p:spPr>
-      </p:sp>
-      <p:sp>
-        <p:nvSpPr>
-          <p:cNvPr id="91" name="Google Shape;91;g7b244c7288_0_59:notes"/>
-          <p:cNvSpPr txBox="1"/>
-          <p:nvPr>
-            <p:ph idx="1" type="body"/>
-          </p:nvPr>
-        </p:nvSpPr>
-        <p:spPr>
-          <a:xfrm>
-            <a:off x="685800" y="4343400"/>
-            <a:ext cx="5486400" cy="4114800"/>
-          </a:xfrm>
-          <a:prstGeom prst="rect">
-            <a:avLst/>
-          </a:prstGeom>
-        </p:spPr>
-        <p:txBody>
-          <a:bodyPr anchorCtr="0" anchor="t" bIns="91425" lIns="91425" spcFirstLastPara="1" rIns="91425" wrap="square" tIns="91425">
-            <a:noAutofit/>
-          </a:bodyPr>
-          <a:lstStyle/>
-          <a:p>
-            <a:pPr indent="0" lvl="0" marL="0" rtl="0" algn="l">
-              <a:spcBef>
-                <a:spcPts val="0"/>
-              </a:spcBef>
-              <a:spcAft>
-                <a:spcPts val="0"/>
-              </a:spcAft>
-              <a:buNone/>
-            </a:pPr>
-            <a:r>
-              <a:rPr lang="en-GB"/>
-              <a:t>https://www.guru99.com/data-modelling-conceptual-logical.html</a:t>
-            </a:r>
-            <a:endParaRPr/>
-          </a:p>
-        </p:txBody>
-      </p:sp>
-    </p:spTree>
-  </p:cSld>
-  <p:clrMapOvr>
-    <a:masterClrMapping/>
-  </p:clrMapOvr>
-</p:notes>
-</file>
-
-<file path=ppt/notesSlides/notesSlide7.xml><?xml version="1.0" encoding="utf-8"?>
-<p:notes xmlns:a="http://schemas.openxmlformats.org/drawingml/2006/main" xmlns:r="http://schemas.openxmlformats.org/officeDocument/2006/relationships" xmlns:mc="http://schemas.openxmlformats.org/markup-compatibility/2006" xmlns:mv="urn:schemas-microsoft-com:mac:vml" xmlns:p="http://schemas.openxmlformats.org/presentationml/2006/main" xmlns:c="http://schemas.openxmlformats.org/drawingml/2006/chart" xmlns:dgm="http://schemas.openxmlformats.org/drawingml/2006/diagram" xmlns:o="urn:schemas-microsoft-com:office:office" xmlns:v="urn:schemas-microsoft-com:vml" xmlns:pvml="urn:schemas-microsoft-com:office:powerpoint" xmlns:com="http://schemas.openxmlformats.org/drawingml/2006/compatibility" xmlns:p14="http://schemas.microsoft.com/office/powerpoint/2010/main" xmlns:p15="http://schemas.microsoft.com/office/powerpoint/2012/main" xmlns:ahyp="http://schemas.microsoft.com/office/drawing/2018/hyperlinkcolor" showMasterPhAnim="0" showMasterSp="0">
-  <p:cSld>
-    <p:spTree>
-      <p:nvGrpSpPr>
-        <p:cNvPr id="95" name="Shape 95"/>
+        <p:cNvPr id="1" name="Shape 95"/>
         <p:cNvGrpSpPr/>
         <p:nvPr/>
       </p:nvGrpSpPr>
@@ -1799,20 +2738,26 @@
       <p:sp>
         <p:nvSpPr>
           <p:cNvPr id="96" name="Google Shape;96;g7b244c7288_0_76:notes"/>
-          <p:cNvSpPr/>
+          <p:cNvSpPr>
+            <a:spLocks noGrp="1" noRot="1" noChangeAspect="1"/>
+          </p:cNvSpPr>
           <p:nvPr>
-            <p:ph idx="2" type="sldImg"/>
+            <p:ph type="sldImg" idx="2"/>
           </p:nvPr>
         </p:nvSpPr>
         <p:spPr>
           <a:xfrm>
-            <a:off x="381300" y="685800"/>
+            <a:off x="381000" y="685800"/>
             <a:ext cx="6096000" cy="3429000"/>
           </a:xfrm>
           <a:custGeom>
-            <a:rect b="b" l="l" r="r" t="t"/>
+            <a:avLst/>
+            <a:gdLst/>
+            <a:ahLst/>
+            <a:cxnLst/>
+            <a:rect l="l" t="t" r="r" b="b"/>
             <a:pathLst>
-              <a:path extrusionOk="0" h="120000" w="120000">
+              <a:path w="120000" h="120000" extrusionOk="0">
                 <a:moveTo>
                   <a:pt x="0" y="0"/>
                 </a:moveTo>
@@ -1834,9 +2779,11 @@
       <p:sp>
         <p:nvSpPr>
           <p:cNvPr id="97" name="Google Shape;97;g7b244c7288_0_76:notes"/>
-          <p:cNvSpPr txBox="1"/>
+          <p:cNvSpPr txBox="1">
+            <a:spLocks noGrp="1"/>
+          </p:cNvSpPr>
           <p:nvPr>
-            <p:ph idx="1" type="body"/>
+            <p:ph type="body" idx="1"/>
           </p:nvPr>
         </p:nvSpPr>
         <p:spPr>
@@ -1849,12 +2796,12 @@
           </a:prstGeom>
         </p:spPr>
         <p:txBody>
-          <a:bodyPr anchorCtr="0" anchor="t" bIns="91425" lIns="91425" spcFirstLastPara="1" rIns="91425" wrap="square" tIns="91425">
+          <a:bodyPr spcFirstLastPara="1" wrap="square" lIns="91425" tIns="91425" rIns="91425" bIns="91425" anchor="t" anchorCtr="0">
             <a:noAutofit/>
           </a:bodyPr>
           <a:lstStyle/>
           <a:p>
-            <a:pPr indent="0" lvl="0" marL="0" rtl="0" algn="l">
+            <a:pPr marL="0" lvl="0" indent="0" algn="l" rtl="0">
               <a:spcBef>
                 <a:spcPts val="0"/>
               </a:spcBef>
@@ -1863,9 +2810,6 @@
               </a:spcAft>
               <a:buNone/>
             </a:pPr>
-            <a:r>
-              <a:t/>
-            </a:r>
             <a:endParaRPr/>
           </a:p>
         </p:txBody>
@@ -1878,12 +2822,12 @@
 </p:notes>
 </file>
 
-<file path=ppt/notesSlides/notesSlide8.xml><?xml version="1.0" encoding="utf-8"?>
-<p:notes xmlns:a="http://schemas.openxmlformats.org/drawingml/2006/main" xmlns:r="http://schemas.openxmlformats.org/officeDocument/2006/relationships" xmlns:mc="http://schemas.openxmlformats.org/markup-compatibility/2006" xmlns:mv="urn:schemas-microsoft-com:mac:vml" xmlns:p="http://schemas.openxmlformats.org/presentationml/2006/main" xmlns:c="http://schemas.openxmlformats.org/drawingml/2006/chart" xmlns:dgm="http://schemas.openxmlformats.org/drawingml/2006/diagram" xmlns:o="urn:schemas-microsoft-com:office:office" xmlns:v="urn:schemas-microsoft-com:vml" xmlns:pvml="urn:schemas-microsoft-com:office:powerpoint" xmlns:com="http://schemas.openxmlformats.org/drawingml/2006/compatibility" xmlns:p14="http://schemas.microsoft.com/office/powerpoint/2010/main" xmlns:p15="http://schemas.microsoft.com/office/powerpoint/2012/main" xmlns:ahyp="http://schemas.microsoft.com/office/drawing/2018/hyperlinkcolor" showMasterPhAnim="0" showMasterSp="0">
+<file path=ppt/notesSlides/notesSlide9.xml><?xml version="1.0" encoding="utf-8"?>
+<p:notes xmlns:a="http://schemas.openxmlformats.org/drawingml/2006/main" xmlns:r="http://schemas.openxmlformats.org/officeDocument/2006/relationships" xmlns:p="http://schemas.openxmlformats.org/presentationml/2006/main" showMasterSp="0" showMasterPhAnim="0">
   <p:cSld>
     <p:spTree>
       <p:nvGrpSpPr>
-        <p:cNvPr id="101" name="Shape 101"/>
+        <p:cNvPr id="1" name="Shape 101"/>
         <p:cNvGrpSpPr/>
         <p:nvPr/>
       </p:nvGrpSpPr>
@@ -1898,9 +2842,11 @@
       <p:sp>
         <p:nvSpPr>
           <p:cNvPr id="102" name="Google Shape;102;gd679ff7f26_0_24:notes"/>
-          <p:cNvSpPr/>
+          <p:cNvSpPr>
+            <a:spLocks noGrp="1" noRot="1" noChangeAspect="1"/>
+          </p:cNvSpPr>
           <p:nvPr>
-            <p:ph idx="2" type="sldImg"/>
+            <p:ph type="sldImg" idx="2"/>
           </p:nvPr>
         </p:nvSpPr>
         <p:spPr>
@@ -1909,9 +2855,13 @@
             <a:ext cx="6096000" cy="3429000"/>
           </a:xfrm>
           <a:custGeom>
-            <a:rect b="b" l="l" r="r" t="t"/>
+            <a:avLst/>
+            <a:gdLst/>
+            <a:ahLst/>
+            <a:cxnLst/>
+            <a:rect l="l" t="t" r="r" b="b"/>
             <a:pathLst>
-              <a:path extrusionOk="0" h="120000" w="120000">
+              <a:path w="120000" h="120000" extrusionOk="0">
                 <a:moveTo>
                   <a:pt x="0" y="0"/>
                 </a:moveTo>
@@ -1933,9 +2883,11 @@
       <p:sp>
         <p:nvSpPr>
           <p:cNvPr id="103" name="Google Shape;103;gd679ff7f26_0_24:notes"/>
-          <p:cNvSpPr txBox="1"/>
+          <p:cNvSpPr txBox="1">
+            <a:spLocks noGrp="1"/>
+          </p:cNvSpPr>
           <p:nvPr>
-            <p:ph idx="1" type="body"/>
+            <p:ph type="body" idx="1"/>
           </p:nvPr>
         </p:nvSpPr>
         <p:spPr>
@@ -1948,12 +2900,12 @@
           </a:prstGeom>
         </p:spPr>
         <p:txBody>
-          <a:bodyPr anchorCtr="0" anchor="t" bIns="91425" lIns="91425" spcFirstLastPara="1" rIns="91425" wrap="square" tIns="91425">
+          <a:bodyPr spcFirstLastPara="1" wrap="square" lIns="91425" tIns="91425" rIns="91425" bIns="91425" anchor="t" anchorCtr="0">
             <a:noAutofit/>
           </a:bodyPr>
           <a:lstStyle/>
           <a:p>
-            <a:pPr indent="0" lvl="0" marL="0" rtl="0" algn="l">
+            <a:pPr marL="0" lvl="0" indent="0" algn="l" rtl="0">
               <a:spcBef>
                 <a:spcPts val="0"/>
               </a:spcBef>
@@ -1962,108 +2914,6 @@
               </a:spcAft>
               <a:buNone/>
             </a:pPr>
-            <a:r>
-              <a:t/>
-            </a:r>
-            <a:endParaRPr/>
-          </a:p>
-        </p:txBody>
-      </p:sp>
-    </p:spTree>
-  </p:cSld>
-  <p:clrMapOvr>
-    <a:masterClrMapping/>
-  </p:clrMapOvr>
-</p:notes>
-</file>
-
-<file path=ppt/notesSlides/notesSlide9.xml><?xml version="1.0" encoding="utf-8"?>
-<p:notes xmlns:a="http://schemas.openxmlformats.org/drawingml/2006/main" xmlns:r="http://schemas.openxmlformats.org/officeDocument/2006/relationships" xmlns:mc="http://schemas.openxmlformats.org/markup-compatibility/2006" xmlns:mv="urn:schemas-microsoft-com:mac:vml" xmlns:p="http://schemas.openxmlformats.org/presentationml/2006/main" xmlns:c="http://schemas.openxmlformats.org/drawingml/2006/chart" xmlns:dgm="http://schemas.openxmlformats.org/drawingml/2006/diagram" xmlns:o="urn:schemas-microsoft-com:office:office" xmlns:v="urn:schemas-microsoft-com:vml" xmlns:pvml="urn:schemas-microsoft-com:office:powerpoint" xmlns:com="http://schemas.openxmlformats.org/drawingml/2006/compatibility" xmlns:p14="http://schemas.microsoft.com/office/powerpoint/2010/main" xmlns:p15="http://schemas.microsoft.com/office/powerpoint/2012/main" xmlns:ahyp="http://schemas.microsoft.com/office/drawing/2018/hyperlinkcolor" showMasterPhAnim="0" showMasterSp="0">
-  <p:cSld>
-    <p:spTree>
-      <p:nvGrpSpPr>
-        <p:cNvPr id="107" name="Shape 107"/>
-        <p:cNvGrpSpPr/>
-        <p:nvPr/>
-      </p:nvGrpSpPr>
-      <p:grpSpPr>
-        <a:xfrm>
-          <a:off x="0" y="0"/>
-          <a:ext cx="0" cy="0"/>
-          <a:chOff x="0" y="0"/>
-          <a:chExt cx="0" cy="0"/>
-        </a:xfrm>
-      </p:grpSpPr>
-      <p:sp>
-        <p:nvSpPr>
-          <p:cNvPr id="108" name="Google Shape;108;gd679ff7f26_0_14:notes"/>
-          <p:cNvSpPr/>
-          <p:nvPr>
-            <p:ph idx="2" type="sldImg"/>
-          </p:nvPr>
-        </p:nvSpPr>
-        <p:spPr>
-          <a:xfrm>
-            <a:off x="381300" y="685800"/>
-            <a:ext cx="6096000" cy="3429000"/>
-          </a:xfrm>
-          <a:custGeom>
-            <a:rect b="b" l="l" r="r" t="t"/>
-            <a:pathLst>
-              <a:path extrusionOk="0" h="120000" w="120000">
-                <a:moveTo>
-                  <a:pt x="0" y="0"/>
-                </a:moveTo>
-                <a:lnTo>
-                  <a:pt x="120000" y="0"/>
-                </a:lnTo>
-                <a:lnTo>
-                  <a:pt x="120000" y="120000"/>
-                </a:lnTo>
-                <a:lnTo>
-                  <a:pt x="0" y="120000"/>
-                </a:lnTo>
-                <a:close/>
-              </a:path>
-            </a:pathLst>
-          </a:custGeom>
-        </p:spPr>
-      </p:sp>
-      <p:sp>
-        <p:nvSpPr>
-          <p:cNvPr id="109" name="Google Shape;109;gd679ff7f26_0_14:notes"/>
-          <p:cNvSpPr txBox="1"/>
-          <p:nvPr>
-            <p:ph idx="1" type="body"/>
-          </p:nvPr>
-        </p:nvSpPr>
-        <p:spPr>
-          <a:xfrm>
-            <a:off x="685800" y="4343400"/>
-            <a:ext cx="5486400" cy="4114800"/>
-          </a:xfrm>
-          <a:prstGeom prst="rect">
-            <a:avLst/>
-          </a:prstGeom>
-        </p:spPr>
-        <p:txBody>
-          <a:bodyPr anchorCtr="0" anchor="t" bIns="91425" lIns="91425" spcFirstLastPara="1" rIns="91425" wrap="square" tIns="91425">
-            <a:noAutofit/>
-          </a:bodyPr>
-          <a:lstStyle/>
-          <a:p>
-            <a:pPr indent="0" lvl="0" marL="0" rtl="0" algn="l">
-              <a:spcBef>
-                <a:spcPts val="0"/>
-              </a:spcBef>
-              <a:spcAft>
-                <a:spcPts val="0"/>
-              </a:spcAft>
-              <a:buNone/>
-            </a:pPr>
-            <a:r>
-              <a:t/>
-            </a:r>
             <a:endParaRPr/>
           </a:p>
         </p:txBody>
@@ -2077,11 +2927,11 @@
 </file>
 
 <file path=ppt/slideLayouts/slideLayout1.xml><?xml version="1.0" encoding="utf-8"?>
-<p:sldLayout xmlns:a="http://schemas.openxmlformats.org/drawingml/2006/main" xmlns:r="http://schemas.openxmlformats.org/officeDocument/2006/relationships" xmlns:mc="http://schemas.openxmlformats.org/markup-compatibility/2006" xmlns:mv="urn:schemas-microsoft-com:mac:vml" xmlns:p="http://schemas.openxmlformats.org/presentationml/2006/main" xmlns:c="http://schemas.openxmlformats.org/drawingml/2006/chart" xmlns:dgm="http://schemas.openxmlformats.org/drawingml/2006/diagram" xmlns:o="urn:schemas-microsoft-com:office:office" xmlns:v="urn:schemas-microsoft-com:vml" xmlns:pvml="urn:schemas-microsoft-com:office:powerpoint" xmlns:com="http://schemas.openxmlformats.org/drawingml/2006/compatibility" xmlns:p14="http://schemas.microsoft.com/office/powerpoint/2010/main" xmlns:p15="http://schemas.microsoft.com/office/powerpoint/2012/main" xmlns:ahyp="http://schemas.microsoft.com/office/drawing/2018/hyperlinkcolor" matchingName="Title slide" type="title">
+<p:sldLayout xmlns:a="http://schemas.openxmlformats.org/drawingml/2006/main" xmlns:r="http://schemas.openxmlformats.org/officeDocument/2006/relationships" xmlns:p="http://schemas.openxmlformats.org/presentationml/2006/main" matchingName="Title slide" type="title">
   <p:cSld name="TITLE">
     <p:spTree>
       <p:nvGrpSpPr>
-        <p:cNvPr id="9" name="Shape 9"/>
+        <p:cNvPr id="1" name="Shape 9"/>
         <p:cNvGrpSpPr/>
         <p:nvPr/>
       </p:nvGrpSpPr>
@@ -2105,9 +2955,13 @@
             <a:ext cx="1081625" cy="1124950"/>
           </a:xfrm>
           <a:custGeom>
-            <a:rect b="b" l="l" r="r" t="t"/>
+            <a:avLst/>
+            <a:gdLst/>
+            <a:ahLst/>
+            <a:cxnLst/>
+            <a:rect l="l" t="t" r="r" b="b"/>
             <a:pathLst>
-              <a:path extrusionOk="0" h="44998" w="43265">
+              <a:path w="43265" h="44998" extrusionOk="0">
                 <a:moveTo>
                   <a:pt x="0" y="44998"/>
                 </a:moveTo>
@@ -2121,14 +2975,14 @@
             </a:pathLst>
           </a:custGeom>
           <a:noFill/>
-          <a:ln cap="flat" cmpd="sng" w="28575">
+          <a:ln w="28575" cap="flat" cmpd="sng">
             <a:solidFill>
               <a:schemeClr val="accent5"/>
             </a:solidFill>
             <a:prstDash val="solid"/>
             <a:miter lim="8000"/>
-            <a:headEnd len="sm" w="sm" type="none"/>
-            <a:tailEnd len="sm" w="sm" type="none"/>
+            <a:headEnd type="none" w="sm" len="sm"/>
+            <a:tailEnd type="none" w="sm" len="sm"/>
           </a:ln>
         </p:spPr>
       </p:sp>
@@ -2144,9 +2998,13 @@
             <a:ext cx="1081625" cy="1124950"/>
           </a:xfrm>
           <a:custGeom>
-            <a:rect b="b" l="l" r="r" t="t"/>
+            <a:avLst/>
+            <a:gdLst/>
+            <a:ahLst/>
+            <a:cxnLst/>
+            <a:rect l="l" t="t" r="r" b="b"/>
             <a:pathLst>
-              <a:path extrusionOk="0" h="44998" w="43265">
+              <a:path w="43265" h="44998" extrusionOk="0">
                 <a:moveTo>
                   <a:pt x="0" y="44998"/>
                 </a:moveTo>
@@ -2160,14 +3018,14 @@
             </a:pathLst>
           </a:custGeom>
           <a:noFill/>
-          <a:ln cap="flat" cmpd="sng" w="28575">
+          <a:ln w="28575" cap="flat" cmpd="sng">
             <a:solidFill>
               <a:schemeClr val="accent5"/>
             </a:solidFill>
             <a:prstDash val="solid"/>
             <a:miter lim="8000"/>
-            <a:headEnd len="sm" w="sm" type="none"/>
-            <a:tailEnd len="sm" w="sm" type="none"/>
+            <a:headEnd type="none" w="sm" len="sm"/>
+            <a:tailEnd type="none" w="sm" len="sm"/>
           </a:ln>
         </p:spPr>
       </p:sp>
@@ -2186,21 +3044,23 @@
             <a:avLst/>
           </a:prstGeom>
           <a:noFill/>
-          <a:ln cap="flat" cmpd="sng" w="38100">
+          <a:ln w="38100" cap="flat" cmpd="sng">
             <a:solidFill>
               <a:schemeClr val="accent4"/>
             </a:solidFill>
             <a:prstDash val="solid"/>
             <a:round/>
-            <a:headEnd len="sm" w="sm" type="none"/>
-            <a:tailEnd len="sm" w="sm" type="none"/>
+            <a:headEnd type="none" w="sm" len="sm"/>
+            <a:tailEnd type="none" w="sm" len="sm"/>
           </a:ln>
         </p:spPr>
       </p:cxnSp>
       <p:sp>
         <p:nvSpPr>
           <p:cNvPr id="13" name="Google Shape;13;p2"/>
-          <p:cNvSpPr txBox="1"/>
+          <p:cNvSpPr txBox="1">
+            <a:spLocks noGrp="1"/>
+          </p:cNvSpPr>
           <p:nvPr>
             <p:ph type="ctrTitle"/>
           </p:nvPr>
@@ -2215,7 +3075,7 @@
           </a:prstGeom>
         </p:spPr>
         <p:txBody>
-          <a:bodyPr anchorCtr="0" anchor="b" bIns="91425" lIns="91425" spcFirstLastPara="1" rIns="91425" wrap="square" tIns="91425">
+          <a:bodyPr spcFirstLastPara="1" wrap="square" lIns="91425" tIns="91425" rIns="91425" bIns="91425" anchor="b" anchorCtr="0">
             <a:normAutofit/>
           </a:bodyPr>
           <a:lstStyle>
@@ -2319,15 +3179,19 @@
               <a:defRPr sz="4000"/>
             </a:lvl9pPr>
           </a:lstStyle>
-          <a:p/>
+          <a:p>
+            <a:endParaRPr/>
+          </a:p>
         </p:txBody>
       </p:sp>
       <p:sp>
         <p:nvSpPr>
           <p:cNvPr id="14" name="Google Shape;14;p2"/>
-          <p:cNvSpPr txBox="1"/>
+          <p:cNvSpPr txBox="1">
+            <a:spLocks noGrp="1"/>
+          </p:cNvSpPr>
           <p:nvPr>
-            <p:ph idx="1" type="subTitle"/>
+            <p:ph type="subTitle" idx="1"/>
           </p:nvPr>
         </p:nvSpPr>
         <p:spPr>
@@ -2340,7 +3204,7 @@
           </a:prstGeom>
         </p:spPr>
         <p:txBody>
-          <a:bodyPr anchorCtr="0" anchor="t" bIns="91425" lIns="91425" spcFirstLastPara="1" rIns="91425" wrap="square" tIns="91425">
+          <a:bodyPr spcFirstLastPara="1" wrap="square" lIns="91425" tIns="91425" rIns="91425" bIns="91425" anchor="t" anchorCtr="0">
             <a:normAutofit/>
           </a:bodyPr>
           <a:lstStyle>
@@ -2579,15 +3443,19 @@
               </a:defRPr>
             </a:lvl9pPr>
           </a:lstStyle>
-          <a:p/>
+          <a:p>
+            <a:endParaRPr/>
+          </a:p>
         </p:txBody>
       </p:sp>
       <p:sp>
         <p:nvSpPr>
           <p:cNvPr id="15" name="Google Shape;15;p2"/>
-          <p:cNvSpPr txBox="1"/>
+          <p:cNvSpPr txBox="1">
+            <a:spLocks noGrp="1"/>
+          </p:cNvSpPr>
           <p:nvPr>
-            <p:ph idx="12" type="sldNum"/>
+            <p:ph type="sldNum" idx="12"/>
           </p:nvPr>
         </p:nvSpPr>
         <p:spPr>
@@ -2600,7 +3468,7 @@
           </a:prstGeom>
         </p:spPr>
         <p:txBody>
-          <a:bodyPr anchorCtr="0" anchor="ctr" bIns="91425" lIns="91425" spcFirstLastPara="1" rIns="91425" wrap="square" tIns="91425">
+          <a:bodyPr spcFirstLastPara="1" wrap="square" lIns="91425" tIns="91425" rIns="91425" bIns="91425" anchor="ctr" anchorCtr="0">
             <a:normAutofit/>
           </a:bodyPr>
           <a:lstStyle>
@@ -2642,7 +3510,7 @@
             </a:lvl9pPr>
           </a:lstStyle>
           <a:p>
-            <a:pPr indent="0" lvl="0" marL="0" rtl="0" algn="r">
+            <a:pPr marL="0" lvl="0" indent="0" algn="r" rtl="0">
               <a:spcBef>
                 <a:spcPts val="0"/>
               </a:spcBef>
@@ -2668,11 +3536,11 @@
 </file>
 
 <file path=ppt/slideLayouts/slideLayout10.xml><?xml version="1.0" encoding="utf-8"?>
-<p:sldLayout xmlns:a="http://schemas.openxmlformats.org/drawingml/2006/main" xmlns:r="http://schemas.openxmlformats.org/officeDocument/2006/relationships" xmlns:mc="http://schemas.openxmlformats.org/markup-compatibility/2006" xmlns:mv="urn:schemas-microsoft-com:mac:vml" xmlns:p="http://schemas.openxmlformats.org/presentationml/2006/main" xmlns:c="http://schemas.openxmlformats.org/drawingml/2006/chart" xmlns:dgm="http://schemas.openxmlformats.org/drawingml/2006/diagram" xmlns:o="urn:schemas-microsoft-com:office:office" xmlns:v="urn:schemas-microsoft-com:vml" xmlns:pvml="urn:schemas-microsoft-com:office:powerpoint" xmlns:com="http://schemas.openxmlformats.org/drawingml/2006/compatibility" xmlns:p14="http://schemas.microsoft.com/office/powerpoint/2010/main" xmlns:p15="http://schemas.microsoft.com/office/powerpoint/2012/main" xmlns:ahyp="http://schemas.microsoft.com/office/drawing/2018/hyperlinkcolor" matchingName="Big number">
+<p:sldLayout xmlns:a="http://schemas.openxmlformats.org/drawingml/2006/main" xmlns:r="http://schemas.openxmlformats.org/officeDocument/2006/relationships" xmlns:p="http://schemas.openxmlformats.org/presentationml/2006/main" matchingName="Big number">
   <p:cSld name="BIG_NUMBER">
     <p:spTree>
       <p:nvGrpSpPr>
-        <p:cNvPr id="52" name="Shape 52"/>
+        <p:cNvPr id="1" name="Shape 52"/>
         <p:cNvGrpSpPr/>
         <p:nvPr/>
       </p:nvGrpSpPr>
@@ -2706,12 +3574,12 @@
           </a:ln>
         </p:spPr>
         <p:txBody>
-          <a:bodyPr anchorCtr="0" anchor="ctr" bIns="91425" lIns="91425" spcFirstLastPara="1" rIns="91425" wrap="square" tIns="91425">
+          <a:bodyPr spcFirstLastPara="1" wrap="square" lIns="91425" tIns="91425" rIns="91425" bIns="91425" anchor="ctr" anchorCtr="0">
             <a:noAutofit/>
           </a:bodyPr>
           <a:lstStyle/>
           <a:p>
-            <a:pPr indent="0" lvl="0" marL="0" rtl="0" algn="l">
+            <a:pPr marL="0" lvl="0" indent="0" algn="l" rtl="0">
               <a:spcBef>
                 <a:spcPts val="0"/>
               </a:spcBef>
@@ -2720,9 +3588,6 @@
               </a:spcAft>
               <a:buNone/>
             </a:pPr>
-            <a:r>
-              <a:t/>
-            </a:r>
             <a:endParaRPr/>
           </a:p>
         </p:txBody>
@@ -2730,9 +3595,11 @@
       <p:sp>
         <p:nvSpPr>
           <p:cNvPr id="54" name="Google Shape;54;p11"/>
-          <p:cNvSpPr txBox="1"/>
+          <p:cNvSpPr txBox="1">
+            <a:spLocks noGrp="1"/>
+          </p:cNvSpPr>
           <p:nvPr>
-            <p:ph hasCustomPrompt="1" type="title"/>
+            <p:ph type="title" hasCustomPrompt="1"/>
           </p:nvPr>
         </p:nvSpPr>
         <p:spPr>
@@ -2745,7 +3612,7 @@
           </a:prstGeom>
         </p:spPr>
         <p:txBody>
-          <a:bodyPr anchorCtr="0" anchor="ctr" bIns="91425" lIns="91425" spcFirstLastPara="1" rIns="91425" wrap="square" tIns="91425">
+          <a:bodyPr spcFirstLastPara="1" wrap="square" lIns="91425" tIns="91425" rIns="91425" bIns="91425" anchor="ctr" anchorCtr="0">
             <a:normAutofit/>
           </a:bodyPr>
           <a:lstStyle>
@@ -2922,9 +3789,11 @@
       <p:sp>
         <p:nvSpPr>
           <p:cNvPr id="55" name="Google Shape;55;p11"/>
-          <p:cNvSpPr txBox="1"/>
+          <p:cNvSpPr txBox="1">
+            <a:spLocks noGrp="1"/>
+          </p:cNvSpPr>
           <p:nvPr>
-            <p:ph idx="1" type="body"/>
+            <p:ph type="body" idx="1"/>
           </p:nvPr>
         </p:nvSpPr>
         <p:spPr>
@@ -2937,11 +3806,11 @@
           </a:prstGeom>
         </p:spPr>
         <p:txBody>
-          <a:bodyPr anchorCtr="0" anchor="t" bIns="91425" lIns="91425" spcFirstLastPara="1" rIns="91425" wrap="square" tIns="91425">
+          <a:bodyPr spcFirstLastPara="1" wrap="square" lIns="91425" tIns="91425" rIns="91425" bIns="91425" anchor="t" anchorCtr="0">
             <a:normAutofit/>
           </a:bodyPr>
           <a:lstStyle>
-            <a:lvl1pPr indent="-342900" lvl="0" marL="457200" algn="ctr">
+            <a:lvl1pPr marL="457200" lvl="0" indent="-342900" algn="ctr">
               <a:spcBef>
                 <a:spcPts val="0"/>
               </a:spcBef>
@@ -2952,7 +3821,7 @@
               <a:buChar char="●"/>
               <a:defRPr/>
             </a:lvl1pPr>
-            <a:lvl2pPr indent="-317500" lvl="1" marL="914400" algn="ctr">
+            <a:lvl2pPr marL="914400" lvl="1" indent="-317500" algn="ctr">
               <a:spcBef>
                 <a:spcPts val="0"/>
               </a:spcBef>
@@ -2963,7 +3832,7 @@
               <a:buChar char="○"/>
               <a:defRPr/>
             </a:lvl2pPr>
-            <a:lvl3pPr indent="-317500" lvl="2" marL="1371600" algn="ctr">
+            <a:lvl3pPr marL="1371600" lvl="2" indent="-317500" algn="ctr">
               <a:spcBef>
                 <a:spcPts val="0"/>
               </a:spcBef>
@@ -2974,7 +3843,7 @@
               <a:buChar char="■"/>
               <a:defRPr/>
             </a:lvl3pPr>
-            <a:lvl4pPr indent="-317500" lvl="3" marL="1828800" algn="ctr">
+            <a:lvl4pPr marL="1828800" lvl="3" indent="-317500" algn="ctr">
               <a:spcBef>
                 <a:spcPts val="0"/>
               </a:spcBef>
@@ -2985,7 +3854,7 @@
               <a:buChar char="●"/>
               <a:defRPr/>
             </a:lvl4pPr>
-            <a:lvl5pPr indent="-317500" lvl="4" marL="2286000" algn="ctr">
+            <a:lvl5pPr marL="2286000" lvl="4" indent="-317500" algn="ctr">
               <a:spcBef>
                 <a:spcPts val="0"/>
               </a:spcBef>
@@ -2996,7 +3865,7 @@
               <a:buChar char="○"/>
               <a:defRPr/>
             </a:lvl5pPr>
-            <a:lvl6pPr indent="-317500" lvl="5" marL="2743200" algn="ctr">
+            <a:lvl6pPr marL="2743200" lvl="5" indent="-317500" algn="ctr">
               <a:spcBef>
                 <a:spcPts val="0"/>
               </a:spcBef>
@@ -3007,7 +3876,7 @@
               <a:buChar char="■"/>
               <a:defRPr/>
             </a:lvl6pPr>
-            <a:lvl7pPr indent="-317500" lvl="6" marL="3200400" algn="ctr">
+            <a:lvl7pPr marL="3200400" lvl="6" indent="-317500" algn="ctr">
               <a:spcBef>
                 <a:spcPts val="0"/>
               </a:spcBef>
@@ -3018,7 +3887,7 @@
               <a:buChar char="●"/>
               <a:defRPr/>
             </a:lvl7pPr>
-            <a:lvl8pPr indent="-317500" lvl="7" marL="3657600" algn="ctr">
+            <a:lvl8pPr marL="3657600" lvl="7" indent="-317500" algn="ctr">
               <a:spcBef>
                 <a:spcPts val="0"/>
               </a:spcBef>
@@ -3029,7 +3898,7 @@
               <a:buChar char="○"/>
               <a:defRPr/>
             </a:lvl8pPr>
-            <a:lvl9pPr indent="-317500" lvl="8" marL="4114800" algn="ctr">
+            <a:lvl9pPr marL="4114800" lvl="8" indent="-317500" algn="ctr">
               <a:spcBef>
                 <a:spcPts val="0"/>
               </a:spcBef>
@@ -3041,15 +3910,19 @@
               <a:defRPr/>
             </a:lvl9pPr>
           </a:lstStyle>
-          <a:p/>
+          <a:p>
+            <a:endParaRPr/>
+          </a:p>
         </p:txBody>
       </p:sp>
       <p:sp>
         <p:nvSpPr>
           <p:cNvPr id="56" name="Google Shape;56;p11"/>
-          <p:cNvSpPr txBox="1"/>
+          <p:cNvSpPr txBox="1">
+            <a:spLocks noGrp="1"/>
+          </p:cNvSpPr>
           <p:nvPr>
-            <p:ph idx="12" type="sldNum"/>
+            <p:ph type="sldNum" idx="12"/>
           </p:nvPr>
         </p:nvSpPr>
         <p:spPr>
@@ -3062,7 +3935,7 @@
           </a:prstGeom>
         </p:spPr>
         <p:txBody>
-          <a:bodyPr anchorCtr="0" anchor="ctr" bIns="91425" lIns="91425" spcFirstLastPara="1" rIns="91425" wrap="square" tIns="91425">
+          <a:bodyPr spcFirstLastPara="1" wrap="square" lIns="91425" tIns="91425" rIns="91425" bIns="91425" anchor="ctr" anchorCtr="0">
             <a:normAutofit/>
           </a:bodyPr>
           <a:lstStyle>
@@ -3104,7 +3977,7 @@
             </a:lvl9pPr>
           </a:lstStyle>
           <a:p>
-            <a:pPr indent="0" lvl="0" marL="0" rtl="0" algn="r">
+            <a:pPr marL="0" lvl="0" indent="0" algn="r" rtl="0">
               <a:spcBef>
                 <a:spcPts val="0"/>
               </a:spcBef>
@@ -3130,11 +4003,11 @@
 </file>
 
 <file path=ppt/slideLayouts/slideLayout11.xml><?xml version="1.0" encoding="utf-8"?>
-<p:sldLayout xmlns:a="http://schemas.openxmlformats.org/drawingml/2006/main" xmlns:r="http://schemas.openxmlformats.org/officeDocument/2006/relationships" xmlns:mc="http://schemas.openxmlformats.org/markup-compatibility/2006" xmlns:mv="urn:schemas-microsoft-com:mac:vml" xmlns:p="http://schemas.openxmlformats.org/presentationml/2006/main" xmlns:c="http://schemas.openxmlformats.org/drawingml/2006/chart" xmlns:dgm="http://schemas.openxmlformats.org/drawingml/2006/diagram" xmlns:o="urn:schemas-microsoft-com:office:office" xmlns:v="urn:schemas-microsoft-com:vml" xmlns:pvml="urn:schemas-microsoft-com:office:powerpoint" xmlns:com="http://schemas.openxmlformats.org/drawingml/2006/compatibility" xmlns:p14="http://schemas.microsoft.com/office/powerpoint/2010/main" xmlns:p15="http://schemas.microsoft.com/office/powerpoint/2012/main" xmlns:ahyp="http://schemas.microsoft.com/office/drawing/2018/hyperlinkcolor" matchingName="Blank" type="blank">
+<p:sldLayout xmlns:a="http://schemas.openxmlformats.org/drawingml/2006/main" xmlns:r="http://schemas.openxmlformats.org/officeDocument/2006/relationships" xmlns:p="http://schemas.openxmlformats.org/presentationml/2006/main" matchingName="Blank" type="blank">
   <p:cSld name="BLANK">
     <p:spTree>
       <p:nvGrpSpPr>
-        <p:cNvPr id="57" name="Shape 57"/>
+        <p:cNvPr id="1" name="Shape 57"/>
         <p:cNvGrpSpPr/>
         <p:nvPr/>
       </p:nvGrpSpPr>
@@ -3149,9 +4022,11 @@
       <p:sp>
         <p:nvSpPr>
           <p:cNvPr id="58" name="Google Shape;58;p12"/>
-          <p:cNvSpPr txBox="1"/>
+          <p:cNvSpPr txBox="1">
+            <a:spLocks noGrp="1"/>
+          </p:cNvSpPr>
           <p:nvPr>
-            <p:ph idx="12" type="sldNum"/>
+            <p:ph type="sldNum" idx="12"/>
           </p:nvPr>
         </p:nvSpPr>
         <p:spPr>
@@ -3164,7 +4039,7 @@
           </a:prstGeom>
         </p:spPr>
         <p:txBody>
-          <a:bodyPr anchorCtr="0" anchor="ctr" bIns="91425" lIns="91425" spcFirstLastPara="1" rIns="91425" wrap="square" tIns="91425">
+          <a:bodyPr spcFirstLastPara="1" wrap="square" lIns="91425" tIns="91425" rIns="91425" bIns="91425" anchor="ctr" anchorCtr="0">
             <a:normAutofit/>
           </a:bodyPr>
           <a:lstStyle>
@@ -3206,7 +4081,7 @@
             </a:lvl9pPr>
           </a:lstStyle>
           <a:p>
-            <a:pPr indent="0" lvl="0" marL="0" rtl="0" algn="r">
+            <a:pPr marL="0" lvl="0" indent="0" algn="r" rtl="0">
               <a:spcBef>
                 <a:spcPts val="0"/>
               </a:spcBef>
@@ -3232,11 +4107,11 @@
 </file>
 
 <file path=ppt/slideLayouts/slideLayout2.xml><?xml version="1.0" encoding="utf-8"?>
-<p:sldLayout xmlns:a="http://schemas.openxmlformats.org/drawingml/2006/main" xmlns:r="http://schemas.openxmlformats.org/officeDocument/2006/relationships" xmlns:mc="http://schemas.openxmlformats.org/markup-compatibility/2006" xmlns:mv="urn:schemas-microsoft-com:mac:vml" xmlns:p="http://schemas.openxmlformats.org/presentationml/2006/main" xmlns:c="http://schemas.openxmlformats.org/drawingml/2006/chart" xmlns:dgm="http://schemas.openxmlformats.org/drawingml/2006/diagram" xmlns:o="urn:schemas-microsoft-com:office:office" xmlns:v="urn:schemas-microsoft-com:vml" xmlns:pvml="urn:schemas-microsoft-com:office:powerpoint" xmlns:com="http://schemas.openxmlformats.org/drawingml/2006/compatibility" xmlns:p14="http://schemas.microsoft.com/office/powerpoint/2010/main" xmlns:p15="http://schemas.microsoft.com/office/powerpoint/2012/main" xmlns:ahyp="http://schemas.microsoft.com/office/drawing/2018/hyperlinkcolor" matchingName="Section header" type="secHead">
+<p:sldLayout xmlns:a="http://schemas.openxmlformats.org/drawingml/2006/main" xmlns:r="http://schemas.openxmlformats.org/officeDocument/2006/relationships" xmlns:p="http://schemas.openxmlformats.org/presentationml/2006/main" matchingName="Section header" type="secHead">
   <p:cSld name="SECTION_HEADER">
     <p:spTree>
       <p:nvGrpSpPr>
-        <p:cNvPr id="16" name="Shape 16"/>
+        <p:cNvPr id="1" name="Shape 16"/>
         <p:cNvGrpSpPr/>
         <p:nvPr/>
       </p:nvGrpSpPr>
@@ -3263,21 +4138,23 @@
             <a:avLst/>
           </a:prstGeom>
           <a:noFill/>
-          <a:ln cap="flat" cmpd="sng" w="38100">
+          <a:ln w="38100" cap="flat" cmpd="sng">
             <a:solidFill>
               <a:schemeClr val="accent4"/>
             </a:solidFill>
             <a:prstDash val="solid"/>
             <a:round/>
-            <a:headEnd len="sm" w="sm" type="none"/>
-            <a:tailEnd len="sm" w="sm" type="none"/>
+            <a:headEnd type="none" w="sm" len="sm"/>
+            <a:tailEnd type="none" w="sm" len="sm"/>
           </a:ln>
         </p:spPr>
       </p:cxnSp>
       <p:sp>
         <p:nvSpPr>
           <p:cNvPr id="18" name="Google Shape;18;p3"/>
-          <p:cNvSpPr txBox="1"/>
+          <p:cNvSpPr txBox="1">
+            <a:spLocks noGrp="1"/>
+          </p:cNvSpPr>
           <p:nvPr>
             <p:ph type="title"/>
           </p:nvPr>
@@ -3292,7 +4169,7 @@
           </a:prstGeom>
         </p:spPr>
         <p:txBody>
-          <a:bodyPr anchorCtr="0" anchor="b" bIns="91425" lIns="91425" spcFirstLastPara="1" rIns="91425" wrap="square" tIns="91425">
+          <a:bodyPr spcFirstLastPara="1" wrap="square" lIns="91425" tIns="91425" rIns="91425" bIns="91425" anchor="b" anchorCtr="0">
             <a:normAutofit/>
           </a:bodyPr>
           <a:lstStyle>
@@ -3396,15 +4273,19 @@
               <a:defRPr sz="4800"/>
             </a:lvl9pPr>
           </a:lstStyle>
-          <a:p/>
+          <a:p>
+            <a:endParaRPr/>
+          </a:p>
         </p:txBody>
       </p:sp>
       <p:sp>
         <p:nvSpPr>
           <p:cNvPr id="19" name="Google Shape;19;p3"/>
-          <p:cNvSpPr txBox="1"/>
+          <p:cNvSpPr txBox="1">
+            <a:spLocks noGrp="1"/>
+          </p:cNvSpPr>
           <p:nvPr>
-            <p:ph idx="12" type="sldNum"/>
+            <p:ph type="sldNum" idx="12"/>
           </p:nvPr>
         </p:nvSpPr>
         <p:spPr>
@@ -3417,7 +4298,7 @@
           </a:prstGeom>
         </p:spPr>
         <p:txBody>
-          <a:bodyPr anchorCtr="0" anchor="ctr" bIns="91425" lIns="91425" spcFirstLastPara="1" rIns="91425" wrap="square" tIns="91425">
+          <a:bodyPr spcFirstLastPara="1" wrap="square" lIns="91425" tIns="91425" rIns="91425" bIns="91425" anchor="ctr" anchorCtr="0">
             <a:normAutofit/>
           </a:bodyPr>
           <a:lstStyle>
@@ -3459,7 +4340,7 @@
             </a:lvl9pPr>
           </a:lstStyle>
           <a:p>
-            <a:pPr indent="0" lvl="0" marL="0" rtl="0" algn="r">
+            <a:pPr marL="0" lvl="0" indent="0" algn="r" rtl="0">
               <a:spcBef>
                 <a:spcPts val="0"/>
               </a:spcBef>
@@ -3485,11 +4366,11 @@
 </file>
 
 <file path=ppt/slideLayouts/slideLayout3.xml><?xml version="1.0" encoding="utf-8"?>
-<p:sldLayout xmlns:a="http://schemas.openxmlformats.org/drawingml/2006/main" xmlns:r="http://schemas.openxmlformats.org/officeDocument/2006/relationships" xmlns:mc="http://schemas.openxmlformats.org/markup-compatibility/2006" xmlns:mv="urn:schemas-microsoft-com:mac:vml" xmlns:p="http://schemas.openxmlformats.org/presentationml/2006/main" xmlns:c="http://schemas.openxmlformats.org/drawingml/2006/chart" xmlns:dgm="http://schemas.openxmlformats.org/drawingml/2006/diagram" xmlns:o="urn:schemas-microsoft-com:office:office" xmlns:v="urn:schemas-microsoft-com:vml" xmlns:pvml="urn:schemas-microsoft-com:office:powerpoint" xmlns:com="http://schemas.openxmlformats.org/drawingml/2006/compatibility" xmlns:p14="http://schemas.microsoft.com/office/powerpoint/2010/main" xmlns:p15="http://schemas.microsoft.com/office/powerpoint/2012/main" xmlns:ahyp="http://schemas.microsoft.com/office/drawing/2018/hyperlinkcolor" matchingName="Title and body" type="tx">
+<p:sldLayout xmlns:a="http://schemas.openxmlformats.org/drawingml/2006/main" xmlns:r="http://schemas.openxmlformats.org/officeDocument/2006/relationships" xmlns:p="http://schemas.openxmlformats.org/presentationml/2006/main" matchingName="Title and body" type="tx">
   <p:cSld name="TITLE_AND_BODY">
     <p:spTree>
       <p:nvGrpSpPr>
-        <p:cNvPr id="20" name="Shape 20"/>
+        <p:cNvPr id="1" name="Shape 20"/>
         <p:cNvGrpSpPr/>
         <p:nvPr/>
       </p:nvGrpSpPr>
@@ -3516,21 +4397,23 @@
             <a:avLst/>
           </a:prstGeom>
           <a:noFill/>
-          <a:ln cap="flat" cmpd="sng" w="38100">
+          <a:ln w="38100" cap="flat" cmpd="sng">
             <a:solidFill>
               <a:schemeClr val="accent4"/>
             </a:solidFill>
             <a:prstDash val="solid"/>
             <a:round/>
-            <a:headEnd len="sm" w="sm" type="none"/>
-            <a:tailEnd len="sm" w="sm" type="none"/>
+            <a:headEnd type="none" w="sm" len="sm"/>
+            <a:tailEnd type="none" w="sm" len="sm"/>
           </a:ln>
         </p:spPr>
       </p:cxnSp>
       <p:sp>
         <p:nvSpPr>
           <p:cNvPr id="22" name="Google Shape;22;p4"/>
-          <p:cNvSpPr txBox="1"/>
+          <p:cNvSpPr txBox="1">
+            <a:spLocks noGrp="1"/>
+          </p:cNvSpPr>
           <p:nvPr>
             <p:ph type="title"/>
           </p:nvPr>
@@ -3545,7 +4428,7 @@
           </a:prstGeom>
         </p:spPr>
         <p:txBody>
-          <a:bodyPr anchorCtr="0" anchor="b" bIns="91425" lIns="91425" spcFirstLastPara="1" rIns="91425" wrap="square" tIns="91425">
+          <a:bodyPr spcFirstLastPara="1" wrap="square" lIns="91425" tIns="91425" rIns="91425" bIns="91425" anchor="b" anchorCtr="0">
             <a:normAutofit/>
           </a:bodyPr>
           <a:lstStyle>
@@ -3649,15 +4532,19 @@
               <a:defRPr/>
             </a:lvl9pPr>
           </a:lstStyle>
-          <a:p/>
+          <a:p>
+            <a:endParaRPr/>
+          </a:p>
         </p:txBody>
       </p:sp>
       <p:sp>
         <p:nvSpPr>
           <p:cNvPr id="23" name="Google Shape;23;p4"/>
-          <p:cNvSpPr txBox="1"/>
+          <p:cNvSpPr txBox="1">
+            <a:spLocks noGrp="1"/>
+          </p:cNvSpPr>
           <p:nvPr>
-            <p:ph idx="1" type="body"/>
+            <p:ph type="body" idx="1"/>
           </p:nvPr>
         </p:nvSpPr>
         <p:spPr>
@@ -3670,11 +4557,11 @@
           </a:prstGeom>
         </p:spPr>
         <p:txBody>
-          <a:bodyPr anchorCtr="0" anchor="t" bIns="91425" lIns="91425" spcFirstLastPara="1" rIns="91425" wrap="square" tIns="91425">
+          <a:bodyPr spcFirstLastPara="1" wrap="square" lIns="91425" tIns="91425" rIns="91425" bIns="91425" anchor="t" anchorCtr="0">
             <a:normAutofit/>
           </a:bodyPr>
           <a:lstStyle>
-            <a:lvl1pPr indent="-342900" lvl="0" marL="457200">
+            <a:lvl1pPr marL="457200" lvl="0" indent="-342900">
               <a:spcBef>
                 <a:spcPts val="0"/>
               </a:spcBef>
@@ -3685,7 +4572,7 @@
               <a:buChar char="●"/>
               <a:defRPr/>
             </a:lvl1pPr>
-            <a:lvl2pPr indent="-317500" lvl="1" marL="914400">
+            <a:lvl2pPr marL="914400" lvl="1" indent="-317500">
               <a:spcBef>
                 <a:spcPts val="0"/>
               </a:spcBef>
@@ -3696,7 +4583,7 @@
               <a:buChar char="○"/>
               <a:defRPr/>
             </a:lvl2pPr>
-            <a:lvl3pPr indent="-317500" lvl="2" marL="1371600">
+            <a:lvl3pPr marL="1371600" lvl="2" indent="-317500">
               <a:spcBef>
                 <a:spcPts val="0"/>
               </a:spcBef>
@@ -3707,7 +4594,7 @@
               <a:buChar char="■"/>
               <a:defRPr/>
             </a:lvl3pPr>
-            <a:lvl4pPr indent="-317500" lvl="3" marL="1828800">
+            <a:lvl4pPr marL="1828800" lvl="3" indent="-317500">
               <a:spcBef>
                 <a:spcPts val="0"/>
               </a:spcBef>
@@ -3718,7 +4605,7 @@
               <a:buChar char="●"/>
               <a:defRPr/>
             </a:lvl4pPr>
-            <a:lvl5pPr indent="-317500" lvl="4" marL="2286000">
+            <a:lvl5pPr marL="2286000" lvl="4" indent="-317500">
               <a:spcBef>
                 <a:spcPts val="0"/>
               </a:spcBef>
@@ -3729,7 +4616,7 @@
               <a:buChar char="○"/>
               <a:defRPr/>
             </a:lvl5pPr>
-            <a:lvl6pPr indent="-317500" lvl="5" marL="2743200">
+            <a:lvl6pPr marL="2743200" lvl="5" indent="-317500">
               <a:spcBef>
                 <a:spcPts val="0"/>
               </a:spcBef>
@@ -3740,7 +4627,7 @@
               <a:buChar char="■"/>
               <a:defRPr/>
             </a:lvl6pPr>
-            <a:lvl7pPr indent="-317500" lvl="6" marL="3200400">
+            <a:lvl7pPr marL="3200400" lvl="6" indent="-317500">
               <a:spcBef>
                 <a:spcPts val="0"/>
               </a:spcBef>
@@ -3751,7 +4638,7 @@
               <a:buChar char="●"/>
               <a:defRPr/>
             </a:lvl7pPr>
-            <a:lvl8pPr indent="-317500" lvl="7" marL="3657600">
+            <a:lvl8pPr marL="3657600" lvl="7" indent="-317500">
               <a:spcBef>
                 <a:spcPts val="0"/>
               </a:spcBef>
@@ -3762,7 +4649,7 @@
               <a:buChar char="○"/>
               <a:defRPr/>
             </a:lvl8pPr>
-            <a:lvl9pPr indent="-317500" lvl="8" marL="4114800">
+            <a:lvl9pPr marL="4114800" lvl="8" indent="-317500">
               <a:spcBef>
                 <a:spcPts val="0"/>
               </a:spcBef>
@@ -3774,15 +4661,19 @@
               <a:defRPr/>
             </a:lvl9pPr>
           </a:lstStyle>
-          <a:p/>
+          <a:p>
+            <a:endParaRPr/>
+          </a:p>
         </p:txBody>
       </p:sp>
       <p:sp>
         <p:nvSpPr>
           <p:cNvPr id="24" name="Google Shape;24;p4"/>
-          <p:cNvSpPr txBox="1"/>
+          <p:cNvSpPr txBox="1">
+            <a:spLocks noGrp="1"/>
+          </p:cNvSpPr>
           <p:nvPr>
-            <p:ph idx="12" type="sldNum"/>
+            <p:ph type="sldNum" idx="12"/>
           </p:nvPr>
         </p:nvSpPr>
         <p:spPr>
@@ -3795,7 +4686,7 @@
           </a:prstGeom>
         </p:spPr>
         <p:txBody>
-          <a:bodyPr anchorCtr="0" anchor="ctr" bIns="91425" lIns="91425" spcFirstLastPara="1" rIns="91425" wrap="square" tIns="91425">
+          <a:bodyPr spcFirstLastPara="1" wrap="square" lIns="91425" tIns="91425" rIns="91425" bIns="91425" anchor="ctr" anchorCtr="0">
             <a:normAutofit/>
           </a:bodyPr>
           <a:lstStyle>
@@ -3837,7 +4728,7 @@
             </a:lvl9pPr>
           </a:lstStyle>
           <a:p>
-            <a:pPr indent="0" lvl="0" marL="0" rtl="0" algn="r">
+            <a:pPr marL="0" lvl="0" indent="0" algn="r" rtl="0">
               <a:spcBef>
                 <a:spcPts val="0"/>
               </a:spcBef>
@@ -3863,11 +4754,11 @@
 </file>
 
 <file path=ppt/slideLayouts/slideLayout4.xml><?xml version="1.0" encoding="utf-8"?>
-<p:sldLayout xmlns:a="http://schemas.openxmlformats.org/drawingml/2006/main" xmlns:r="http://schemas.openxmlformats.org/officeDocument/2006/relationships" xmlns:mc="http://schemas.openxmlformats.org/markup-compatibility/2006" xmlns:mv="urn:schemas-microsoft-com:mac:vml" xmlns:p="http://schemas.openxmlformats.org/presentationml/2006/main" xmlns:c="http://schemas.openxmlformats.org/drawingml/2006/chart" xmlns:dgm="http://schemas.openxmlformats.org/drawingml/2006/diagram" xmlns:o="urn:schemas-microsoft-com:office:office" xmlns:v="urn:schemas-microsoft-com:vml" xmlns:pvml="urn:schemas-microsoft-com:office:powerpoint" xmlns:com="http://schemas.openxmlformats.org/drawingml/2006/compatibility" xmlns:p14="http://schemas.microsoft.com/office/powerpoint/2010/main" xmlns:p15="http://schemas.microsoft.com/office/powerpoint/2012/main" xmlns:ahyp="http://schemas.microsoft.com/office/drawing/2018/hyperlinkcolor" matchingName="Title and two columns" type="twoColTx">
+<p:sldLayout xmlns:a="http://schemas.openxmlformats.org/drawingml/2006/main" xmlns:r="http://schemas.openxmlformats.org/officeDocument/2006/relationships" xmlns:p="http://schemas.openxmlformats.org/presentationml/2006/main" matchingName="Title and two columns" type="twoColTx">
   <p:cSld name="TITLE_AND_TWO_COLUMNS">
     <p:spTree>
       <p:nvGrpSpPr>
-        <p:cNvPr id="25" name="Shape 25"/>
+        <p:cNvPr id="1" name="Shape 25"/>
         <p:cNvGrpSpPr/>
         <p:nvPr/>
       </p:nvGrpSpPr>
@@ -3894,21 +4785,23 @@
             <a:avLst/>
           </a:prstGeom>
           <a:noFill/>
-          <a:ln cap="flat" cmpd="sng" w="38100">
+          <a:ln w="38100" cap="flat" cmpd="sng">
             <a:solidFill>
               <a:schemeClr val="accent4"/>
             </a:solidFill>
             <a:prstDash val="solid"/>
             <a:round/>
-            <a:headEnd len="sm" w="sm" type="none"/>
-            <a:tailEnd len="sm" w="sm" type="none"/>
+            <a:headEnd type="none" w="sm" len="sm"/>
+            <a:tailEnd type="none" w="sm" len="sm"/>
           </a:ln>
         </p:spPr>
       </p:cxnSp>
       <p:sp>
         <p:nvSpPr>
           <p:cNvPr id="27" name="Google Shape;27;p5"/>
-          <p:cNvSpPr txBox="1"/>
+          <p:cNvSpPr txBox="1">
+            <a:spLocks noGrp="1"/>
+          </p:cNvSpPr>
           <p:nvPr>
             <p:ph type="title"/>
           </p:nvPr>
@@ -3923,7 +4816,7 @@
           </a:prstGeom>
         </p:spPr>
         <p:txBody>
-          <a:bodyPr anchorCtr="0" anchor="b" bIns="91425" lIns="91425" spcFirstLastPara="1" rIns="91425" wrap="square" tIns="91425">
+          <a:bodyPr spcFirstLastPara="1" wrap="square" lIns="91425" tIns="91425" rIns="91425" bIns="91425" anchor="b" anchorCtr="0">
             <a:normAutofit/>
           </a:bodyPr>
           <a:lstStyle>
@@ -4027,15 +4920,19 @@
               <a:defRPr/>
             </a:lvl9pPr>
           </a:lstStyle>
-          <a:p/>
+          <a:p>
+            <a:endParaRPr/>
+          </a:p>
         </p:txBody>
       </p:sp>
       <p:sp>
         <p:nvSpPr>
           <p:cNvPr id="28" name="Google Shape;28;p5"/>
-          <p:cNvSpPr txBox="1"/>
+          <p:cNvSpPr txBox="1">
+            <a:spLocks noGrp="1"/>
+          </p:cNvSpPr>
           <p:nvPr>
-            <p:ph idx="1" type="body"/>
+            <p:ph type="body" idx="1"/>
           </p:nvPr>
         </p:nvSpPr>
         <p:spPr>
@@ -4048,11 +4945,11 @@
           </a:prstGeom>
         </p:spPr>
         <p:txBody>
-          <a:bodyPr anchorCtr="0" anchor="t" bIns="91425" lIns="91425" spcFirstLastPara="1" rIns="91425" wrap="square" tIns="91425">
+          <a:bodyPr spcFirstLastPara="1" wrap="square" lIns="91425" tIns="91425" rIns="91425" bIns="91425" anchor="t" anchorCtr="0">
             <a:normAutofit/>
           </a:bodyPr>
           <a:lstStyle>
-            <a:lvl1pPr indent="-317500" lvl="0" marL="457200">
+            <a:lvl1pPr marL="457200" lvl="0" indent="-317500">
               <a:spcBef>
                 <a:spcPts val="0"/>
               </a:spcBef>
@@ -4063,7 +4960,7 @@
               <a:buChar char="●"/>
               <a:defRPr sz="1400"/>
             </a:lvl1pPr>
-            <a:lvl2pPr indent="-304800" lvl="1" marL="914400">
+            <a:lvl2pPr marL="914400" lvl="1" indent="-304800">
               <a:spcBef>
                 <a:spcPts val="0"/>
               </a:spcBef>
@@ -4074,7 +4971,7 @@
               <a:buChar char="○"/>
               <a:defRPr sz="1200"/>
             </a:lvl2pPr>
-            <a:lvl3pPr indent="-304800" lvl="2" marL="1371600">
+            <a:lvl3pPr marL="1371600" lvl="2" indent="-304800">
               <a:spcBef>
                 <a:spcPts val="0"/>
               </a:spcBef>
@@ -4085,7 +4982,7 @@
               <a:buChar char="■"/>
               <a:defRPr sz="1200"/>
             </a:lvl3pPr>
-            <a:lvl4pPr indent="-304800" lvl="3" marL="1828800">
+            <a:lvl4pPr marL="1828800" lvl="3" indent="-304800">
               <a:spcBef>
                 <a:spcPts val="0"/>
               </a:spcBef>
@@ -4096,7 +4993,7 @@
               <a:buChar char="●"/>
               <a:defRPr sz="1200"/>
             </a:lvl4pPr>
-            <a:lvl5pPr indent="-304800" lvl="4" marL="2286000">
+            <a:lvl5pPr marL="2286000" lvl="4" indent="-304800">
               <a:spcBef>
                 <a:spcPts val="0"/>
               </a:spcBef>
@@ -4107,7 +5004,7 @@
               <a:buChar char="○"/>
               <a:defRPr sz="1200"/>
             </a:lvl5pPr>
-            <a:lvl6pPr indent="-304800" lvl="5" marL="2743200">
+            <a:lvl6pPr marL="2743200" lvl="5" indent="-304800">
               <a:spcBef>
                 <a:spcPts val="0"/>
               </a:spcBef>
@@ -4118,7 +5015,7 @@
               <a:buChar char="■"/>
               <a:defRPr sz="1200"/>
             </a:lvl6pPr>
-            <a:lvl7pPr indent="-304800" lvl="6" marL="3200400">
+            <a:lvl7pPr marL="3200400" lvl="6" indent="-304800">
               <a:spcBef>
                 <a:spcPts val="0"/>
               </a:spcBef>
@@ -4129,7 +5026,7 @@
               <a:buChar char="●"/>
               <a:defRPr sz="1200"/>
             </a:lvl7pPr>
-            <a:lvl8pPr indent="-304800" lvl="7" marL="3657600">
+            <a:lvl8pPr marL="3657600" lvl="7" indent="-304800">
               <a:spcBef>
                 <a:spcPts val="0"/>
               </a:spcBef>
@@ -4140,7 +5037,7 @@
               <a:buChar char="○"/>
               <a:defRPr sz="1200"/>
             </a:lvl8pPr>
-            <a:lvl9pPr indent="-304800" lvl="8" marL="4114800">
+            <a:lvl9pPr marL="4114800" lvl="8" indent="-304800">
               <a:spcBef>
                 <a:spcPts val="0"/>
               </a:spcBef>
@@ -4152,15 +5049,19 @@
               <a:defRPr sz="1200"/>
             </a:lvl9pPr>
           </a:lstStyle>
-          <a:p/>
+          <a:p>
+            <a:endParaRPr/>
+          </a:p>
         </p:txBody>
       </p:sp>
       <p:sp>
         <p:nvSpPr>
           <p:cNvPr id="29" name="Google Shape;29;p5"/>
-          <p:cNvSpPr txBox="1"/>
+          <p:cNvSpPr txBox="1">
+            <a:spLocks noGrp="1"/>
+          </p:cNvSpPr>
           <p:nvPr>
-            <p:ph idx="2" type="body"/>
+            <p:ph type="body" idx="2"/>
           </p:nvPr>
         </p:nvSpPr>
         <p:spPr>
@@ -4173,11 +5074,11 @@
           </a:prstGeom>
         </p:spPr>
         <p:txBody>
-          <a:bodyPr anchorCtr="0" anchor="t" bIns="91425" lIns="91425" spcFirstLastPara="1" rIns="91425" wrap="square" tIns="91425">
+          <a:bodyPr spcFirstLastPara="1" wrap="square" lIns="91425" tIns="91425" rIns="91425" bIns="91425" anchor="t" anchorCtr="0">
             <a:normAutofit/>
           </a:bodyPr>
           <a:lstStyle>
-            <a:lvl1pPr indent="-317500" lvl="0" marL="457200">
+            <a:lvl1pPr marL="457200" lvl="0" indent="-317500">
               <a:spcBef>
                 <a:spcPts val="0"/>
               </a:spcBef>
@@ -4188,7 +5089,7 @@
               <a:buChar char="●"/>
               <a:defRPr sz="1400"/>
             </a:lvl1pPr>
-            <a:lvl2pPr indent="-304800" lvl="1" marL="914400">
+            <a:lvl2pPr marL="914400" lvl="1" indent="-304800">
               <a:spcBef>
                 <a:spcPts val="0"/>
               </a:spcBef>
@@ -4199,7 +5100,7 @@
               <a:buChar char="○"/>
               <a:defRPr sz="1200"/>
             </a:lvl2pPr>
-            <a:lvl3pPr indent="-304800" lvl="2" marL="1371600">
+            <a:lvl3pPr marL="1371600" lvl="2" indent="-304800">
               <a:spcBef>
                 <a:spcPts val="0"/>
               </a:spcBef>
@@ -4210,7 +5111,7 @@
               <a:buChar char="■"/>
               <a:defRPr sz="1200"/>
             </a:lvl3pPr>
-            <a:lvl4pPr indent="-304800" lvl="3" marL="1828800">
+            <a:lvl4pPr marL="1828800" lvl="3" indent="-304800">
               <a:spcBef>
                 <a:spcPts val="0"/>
               </a:spcBef>
@@ -4221,7 +5122,7 @@
               <a:buChar char="●"/>
               <a:defRPr sz="1200"/>
             </a:lvl4pPr>
-            <a:lvl5pPr indent="-304800" lvl="4" marL="2286000">
+            <a:lvl5pPr marL="2286000" lvl="4" indent="-304800">
               <a:spcBef>
                 <a:spcPts val="0"/>
               </a:spcBef>
@@ -4232,7 +5133,7 @@
               <a:buChar char="○"/>
               <a:defRPr sz="1200"/>
             </a:lvl5pPr>
-            <a:lvl6pPr indent="-304800" lvl="5" marL="2743200">
+            <a:lvl6pPr marL="2743200" lvl="5" indent="-304800">
               <a:spcBef>
                 <a:spcPts val="0"/>
               </a:spcBef>
@@ -4243,7 +5144,7 @@
               <a:buChar char="■"/>
               <a:defRPr sz="1200"/>
             </a:lvl6pPr>
-            <a:lvl7pPr indent="-304800" lvl="6" marL="3200400">
+            <a:lvl7pPr marL="3200400" lvl="6" indent="-304800">
               <a:spcBef>
                 <a:spcPts val="0"/>
               </a:spcBef>
@@ -4254,7 +5155,7 @@
               <a:buChar char="●"/>
               <a:defRPr sz="1200"/>
             </a:lvl7pPr>
-            <a:lvl8pPr indent="-304800" lvl="7" marL="3657600">
+            <a:lvl8pPr marL="3657600" lvl="7" indent="-304800">
               <a:spcBef>
                 <a:spcPts val="0"/>
               </a:spcBef>
@@ -4265,7 +5166,7 @@
               <a:buChar char="○"/>
               <a:defRPr sz="1200"/>
             </a:lvl8pPr>
-            <a:lvl9pPr indent="-304800" lvl="8" marL="4114800">
+            <a:lvl9pPr marL="4114800" lvl="8" indent="-304800">
               <a:spcBef>
                 <a:spcPts val="0"/>
               </a:spcBef>
@@ -4277,15 +5178,19 @@
               <a:defRPr sz="1200"/>
             </a:lvl9pPr>
           </a:lstStyle>
-          <a:p/>
+          <a:p>
+            <a:endParaRPr/>
+          </a:p>
         </p:txBody>
       </p:sp>
       <p:sp>
         <p:nvSpPr>
           <p:cNvPr id="30" name="Google Shape;30;p5"/>
-          <p:cNvSpPr txBox="1"/>
+          <p:cNvSpPr txBox="1">
+            <a:spLocks noGrp="1"/>
+          </p:cNvSpPr>
           <p:nvPr>
-            <p:ph idx="12" type="sldNum"/>
+            <p:ph type="sldNum" idx="12"/>
           </p:nvPr>
         </p:nvSpPr>
         <p:spPr>
@@ -4298,7 +5203,7 @@
           </a:prstGeom>
         </p:spPr>
         <p:txBody>
-          <a:bodyPr anchorCtr="0" anchor="ctr" bIns="91425" lIns="91425" spcFirstLastPara="1" rIns="91425" wrap="square" tIns="91425">
+          <a:bodyPr spcFirstLastPara="1" wrap="square" lIns="91425" tIns="91425" rIns="91425" bIns="91425" anchor="ctr" anchorCtr="0">
             <a:normAutofit/>
           </a:bodyPr>
           <a:lstStyle>
@@ -4340,7 +5245,7 @@
             </a:lvl9pPr>
           </a:lstStyle>
           <a:p>
-            <a:pPr indent="0" lvl="0" marL="0" rtl="0" algn="r">
+            <a:pPr marL="0" lvl="0" indent="0" algn="r" rtl="0">
               <a:spcBef>
                 <a:spcPts val="0"/>
               </a:spcBef>
@@ -4366,11 +5271,11 @@
 </file>
 
 <file path=ppt/slideLayouts/slideLayout5.xml><?xml version="1.0" encoding="utf-8"?>
-<p:sldLayout xmlns:a="http://schemas.openxmlformats.org/drawingml/2006/main" xmlns:r="http://schemas.openxmlformats.org/officeDocument/2006/relationships" xmlns:mc="http://schemas.openxmlformats.org/markup-compatibility/2006" xmlns:mv="urn:schemas-microsoft-com:mac:vml" xmlns:p="http://schemas.openxmlformats.org/presentationml/2006/main" xmlns:c="http://schemas.openxmlformats.org/drawingml/2006/chart" xmlns:dgm="http://schemas.openxmlformats.org/drawingml/2006/diagram" xmlns:o="urn:schemas-microsoft-com:office:office" xmlns:v="urn:schemas-microsoft-com:vml" xmlns:pvml="urn:schemas-microsoft-com:office:powerpoint" xmlns:com="http://schemas.openxmlformats.org/drawingml/2006/compatibility" xmlns:p14="http://schemas.microsoft.com/office/powerpoint/2010/main" xmlns:p15="http://schemas.microsoft.com/office/powerpoint/2012/main" xmlns:ahyp="http://schemas.microsoft.com/office/drawing/2018/hyperlinkcolor" matchingName="Title only" type="titleOnly">
+<p:sldLayout xmlns:a="http://schemas.openxmlformats.org/drawingml/2006/main" xmlns:r="http://schemas.openxmlformats.org/officeDocument/2006/relationships" xmlns:p="http://schemas.openxmlformats.org/presentationml/2006/main" matchingName="Title only" type="titleOnly">
   <p:cSld name="TITLE_ONLY">
     <p:spTree>
       <p:nvGrpSpPr>
-        <p:cNvPr id="31" name="Shape 31"/>
+        <p:cNvPr id="1" name="Shape 31"/>
         <p:cNvGrpSpPr/>
         <p:nvPr/>
       </p:nvGrpSpPr>
@@ -4385,7 +5290,9 @@
       <p:sp>
         <p:nvSpPr>
           <p:cNvPr id="32" name="Google Shape;32;p6"/>
-          <p:cNvSpPr txBox="1"/>
+          <p:cNvSpPr txBox="1">
+            <a:spLocks noGrp="1"/>
+          </p:cNvSpPr>
           <p:nvPr>
             <p:ph type="title"/>
           </p:nvPr>
@@ -4400,7 +5307,7 @@
           </a:prstGeom>
         </p:spPr>
         <p:txBody>
-          <a:bodyPr anchorCtr="0" anchor="b" bIns="91425" lIns="91425" spcFirstLastPara="1" rIns="91425" wrap="square" tIns="91425">
+          <a:bodyPr spcFirstLastPara="1" wrap="square" lIns="91425" tIns="91425" rIns="91425" bIns="91425" anchor="b" anchorCtr="0">
             <a:normAutofit/>
           </a:bodyPr>
           <a:lstStyle>
@@ -4504,15 +5411,19 @@
               <a:defRPr/>
             </a:lvl9pPr>
           </a:lstStyle>
-          <a:p/>
+          <a:p>
+            <a:endParaRPr/>
+          </a:p>
         </p:txBody>
       </p:sp>
       <p:sp>
         <p:nvSpPr>
           <p:cNvPr id="33" name="Google Shape;33;p6"/>
-          <p:cNvSpPr txBox="1"/>
+          <p:cNvSpPr txBox="1">
+            <a:spLocks noGrp="1"/>
+          </p:cNvSpPr>
           <p:nvPr>
-            <p:ph idx="12" type="sldNum"/>
+            <p:ph type="sldNum" idx="12"/>
           </p:nvPr>
         </p:nvSpPr>
         <p:spPr>
@@ -4525,7 +5436,7 @@
           </a:prstGeom>
         </p:spPr>
         <p:txBody>
-          <a:bodyPr anchorCtr="0" anchor="ctr" bIns="91425" lIns="91425" spcFirstLastPara="1" rIns="91425" wrap="square" tIns="91425">
+          <a:bodyPr spcFirstLastPara="1" wrap="square" lIns="91425" tIns="91425" rIns="91425" bIns="91425" anchor="ctr" anchorCtr="0">
             <a:normAutofit/>
           </a:bodyPr>
           <a:lstStyle>
@@ -4567,7 +5478,7 @@
             </a:lvl9pPr>
           </a:lstStyle>
           <a:p>
-            <a:pPr indent="0" lvl="0" marL="0" rtl="0" algn="r">
+            <a:pPr marL="0" lvl="0" indent="0" algn="r" rtl="0">
               <a:spcBef>
                 <a:spcPts val="0"/>
               </a:spcBef>
@@ -4593,11 +5504,11 @@
 </file>
 
 <file path=ppt/slideLayouts/slideLayout6.xml><?xml version="1.0" encoding="utf-8"?>
-<p:sldLayout xmlns:a="http://schemas.openxmlformats.org/drawingml/2006/main" xmlns:r="http://schemas.openxmlformats.org/officeDocument/2006/relationships" xmlns:mc="http://schemas.openxmlformats.org/markup-compatibility/2006" xmlns:mv="urn:schemas-microsoft-com:mac:vml" xmlns:p="http://schemas.openxmlformats.org/presentationml/2006/main" xmlns:c="http://schemas.openxmlformats.org/drawingml/2006/chart" xmlns:dgm="http://schemas.openxmlformats.org/drawingml/2006/diagram" xmlns:o="urn:schemas-microsoft-com:office:office" xmlns:v="urn:schemas-microsoft-com:vml" xmlns:pvml="urn:schemas-microsoft-com:office:powerpoint" xmlns:com="http://schemas.openxmlformats.org/drawingml/2006/compatibility" xmlns:p14="http://schemas.microsoft.com/office/powerpoint/2010/main" xmlns:p15="http://schemas.microsoft.com/office/powerpoint/2012/main" xmlns:ahyp="http://schemas.microsoft.com/office/drawing/2018/hyperlinkcolor" matchingName="One column text">
+<p:sldLayout xmlns:a="http://schemas.openxmlformats.org/drawingml/2006/main" xmlns:r="http://schemas.openxmlformats.org/officeDocument/2006/relationships" xmlns:p="http://schemas.openxmlformats.org/presentationml/2006/main" matchingName="One column text">
   <p:cSld name="ONE_COLUMN_TEXT">
     <p:spTree>
       <p:nvGrpSpPr>
-        <p:cNvPr id="34" name="Shape 34"/>
+        <p:cNvPr id="1" name="Shape 34"/>
         <p:cNvGrpSpPr/>
         <p:nvPr/>
       </p:nvGrpSpPr>
@@ -4624,21 +5535,23 @@
             <a:avLst/>
           </a:prstGeom>
           <a:noFill/>
-          <a:ln cap="flat" cmpd="sng" w="38100">
+          <a:ln w="38100" cap="flat" cmpd="sng">
             <a:solidFill>
               <a:schemeClr val="accent4"/>
             </a:solidFill>
             <a:prstDash val="solid"/>
             <a:round/>
-            <a:headEnd len="sm" w="sm" type="none"/>
-            <a:tailEnd len="sm" w="sm" type="none"/>
+            <a:headEnd type="none" w="sm" len="sm"/>
+            <a:tailEnd type="none" w="sm" len="sm"/>
           </a:ln>
         </p:spPr>
       </p:cxnSp>
       <p:sp>
         <p:nvSpPr>
           <p:cNvPr id="36" name="Google Shape;36;p7"/>
-          <p:cNvSpPr txBox="1"/>
+          <p:cNvSpPr txBox="1">
+            <a:spLocks noGrp="1"/>
+          </p:cNvSpPr>
           <p:nvPr>
             <p:ph type="title"/>
           </p:nvPr>
@@ -4653,7 +5566,7 @@
           </a:prstGeom>
         </p:spPr>
         <p:txBody>
-          <a:bodyPr anchorCtr="0" anchor="b" bIns="91425" lIns="91425" spcFirstLastPara="1" rIns="91425" wrap="square" tIns="91425">
+          <a:bodyPr spcFirstLastPara="1" wrap="square" lIns="91425" tIns="91425" rIns="91425" bIns="91425" anchor="b" anchorCtr="0">
             <a:normAutofit/>
           </a:bodyPr>
           <a:lstStyle>
@@ -4757,15 +5670,19 @@
               <a:defRPr sz="2400"/>
             </a:lvl9pPr>
           </a:lstStyle>
-          <a:p/>
+          <a:p>
+            <a:endParaRPr/>
+          </a:p>
         </p:txBody>
       </p:sp>
       <p:sp>
         <p:nvSpPr>
           <p:cNvPr id="37" name="Google Shape;37;p7"/>
-          <p:cNvSpPr txBox="1"/>
+          <p:cNvSpPr txBox="1">
+            <a:spLocks noGrp="1"/>
+          </p:cNvSpPr>
           <p:nvPr>
-            <p:ph idx="1" type="body"/>
+            <p:ph type="body" idx="1"/>
           </p:nvPr>
         </p:nvSpPr>
         <p:spPr>
@@ -4778,11 +5695,11 @@
           </a:prstGeom>
         </p:spPr>
         <p:txBody>
-          <a:bodyPr anchorCtr="0" anchor="t" bIns="91425" lIns="91425" spcFirstLastPara="1" rIns="91425" wrap="square" tIns="91425">
+          <a:bodyPr spcFirstLastPara="1" wrap="square" lIns="91425" tIns="91425" rIns="91425" bIns="91425" anchor="t" anchorCtr="0">
             <a:normAutofit/>
           </a:bodyPr>
           <a:lstStyle>
-            <a:lvl1pPr indent="-304800" lvl="0" marL="457200">
+            <a:lvl1pPr marL="457200" lvl="0" indent="-304800">
               <a:spcBef>
                 <a:spcPts val="0"/>
               </a:spcBef>
@@ -4793,7 +5710,7 @@
               <a:buChar char="●"/>
               <a:defRPr sz="1200"/>
             </a:lvl1pPr>
-            <a:lvl2pPr indent="-304800" lvl="1" marL="914400">
+            <a:lvl2pPr marL="914400" lvl="1" indent="-304800">
               <a:spcBef>
                 <a:spcPts val="0"/>
               </a:spcBef>
@@ -4804,7 +5721,7 @@
               <a:buChar char="○"/>
               <a:defRPr sz="1200"/>
             </a:lvl2pPr>
-            <a:lvl3pPr indent="-304800" lvl="2" marL="1371600">
+            <a:lvl3pPr marL="1371600" lvl="2" indent="-304800">
               <a:spcBef>
                 <a:spcPts val="0"/>
               </a:spcBef>
@@ -4815,7 +5732,7 @@
               <a:buChar char="■"/>
               <a:defRPr sz="1200"/>
             </a:lvl3pPr>
-            <a:lvl4pPr indent="-304800" lvl="3" marL="1828800">
+            <a:lvl4pPr marL="1828800" lvl="3" indent="-304800">
               <a:spcBef>
                 <a:spcPts val="0"/>
               </a:spcBef>
@@ -4826,7 +5743,7 @@
               <a:buChar char="●"/>
               <a:defRPr sz="1200"/>
             </a:lvl4pPr>
-            <a:lvl5pPr indent="-304800" lvl="4" marL="2286000">
+            <a:lvl5pPr marL="2286000" lvl="4" indent="-304800">
               <a:spcBef>
                 <a:spcPts val="0"/>
               </a:spcBef>
@@ -4837,7 +5754,7 @@
               <a:buChar char="○"/>
               <a:defRPr sz="1200"/>
             </a:lvl5pPr>
-            <a:lvl6pPr indent="-304800" lvl="5" marL="2743200">
+            <a:lvl6pPr marL="2743200" lvl="5" indent="-304800">
               <a:spcBef>
                 <a:spcPts val="0"/>
               </a:spcBef>
@@ -4848,7 +5765,7 @@
               <a:buChar char="■"/>
               <a:defRPr sz="1200"/>
             </a:lvl6pPr>
-            <a:lvl7pPr indent="-304800" lvl="6" marL="3200400">
+            <a:lvl7pPr marL="3200400" lvl="6" indent="-304800">
               <a:spcBef>
                 <a:spcPts val="0"/>
               </a:spcBef>
@@ -4859,7 +5776,7 @@
               <a:buChar char="●"/>
               <a:defRPr sz="1200"/>
             </a:lvl7pPr>
-            <a:lvl8pPr indent="-304800" lvl="7" marL="3657600">
+            <a:lvl8pPr marL="3657600" lvl="7" indent="-304800">
               <a:spcBef>
                 <a:spcPts val="0"/>
               </a:spcBef>
@@ -4870,7 +5787,7 @@
               <a:buChar char="○"/>
               <a:defRPr sz="1200"/>
             </a:lvl8pPr>
-            <a:lvl9pPr indent="-304800" lvl="8" marL="4114800">
+            <a:lvl9pPr marL="4114800" lvl="8" indent="-304800">
               <a:spcBef>
                 <a:spcPts val="0"/>
               </a:spcBef>
@@ -4882,15 +5799,19 @@
               <a:defRPr sz="1200"/>
             </a:lvl9pPr>
           </a:lstStyle>
-          <a:p/>
+          <a:p>
+            <a:endParaRPr/>
+          </a:p>
         </p:txBody>
       </p:sp>
       <p:sp>
         <p:nvSpPr>
           <p:cNvPr id="38" name="Google Shape;38;p7"/>
-          <p:cNvSpPr txBox="1"/>
+          <p:cNvSpPr txBox="1">
+            <a:spLocks noGrp="1"/>
+          </p:cNvSpPr>
           <p:nvPr>
-            <p:ph idx="12" type="sldNum"/>
+            <p:ph type="sldNum" idx="12"/>
           </p:nvPr>
         </p:nvSpPr>
         <p:spPr>
@@ -4903,7 +5824,7 @@
           </a:prstGeom>
         </p:spPr>
         <p:txBody>
-          <a:bodyPr anchorCtr="0" anchor="ctr" bIns="91425" lIns="91425" spcFirstLastPara="1" rIns="91425" wrap="square" tIns="91425">
+          <a:bodyPr spcFirstLastPara="1" wrap="square" lIns="91425" tIns="91425" rIns="91425" bIns="91425" anchor="ctr" anchorCtr="0">
             <a:normAutofit/>
           </a:bodyPr>
           <a:lstStyle>
@@ -4945,7 +5866,7 @@
             </a:lvl9pPr>
           </a:lstStyle>
           <a:p>
-            <a:pPr indent="0" lvl="0" marL="0" rtl="0" algn="r">
+            <a:pPr marL="0" lvl="0" indent="0" algn="r" rtl="0">
               <a:spcBef>
                 <a:spcPts val="0"/>
               </a:spcBef>
@@ -4971,11 +5892,11 @@
 </file>
 
 <file path=ppt/slideLayouts/slideLayout7.xml><?xml version="1.0" encoding="utf-8"?>
-<p:sldLayout xmlns:a="http://schemas.openxmlformats.org/drawingml/2006/main" xmlns:r="http://schemas.openxmlformats.org/officeDocument/2006/relationships" xmlns:mc="http://schemas.openxmlformats.org/markup-compatibility/2006" xmlns:mv="urn:schemas-microsoft-com:mac:vml" xmlns:p="http://schemas.openxmlformats.org/presentationml/2006/main" xmlns:c="http://schemas.openxmlformats.org/drawingml/2006/chart" xmlns:dgm="http://schemas.openxmlformats.org/drawingml/2006/diagram" xmlns:o="urn:schemas-microsoft-com:office:office" xmlns:v="urn:schemas-microsoft-com:vml" xmlns:pvml="urn:schemas-microsoft-com:office:powerpoint" xmlns:com="http://schemas.openxmlformats.org/drawingml/2006/compatibility" xmlns:p14="http://schemas.microsoft.com/office/powerpoint/2010/main" xmlns:p15="http://schemas.microsoft.com/office/powerpoint/2012/main" xmlns:ahyp="http://schemas.microsoft.com/office/drawing/2018/hyperlinkcolor" matchingName="Main point">
+<p:sldLayout xmlns:a="http://schemas.openxmlformats.org/drawingml/2006/main" xmlns:r="http://schemas.openxmlformats.org/officeDocument/2006/relationships" xmlns:p="http://schemas.openxmlformats.org/presentationml/2006/main" matchingName="Main point">
   <p:cSld name="MAIN_POINT">
     <p:spTree>
       <p:nvGrpSpPr>
-        <p:cNvPr id="39" name="Shape 39"/>
+        <p:cNvPr id="1" name="Shape 39"/>
         <p:cNvGrpSpPr/>
         <p:nvPr/>
       </p:nvGrpSpPr>
@@ -4990,7 +5911,9 @@
       <p:sp>
         <p:nvSpPr>
           <p:cNvPr id="40" name="Google Shape;40;p8"/>
-          <p:cNvSpPr txBox="1"/>
+          <p:cNvSpPr txBox="1">
+            <a:spLocks noGrp="1"/>
+          </p:cNvSpPr>
           <p:nvPr>
             <p:ph type="title"/>
           </p:nvPr>
@@ -5005,7 +5928,7 @@
           </a:prstGeom>
         </p:spPr>
         <p:txBody>
-          <a:bodyPr anchorCtr="0" anchor="ctr" bIns="91425" lIns="91425" spcFirstLastPara="1" rIns="91425" wrap="square" tIns="91425">
+          <a:bodyPr spcFirstLastPara="1" wrap="square" lIns="91425" tIns="91425" rIns="91425" bIns="91425" anchor="ctr" anchorCtr="0">
             <a:normAutofit/>
           </a:bodyPr>
           <a:lstStyle>
@@ -5109,15 +6032,19 @@
               <a:defRPr sz="4800"/>
             </a:lvl9pPr>
           </a:lstStyle>
-          <a:p/>
+          <a:p>
+            <a:endParaRPr/>
+          </a:p>
         </p:txBody>
       </p:sp>
       <p:sp>
         <p:nvSpPr>
           <p:cNvPr id="41" name="Google Shape;41;p8"/>
-          <p:cNvSpPr txBox="1"/>
+          <p:cNvSpPr txBox="1">
+            <a:spLocks noGrp="1"/>
+          </p:cNvSpPr>
           <p:nvPr>
-            <p:ph idx="12" type="sldNum"/>
+            <p:ph type="sldNum" idx="12"/>
           </p:nvPr>
         </p:nvSpPr>
         <p:spPr>
@@ -5130,7 +6057,7 @@
           </a:prstGeom>
         </p:spPr>
         <p:txBody>
-          <a:bodyPr anchorCtr="0" anchor="ctr" bIns="91425" lIns="91425" spcFirstLastPara="1" rIns="91425" wrap="square" tIns="91425">
+          <a:bodyPr spcFirstLastPara="1" wrap="square" lIns="91425" tIns="91425" rIns="91425" bIns="91425" anchor="ctr" anchorCtr="0">
             <a:normAutofit/>
           </a:bodyPr>
           <a:lstStyle>
@@ -5172,7 +6099,7 @@
             </a:lvl9pPr>
           </a:lstStyle>
           <a:p>
-            <a:pPr indent="0" lvl="0" marL="0" rtl="0" algn="r">
+            <a:pPr marL="0" lvl="0" indent="0" algn="r" rtl="0">
               <a:spcBef>
                 <a:spcPts val="0"/>
               </a:spcBef>
@@ -5198,11 +6125,11 @@
 </file>
 
 <file path=ppt/slideLayouts/slideLayout8.xml><?xml version="1.0" encoding="utf-8"?>
-<p:sldLayout xmlns:a="http://schemas.openxmlformats.org/drawingml/2006/main" xmlns:r="http://schemas.openxmlformats.org/officeDocument/2006/relationships" xmlns:mc="http://schemas.openxmlformats.org/markup-compatibility/2006" xmlns:mv="urn:schemas-microsoft-com:mac:vml" xmlns:p="http://schemas.openxmlformats.org/presentationml/2006/main" xmlns:c="http://schemas.openxmlformats.org/drawingml/2006/chart" xmlns:dgm="http://schemas.openxmlformats.org/drawingml/2006/diagram" xmlns:o="urn:schemas-microsoft-com:office:office" xmlns:v="urn:schemas-microsoft-com:vml" xmlns:pvml="urn:schemas-microsoft-com:office:powerpoint" xmlns:com="http://schemas.openxmlformats.org/drawingml/2006/compatibility" xmlns:p14="http://schemas.microsoft.com/office/powerpoint/2010/main" xmlns:p15="http://schemas.microsoft.com/office/powerpoint/2012/main" xmlns:ahyp="http://schemas.microsoft.com/office/drawing/2018/hyperlinkcolor" matchingName="Section title and description">
+<p:sldLayout xmlns:a="http://schemas.openxmlformats.org/drawingml/2006/main" xmlns:r="http://schemas.openxmlformats.org/officeDocument/2006/relationships" xmlns:p="http://schemas.openxmlformats.org/presentationml/2006/main" matchingName="Section title and description">
   <p:cSld name="SECTION_TITLE_AND_DESCRIPTION">
     <p:spTree>
       <p:nvGrpSpPr>
-        <p:cNvPr id="42" name="Shape 42"/>
+        <p:cNvPr id="1" name="Shape 42"/>
         <p:cNvGrpSpPr/>
         <p:nvPr/>
       </p:nvGrpSpPr>
@@ -5236,12 +6163,12 @@
           </a:ln>
         </p:spPr>
         <p:txBody>
-          <a:bodyPr anchorCtr="0" anchor="ctr" bIns="91425" lIns="91425" spcFirstLastPara="1" rIns="91425" wrap="square" tIns="91425">
+          <a:bodyPr spcFirstLastPara="1" wrap="square" lIns="91425" tIns="91425" rIns="91425" bIns="91425" anchor="ctr" anchorCtr="0">
             <a:noAutofit/>
           </a:bodyPr>
           <a:lstStyle/>
           <a:p>
-            <a:pPr indent="0" lvl="0" marL="0" rtl="0" algn="l">
+            <a:pPr marL="0" lvl="0" indent="0" algn="l" rtl="0">
               <a:spcBef>
                 <a:spcPts val="0"/>
               </a:spcBef>
@@ -5250,9 +6177,6 @@
               </a:spcAft>
               <a:buNone/>
             </a:pPr>
-            <a:r>
-              <a:t/>
-            </a:r>
             <a:endParaRPr/>
           </a:p>
         </p:txBody>
@@ -5272,21 +6196,23 @@
             <a:avLst/>
           </a:prstGeom>
           <a:noFill/>
-          <a:ln cap="flat" cmpd="sng" w="38100">
+          <a:ln w="38100" cap="flat" cmpd="sng">
             <a:solidFill>
               <a:schemeClr val="accent5"/>
             </a:solidFill>
             <a:prstDash val="solid"/>
             <a:round/>
-            <a:headEnd len="sm" w="sm" type="none"/>
-            <a:tailEnd len="sm" w="sm" type="none"/>
+            <a:headEnd type="none" w="sm" len="sm"/>
+            <a:tailEnd type="none" w="sm" len="sm"/>
           </a:ln>
         </p:spPr>
       </p:cxnSp>
       <p:sp>
         <p:nvSpPr>
           <p:cNvPr id="45" name="Google Shape;45;p9"/>
-          <p:cNvSpPr txBox="1"/>
+          <p:cNvSpPr txBox="1">
+            <a:spLocks noGrp="1"/>
+          </p:cNvSpPr>
           <p:nvPr>
             <p:ph type="title"/>
           </p:nvPr>
@@ -5301,7 +6227,7 @@
           </a:prstGeom>
         </p:spPr>
         <p:txBody>
-          <a:bodyPr anchorCtr="0" anchor="b" bIns="91425" lIns="91425" spcFirstLastPara="1" rIns="91425" wrap="square" tIns="91425">
+          <a:bodyPr spcFirstLastPara="1" wrap="square" lIns="91425" tIns="91425" rIns="91425" bIns="91425" anchor="b" anchorCtr="0">
             <a:normAutofit/>
           </a:bodyPr>
           <a:lstStyle>
@@ -5405,15 +6331,19 @@
               <a:defRPr sz="3800"/>
             </a:lvl9pPr>
           </a:lstStyle>
-          <a:p/>
+          <a:p>
+            <a:endParaRPr/>
+          </a:p>
         </p:txBody>
       </p:sp>
       <p:sp>
         <p:nvSpPr>
           <p:cNvPr id="46" name="Google Shape;46;p9"/>
-          <p:cNvSpPr txBox="1"/>
+          <p:cNvSpPr txBox="1">
+            <a:spLocks noGrp="1"/>
+          </p:cNvSpPr>
           <p:nvPr>
-            <p:ph idx="1" type="subTitle"/>
+            <p:ph type="subTitle" idx="1"/>
           </p:nvPr>
         </p:nvSpPr>
         <p:spPr>
@@ -5426,7 +6356,7 @@
           </a:prstGeom>
         </p:spPr>
         <p:txBody>
-          <a:bodyPr anchorCtr="0" anchor="t" bIns="91425" lIns="91425" spcFirstLastPara="1" rIns="91425" wrap="square" tIns="91425">
+          <a:bodyPr spcFirstLastPara="1" wrap="square" lIns="91425" tIns="91425" rIns="91425" bIns="91425" anchor="t" anchorCtr="0">
             <a:normAutofit/>
           </a:bodyPr>
           <a:lstStyle>
@@ -5620,15 +6550,19 @@
               </a:defRPr>
             </a:lvl9pPr>
           </a:lstStyle>
-          <a:p/>
+          <a:p>
+            <a:endParaRPr/>
+          </a:p>
         </p:txBody>
       </p:sp>
       <p:sp>
         <p:nvSpPr>
           <p:cNvPr id="47" name="Google Shape;47;p9"/>
-          <p:cNvSpPr txBox="1"/>
+          <p:cNvSpPr txBox="1">
+            <a:spLocks noGrp="1"/>
+          </p:cNvSpPr>
           <p:nvPr>
-            <p:ph idx="2" type="body"/>
+            <p:ph type="body" idx="2"/>
           </p:nvPr>
         </p:nvSpPr>
         <p:spPr>
@@ -5641,11 +6575,11 @@
           </a:prstGeom>
         </p:spPr>
         <p:txBody>
-          <a:bodyPr anchorCtr="0" anchor="ctr" bIns="91425" lIns="91425" spcFirstLastPara="1" rIns="91425" wrap="square" tIns="91425">
+          <a:bodyPr spcFirstLastPara="1" wrap="square" lIns="91425" tIns="91425" rIns="91425" bIns="91425" anchor="ctr" anchorCtr="0">
             <a:normAutofit/>
           </a:bodyPr>
           <a:lstStyle>
-            <a:lvl1pPr indent="-342900" lvl="0" marL="457200">
+            <a:lvl1pPr marL="457200" lvl="0" indent="-342900">
               <a:spcBef>
                 <a:spcPts val="0"/>
               </a:spcBef>
@@ -5656,7 +6590,7 @@
               <a:buChar char="●"/>
               <a:defRPr/>
             </a:lvl1pPr>
-            <a:lvl2pPr indent="-317500" lvl="1" marL="914400">
+            <a:lvl2pPr marL="914400" lvl="1" indent="-317500">
               <a:spcBef>
                 <a:spcPts val="0"/>
               </a:spcBef>
@@ -5667,7 +6601,7 @@
               <a:buChar char="○"/>
               <a:defRPr/>
             </a:lvl2pPr>
-            <a:lvl3pPr indent="-317500" lvl="2" marL="1371600">
+            <a:lvl3pPr marL="1371600" lvl="2" indent="-317500">
               <a:spcBef>
                 <a:spcPts val="0"/>
               </a:spcBef>
@@ -5678,7 +6612,7 @@
               <a:buChar char="■"/>
               <a:defRPr/>
             </a:lvl3pPr>
-            <a:lvl4pPr indent="-317500" lvl="3" marL="1828800">
+            <a:lvl4pPr marL="1828800" lvl="3" indent="-317500">
               <a:spcBef>
                 <a:spcPts val="0"/>
               </a:spcBef>
@@ -5689,7 +6623,7 @@
               <a:buChar char="●"/>
               <a:defRPr/>
             </a:lvl4pPr>
-            <a:lvl5pPr indent="-317500" lvl="4" marL="2286000">
+            <a:lvl5pPr marL="2286000" lvl="4" indent="-317500">
               <a:spcBef>
                 <a:spcPts val="0"/>
               </a:spcBef>
@@ -5700,7 +6634,7 @@
               <a:buChar char="○"/>
               <a:defRPr/>
             </a:lvl5pPr>
-            <a:lvl6pPr indent="-317500" lvl="5" marL="2743200">
+            <a:lvl6pPr marL="2743200" lvl="5" indent="-317500">
               <a:spcBef>
                 <a:spcPts val="0"/>
               </a:spcBef>
@@ -5711,7 +6645,7 @@
               <a:buChar char="■"/>
               <a:defRPr/>
             </a:lvl6pPr>
-            <a:lvl7pPr indent="-317500" lvl="6" marL="3200400">
+            <a:lvl7pPr marL="3200400" lvl="6" indent="-317500">
               <a:spcBef>
                 <a:spcPts val="0"/>
               </a:spcBef>
@@ -5722,7 +6656,7 @@
               <a:buChar char="●"/>
               <a:defRPr/>
             </a:lvl7pPr>
-            <a:lvl8pPr indent="-317500" lvl="7" marL="3657600">
+            <a:lvl8pPr marL="3657600" lvl="7" indent="-317500">
               <a:spcBef>
                 <a:spcPts val="0"/>
               </a:spcBef>
@@ -5733,7 +6667,7 @@
               <a:buChar char="○"/>
               <a:defRPr/>
             </a:lvl8pPr>
-            <a:lvl9pPr indent="-317500" lvl="8" marL="4114800">
+            <a:lvl9pPr marL="4114800" lvl="8" indent="-317500">
               <a:spcBef>
                 <a:spcPts val="0"/>
               </a:spcBef>
@@ -5745,15 +6679,19 @@
               <a:defRPr/>
             </a:lvl9pPr>
           </a:lstStyle>
-          <a:p/>
+          <a:p>
+            <a:endParaRPr/>
+          </a:p>
         </p:txBody>
       </p:sp>
       <p:sp>
         <p:nvSpPr>
           <p:cNvPr id="48" name="Google Shape;48;p9"/>
-          <p:cNvSpPr txBox="1"/>
+          <p:cNvSpPr txBox="1">
+            <a:spLocks noGrp="1"/>
+          </p:cNvSpPr>
           <p:nvPr>
-            <p:ph idx="12" type="sldNum"/>
+            <p:ph type="sldNum" idx="12"/>
           </p:nvPr>
         </p:nvSpPr>
         <p:spPr>
@@ -5766,7 +6704,7 @@
           </a:prstGeom>
         </p:spPr>
         <p:txBody>
-          <a:bodyPr anchorCtr="0" anchor="ctr" bIns="91425" lIns="91425" spcFirstLastPara="1" rIns="91425" wrap="square" tIns="91425">
+          <a:bodyPr spcFirstLastPara="1" wrap="square" lIns="91425" tIns="91425" rIns="91425" bIns="91425" anchor="ctr" anchorCtr="0">
             <a:normAutofit/>
           </a:bodyPr>
           <a:lstStyle>
@@ -5808,7 +6746,7 @@
             </a:lvl9pPr>
           </a:lstStyle>
           <a:p>
-            <a:pPr indent="0" lvl="0" marL="0" rtl="0" algn="r">
+            <a:pPr marL="0" lvl="0" indent="0" algn="r" rtl="0">
               <a:spcBef>
                 <a:spcPts val="0"/>
               </a:spcBef>
@@ -5834,11 +6772,11 @@
 </file>
 
 <file path=ppt/slideLayouts/slideLayout9.xml><?xml version="1.0" encoding="utf-8"?>
-<p:sldLayout xmlns:a="http://schemas.openxmlformats.org/drawingml/2006/main" xmlns:r="http://schemas.openxmlformats.org/officeDocument/2006/relationships" xmlns:mc="http://schemas.openxmlformats.org/markup-compatibility/2006" xmlns:mv="urn:schemas-microsoft-com:mac:vml" xmlns:p="http://schemas.openxmlformats.org/presentationml/2006/main" xmlns:c="http://schemas.openxmlformats.org/drawingml/2006/chart" xmlns:dgm="http://schemas.openxmlformats.org/drawingml/2006/diagram" xmlns:o="urn:schemas-microsoft-com:office:office" xmlns:v="urn:schemas-microsoft-com:vml" xmlns:pvml="urn:schemas-microsoft-com:office:powerpoint" xmlns:com="http://schemas.openxmlformats.org/drawingml/2006/compatibility" xmlns:p14="http://schemas.microsoft.com/office/powerpoint/2010/main" xmlns:p15="http://schemas.microsoft.com/office/powerpoint/2012/main" xmlns:ahyp="http://schemas.microsoft.com/office/drawing/2018/hyperlinkcolor" matchingName="Caption">
+<p:sldLayout xmlns:a="http://schemas.openxmlformats.org/drawingml/2006/main" xmlns:r="http://schemas.openxmlformats.org/officeDocument/2006/relationships" xmlns:p="http://schemas.openxmlformats.org/presentationml/2006/main" matchingName="Caption">
   <p:cSld name="CAPTION_ONLY">
     <p:spTree>
       <p:nvGrpSpPr>
-        <p:cNvPr id="49" name="Shape 49"/>
+        <p:cNvPr id="1" name="Shape 49"/>
         <p:cNvGrpSpPr/>
         <p:nvPr/>
       </p:nvGrpSpPr>
@@ -5853,9 +6791,11 @@
       <p:sp>
         <p:nvSpPr>
           <p:cNvPr id="50" name="Google Shape;50;p10"/>
-          <p:cNvSpPr txBox="1"/>
+          <p:cNvSpPr txBox="1">
+            <a:spLocks noGrp="1"/>
+          </p:cNvSpPr>
           <p:nvPr>
-            <p:ph idx="1" type="body"/>
+            <p:ph type="body" idx="1"/>
           </p:nvPr>
         </p:nvSpPr>
         <p:spPr>
@@ -5868,11 +6808,11 @@
           </a:prstGeom>
         </p:spPr>
         <p:txBody>
-          <a:bodyPr anchorCtr="0" anchor="ctr" bIns="91425" lIns="91425" spcFirstLastPara="1" rIns="91425" wrap="square" tIns="91425">
+          <a:bodyPr spcFirstLastPara="1" wrap="square" lIns="91425" tIns="91425" rIns="91425" bIns="91425" anchor="ctr" anchorCtr="0">
             <a:normAutofit/>
           </a:bodyPr>
           <a:lstStyle>
-            <a:lvl1pPr indent="-228600" lvl="0" marL="457200">
+            <a:lvl1pPr marL="457200" lvl="0" indent="-228600">
               <a:lnSpc>
                 <a:spcPct val="100000"/>
               </a:lnSpc>
@@ -5893,15 +6833,19 @@
               </a:defRPr>
             </a:lvl1pPr>
           </a:lstStyle>
-          <a:p/>
+          <a:p>
+            <a:endParaRPr/>
+          </a:p>
         </p:txBody>
       </p:sp>
       <p:sp>
         <p:nvSpPr>
           <p:cNvPr id="51" name="Google Shape;51;p10"/>
-          <p:cNvSpPr txBox="1"/>
+          <p:cNvSpPr txBox="1">
+            <a:spLocks noGrp="1"/>
+          </p:cNvSpPr>
           <p:nvPr>
-            <p:ph idx="12" type="sldNum"/>
+            <p:ph type="sldNum" idx="12"/>
           </p:nvPr>
         </p:nvSpPr>
         <p:spPr>
@@ -5914,7 +6858,7 @@
           </a:prstGeom>
         </p:spPr>
         <p:txBody>
-          <a:bodyPr anchorCtr="0" anchor="ctr" bIns="91425" lIns="91425" spcFirstLastPara="1" rIns="91425" wrap="square" tIns="91425">
+          <a:bodyPr spcFirstLastPara="1" wrap="square" lIns="91425" tIns="91425" rIns="91425" bIns="91425" anchor="ctr" anchorCtr="0">
             <a:normAutofit/>
           </a:bodyPr>
           <a:lstStyle>
@@ -5956,7 +6900,7 @@
             </a:lvl9pPr>
           </a:lstStyle>
           <a:p>
-            <a:pPr indent="0" lvl="0" marL="0" rtl="0" algn="r">
+            <a:pPr marL="0" lvl="0" indent="0" algn="r" rtl="0">
               <a:spcBef>
                 <a:spcPts val="0"/>
               </a:spcBef>
@@ -5982,18 +6926,19 @@
 </file>
 
 <file path=ppt/slideMasters/slideMaster1.xml><?xml version="1.0" encoding="utf-8"?>
-<p:sldMaster xmlns:a="http://schemas.openxmlformats.org/drawingml/2006/main" xmlns:r="http://schemas.openxmlformats.org/officeDocument/2006/relationships" xmlns:mc="http://schemas.openxmlformats.org/markup-compatibility/2006" xmlns:mv="urn:schemas-microsoft-com:mac:vml" xmlns:p="http://schemas.openxmlformats.org/presentationml/2006/main" xmlns:c="http://schemas.openxmlformats.org/drawingml/2006/chart" xmlns:dgm="http://schemas.openxmlformats.org/drawingml/2006/diagram" xmlns:o="urn:schemas-microsoft-com:office:office" xmlns:v="urn:schemas-microsoft-com:vml" xmlns:pvml="urn:schemas-microsoft-com:office:powerpoint" xmlns:com="http://schemas.openxmlformats.org/drawingml/2006/compatibility" xmlns:p14="http://schemas.microsoft.com/office/powerpoint/2010/main" xmlns:p15="http://schemas.microsoft.com/office/powerpoint/2012/main" xmlns:ahyp="http://schemas.microsoft.com/office/drawing/2018/hyperlinkcolor">
+<p:sldMaster xmlns:a="http://schemas.openxmlformats.org/drawingml/2006/main" xmlns:r="http://schemas.openxmlformats.org/officeDocument/2006/relationships" xmlns:p="http://schemas.openxmlformats.org/presentationml/2006/main">
   <p:cSld name="marina">
     <p:bg>
       <p:bgPr>
         <a:solidFill>
           <a:schemeClr val="lt1"/>
         </a:solidFill>
+        <a:effectLst/>
       </p:bgPr>
     </p:bg>
     <p:spTree>
       <p:nvGrpSpPr>
-        <p:cNvPr id="5" name="Shape 5"/>
+        <p:cNvPr id="1" name="Shape 5"/>
         <p:cNvGrpSpPr/>
         <p:nvPr/>
       </p:nvGrpSpPr>
@@ -6008,7 +6953,9 @@
       <p:sp>
         <p:nvSpPr>
           <p:cNvPr id="6" name="Google Shape;6;p1"/>
-          <p:cNvSpPr txBox="1"/>
+          <p:cNvSpPr txBox="1">
+            <a:spLocks noGrp="1"/>
+          </p:cNvSpPr>
           <p:nvPr>
             <p:ph type="title"/>
           </p:nvPr>
@@ -6027,7 +6974,7 @@
           </a:ln>
         </p:spPr>
         <p:txBody>
-          <a:bodyPr anchorCtr="0" anchor="b" bIns="91425" lIns="91425" spcFirstLastPara="1" rIns="91425" wrap="square" tIns="91425">
+          <a:bodyPr spcFirstLastPara="1" wrap="square" lIns="91425" tIns="91425" rIns="91425" bIns="91425" anchor="b" anchorCtr="0">
             <a:normAutofit/>
           </a:bodyPr>
           <a:lstStyle>
@@ -6239,15 +7186,19 @@
               </a:defRPr>
             </a:lvl9pPr>
           </a:lstStyle>
-          <a:p/>
+          <a:p>
+            <a:endParaRPr/>
+          </a:p>
         </p:txBody>
       </p:sp>
       <p:sp>
         <p:nvSpPr>
           <p:cNvPr id="7" name="Google Shape;7;p1"/>
-          <p:cNvSpPr txBox="1"/>
+          <p:cNvSpPr txBox="1">
+            <a:spLocks noGrp="1"/>
+          </p:cNvSpPr>
           <p:nvPr>
-            <p:ph idx="1" type="body"/>
+            <p:ph type="body" idx="1"/>
           </p:nvPr>
         </p:nvSpPr>
         <p:spPr>
@@ -6264,11 +7215,11 @@
           </a:ln>
         </p:spPr>
         <p:txBody>
-          <a:bodyPr anchorCtr="0" anchor="t" bIns="91425" lIns="91425" spcFirstLastPara="1" rIns="91425" wrap="square" tIns="91425">
+          <a:bodyPr spcFirstLastPara="1" wrap="square" lIns="91425" tIns="91425" rIns="91425" bIns="91425" anchor="t" anchorCtr="0">
             <a:normAutofit/>
           </a:bodyPr>
           <a:lstStyle>
-            <a:lvl1pPr indent="-342900" lvl="0" marL="457200">
+            <a:lvl1pPr marL="457200" lvl="0" indent="-342900">
               <a:lnSpc>
                 <a:spcPct val="115000"/>
               </a:lnSpc>
@@ -6294,7 +7245,7 @@
                 <a:sym typeface="Roboto"/>
               </a:defRPr>
             </a:lvl1pPr>
-            <a:lvl2pPr indent="-317500" lvl="1" marL="914400">
+            <a:lvl2pPr marL="914400" lvl="1" indent="-317500">
               <a:lnSpc>
                 <a:spcPct val="115000"/>
               </a:lnSpc>
@@ -6320,7 +7271,7 @@
                 <a:sym typeface="Roboto"/>
               </a:defRPr>
             </a:lvl2pPr>
-            <a:lvl3pPr indent="-317500" lvl="2" marL="1371600">
+            <a:lvl3pPr marL="1371600" lvl="2" indent="-317500">
               <a:lnSpc>
                 <a:spcPct val="115000"/>
               </a:lnSpc>
@@ -6346,7 +7297,7 @@
                 <a:sym typeface="Roboto"/>
               </a:defRPr>
             </a:lvl3pPr>
-            <a:lvl4pPr indent="-317500" lvl="3" marL="1828800">
+            <a:lvl4pPr marL="1828800" lvl="3" indent="-317500">
               <a:lnSpc>
                 <a:spcPct val="115000"/>
               </a:lnSpc>
@@ -6372,7 +7323,7 @@
                 <a:sym typeface="Roboto"/>
               </a:defRPr>
             </a:lvl4pPr>
-            <a:lvl5pPr indent="-317500" lvl="4" marL="2286000">
+            <a:lvl5pPr marL="2286000" lvl="4" indent="-317500">
               <a:lnSpc>
                 <a:spcPct val="115000"/>
               </a:lnSpc>
@@ -6398,7 +7349,7 @@
                 <a:sym typeface="Roboto"/>
               </a:defRPr>
             </a:lvl5pPr>
-            <a:lvl6pPr indent="-317500" lvl="5" marL="2743200">
+            <a:lvl6pPr marL="2743200" lvl="5" indent="-317500">
               <a:lnSpc>
                 <a:spcPct val="115000"/>
               </a:lnSpc>
@@ -6424,7 +7375,7 @@
                 <a:sym typeface="Roboto"/>
               </a:defRPr>
             </a:lvl6pPr>
-            <a:lvl7pPr indent="-317500" lvl="6" marL="3200400">
+            <a:lvl7pPr marL="3200400" lvl="6" indent="-317500">
               <a:lnSpc>
                 <a:spcPct val="115000"/>
               </a:lnSpc>
@@ -6450,7 +7401,7 @@
                 <a:sym typeface="Roboto"/>
               </a:defRPr>
             </a:lvl7pPr>
-            <a:lvl8pPr indent="-317500" lvl="7" marL="3657600">
+            <a:lvl8pPr marL="3657600" lvl="7" indent="-317500">
               <a:lnSpc>
                 <a:spcPct val="115000"/>
               </a:lnSpc>
@@ -6476,7 +7427,7 @@
                 <a:sym typeface="Roboto"/>
               </a:defRPr>
             </a:lvl8pPr>
-            <a:lvl9pPr indent="-317500" lvl="8" marL="4114800">
+            <a:lvl9pPr marL="4114800" lvl="8" indent="-317500">
               <a:lnSpc>
                 <a:spcPct val="115000"/>
               </a:lnSpc>
@@ -6503,15 +7454,19 @@
               </a:defRPr>
             </a:lvl9pPr>
           </a:lstStyle>
-          <a:p/>
+          <a:p>
+            <a:endParaRPr/>
+          </a:p>
         </p:txBody>
       </p:sp>
       <p:sp>
         <p:nvSpPr>
           <p:cNvPr id="8" name="Google Shape;8;p1"/>
-          <p:cNvSpPr txBox="1"/>
+          <p:cNvSpPr txBox="1">
+            <a:spLocks noGrp="1"/>
+          </p:cNvSpPr>
           <p:nvPr>
-            <p:ph idx="12" type="sldNum"/>
+            <p:ph type="sldNum" idx="12"/>
           </p:nvPr>
         </p:nvSpPr>
         <p:spPr>
@@ -6528,7 +7483,7 @@
           </a:ln>
         </p:spPr>
         <p:txBody>
-          <a:bodyPr anchorCtr="0" anchor="ctr" bIns="91425" lIns="91425" spcFirstLastPara="1" rIns="91425" wrap="square" tIns="91425">
+          <a:bodyPr spcFirstLastPara="1" wrap="square" lIns="91425" tIns="91425" rIns="91425" bIns="91425" anchor="ctr" anchorCtr="0">
             <a:normAutofit/>
           </a:bodyPr>
           <a:lstStyle>
@@ -6642,7 +7597,7 @@
             </a:lvl9pPr>
           </a:lstStyle>
           <a:p>
-            <a:pPr indent="0" lvl="0" marL="0" rtl="0" algn="r">
+            <a:pPr marL="0" lvl="0" indent="0" algn="r" rtl="0">
               <a:spcBef>
                 <a:spcPts val="0"/>
               </a:spcBef>
@@ -6661,7 +7616,7 @@
       </p:sp>
     </p:spTree>
   </p:cSld>
-  <p:clrMap accent1="accent1" accent2="accent2" accent3="accent3" accent4="accent4" accent5="accent5" accent6="accent6" bg1="lt1" bg2="dk2" tx1="dk1" tx2="lt2" folHlink="folHlink" hlink="hlink"/>
+  <p:clrMap bg1="lt1" tx1="dk1" bg2="dk2" tx2="lt2" accent1="accent1" accent2="accent2" accent3="accent3" accent4="accent4" accent5="accent5" accent6="accent6" hlink="hlink" folHlink="folHlink"/>
   <p:sldLayoutIdLst>
     <p:sldLayoutId id="2147483648" r:id="rId1"/>
     <p:sldLayoutId id="2147483649" r:id="rId2"/>
@@ -6675,10 +7630,10 @@
     <p:sldLayoutId id="2147483657" r:id="rId10"/>
     <p:sldLayoutId id="2147483658" r:id="rId11"/>
   </p:sldLayoutIdLst>
-  <p:hf dt="0" ftr="0" hdr="0" sldNum="0"/>
+  <p:hf sldNum="0" hdr="0" ftr="0" dt="0"/>
   <p:txStyles>
     <p:titleStyle>
-      <a:defPPr lvl="0" marR="0" rtl="0" algn="l">
+      <a:defPPr marR="0" lvl="0" algn="l" rtl="0">
         <a:lnSpc>
           <a:spcPct val="100000"/>
         </a:lnSpc>
@@ -6689,7 +7644,7 @@
           <a:spcPts val="0"/>
         </a:spcAft>
       </a:defPPr>
-      <a:lvl1pPr lvl="0" marR="0" rtl="0" algn="l">
+      <a:lvl1pPr marR="0" lvl="0" algn="l" rtl="0">
         <a:lnSpc>
           <a:spcPct val="100000"/>
         </a:lnSpc>
@@ -6703,7 +7658,7 @@
           <a:srgbClr val="000000"/>
         </a:buClr>
         <a:buFont typeface="Arial"/>
-        <a:defRPr b="0" i="0" sz="1400" u="none" cap="none" strike="noStrike">
+        <a:defRPr sz="1400" b="0" i="0" u="none" strike="noStrike" cap="none">
           <a:solidFill>
             <a:srgbClr val="000000"/>
           </a:solidFill>
@@ -6713,7 +7668,7 @@
           <a:sym typeface="Arial"/>
         </a:defRPr>
       </a:lvl1pPr>
-      <a:lvl2pPr lvl="1" marR="0" rtl="0" algn="l">
+      <a:lvl2pPr marR="0" lvl="1" algn="l" rtl="0">
         <a:lnSpc>
           <a:spcPct val="100000"/>
         </a:lnSpc>
@@ -6727,7 +7682,7 @@
           <a:srgbClr val="000000"/>
         </a:buClr>
         <a:buFont typeface="Arial"/>
-        <a:defRPr b="0" i="0" sz="1400" u="none" cap="none" strike="noStrike">
+        <a:defRPr sz="1400" b="0" i="0" u="none" strike="noStrike" cap="none">
           <a:solidFill>
             <a:srgbClr val="000000"/>
           </a:solidFill>
@@ -6737,7 +7692,7 @@
           <a:sym typeface="Arial"/>
         </a:defRPr>
       </a:lvl2pPr>
-      <a:lvl3pPr lvl="2" marR="0" rtl="0" algn="l">
+      <a:lvl3pPr marR="0" lvl="2" algn="l" rtl="0">
         <a:lnSpc>
           <a:spcPct val="100000"/>
         </a:lnSpc>
@@ -6751,7 +7706,7 @@
           <a:srgbClr val="000000"/>
         </a:buClr>
         <a:buFont typeface="Arial"/>
-        <a:defRPr b="0" i="0" sz="1400" u="none" cap="none" strike="noStrike">
+        <a:defRPr sz="1400" b="0" i="0" u="none" strike="noStrike" cap="none">
           <a:solidFill>
             <a:srgbClr val="000000"/>
           </a:solidFill>
@@ -6761,7 +7716,7 @@
           <a:sym typeface="Arial"/>
         </a:defRPr>
       </a:lvl3pPr>
-      <a:lvl4pPr lvl="3" marR="0" rtl="0" algn="l">
+      <a:lvl4pPr marR="0" lvl="3" algn="l" rtl="0">
         <a:lnSpc>
           <a:spcPct val="100000"/>
         </a:lnSpc>
@@ -6775,7 +7730,7 @@
           <a:srgbClr val="000000"/>
         </a:buClr>
         <a:buFont typeface="Arial"/>
-        <a:defRPr b="0" i="0" sz="1400" u="none" cap="none" strike="noStrike">
+        <a:defRPr sz="1400" b="0" i="0" u="none" strike="noStrike" cap="none">
           <a:solidFill>
             <a:srgbClr val="000000"/>
           </a:solidFill>
@@ -6785,7 +7740,7 @@
           <a:sym typeface="Arial"/>
         </a:defRPr>
       </a:lvl4pPr>
-      <a:lvl5pPr lvl="4" marR="0" rtl="0" algn="l">
+      <a:lvl5pPr marR="0" lvl="4" algn="l" rtl="0">
         <a:lnSpc>
           <a:spcPct val="100000"/>
         </a:lnSpc>
@@ -6799,7 +7754,7 @@
           <a:srgbClr val="000000"/>
         </a:buClr>
         <a:buFont typeface="Arial"/>
-        <a:defRPr b="0" i="0" sz="1400" u="none" cap="none" strike="noStrike">
+        <a:defRPr sz="1400" b="0" i="0" u="none" strike="noStrike" cap="none">
           <a:solidFill>
             <a:srgbClr val="000000"/>
           </a:solidFill>
@@ -6809,7 +7764,7 @@
           <a:sym typeface="Arial"/>
         </a:defRPr>
       </a:lvl5pPr>
-      <a:lvl6pPr lvl="5" marR="0" rtl="0" algn="l">
+      <a:lvl6pPr marR="0" lvl="5" algn="l" rtl="0">
         <a:lnSpc>
           <a:spcPct val="100000"/>
         </a:lnSpc>
@@ -6823,7 +7778,7 @@
           <a:srgbClr val="000000"/>
         </a:buClr>
         <a:buFont typeface="Arial"/>
-        <a:defRPr b="0" i="0" sz="1400" u="none" cap="none" strike="noStrike">
+        <a:defRPr sz="1400" b="0" i="0" u="none" strike="noStrike" cap="none">
           <a:solidFill>
             <a:srgbClr val="000000"/>
           </a:solidFill>
@@ -6833,7 +7788,7 @@
           <a:sym typeface="Arial"/>
         </a:defRPr>
       </a:lvl6pPr>
-      <a:lvl7pPr lvl="6" marR="0" rtl="0" algn="l">
+      <a:lvl7pPr marR="0" lvl="6" algn="l" rtl="0">
         <a:lnSpc>
           <a:spcPct val="100000"/>
         </a:lnSpc>
@@ -6847,7 +7802,7 @@
           <a:srgbClr val="000000"/>
         </a:buClr>
         <a:buFont typeface="Arial"/>
-        <a:defRPr b="0" i="0" sz="1400" u="none" cap="none" strike="noStrike">
+        <a:defRPr sz="1400" b="0" i="0" u="none" strike="noStrike" cap="none">
           <a:solidFill>
             <a:srgbClr val="000000"/>
           </a:solidFill>
@@ -6857,7 +7812,7 @@
           <a:sym typeface="Arial"/>
         </a:defRPr>
       </a:lvl7pPr>
-      <a:lvl8pPr lvl="7" marR="0" rtl="0" algn="l">
+      <a:lvl8pPr marR="0" lvl="7" algn="l" rtl="0">
         <a:lnSpc>
           <a:spcPct val="100000"/>
         </a:lnSpc>
@@ -6871,7 +7826,7 @@
           <a:srgbClr val="000000"/>
         </a:buClr>
         <a:buFont typeface="Arial"/>
-        <a:defRPr b="0" i="0" sz="1400" u="none" cap="none" strike="noStrike">
+        <a:defRPr sz="1400" b="0" i="0" u="none" strike="noStrike" cap="none">
           <a:solidFill>
             <a:srgbClr val="000000"/>
           </a:solidFill>
@@ -6881,7 +7836,7 @@
           <a:sym typeface="Arial"/>
         </a:defRPr>
       </a:lvl8pPr>
-      <a:lvl9pPr lvl="8" marR="0" rtl="0" algn="l">
+      <a:lvl9pPr marR="0" lvl="8" algn="l" rtl="0">
         <a:lnSpc>
           <a:spcPct val="100000"/>
         </a:lnSpc>
@@ -6895,7 +7850,7 @@
           <a:srgbClr val="000000"/>
         </a:buClr>
         <a:buFont typeface="Arial"/>
-        <a:defRPr b="0" i="0" sz="1400" u="none" cap="none" strike="noStrike">
+        <a:defRPr sz="1400" b="0" i="0" u="none" strike="noStrike" cap="none">
           <a:solidFill>
             <a:srgbClr val="000000"/>
           </a:solidFill>
@@ -6907,7 +7862,7 @@
       </a:lvl9pPr>
     </p:titleStyle>
     <p:bodyStyle>
-      <a:defPPr lvl="0" marR="0" rtl="0" algn="l">
+      <a:defPPr marR="0" lvl="0" algn="l" rtl="0">
         <a:lnSpc>
           <a:spcPct val="100000"/>
         </a:lnSpc>
@@ -6918,7 +7873,7 @@
           <a:spcPts val="0"/>
         </a:spcAft>
       </a:defPPr>
-      <a:lvl1pPr lvl="0" marR="0" rtl="0" algn="l">
+      <a:lvl1pPr marR="0" lvl="0" algn="l" rtl="0">
         <a:lnSpc>
           <a:spcPct val="100000"/>
         </a:lnSpc>
@@ -6932,7 +7887,7 @@
           <a:srgbClr val="000000"/>
         </a:buClr>
         <a:buFont typeface="Arial"/>
-        <a:defRPr b="0" i="0" sz="1400" u="none" cap="none" strike="noStrike">
+        <a:defRPr sz="1400" b="0" i="0" u="none" strike="noStrike" cap="none">
           <a:solidFill>
             <a:srgbClr val="000000"/>
           </a:solidFill>
@@ -6942,7 +7897,7 @@
           <a:sym typeface="Arial"/>
         </a:defRPr>
       </a:lvl1pPr>
-      <a:lvl2pPr lvl="1" marR="0" rtl="0" algn="l">
+      <a:lvl2pPr marR="0" lvl="1" algn="l" rtl="0">
         <a:lnSpc>
           <a:spcPct val="100000"/>
         </a:lnSpc>
@@ -6956,7 +7911,7 @@
           <a:srgbClr val="000000"/>
         </a:buClr>
         <a:buFont typeface="Arial"/>
-        <a:defRPr b="0" i="0" sz="1400" u="none" cap="none" strike="noStrike">
+        <a:defRPr sz="1400" b="0" i="0" u="none" strike="noStrike" cap="none">
           <a:solidFill>
             <a:srgbClr val="000000"/>
           </a:solidFill>
@@ -6966,7 +7921,7 @@
           <a:sym typeface="Arial"/>
         </a:defRPr>
       </a:lvl2pPr>
-      <a:lvl3pPr lvl="2" marR="0" rtl="0" algn="l">
+      <a:lvl3pPr marR="0" lvl="2" algn="l" rtl="0">
         <a:lnSpc>
           <a:spcPct val="100000"/>
         </a:lnSpc>
@@ -6980,7 +7935,7 @@
           <a:srgbClr val="000000"/>
         </a:buClr>
         <a:buFont typeface="Arial"/>
-        <a:defRPr b="0" i="0" sz="1400" u="none" cap="none" strike="noStrike">
+        <a:defRPr sz="1400" b="0" i="0" u="none" strike="noStrike" cap="none">
           <a:solidFill>
             <a:srgbClr val="000000"/>
           </a:solidFill>
@@ -6990,7 +7945,7 @@
           <a:sym typeface="Arial"/>
         </a:defRPr>
       </a:lvl3pPr>
-      <a:lvl4pPr lvl="3" marR="0" rtl="0" algn="l">
+      <a:lvl4pPr marR="0" lvl="3" algn="l" rtl="0">
         <a:lnSpc>
           <a:spcPct val="100000"/>
         </a:lnSpc>
@@ -7004,7 +7959,7 @@
           <a:srgbClr val="000000"/>
         </a:buClr>
         <a:buFont typeface="Arial"/>
-        <a:defRPr b="0" i="0" sz="1400" u="none" cap="none" strike="noStrike">
+        <a:defRPr sz="1400" b="0" i="0" u="none" strike="noStrike" cap="none">
           <a:solidFill>
             <a:srgbClr val="000000"/>
           </a:solidFill>
@@ -7014,7 +7969,7 @@
           <a:sym typeface="Arial"/>
         </a:defRPr>
       </a:lvl4pPr>
-      <a:lvl5pPr lvl="4" marR="0" rtl="0" algn="l">
+      <a:lvl5pPr marR="0" lvl="4" algn="l" rtl="0">
         <a:lnSpc>
           <a:spcPct val="100000"/>
         </a:lnSpc>
@@ -7028,7 +7983,7 @@
           <a:srgbClr val="000000"/>
         </a:buClr>
         <a:buFont typeface="Arial"/>
-        <a:defRPr b="0" i="0" sz="1400" u="none" cap="none" strike="noStrike">
+        <a:defRPr sz="1400" b="0" i="0" u="none" strike="noStrike" cap="none">
           <a:solidFill>
             <a:srgbClr val="000000"/>
           </a:solidFill>
@@ -7038,7 +7993,7 @@
           <a:sym typeface="Arial"/>
         </a:defRPr>
       </a:lvl5pPr>
-      <a:lvl6pPr lvl="5" marR="0" rtl="0" algn="l">
+      <a:lvl6pPr marR="0" lvl="5" algn="l" rtl="0">
         <a:lnSpc>
           <a:spcPct val="100000"/>
         </a:lnSpc>
@@ -7052,7 +8007,7 @@
           <a:srgbClr val="000000"/>
         </a:buClr>
         <a:buFont typeface="Arial"/>
-        <a:defRPr b="0" i="0" sz="1400" u="none" cap="none" strike="noStrike">
+        <a:defRPr sz="1400" b="0" i="0" u="none" strike="noStrike" cap="none">
           <a:solidFill>
             <a:srgbClr val="000000"/>
           </a:solidFill>
@@ -7062,7 +8017,7 @@
           <a:sym typeface="Arial"/>
         </a:defRPr>
       </a:lvl6pPr>
-      <a:lvl7pPr lvl="6" marR="0" rtl="0" algn="l">
+      <a:lvl7pPr marR="0" lvl="6" algn="l" rtl="0">
         <a:lnSpc>
           <a:spcPct val="100000"/>
         </a:lnSpc>
@@ -7076,7 +8031,7 @@
           <a:srgbClr val="000000"/>
         </a:buClr>
         <a:buFont typeface="Arial"/>
-        <a:defRPr b="0" i="0" sz="1400" u="none" cap="none" strike="noStrike">
+        <a:defRPr sz="1400" b="0" i="0" u="none" strike="noStrike" cap="none">
           <a:solidFill>
             <a:srgbClr val="000000"/>
           </a:solidFill>
@@ -7086,7 +8041,7 @@
           <a:sym typeface="Arial"/>
         </a:defRPr>
       </a:lvl7pPr>
-      <a:lvl8pPr lvl="7" marR="0" rtl="0" algn="l">
+      <a:lvl8pPr marR="0" lvl="7" algn="l" rtl="0">
         <a:lnSpc>
           <a:spcPct val="100000"/>
         </a:lnSpc>
@@ -7100,7 +8055,7 @@
           <a:srgbClr val="000000"/>
         </a:buClr>
         <a:buFont typeface="Arial"/>
-        <a:defRPr b="0" i="0" sz="1400" u="none" cap="none" strike="noStrike">
+        <a:defRPr sz="1400" b="0" i="0" u="none" strike="noStrike" cap="none">
           <a:solidFill>
             <a:srgbClr val="000000"/>
           </a:solidFill>
@@ -7110,7 +8065,7 @@
           <a:sym typeface="Arial"/>
         </a:defRPr>
       </a:lvl8pPr>
-      <a:lvl9pPr lvl="8" marR="0" rtl="0" algn="l">
+      <a:lvl9pPr marR="0" lvl="8" algn="l" rtl="0">
         <a:lnSpc>
           <a:spcPct val="100000"/>
         </a:lnSpc>
@@ -7124,7 +8079,7 @@
           <a:srgbClr val="000000"/>
         </a:buClr>
         <a:buFont typeface="Arial"/>
-        <a:defRPr b="0" i="0" sz="1400" u="none" cap="none" strike="noStrike">
+        <a:defRPr sz="1400" b="0" i="0" u="none" strike="noStrike" cap="none">
           <a:solidFill>
             <a:srgbClr val="000000"/>
           </a:solidFill>
@@ -7136,7 +8091,7 @@
       </a:lvl9pPr>
     </p:bodyStyle>
     <p:otherStyle>
-      <a:defPPr lvl="0" marR="0" rtl="0" algn="l">
+      <a:defPPr marR="0" lvl="0" algn="l" rtl="0">
         <a:lnSpc>
           <a:spcPct val="100000"/>
         </a:lnSpc>
@@ -7147,7 +8102,7 @@
           <a:spcPts val="0"/>
         </a:spcAft>
       </a:defPPr>
-      <a:lvl1pPr lvl="0" marR="0" rtl="0" algn="l">
+      <a:lvl1pPr marR="0" lvl="0" algn="l" rtl="0">
         <a:lnSpc>
           <a:spcPct val="100000"/>
         </a:lnSpc>
@@ -7161,7 +8116,7 @@
           <a:srgbClr val="000000"/>
         </a:buClr>
         <a:buFont typeface="Arial"/>
-        <a:defRPr b="0" i="0" sz="1400" u="none" cap="none" strike="noStrike">
+        <a:defRPr sz="1400" b="0" i="0" u="none" strike="noStrike" cap="none">
           <a:solidFill>
             <a:srgbClr val="000000"/>
           </a:solidFill>
@@ -7171,7 +8126,7 @@
           <a:sym typeface="Arial"/>
         </a:defRPr>
       </a:lvl1pPr>
-      <a:lvl2pPr lvl="1" marR="0" rtl="0" algn="l">
+      <a:lvl2pPr marR="0" lvl="1" algn="l" rtl="0">
         <a:lnSpc>
           <a:spcPct val="100000"/>
         </a:lnSpc>
@@ -7185,7 +8140,7 @@
           <a:srgbClr val="000000"/>
         </a:buClr>
         <a:buFont typeface="Arial"/>
-        <a:defRPr b="0" i="0" sz="1400" u="none" cap="none" strike="noStrike">
+        <a:defRPr sz="1400" b="0" i="0" u="none" strike="noStrike" cap="none">
           <a:solidFill>
             <a:srgbClr val="000000"/>
           </a:solidFill>
@@ -7195,7 +8150,7 @@
           <a:sym typeface="Arial"/>
         </a:defRPr>
       </a:lvl2pPr>
-      <a:lvl3pPr lvl="2" marR="0" rtl="0" algn="l">
+      <a:lvl3pPr marR="0" lvl="2" algn="l" rtl="0">
         <a:lnSpc>
           <a:spcPct val="100000"/>
         </a:lnSpc>
@@ -7209,7 +8164,7 @@
           <a:srgbClr val="000000"/>
         </a:buClr>
         <a:buFont typeface="Arial"/>
-        <a:defRPr b="0" i="0" sz="1400" u="none" cap="none" strike="noStrike">
+        <a:defRPr sz="1400" b="0" i="0" u="none" strike="noStrike" cap="none">
           <a:solidFill>
             <a:srgbClr val="000000"/>
           </a:solidFill>
@@ -7219,7 +8174,7 @@
           <a:sym typeface="Arial"/>
         </a:defRPr>
       </a:lvl3pPr>
-      <a:lvl4pPr lvl="3" marR="0" rtl="0" algn="l">
+      <a:lvl4pPr marR="0" lvl="3" algn="l" rtl="0">
         <a:lnSpc>
           <a:spcPct val="100000"/>
         </a:lnSpc>
@@ -7233,7 +8188,7 @@
           <a:srgbClr val="000000"/>
         </a:buClr>
         <a:buFont typeface="Arial"/>
-        <a:defRPr b="0" i="0" sz="1400" u="none" cap="none" strike="noStrike">
+        <a:defRPr sz="1400" b="0" i="0" u="none" strike="noStrike" cap="none">
           <a:solidFill>
             <a:srgbClr val="000000"/>
           </a:solidFill>
@@ -7243,7 +8198,7 @@
           <a:sym typeface="Arial"/>
         </a:defRPr>
       </a:lvl4pPr>
-      <a:lvl5pPr lvl="4" marR="0" rtl="0" algn="l">
+      <a:lvl5pPr marR="0" lvl="4" algn="l" rtl="0">
         <a:lnSpc>
           <a:spcPct val="100000"/>
         </a:lnSpc>
@@ -7257,7 +8212,7 @@
           <a:srgbClr val="000000"/>
         </a:buClr>
         <a:buFont typeface="Arial"/>
-        <a:defRPr b="0" i="0" sz="1400" u="none" cap="none" strike="noStrike">
+        <a:defRPr sz="1400" b="0" i="0" u="none" strike="noStrike" cap="none">
           <a:solidFill>
             <a:srgbClr val="000000"/>
           </a:solidFill>
@@ -7267,7 +8222,7 @@
           <a:sym typeface="Arial"/>
         </a:defRPr>
       </a:lvl5pPr>
-      <a:lvl6pPr lvl="5" marR="0" rtl="0" algn="l">
+      <a:lvl6pPr marR="0" lvl="5" algn="l" rtl="0">
         <a:lnSpc>
           <a:spcPct val="100000"/>
         </a:lnSpc>
@@ -7281,7 +8236,7 @@
           <a:srgbClr val="000000"/>
         </a:buClr>
         <a:buFont typeface="Arial"/>
-        <a:defRPr b="0" i="0" sz="1400" u="none" cap="none" strike="noStrike">
+        <a:defRPr sz="1400" b="0" i="0" u="none" strike="noStrike" cap="none">
           <a:solidFill>
             <a:srgbClr val="000000"/>
           </a:solidFill>
@@ -7291,7 +8246,7 @@
           <a:sym typeface="Arial"/>
         </a:defRPr>
       </a:lvl6pPr>
-      <a:lvl7pPr lvl="6" marR="0" rtl="0" algn="l">
+      <a:lvl7pPr marR="0" lvl="6" algn="l" rtl="0">
         <a:lnSpc>
           <a:spcPct val="100000"/>
         </a:lnSpc>
@@ -7305,7 +8260,7 @@
           <a:srgbClr val="000000"/>
         </a:buClr>
         <a:buFont typeface="Arial"/>
-        <a:defRPr b="0" i="0" sz="1400" u="none" cap="none" strike="noStrike">
+        <a:defRPr sz="1400" b="0" i="0" u="none" strike="noStrike" cap="none">
           <a:solidFill>
             <a:srgbClr val="000000"/>
           </a:solidFill>
@@ -7315,7 +8270,7 @@
           <a:sym typeface="Arial"/>
         </a:defRPr>
       </a:lvl7pPr>
-      <a:lvl8pPr lvl="7" marR="0" rtl="0" algn="l">
+      <a:lvl8pPr marR="0" lvl="7" algn="l" rtl="0">
         <a:lnSpc>
           <a:spcPct val="100000"/>
         </a:lnSpc>
@@ -7329,7 +8284,7 @@
           <a:srgbClr val="000000"/>
         </a:buClr>
         <a:buFont typeface="Arial"/>
-        <a:defRPr b="0" i="0" sz="1400" u="none" cap="none" strike="noStrike">
+        <a:defRPr sz="1400" b="0" i="0" u="none" strike="noStrike" cap="none">
           <a:solidFill>
             <a:srgbClr val="000000"/>
           </a:solidFill>
@@ -7339,7 +8294,7 @@
           <a:sym typeface="Arial"/>
         </a:defRPr>
       </a:lvl8pPr>
-      <a:lvl9pPr lvl="8" marR="0" rtl="0" algn="l">
+      <a:lvl9pPr marR="0" lvl="8" algn="l" rtl="0">
         <a:lnSpc>
           <a:spcPct val="100000"/>
         </a:lnSpc>
@@ -7353,7 +8308,7 @@
           <a:srgbClr val="000000"/>
         </a:buClr>
         <a:buFont typeface="Arial"/>
-        <a:defRPr b="0" i="0" sz="1400" u="none" cap="none" strike="noStrike">
+        <a:defRPr sz="1400" b="0" i="0" u="none" strike="noStrike" cap="none">
           <a:solidFill>
             <a:srgbClr val="000000"/>
           </a:solidFill>
@@ -7369,18 +8324,19 @@
 </file>
 
 <file path=ppt/slides/slide1.xml><?xml version="1.0" encoding="utf-8"?>
-<p:sld xmlns:a="http://schemas.openxmlformats.org/drawingml/2006/main" xmlns:r="http://schemas.openxmlformats.org/officeDocument/2006/relationships" xmlns:mc="http://schemas.openxmlformats.org/markup-compatibility/2006" xmlns:mv="urn:schemas-microsoft-com:mac:vml" xmlns:p="http://schemas.openxmlformats.org/presentationml/2006/main" xmlns:c="http://schemas.openxmlformats.org/drawingml/2006/chart" xmlns:dgm="http://schemas.openxmlformats.org/drawingml/2006/diagram" xmlns:o="urn:schemas-microsoft-com:office:office" xmlns:v="urn:schemas-microsoft-com:vml" xmlns:pvml="urn:schemas-microsoft-com:office:powerpoint" xmlns:com="http://schemas.openxmlformats.org/drawingml/2006/compatibility" xmlns:p14="http://schemas.microsoft.com/office/powerpoint/2010/main" xmlns:p15="http://schemas.microsoft.com/office/powerpoint/2012/main" xmlns:ahyp="http://schemas.microsoft.com/office/drawing/2018/hyperlinkcolor">
+<p:sld xmlns:a="http://schemas.openxmlformats.org/drawingml/2006/main" xmlns:r="http://schemas.openxmlformats.org/officeDocument/2006/relationships" xmlns:p="http://schemas.openxmlformats.org/presentationml/2006/main">
   <p:cSld>
     <p:bg>
       <p:bgPr>
         <a:solidFill>
           <a:schemeClr val="dk2"/>
         </a:solidFill>
+        <a:effectLst/>
       </p:bgPr>
     </p:bg>
     <p:spTree>
       <p:nvGrpSpPr>
-        <p:cNvPr id="62" name="Shape 62"/>
+        <p:cNvPr id="1" name="Shape 62"/>
         <p:cNvGrpSpPr/>
         <p:nvPr/>
       </p:nvGrpSpPr>
@@ -7395,7 +8351,9 @@
       <p:sp>
         <p:nvSpPr>
           <p:cNvPr id="63" name="Google Shape;63;p13"/>
-          <p:cNvSpPr txBox="1"/>
+          <p:cNvSpPr txBox="1">
+            <a:spLocks noGrp="1"/>
+          </p:cNvSpPr>
           <p:nvPr>
             <p:ph type="ctrTitle"/>
           </p:nvPr>
@@ -7410,12 +8368,12 @@
           </a:prstGeom>
         </p:spPr>
         <p:txBody>
-          <a:bodyPr anchorCtr="0" anchor="b" bIns="91425" lIns="91425" spcFirstLastPara="1" rIns="91425" wrap="square" tIns="91425">
+          <a:bodyPr spcFirstLastPara="1" wrap="square" lIns="91425" tIns="91425" rIns="91425" bIns="91425" anchor="b" anchorCtr="0">
             <a:normAutofit/>
           </a:bodyPr>
           <a:lstStyle/>
           <a:p>
-            <a:pPr indent="0" lvl="0" marL="0" rtl="0" algn="ctr">
+            <a:pPr marL="0" lvl="0" indent="0" algn="ctr" rtl="0">
               <a:spcBef>
                 <a:spcPts val="0"/>
               </a:spcBef>
@@ -7435,9 +8393,11 @@
       <p:sp>
         <p:nvSpPr>
           <p:cNvPr id="64" name="Google Shape;64;p13"/>
-          <p:cNvSpPr txBox="1"/>
+          <p:cNvSpPr txBox="1">
+            <a:spLocks noGrp="1"/>
+          </p:cNvSpPr>
           <p:nvPr>
-            <p:ph idx="1" type="subTitle"/>
+            <p:ph type="subTitle" idx="1"/>
           </p:nvPr>
         </p:nvSpPr>
         <p:spPr>
@@ -7450,12 +8410,12 @@
           </a:prstGeom>
         </p:spPr>
         <p:txBody>
-          <a:bodyPr anchorCtr="0" anchor="t" bIns="91425" lIns="91425" spcFirstLastPara="1" rIns="91425" wrap="square" tIns="91425">
+          <a:bodyPr spcFirstLastPara="1" wrap="square" lIns="91425" tIns="91425" rIns="91425" bIns="91425" anchor="t" anchorCtr="0">
             <a:normAutofit/>
           </a:bodyPr>
           <a:lstStyle/>
           <a:p>
-            <a:pPr indent="0" lvl="0" marL="0" rtl="0" algn="ctr">
+            <a:pPr marL="0" lvl="0" indent="0" algn="ctr" rtl="0">
               <a:spcBef>
                 <a:spcPts val="0"/>
               </a:spcBef>
@@ -7464,9 +8424,6 @@
               </a:spcAft>
               <a:buNone/>
             </a:pPr>
-            <a:r>
-              <a:t/>
-            </a:r>
             <a:endParaRPr/>
           </a:p>
         </p:txBody>
@@ -7480,11 +8437,736 @@
 </file>
 
 <file path=ppt/slides/slide10.xml><?xml version="1.0" encoding="utf-8"?>
-<p:sld xmlns:a="http://schemas.openxmlformats.org/drawingml/2006/main" xmlns:r="http://schemas.openxmlformats.org/officeDocument/2006/relationships" xmlns:mc="http://schemas.openxmlformats.org/markup-compatibility/2006" xmlns:mv="urn:schemas-microsoft-com:mac:vml" xmlns:p="http://schemas.openxmlformats.org/presentationml/2006/main" xmlns:c="http://schemas.openxmlformats.org/drawingml/2006/chart" xmlns:dgm="http://schemas.openxmlformats.org/drawingml/2006/diagram" xmlns:o="urn:schemas-microsoft-com:office:office" xmlns:v="urn:schemas-microsoft-com:vml" xmlns:pvml="urn:schemas-microsoft-com:office:powerpoint" xmlns:com="http://schemas.openxmlformats.org/drawingml/2006/compatibility" xmlns:p14="http://schemas.microsoft.com/office/powerpoint/2010/main" xmlns:p15="http://schemas.microsoft.com/office/powerpoint/2012/main" xmlns:ahyp="http://schemas.microsoft.com/office/drawing/2018/hyperlinkcolor">
+<p:sld xmlns:a="http://schemas.openxmlformats.org/drawingml/2006/main" xmlns:r="http://schemas.openxmlformats.org/officeDocument/2006/relationships" xmlns:p="http://schemas.openxmlformats.org/presentationml/2006/main">
   <p:cSld>
     <p:spTree>
       <p:nvGrpSpPr>
-        <p:cNvPr id="116" name="Shape 116"/>
+        <p:cNvPr id="1" name="Shape 104"/>
+        <p:cNvGrpSpPr/>
+        <p:nvPr/>
+      </p:nvGrpSpPr>
+      <p:grpSpPr>
+        <a:xfrm>
+          <a:off x="0" y="0"/>
+          <a:ext cx="0" cy="0"/>
+          <a:chOff x="0" y="0"/>
+          <a:chExt cx="0" cy="0"/>
+        </a:xfrm>
+      </p:grpSpPr>
+      <p:sp>
+        <p:nvSpPr>
+          <p:cNvPr id="105" name="Google Shape;105;p20"/>
+          <p:cNvSpPr txBox="1">
+            <a:spLocks noGrp="1"/>
+          </p:cNvSpPr>
+          <p:nvPr>
+            <p:ph type="title"/>
+          </p:nvPr>
+        </p:nvSpPr>
+        <p:spPr>
+          <a:xfrm>
+            <a:off x="387900" y="458025"/>
+            <a:ext cx="8368200" cy="686100"/>
+          </a:xfrm>
+          <a:prstGeom prst="rect">
+            <a:avLst/>
+          </a:prstGeom>
+        </p:spPr>
+        <p:txBody>
+          <a:bodyPr spcFirstLastPara="1" wrap="square" lIns="91425" tIns="91425" rIns="91425" bIns="91425" anchor="b" anchorCtr="0">
+            <a:normAutofit/>
+          </a:bodyPr>
+          <a:lstStyle/>
+          <a:p>
+            <a:pPr lvl="0"/>
+            <a:r>
+              <a:rPr lang="en-GB" dirty="0" smtClean="0"/>
+              <a:t>K-nearest </a:t>
+            </a:r>
+            <a:r>
+              <a:rPr lang="en-GB" dirty="0" err="1"/>
+              <a:t>neighbors</a:t>
+            </a:r>
+            <a:endParaRPr dirty="0"/>
+          </a:p>
+        </p:txBody>
+      </p:sp>
+      <p:sp>
+        <p:nvSpPr>
+          <p:cNvPr id="106" name="Google Shape;106;p20"/>
+          <p:cNvSpPr txBox="1">
+            <a:spLocks noGrp="1"/>
+          </p:cNvSpPr>
+          <p:nvPr>
+            <p:ph type="body" idx="1"/>
+          </p:nvPr>
+        </p:nvSpPr>
+        <p:spPr>
+          <a:xfrm>
+            <a:off x="387900" y="1489824"/>
+            <a:ext cx="8368200" cy="3078900"/>
+          </a:xfrm>
+          <a:prstGeom prst="rect">
+            <a:avLst/>
+          </a:prstGeom>
+        </p:spPr>
+        <p:txBody>
+          <a:bodyPr spcFirstLastPara="1" wrap="square" lIns="91425" tIns="91425" rIns="91425" bIns="91425" anchor="t" anchorCtr="0">
+            <a:normAutofit/>
+          </a:bodyPr>
+          <a:lstStyle/>
+          <a:p>
+            <a:pPr marL="0" lvl="0" indent="0" algn="l" rtl="0">
+              <a:spcBef>
+                <a:spcPts val="0"/>
+              </a:spcBef>
+              <a:spcAft>
+                <a:spcPts val="0"/>
+              </a:spcAft>
+              <a:buNone/>
+            </a:pPr>
+            <a:r>
+              <a:rPr lang="en-GB" dirty="0" err="1"/>
+              <a:t>fit_lin</a:t>
+            </a:r>
+            <a:r>
+              <a:rPr lang="en-GB" dirty="0"/>
+              <a:t> &lt;- lm(Income ~ Investment, data = </a:t>
+            </a:r>
+            <a:r>
+              <a:rPr lang="en-GB" dirty="0" err="1"/>
+              <a:t>dat</a:t>
+            </a:r>
+            <a:r>
+              <a:rPr lang="en-GB" dirty="0"/>
+              <a:t>)</a:t>
+            </a:r>
+            <a:endParaRPr dirty="0"/>
+          </a:p>
+          <a:p>
+            <a:pPr marL="0" lvl="0" indent="0" algn="l" rtl="0">
+              <a:spcBef>
+                <a:spcPts val="1200"/>
+              </a:spcBef>
+              <a:spcAft>
+                <a:spcPts val="0"/>
+              </a:spcAft>
+              <a:buNone/>
+            </a:pPr>
+            <a:r>
+              <a:rPr lang="en-GB" dirty="0"/>
+              <a:t>summary(</a:t>
+            </a:r>
+            <a:r>
+              <a:rPr lang="en-GB" dirty="0" err="1"/>
+              <a:t>fit_lin</a:t>
+            </a:r>
+            <a:r>
+              <a:rPr lang="en-GB" dirty="0"/>
+              <a:t>)</a:t>
+            </a:r>
+            <a:endParaRPr dirty="0"/>
+          </a:p>
+          <a:p>
+            <a:pPr marL="0" lvl="0" indent="0" algn="l" rtl="0">
+              <a:spcBef>
+                <a:spcPts val="1200"/>
+              </a:spcBef>
+              <a:spcAft>
+                <a:spcPts val="1200"/>
+              </a:spcAft>
+              <a:buNone/>
+            </a:pPr>
+            <a:endParaRPr dirty="0"/>
+          </a:p>
+        </p:txBody>
+      </p:sp>
+    </p:spTree>
+    <p:extLst>
+      <p:ext uri="{BB962C8B-B14F-4D97-AF65-F5344CB8AC3E}">
+        <p14:creationId xmlns:p14="http://schemas.microsoft.com/office/powerpoint/2010/main" val="2872415115"/>
+      </p:ext>
+    </p:extLst>
+  </p:cSld>
+  <p:clrMapOvr>
+    <a:masterClrMapping/>
+  </p:clrMapOvr>
+</p:sld>
+</file>
+
+<file path=ppt/slides/slide11.xml><?xml version="1.0" encoding="utf-8"?>
+<p:sld xmlns:a="http://schemas.openxmlformats.org/drawingml/2006/main" xmlns:r="http://schemas.openxmlformats.org/officeDocument/2006/relationships" xmlns:p="http://schemas.openxmlformats.org/presentationml/2006/main">
+  <p:cSld>
+    <p:spTree>
+      <p:nvGrpSpPr>
+        <p:cNvPr id="1" name="Shape 104"/>
+        <p:cNvGrpSpPr/>
+        <p:nvPr/>
+      </p:nvGrpSpPr>
+      <p:grpSpPr>
+        <a:xfrm>
+          <a:off x="0" y="0"/>
+          <a:ext cx="0" cy="0"/>
+          <a:chOff x="0" y="0"/>
+          <a:chExt cx="0" cy="0"/>
+        </a:xfrm>
+      </p:grpSpPr>
+      <p:sp>
+        <p:nvSpPr>
+          <p:cNvPr id="105" name="Google Shape;105;p20"/>
+          <p:cNvSpPr txBox="1">
+            <a:spLocks noGrp="1"/>
+          </p:cNvSpPr>
+          <p:nvPr>
+            <p:ph type="title"/>
+          </p:nvPr>
+        </p:nvSpPr>
+        <p:spPr>
+          <a:xfrm>
+            <a:off x="387900" y="458025"/>
+            <a:ext cx="8368200" cy="686100"/>
+          </a:xfrm>
+          <a:prstGeom prst="rect">
+            <a:avLst/>
+          </a:prstGeom>
+        </p:spPr>
+        <p:txBody>
+          <a:bodyPr spcFirstLastPara="1" wrap="square" lIns="91425" tIns="91425" rIns="91425" bIns="91425" anchor="b" anchorCtr="0">
+            <a:normAutofit/>
+          </a:bodyPr>
+          <a:lstStyle/>
+          <a:p>
+            <a:pPr lvl="0"/>
+            <a:r>
+              <a:rPr lang="en-GB" dirty="0" smtClean="0"/>
+              <a:t>Support Vector Machine (SVM)</a:t>
+            </a:r>
+            <a:endParaRPr dirty="0"/>
+          </a:p>
+        </p:txBody>
+      </p:sp>
+      <p:sp>
+        <p:nvSpPr>
+          <p:cNvPr id="106" name="Google Shape;106;p20"/>
+          <p:cNvSpPr txBox="1">
+            <a:spLocks noGrp="1"/>
+          </p:cNvSpPr>
+          <p:nvPr>
+            <p:ph type="body" idx="1"/>
+          </p:nvPr>
+        </p:nvSpPr>
+        <p:spPr>
+          <a:xfrm>
+            <a:off x="387900" y="1489824"/>
+            <a:ext cx="8368200" cy="3078900"/>
+          </a:xfrm>
+          <a:prstGeom prst="rect">
+            <a:avLst/>
+          </a:prstGeom>
+        </p:spPr>
+        <p:txBody>
+          <a:bodyPr spcFirstLastPara="1" wrap="square" lIns="91425" tIns="91425" rIns="91425" bIns="91425" anchor="t" anchorCtr="0">
+            <a:normAutofit/>
+          </a:bodyPr>
+          <a:lstStyle/>
+          <a:p>
+            <a:pPr marL="0" lvl="0" indent="0" algn="l" rtl="0">
+              <a:spcBef>
+                <a:spcPts val="1200"/>
+              </a:spcBef>
+              <a:spcAft>
+                <a:spcPts val="1200"/>
+              </a:spcAft>
+              <a:buNone/>
+            </a:pPr>
+            <a:endParaRPr dirty="0"/>
+          </a:p>
+        </p:txBody>
+      </p:sp>
+    </p:spTree>
+    <p:extLst>
+      <p:ext uri="{BB962C8B-B14F-4D97-AF65-F5344CB8AC3E}">
+        <p14:creationId xmlns:p14="http://schemas.microsoft.com/office/powerpoint/2010/main" val="3432602205"/>
+      </p:ext>
+    </p:extLst>
+  </p:cSld>
+  <p:clrMapOvr>
+    <a:masterClrMapping/>
+  </p:clrMapOvr>
+</p:sld>
+</file>
+
+<file path=ppt/slides/slide12.xml><?xml version="1.0" encoding="utf-8"?>
+<p:sld xmlns:a="http://schemas.openxmlformats.org/drawingml/2006/main" xmlns:r="http://schemas.openxmlformats.org/officeDocument/2006/relationships" xmlns:p="http://schemas.openxmlformats.org/presentationml/2006/main">
+  <p:cSld>
+    <p:spTree>
+      <p:nvGrpSpPr>
+        <p:cNvPr id="1" name=""/>
+        <p:cNvGrpSpPr/>
+        <p:nvPr/>
+      </p:nvGrpSpPr>
+      <p:grpSpPr>
+        <a:xfrm>
+          <a:off x="0" y="0"/>
+          <a:ext cx="0" cy="0"/>
+          <a:chOff x="0" y="0"/>
+          <a:chExt cx="0" cy="0"/>
+        </a:xfrm>
+      </p:grpSpPr>
+      <p:sp>
+        <p:nvSpPr>
+          <p:cNvPr id="2" name="Title 1"/>
+          <p:cNvSpPr>
+            <a:spLocks noGrp="1"/>
+          </p:cNvSpPr>
+          <p:nvPr>
+            <p:ph type="title"/>
+          </p:nvPr>
+        </p:nvSpPr>
+        <p:spPr/>
+        <p:txBody>
+          <a:bodyPr/>
+          <a:lstStyle/>
+          <a:p>
+            <a:r>
+              <a:rPr lang="en-MY" dirty="0" smtClean="0"/>
+              <a:t>Generalised Linear Model (GLM)</a:t>
+            </a:r>
+            <a:endParaRPr lang="en-MY" dirty="0"/>
+          </a:p>
+        </p:txBody>
+      </p:sp>
+      <p:sp>
+        <p:nvSpPr>
+          <p:cNvPr id="3" name="Text Placeholder 2"/>
+          <p:cNvSpPr>
+            <a:spLocks noGrp="1"/>
+          </p:cNvSpPr>
+          <p:nvPr>
+            <p:ph type="body" idx="1"/>
+          </p:nvPr>
+        </p:nvSpPr>
+        <p:spPr/>
+        <p:txBody>
+          <a:bodyPr/>
+          <a:lstStyle/>
+          <a:p>
+            <a:endParaRPr lang="en-MY"/>
+          </a:p>
+        </p:txBody>
+      </p:sp>
+    </p:spTree>
+    <p:extLst>
+      <p:ext uri="{BB962C8B-B14F-4D97-AF65-F5344CB8AC3E}">
+        <p14:creationId xmlns:p14="http://schemas.microsoft.com/office/powerpoint/2010/main" val="2724502799"/>
+      </p:ext>
+    </p:extLst>
+  </p:cSld>
+  <p:clrMapOvr>
+    <a:masterClrMapping/>
+  </p:clrMapOvr>
+</p:sld>
+</file>
+
+<file path=ppt/slides/slide13.xml><?xml version="1.0" encoding="utf-8"?>
+<p:sld xmlns:a="http://schemas.openxmlformats.org/drawingml/2006/main" xmlns:r="http://schemas.openxmlformats.org/officeDocument/2006/relationships" xmlns:p="http://schemas.openxmlformats.org/presentationml/2006/main">
+  <p:cSld>
+    <p:spTree>
+      <p:nvGrpSpPr>
+        <p:cNvPr id="1" name="Shape 104"/>
+        <p:cNvGrpSpPr/>
+        <p:nvPr/>
+      </p:nvGrpSpPr>
+      <p:grpSpPr>
+        <a:xfrm>
+          <a:off x="0" y="0"/>
+          <a:ext cx="0" cy="0"/>
+          <a:chOff x="0" y="0"/>
+          <a:chExt cx="0" cy="0"/>
+        </a:xfrm>
+      </p:grpSpPr>
+      <p:sp>
+        <p:nvSpPr>
+          <p:cNvPr id="105" name="Google Shape;105;p20"/>
+          <p:cNvSpPr txBox="1">
+            <a:spLocks noGrp="1"/>
+          </p:cNvSpPr>
+          <p:nvPr>
+            <p:ph type="title"/>
+          </p:nvPr>
+        </p:nvSpPr>
+        <p:spPr>
+          <a:xfrm>
+            <a:off x="387900" y="458025"/>
+            <a:ext cx="8368200" cy="686100"/>
+          </a:xfrm>
+          <a:prstGeom prst="rect">
+            <a:avLst/>
+          </a:prstGeom>
+        </p:spPr>
+        <p:txBody>
+          <a:bodyPr spcFirstLastPara="1" wrap="square" lIns="91425" tIns="91425" rIns="91425" bIns="91425" anchor="b" anchorCtr="0">
+            <a:normAutofit/>
+          </a:bodyPr>
+          <a:lstStyle/>
+          <a:p>
+            <a:pPr lvl="0"/>
+            <a:r>
+              <a:rPr lang="en-GB" dirty="0" smtClean="0"/>
+              <a:t>Hierarchical </a:t>
+            </a:r>
+            <a:r>
+              <a:rPr lang="en-GB" dirty="0"/>
+              <a:t>C</a:t>
+            </a:r>
+            <a:r>
+              <a:rPr lang="en-GB" dirty="0" smtClean="0"/>
+              <a:t>lustering</a:t>
+            </a:r>
+            <a:endParaRPr dirty="0"/>
+          </a:p>
+        </p:txBody>
+      </p:sp>
+      <p:sp>
+        <p:nvSpPr>
+          <p:cNvPr id="106" name="Google Shape;106;p20"/>
+          <p:cNvSpPr txBox="1">
+            <a:spLocks noGrp="1"/>
+          </p:cNvSpPr>
+          <p:nvPr>
+            <p:ph type="body" idx="1"/>
+          </p:nvPr>
+        </p:nvSpPr>
+        <p:spPr>
+          <a:xfrm>
+            <a:off x="387900" y="1489824"/>
+            <a:ext cx="8368200" cy="3078900"/>
+          </a:xfrm>
+          <a:prstGeom prst="rect">
+            <a:avLst/>
+          </a:prstGeom>
+        </p:spPr>
+        <p:txBody>
+          <a:bodyPr spcFirstLastPara="1" wrap="square" lIns="91425" tIns="91425" rIns="91425" bIns="91425" anchor="t" anchorCtr="0">
+            <a:normAutofit/>
+          </a:bodyPr>
+          <a:lstStyle/>
+          <a:p>
+            <a:pPr marL="0" lvl="0" indent="0" algn="l" rtl="0">
+              <a:spcBef>
+                <a:spcPts val="0"/>
+              </a:spcBef>
+              <a:spcAft>
+                <a:spcPts val="0"/>
+              </a:spcAft>
+              <a:buNone/>
+            </a:pPr>
+            <a:r>
+              <a:rPr lang="en-GB" dirty="0" err="1"/>
+              <a:t>fit_lin</a:t>
+            </a:r>
+            <a:r>
+              <a:rPr lang="en-GB" dirty="0"/>
+              <a:t> &lt;- lm(Income ~ Investment, data = </a:t>
+            </a:r>
+            <a:r>
+              <a:rPr lang="en-GB" dirty="0" err="1"/>
+              <a:t>dat</a:t>
+            </a:r>
+            <a:r>
+              <a:rPr lang="en-GB" dirty="0"/>
+              <a:t>)</a:t>
+            </a:r>
+            <a:endParaRPr dirty="0"/>
+          </a:p>
+          <a:p>
+            <a:pPr marL="0" lvl="0" indent="0" algn="l" rtl="0">
+              <a:spcBef>
+                <a:spcPts val="1200"/>
+              </a:spcBef>
+              <a:spcAft>
+                <a:spcPts val="0"/>
+              </a:spcAft>
+              <a:buNone/>
+            </a:pPr>
+            <a:r>
+              <a:rPr lang="en-GB" dirty="0"/>
+              <a:t>summary(</a:t>
+            </a:r>
+            <a:r>
+              <a:rPr lang="en-GB" dirty="0" err="1"/>
+              <a:t>fit_lin</a:t>
+            </a:r>
+            <a:r>
+              <a:rPr lang="en-GB" dirty="0"/>
+              <a:t>)</a:t>
+            </a:r>
+            <a:endParaRPr dirty="0"/>
+          </a:p>
+          <a:p>
+            <a:pPr marL="0" lvl="0" indent="0" algn="l" rtl="0">
+              <a:spcBef>
+                <a:spcPts val="1200"/>
+              </a:spcBef>
+              <a:spcAft>
+                <a:spcPts val="1200"/>
+              </a:spcAft>
+              <a:buNone/>
+            </a:pPr>
+            <a:endParaRPr dirty="0"/>
+          </a:p>
+        </p:txBody>
+      </p:sp>
+    </p:spTree>
+    <p:extLst>
+      <p:ext uri="{BB962C8B-B14F-4D97-AF65-F5344CB8AC3E}">
+        <p14:creationId xmlns:p14="http://schemas.microsoft.com/office/powerpoint/2010/main" val="3409112948"/>
+      </p:ext>
+    </p:extLst>
+  </p:cSld>
+  <p:clrMapOvr>
+    <a:masterClrMapping/>
+  </p:clrMapOvr>
+</p:sld>
+</file>
+
+<file path=ppt/slides/slide14.xml><?xml version="1.0" encoding="utf-8"?>
+<p:sld xmlns:a="http://schemas.openxmlformats.org/drawingml/2006/main" xmlns:r="http://schemas.openxmlformats.org/officeDocument/2006/relationships" xmlns:p="http://schemas.openxmlformats.org/presentationml/2006/main">
+  <p:cSld>
+    <p:spTree>
+      <p:nvGrpSpPr>
+        <p:cNvPr id="1" name="Shape 110"/>
+        <p:cNvGrpSpPr/>
+        <p:nvPr/>
+      </p:nvGrpSpPr>
+      <p:grpSpPr>
+        <a:xfrm>
+          <a:off x="0" y="0"/>
+          <a:ext cx="0" cy="0"/>
+          <a:chOff x="0" y="0"/>
+          <a:chExt cx="0" cy="0"/>
+        </a:xfrm>
+      </p:grpSpPr>
+      <p:sp>
+        <p:nvSpPr>
+          <p:cNvPr id="111" name="Google Shape;111;p21"/>
+          <p:cNvSpPr txBox="1">
+            <a:spLocks noGrp="1"/>
+          </p:cNvSpPr>
+          <p:nvPr>
+            <p:ph type="title"/>
+          </p:nvPr>
+        </p:nvSpPr>
+        <p:spPr>
+          <a:xfrm>
+            <a:off x="387900" y="458025"/>
+            <a:ext cx="8368200" cy="686100"/>
+          </a:xfrm>
+          <a:prstGeom prst="rect">
+            <a:avLst/>
+          </a:prstGeom>
+        </p:spPr>
+        <p:txBody>
+          <a:bodyPr spcFirstLastPara="1" wrap="square" lIns="91425" tIns="91425" rIns="91425" bIns="91425" anchor="b" anchorCtr="0">
+            <a:normAutofit/>
+          </a:bodyPr>
+          <a:lstStyle/>
+          <a:p>
+            <a:pPr marL="0" lvl="0" indent="0" algn="l" rtl="0">
+              <a:spcBef>
+                <a:spcPts val="0"/>
+              </a:spcBef>
+              <a:spcAft>
+                <a:spcPts val="0"/>
+              </a:spcAft>
+              <a:buNone/>
+            </a:pPr>
+            <a:r>
+              <a:rPr lang="en-GB" dirty="0"/>
+              <a:t>Neural </a:t>
+            </a:r>
+            <a:r>
+              <a:rPr lang="en-GB" dirty="0" smtClean="0"/>
+              <a:t>Network (MLP)</a:t>
+            </a:r>
+            <a:endParaRPr dirty="0"/>
+          </a:p>
+        </p:txBody>
+      </p:sp>
+      <p:sp>
+        <p:nvSpPr>
+          <p:cNvPr id="112" name="Google Shape;112;p21"/>
+          <p:cNvSpPr txBox="1">
+            <a:spLocks noGrp="1"/>
+          </p:cNvSpPr>
+          <p:nvPr>
+            <p:ph type="body" idx="1"/>
+          </p:nvPr>
+        </p:nvSpPr>
+        <p:spPr>
+          <a:xfrm>
+            <a:off x="387900" y="1489824"/>
+            <a:ext cx="8368200" cy="3078900"/>
+          </a:xfrm>
+          <a:prstGeom prst="rect">
+            <a:avLst/>
+          </a:prstGeom>
+        </p:spPr>
+        <p:txBody>
+          <a:bodyPr spcFirstLastPara="1" wrap="square" lIns="91425" tIns="91425" rIns="91425" bIns="91425" anchor="t" anchorCtr="0">
+            <a:normAutofit/>
+          </a:bodyPr>
+          <a:lstStyle/>
+          <a:p>
+            <a:pPr marL="0" lvl="0" indent="0" algn="l" rtl="0">
+              <a:spcBef>
+                <a:spcPts val="0"/>
+              </a:spcBef>
+              <a:spcAft>
+                <a:spcPts val="1200"/>
+              </a:spcAft>
+              <a:buNone/>
+            </a:pPr>
+            <a:endParaRPr dirty="0"/>
+          </a:p>
+        </p:txBody>
+      </p:sp>
+    </p:spTree>
+  </p:cSld>
+  <p:clrMapOvr>
+    <a:masterClrMapping/>
+  </p:clrMapOvr>
+</p:sld>
+</file>
+
+<file path=ppt/slides/slide15.xml><?xml version="1.0" encoding="utf-8"?>
+<p:sld xmlns:a="http://schemas.openxmlformats.org/drawingml/2006/main" xmlns:r="http://schemas.openxmlformats.org/officeDocument/2006/relationships" xmlns:p="http://schemas.openxmlformats.org/presentationml/2006/main">
+  <p:cSld>
+    <p:spTree>
+      <p:nvGrpSpPr>
+        <p:cNvPr id="1" name="Shape 110"/>
+        <p:cNvGrpSpPr/>
+        <p:nvPr/>
+      </p:nvGrpSpPr>
+      <p:grpSpPr>
+        <a:xfrm>
+          <a:off x="0" y="0"/>
+          <a:ext cx="0" cy="0"/>
+          <a:chOff x="0" y="0"/>
+          <a:chExt cx="0" cy="0"/>
+        </a:xfrm>
+      </p:grpSpPr>
+      <p:sp>
+        <p:nvSpPr>
+          <p:cNvPr id="111" name="Google Shape;111;p21"/>
+          <p:cNvSpPr txBox="1">
+            <a:spLocks noGrp="1"/>
+          </p:cNvSpPr>
+          <p:nvPr>
+            <p:ph type="title"/>
+          </p:nvPr>
+        </p:nvSpPr>
+        <p:spPr>
+          <a:xfrm>
+            <a:off x="387900" y="458025"/>
+            <a:ext cx="8368200" cy="686100"/>
+          </a:xfrm>
+          <a:prstGeom prst="rect">
+            <a:avLst/>
+          </a:prstGeom>
+        </p:spPr>
+        <p:txBody>
+          <a:bodyPr spcFirstLastPara="1" wrap="square" lIns="91425" tIns="91425" rIns="91425" bIns="91425" anchor="b" anchorCtr="0">
+            <a:normAutofit/>
+          </a:bodyPr>
+          <a:lstStyle/>
+          <a:p>
+            <a:pPr marL="0" lvl="0" indent="0" algn="l" rtl="0">
+              <a:spcBef>
+                <a:spcPts val="0"/>
+              </a:spcBef>
+              <a:spcAft>
+                <a:spcPts val="0"/>
+              </a:spcAft>
+              <a:buNone/>
+            </a:pPr>
+            <a:r>
+              <a:rPr lang="en-GB" dirty="0"/>
+              <a:t>Neural </a:t>
+            </a:r>
+            <a:r>
+              <a:rPr lang="en-GB" dirty="0" smtClean="0"/>
+              <a:t>Network (</a:t>
+            </a:r>
+            <a:r>
+              <a:rPr lang="en-GB" dirty="0" err="1" smtClean="0"/>
+              <a:t>AutoEncoder</a:t>
+            </a:r>
+            <a:r>
+              <a:rPr lang="en-GB" dirty="0" smtClean="0"/>
+              <a:t>)</a:t>
+            </a:r>
+            <a:endParaRPr dirty="0"/>
+          </a:p>
+        </p:txBody>
+      </p:sp>
+      <p:sp>
+        <p:nvSpPr>
+          <p:cNvPr id="112" name="Google Shape;112;p21"/>
+          <p:cNvSpPr txBox="1">
+            <a:spLocks noGrp="1"/>
+          </p:cNvSpPr>
+          <p:nvPr>
+            <p:ph type="body" idx="1"/>
+          </p:nvPr>
+        </p:nvSpPr>
+        <p:spPr>
+          <a:xfrm>
+            <a:off x="387900" y="1489824"/>
+            <a:ext cx="8368200" cy="3078900"/>
+          </a:xfrm>
+          <a:prstGeom prst="rect">
+            <a:avLst/>
+          </a:prstGeom>
+        </p:spPr>
+        <p:txBody>
+          <a:bodyPr spcFirstLastPara="1" wrap="square" lIns="91425" tIns="91425" rIns="91425" bIns="91425" anchor="t" anchorCtr="0">
+            <a:normAutofit/>
+          </a:bodyPr>
+          <a:lstStyle/>
+          <a:p>
+            <a:pPr marL="0" lvl="0" indent="0" algn="l" rtl="0">
+              <a:spcBef>
+                <a:spcPts val="0"/>
+              </a:spcBef>
+              <a:spcAft>
+                <a:spcPts val="1200"/>
+              </a:spcAft>
+              <a:buNone/>
+            </a:pPr>
+            <a:endParaRPr dirty="0"/>
+          </a:p>
+        </p:txBody>
+      </p:sp>
+    </p:spTree>
+    <p:extLst>
+      <p:ext uri="{BB962C8B-B14F-4D97-AF65-F5344CB8AC3E}">
+        <p14:creationId xmlns:p14="http://schemas.microsoft.com/office/powerpoint/2010/main" val="1906010360"/>
+      </p:ext>
+    </p:extLst>
+  </p:cSld>
+  <p:clrMapOvr>
+    <a:masterClrMapping/>
+  </p:clrMapOvr>
+</p:sld>
+</file>
+
+<file path=ppt/slides/slide16.xml><?xml version="1.0" encoding="utf-8"?>
+<p:sld xmlns:a="http://schemas.openxmlformats.org/drawingml/2006/main" xmlns:r="http://schemas.openxmlformats.org/officeDocument/2006/relationships" xmlns:p="http://schemas.openxmlformats.org/presentationml/2006/main">
+  <p:cSld>
+    <p:spTree>
+      <p:nvGrpSpPr>
+        <p:cNvPr id="1" name="Shape 116"/>
         <p:cNvGrpSpPr/>
         <p:nvPr/>
       </p:nvGrpSpPr>
@@ -7499,7 +9181,9 @@
       <p:sp>
         <p:nvSpPr>
           <p:cNvPr id="117" name="Google Shape;117;p22"/>
-          <p:cNvSpPr txBox="1"/>
+          <p:cNvSpPr txBox="1">
+            <a:spLocks noGrp="1"/>
+          </p:cNvSpPr>
           <p:nvPr>
             <p:ph type="title"/>
           </p:nvPr>
@@ -7514,12 +9198,12 @@
           </a:prstGeom>
         </p:spPr>
         <p:txBody>
-          <a:bodyPr anchorCtr="0" anchor="b" bIns="91425" lIns="91425" spcFirstLastPara="1" rIns="91425" wrap="square" tIns="91425">
+          <a:bodyPr spcFirstLastPara="1" wrap="square" lIns="91425" tIns="91425" rIns="91425" bIns="91425" anchor="b" anchorCtr="0">
             <a:normAutofit/>
           </a:bodyPr>
           <a:lstStyle/>
           <a:p>
-            <a:pPr indent="0" lvl="0" marL="0" rtl="0" algn="l">
+            <a:pPr marL="0" lvl="0" indent="0" algn="l" rtl="0">
               <a:spcBef>
                 <a:spcPts val="0"/>
               </a:spcBef>
@@ -7529,19 +9213,25 @@
               <a:buNone/>
             </a:pPr>
             <a:r>
-              <a:rPr lang="en-GB"/>
-              <a:t>Neural Network</a:t>
+              <a:rPr lang="en-GB" dirty="0"/>
+              <a:t>Neural </a:t>
             </a:r>
-            <a:endParaRPr/>
+            <a:r>
+              <a:rPr lang="en-GB" dirty="0" smtClean="0"/>
+              <a:t>Network (LSTM)</a:t>
+            </a:r>
+            <a:endParaRPr dirty="0"/>
           </a:p>
         </p:txBody>
       </p:sp>
       <p:sp>
         <p:nvSpPr>
           <p:cNvPr id="118" name="Google Shape;118;p22"/>
-          <p:cNvSpPr txBox="1"/>
+          <p:cNvSpPr txBox="1">
+            <a:spLocks noGrp="1"/>
+          </p:cNvSpPr>
           <p:nvPr>
-            <p:ph idx="1" type="body"/>
+            <p:ph type="body" idx="1"/>
           </p:nvPr>
         </p:nvSpPr>
         <p:spPr>
@@ -7554,12 +9244,12 @@
           </a:prstGeom>
         </p:spPr>
         <p:txBody>
-          <a:bodyPr anchorCtr="0" anchor="t" bIns="91425" lIns="91425" spcFirstLastPara="1" rIns="91425" wrap="square" tIns="91425">
+          <a:bodyPr spcFirstLastPara="1" wrap="square" lIns="91425" tIns="91425" rIns="91425" bIns="91425" anchor="t" anchorCtr="0">
             <a:normAutofit/>
           </a:bodyPr>
           <a:lstStyle/>
           <a:p>
-            <a:pPr indent="0" lvl="0" marL="0" rtl="0" algn="l">
+            <a:pPr marL="0" lvl="0" indent="0" algn="l" rtl="0">
               <a:spcBef>
                 <a:spcPts val="0"/>
               </a:spcBef>
@@ -7568,9 +9258,6 @@
               </a:spcAft>
               <a:buNone/>
             </a:pPr>
-            <a:r>
-              <a:t/>
-            </a:r>
             <a:endParaRPr/>
           </a:p>
         </p:txBody>
@@ -7583,12 +9270,220 @@
 </p:sld>
 </file>
 
-<file path=ppt/slides/slide2.xml><?xml version="1.0" encoding="utf-8"?>
-<p:sld xmlns:a="http://schemas.openxmlformats.org/drawingml/2006/main" xmlns:r="http://schemas.openxmlformats.org/officeDocument/2006/relationships" xmlns:mc="http://schemas.openxmlformats.org/markup-compatibility/2006" xmlns:mv="urn:schemas-microsoft-com:mac:vml" xmlns:p="http://schemas.openxmlformats.org/presentationml/2006/main" xmlns:c="http://schemas.openxmlformats.org/drawingml/2006/chart" xmlns:dgm="http://schemas.openxmlformats.org/drawingml/2006/diagram" xmlns:o="urn:schemas-microsoft-com:office:office" xmlns:v="urn:schemas-microsoft-com:vml" xmlns:pvml="urn:schemas-microsoft-com:office:powerpoint" xmlns:com="http://schemas.openxmlformats.org/drawingml/2006/compatibility" xmlns:p14="http://schemas.microsoft.com/office/powerpoint/2010/main" xmlns:p15="http://schemas.microsoft.com/office/powerpoint/2012/main" xmlns:ahyp="http://schemas.microsoft.com/office/drawing/2018/hyperlinkcolor">
+<file path=ppt/slides/slide17.xml><?xml version="1.0" encoding="utf-8"?>
+<p:sld xmlns:a="http://schemas.openxmlformats.org/drawingml/2006/main" xmlns:r="http://schemas.openxmlformats.org/officeDocument/2006/relationships" xmlns:p="http://schemas.openxmlformats.org/presentationml/2006/main">
   <p:cSld>
     <p:spTree>
       <p:nvGrpSpPr>
-        <p:cNvPr id="68" name="Shape 68"/>
+        <p:cNvPr id="1" name="Shape 116"/>
+        <p:cNvGrpSpPr/>
+        <p:nvPr/>
+      </p:nvGrpSpPr>
+      <p:grpSpPr>
+        <a:xfrm>
+          <a:off x="0" y="0"/>
+          <a:ext cx="0" cy="0"/>
+          <a:chOff x="0" y="0"/>
+          <a:chExt cx="0" cy="0"/>
+        </a:xfrm>
+      </p:grpSpPr>
+      <p:sp>
+        <p:nvSpPr>
+          <p:cNvPr id="117" name="Google Shape;117;p22"/>
+          <p:cNvSpPr txBox="1">
+            <a:spLocks noGrp="1"/>
+          </p:cNvSpPr>
+          <p:nvPr>
+            <p:ph type="title"/>
+          </p:nvPr>
+        </p:nvSpPr>
+        <p:spPr>
+          <a:xfrm>
+            <a:off x="387900" y="458025"/>
+            <a:ext cx="8368200" cy="686100"/>
+          </a:xfrm>
+          <a:prstGeom prst="rect">
+            <a:avLst/>
+          </a:prstGeom>
+        </p:spPr>
+        <p:txBody>
+          <a:bodyPr spcFirstLastPara="1" wrap="square" lIns="91425" tIns="91425" rIns="91425" bIns="91425" anchor="b" anchorCtr="0">
+            <a:normAutofit/>
+          </a:bodyPr>
+          <a:lstStyle/>
+          <a:p>
+            <a:pPr lvl="0"/>
+            <a:r>
+              <a:rPr lang="en-GB" dirty="0"/>
+              <a:t>Neural Network </a:t>
+            </a:r>
+            <a:r>
+              <a:rPr lang="en-GB" dirty="0" smtClean="0"/>
+              <a:t>(CNN) </a:t>
+            </a:r>
+            <a:endParaRPr dirty="0"/>
+          </a:p>
+        </p:txBody>
+      </p:sp>
+      <p:sp>
+        <p:nvSpPr>
+          <p:cNvPr id="118" name="Google Shape;118;p22"/>
+          <p:cNvSpPr txBox="1">
+            <a:spLocks noGrp="1"/>
+          </p:cNvSpPr>
+          <p:nvPr>
+            <p:ph type="body" idx="1"/>
+          </p:nvPr>
+        </p:nvSpPr>
+        <p:spPr>
+          <a:xfrm>
+            <a:off x="387900" y="1489824"/>
+            <a:ext cx="8368200" cy="3078900"/>
+          </a:xfrm>
+          <a:prstGeom prst="rect">
+            <a:avLst/>
+          </a:prstGeom>
+        </p:spPr>
+        <p:txBody>
+          <a:bodyPr spcFirstLastPara="1" wrap="square" lIns="91425" tIns="91425" rIns="91425" bIns="91425" anchor="t" anchorCtr="0">
+            <a:normAutofit/>
+          </a:bodyPr>
+          <a:lstStyle/>
+          <a:p>
+            <a:pPr marL="0" lvl="0" indent="0" algn="l" rtl="0">
+              <a:spcBef>
+                <a:spcPts val="0"/>
+              </a:spcBef>
+              <a:spcAft>
+                <a:spcPts val="1200"/>
+              </a:spcAft>
+              <a:buNone/>
+            </a:pPr>
+            <a:endParaRPr/>
+          </a:p>
+        </p:txBody>
+      </p:sp>
+    </p:spTree>
+    <p:extLst>
+      <p:ext uri="{BB962C8B-B14F-4D97-AF65-F5344CB8AC3E}">
+        <p14:creationId xmlns:p14="http://schemas.microsoft.com/office/powerpoint/2010/main" val="2248441814"/>
+      </p:ext>
+    </p:extLst>
+  </p:cSld>
+  <p:clrMapOvr>
+    <a:masterClrMapping/>
+  </p:clrMapOvr>
+</p:sld>
+</file>
+
+<file path=ppt/slides/slide18.xml><?xml version="1.0" encoding="utf-8"?>
+<p:sld xmlns:a="http://schemas.openxmlformats.org/drawingml/2006/main" xmlns:r="http://schemas.openxmlformats.org/officeDocument/2006/relationships" xmlns:p="http://schemas.openxmlformats.org/presentationml/2006/main">
+  <p:cSld>
+    <p:spTree>
+      <p:nvGrpSpPr>
+        <p:cNvPr id="1" name="Shape 116"/>
+        <p:cNvGrpSpPr/>
+        <p:nvPr/>
+      </p:nvGrpSpPr>
+      <p:grpSpPr>
+        <a:xfrm>
+          <a:off x="0" y="0"/>
+          <a:ext cx="0" cy="0"/>
+          <a:chOff x="0" y="0"/>
+          <a:chExt cx="0" cy="0"/>
+        </a:xfrm>
+      </p:grpSpPr>
+      <p:sp>
+        <p:nvSpPr>
+          <p:cNvPr id="117" name="Google Shape;117;p22"/>
+          <p:cNvSpPr txBox="1">
+            <a:spLocks noGrp="1"/>
+          </p:cNvSpPr>
+          <p:nvPr>
+            <p:ph type="title"/>
+          </p:nvPr>
+        </p:nvSpPr>
+        <p:spPr>
+          <a:xfrm>
+            <a:off x="387900" y="458025"/>
+            <a:ext cx="8368200" cy="686100"/>
+          </a:xfrm>
+          <a:prstGeom prst="rect">
+            <a:avLst/>
+          </a:prstGeom>
+        </p:spPr>
+        <p:txBody>
+          <a:bodyPr spcFirstLastPara="1" wrap="square" lIns="91425" tIns="91425" rIns="91425" bIns="91425" anchor="b" anchorCtr="0">
+            <a:normAutofit/>
+          </a:bodyPr>
+          <a:lstStyle/>
+          <a:p>
+            <a:pPr lvl="0"/>
+            <a:r>
+              <a:rPr lang="en-GB" dirty="0" smtClean="0"/>
+              <a:t>PCA Model</a:t>
+            </a:r>
+            <a:endParaRPr dirty="0"/>
+          </a:p>
+        </p:txBody>
+      </p:sp>
+      <p:sp>
+        <p:nvSpPr>
+          <p:cNvPr id="118" name="Google Shape;118;p22"/>
+          <p:cNvSpPr txBox="1">
+            <a:spLocks noGrp="1"/>
+          </p:cNvSpPr>
+          <p:nvPr>
+            <p:ph type="body" idx="1"/>
+          </p:nvPr>
+        </p:nvSpPr>
+        <p:spPr>
+          <a:xfrm>
+            <a:off x="387900" y="1489824"/>
+            <a:ext cx="8368200" cy="3078900"/>
+          </a:xfrm>
+          <a:prstGeom prst="rect">
+            <a:avLst/>
+          </a:prstGeom>
+        </p:spPr>
+        <p:txBody>
+          <a:bodyPr spcFirstLastPara="1" wrap="square" lIns="91425" tIns="91425" rIns="91425" bIns="91425" anchor="t" anchorCtr="0">
+            <a:normAutofit/>
+          </a:bodyPr>
+          <a:lstStyle/>
+          <a:p>
+            <a:pPr marL="0" lvl="0" indent="0" algn="l" rtl="0">
+              <a:spcBef>
+                <a:spcPts val="0"/>
+              </a:spcBef>
+              <a:spcAft>
+                <a:spcPts val="1200"/>
+              </a:spcAft>
+              <a:buNone/>
+            </a:pPr>
+            <a:endParaRPr/>
+          </a:p>
+        </p:txBody>
+      </p:sp>
+    </p:spTree>
+    <p:extLst>
+      <p:ext uri="{BB962C8B-B14F-4D97-AF65-F5344CB8AC3E}">
+        <p14:creationId xmlns:p14="http://schemas.microsoft.com/office/powerpoint/2010/main" val="1478904127"/>
+      </p:ext>
+    </p:extLst>
+  </p:cSld>
+  <p:clrMapOvr>
+    <a:masterClrMapping/>
+  </p:clrMapOvr>
+</p:sld>
+</file>
+
+<file path=ppt/slides/slide2.xml><?xml version="1.0" encoding="utf-8"?>
+<p:sld xmlns:a="http://schemas.openxmlformats.org/drawingml/2006/main" xmlns:r="http://schemas.openxmlformats.org/officeDocument/2006/relationships" xmlns:p="http://schemas.openxmlformats.org/presentationml/2006/main">
+  <p:cSld>
+    <p:spTree>
+      <p:nvGrpSpPr>
+        <p:cNvPr id="1" name="Shape 68"/>
         <p:cNvGrpSpPr/>
         <p:nvPr/>
       </p:nvGrpSpPr>
@@ -7603,7 +9498,9 @@
       <p:sp>
         <p:nvSpPr>
           <p:cNvPr id="69" name="Google Shape;69;p14"/>
-          <p:cNvSpPr txBox="1"/>
+          <p:cNvSpPr txBox="1">
+            <a:spLocks noGrp="1"/>
+          </p:cNvSpPr>
           <p:nvPr>
             <p:ph type="title"/>
           </p:nvPr>
@@ -7618,12 +9515,12 @@
           </a:prstGeom>
         </p:spPr>
         <p:txBody>
-          <a:bodyPr anchorCtr="0" anchor="b" bIns="91425" lIns="91425" spcFirstLastPara="1" rIns="91425" wrap="square" tIns="91425">
+          <a:bodyPr spcFirstLastPara="1" wrap="square" lIns="91425" tIns="91425" rIns="91425" bIns="91425" anchor="b" anchorCtr="0">
             <a:normAutofit/>
           </a:bodyPr>
           <a:lstStyle/>
           <a:p>
-            <a:pPr indent="0" lvl="0" marL="0" rtl="0" algn="l">
+            <a:pPr marL="0" lvl="0" indent="0" algn="l" rtl="0">
               <a:spcBef>
                 <a:spcPts val="0"/>
               </a:spcBef>
@@ -7643,9 +9540,11 @@
       <p:sp>
         <p:nvSpPr>
           <p:cNvPr id="70" name="Google Shape;70;p14"/>
-          <p:cNvSpPr txBox="1"/>
+          <p:cNvSpPr txBox="1">
+            <a:spLocks noGrp="1"/>
+          </p:cNvSpPr>
           <p:nvPr>
-            <p:ph idx="1" type="body"/>
+            <p:ph type="body" idx="1"/>
           </p:nvPr>
         </p:nvSpPr>
         <p:spPr>
@@ -7658,12 +9557,12 @@
           </a:prstGeom>
         </p:spPr>
         <p:txBody>
-          <a:bodyPr anchorCtr="0" anchor="t" bIns="91425" lIns="91425" spcFirstLastPara="1" rIns="91425" wrap="square" tIns="91425">
+          <a:bodyPr spcFirstLastPara="1" wrap="square" lIns="91425" tIns="91425" rIns="91425" bIns="91425" anchor="t" anchorCtr="0">
             <a:normAutofit/>
           </a:bodyPr>
           <a:lstStyle/>
           <a:p>
-            <a:pPr indent="0" lvl="0" marL="0" rtl="0" algn="l">
+            <a:pPr marL="0" lvl="0" indent="0" algn="l" rtl="0">
               <a:spcBef>
                 <a:spcPts val="0"/>
               </a:spcBef>
@@ -7672,9 +9571,6 @@
               </a:spcAft>
               <a:buNone/>
             </a:pPr>
-            <a:r>
-              <a:t/>
-            </a:r>
             <a:endParaRPr/>
           </a:p>
         </p:txBody>
@@ -7688,11 +9584,11 @@
 </file>
 
 <file path=ppt/slides/slide3.xml><?xml version="1.0" encoding="utf-8"?>
-<p:sld xmlns:a="http://schemas.openxmlformats.org/drawingml/2006/main" xmlns:r="http://schemas.openxmlformats.org/officeDocument/2006/relationships" xmlns:mc="http://schemas.openxmlformats.org/markup-compatibility/2006" xmlns:mv="urn:schemas-microsoft-com:mac:vml" xmlns:p="http://schemas.openxmlformats.org/presentationml/2006/main" xmlns:c="http://schemas.openxmlformats.org/drawingml/2006/chart" xmlns:dgm="http://schemas.openxmlformats.org/drawingml/2006/diagram" xmlns:o="urn:schemas-microsoft-com:office:office" xmlns:v="urn:schemas-microsoft-com:vml" xmlns:pvml="urn:schemas-microsoft-com:office:powerpoint" xmlns:com="http://schemas.openxmlformats.org/drawingml/2006/compatibility" xmlns:p14="http://schemas.microsoft.com/office/powerpoint/2010/main" xmlns:p15="http://schemas.microsoft.com/office/powerpoint/2012/main" xmlns:ahyp="http://schemas.microsoft.com/office/drawing/2018/hyperlinkcolor">
+<p:sld xmlns:a="http://schemas.openxmlformats.org/drawingml/2006/main" xmlns:r="http://schemas.openxmlformats.org/officeDocument/2006/relationships" xmlns:p="http://schemas.openxmlformats.org/presentationml/2006/main">
   <p:cSld>
     <p:spTree>
       <p:nvGrpSpPr>
-        <p:cNvPr id="74" name="Shape 74"/>
+        <p:cNvPr id="1" name="Shape 74"/>
         <p:cNvGrpSpPr/>
         <p:nvPr/>
       </p:nvGrpSpPr>
@@ -7707,7 +9603,9 @@
       <p:sp>
         <p:nvSpPr>
           <p:cNvPr id="75" name="Google Shape;75;p15"/>
-          <p:cNvSpPr txBox="1"/>
+          <p:cNvSpPr txBox="1">
+            <a:spLocks noGrp="1"/>
+          </p:cNvSpPr>
           <p:nvPr>
             <p:ph type="title"/>
           </p:nvPr>
@@ -7722,12 +9620,12 @@
           </a:prstGeom>
         </p:spPr>
         <p:txBody>
-          <a:bodyPr anchorCtr="0" anchor="b" bIns="91425" lIns="91425" spcFirstLastPara="1" rIns="91425" wrap="square" tIns="91425">
+          <a:bodyPr spcFirstLastPara="1" wrap="square" lIns="91425" tIns="91425" rIns="91425" bIns="91425" anchor="b" anchorCtr="0">
             <a:normAutofit/>
           </a:bodyPr>
           <a:lstStyle/>
           <a:p>
-            <a:pPr indent="0" lvl="0" marL="0" rtl="0" algn="l">
+            <a:pPr marL="0" lvl="0" indent="0" algn="l" rtl="0">
               <a:spcBef>
                 <a:spcPts val="0"/>
               </a:spcBef>
@@ -7737,19 +9635,25 @@
               <a:buNone/>
             </a:pPr>
             <a:r>
-              <a:rPr lang="en-GB"/>
-              <a:t>Data Model Definition</a:t>
+              <a:rPr lang="en-GB" dirty="0"/>
+              <a:t>Data </a:t>
             </a:r>
-            <a:endParaRPr/>
+            <a:r>
+              <a:rPr lang="en-GB" dirty="0" smtClean="0"/>
+              <a:t>Model? (Administrative Data Model) </a:t>
+            </a:r>
+            <a:endParaRPr dirty="0"/>
           </a:p>
         </p:txBody>
       </p:sp>
       <p:sp>
         <p:nvSpPr>
           <p:cNvPr id="76" name="Google Shape;76;p15"/>
-          <p:cNvSpPr txBox="1"/>
+          <p:cNvSpPr txBox="1">
+            <a:spLocks noGrp="1"/>
+          </p:cNvSpPr>
           <p:nvPr>
-            <p:ph idx="1" type="body"/>
+            <p:ph type="body" idx="1"/>
           </p:nvPr>
         </p:nvSpPr>
         <p:spPr>
@@ -7762,12 +9666,12 @@
           </a:prstGeom>
         </p:spPr>
         <p:txBody>
-          <a:bodyPr anchorCtr="0" anchor="t" bIns="91425" lIns="91425" spcFirstLastPara="1" rIns="91425" wrap="square" tIns="91425">
+          <a:bodyPr spcFirstLastPara="1" wrap="square" lIns="91425" tIns="91425" rIns="91425" bIns="91425" anchor="t" anchorCtr="0">
             <a:normAutofit/>
           </a:bodyPr>
           <a:lstStyle/>
           <a:p>
-            <a:pPr indent="0" lvl="0" marL="0" rtl="0" algn="l">
+            <a:pPr marL="0" lvl="0" indent="0" algn="l" rtl="0">
               <a:spcBef>
                 <a:spcPts val="0"/>
               </a:spcBef>
@@ -7777,49 +9681,195 @@
               <a:buNone/>
             </a:pPr>
             <a:r>
-              <a:rPr lang="en-GB"/>
-              <a:t>A data model (or datamodel) is an abstract model that </a:t>
+              <a:rPr lang="en-GB" dirty="0" smtClean="0"/>
+              <a:t>We are not talking about this today</a:t>
+            </a:r>
+          </a:p>
+          <a:p>
+            <a:pPr marL="0" lvl="0" indent="0" algn="l" rtl="0">
+              <a:spcBef>
+                <a:spcPts val="0"/>
+              </a:spcBef>
+              <a:spcAft>
+                <a:spcPts val="0"/>
+              </a:spcAft>
+              <a:buNone/>
+            </a:pPr>
+            <a:endParaRPr lang="en-GB" dirty="0"/>
+          </a:p>
+          <a:p>
+            <a:pPr marL="0" lvl="0" indent="0" algn="l" rtl="0">
+              <a:spcBef>
+                <a:spcPts val="0"/>
+              </a:spcBef>
+              <a:spcAft>
+                <a:spcPts val="0"/>
+              </a:spcAft>
+              <a:buNone/>
+            </a:pPr>
+            <a:r>
+              <a:rPr lang="en-GB" dirty="0" smtClean="0"/>
+              <a:t>A </a:t>
             </a:r>
             <a:r>
-              <a:rPr b="1" lang="en-GB"/>
+              <a:rPr lang="en-GB" dirty="0"/>
+              <a:t>data model (or </a:t>
+            </a:r>
+            <a:r>
+              <a:rPr lang="en-GB" dirty="0" err="1"/>
+              <a:t>datamodel</a:t>
+            </a:r>
+            <a:r>
+              <a:rPr lang="en-GB" dirty="0"/>
+              <a:t>) is an abstract model that </a:t>
+            </a:r>
+            <a:r>
+              <a:rPr lang="en-GB" b="1" dirty="0"/>
               <a:t>organizes elements of data</a:t>
             </a:r>
             <a:r>
-              <a:rPr lang="en-GB"/>
+              <a:rPr lang="en-GB" dirty="0"/>
               <a:t> and standardizes how they relate to one another and to the properties of real-world entities. </a:t>
             </a:r>
-            <a:endParaRPr/>
-          </a:p>
-          <a:p>
-            <a:pPr indent="0" lvl="0" marL="0" rtl="0" algn="l">
+            <a:endParaRPr dirty="0"/>
+          </a:p>
+          <a:p>
+            <a:pPr marL="0" lvl="0" indent="0" algn="l" rtl="0">
               <a:spcBef>
                 <a:spcPts val="1200"/>
               </a:spcBef>
               <a:spcAft>
-                <a:spcPts val="0"/>
+                <a:spcPts val="1200"/>
               </a:spcAft>
               <a:buNone/>
             </a:pPr>
             <a:r>
-              <a:t/>
+              <a:rPr lang="en-GB" dirty="0"/>
+              <a:t>For instance, a data model may specify that the data element representing a car be composed of a number of other elements which, in turn, represent the </a:t>
             </a:r>
-            <a:endParaRPr/>
-          </a:p>
-          <a:p>
-            <a:pPr indent="0" lvl="0" marL="0" rtl="0" algn="l">
-              <a:spcBef>
-                <a:spcPts val="1200"/>
-              </a:spcBef>
-              <a:spcAft>
-                <a:spcPts val="1200"/>
+            <a:r>
+              <a:rPr lang="en-GB" dirty="0" err="1"/>
+              <a:t>color</a:t>
+            </a:r>
+            <a:r>
+              <a:rPr lang="en-GB" dirty="0"/>
+              <a:t> and size of the car and define its owner.</a:t>
+            </a:r>
+            <a:endParaRPr dirty="0"/>
+          </a:p>
+        </p:txBody>
+      </p:sp>
+    </p:spTree>
+    <p:extLst>
+      <p:ext uri="{BB962C8B-B14F-4D97-AF65-F5344CB8AC3E}">
+        <p14:creationId xmlns:p14="http://schemas.microsoft.com/office/powerpoint/2010/main" val="2768570284"/>
+      </p:ext>
+    </p:extLst>
+  </p:cSld>
+  <p:clrMapOvr>
+    <a:masterClrMapping/>
+  </p:clrMapOvr>
+</p:sld>
+</file>
+
+<file path=ppt/slides/slide4.xml><?xml version="1.0" encoding="utf-8"?>
+<p:sld xmlns:a="http://schemas.openxmlformats.org/drawingml/2006/main" xmlns:r="http://schemas.openxmlformats.org/officeDocument/2006/relationships" xmlns:p="http://schemas.openxmlformats.org/presentationml/2006/main">
+  <p:cSld>
+    <p:spTree>
+      <p:nvGrpSpPr>
+        <p:cNvPr id="1" name="Shape 74"/>
+        <p:cNvGrpSpPr/>
+        <p:nvPr/>
+      </p:nvGrpSpPr>
+      <p:grpSpPr>
+        <a:xfrm>
+          <a:off x="0" y="0"/>
+          <a:ext cx="0" cy="0"/>
+          <a:chOff x="0" y="0"/>
+          <a:chExt cx="0" cy="0"/>
+        </a:xfrm>
+      </p:grpSpPr>
+      <p:sp>
+        <p:nvSpPr>
+          <p:cNvPr id="75" name="Google Shape;75;p15"/>
+          <p:cNvSpPr txBox="1">
+            <a:spLocks noGrp="1"/>
+          </p:cNvSpPr>
+          <p:nvPr>
+            <p:ph type="title"/>
+          </p:nvPr>
+        </p:nvSpPr>
+        <p:spPr>
+          <a:xfrm>
+            <a:off x="387900" y="458025"/>
+            <a:ext cx="8368200" cy="686100"/>
+          </a:xfrm>
+          <a:prstGeom prst="rect">
+            <a:avLst/>
+          </a:prstGeom>
+        </p:spPr>
+        <p:txBody>
+          <a:bodyPr spcFirstLastPara="1" wrap="square" lIns="91425" tIns="91425" rIns="91425" bIns="91425" anchor="b" anchorCtr="0">
+            <a:normAutofit/>
+          </a:bodyPr>
+          <a:lstStyle/>
+          <a:p>
+            <a:pPr marL="0" lvl="0" indent="0" algn="l" rtl="0">
+              <a:spcBef>
+                <a:spcPts val="0"/>
+              </a:spcBef>
+              <a:spcAft>
+                <a:spcPts val="0"/>
               </a:spcAft>
               <a:buNone/>
             </a:pPr>
             <a:r>
-              <a:rPr lang="en-GB"/>
-              <a:t>For instance, a data model may specify that the data element representing a car be composed of a number of other elements which, in turn, represent the color and size of the car and define its owner.</a:t>
+              <a:rPr lang="en-GB" dirty="0"/>
+              <a:t>Data </a:t>
             </a:r>
-            <a:endParaRPr/>
+            <a:r>
+              <a:rPr lang="en-GB" dirty="0" smtClean="0"/>
+              <a:t>Model? (Statistical Data Model)</a:t>
+            </a:r>
+            <a:endParaRPr dirty="0"/>
+          </a:p>
+        </p:txBody>
+      </p:sp>
+      <p:sp>
+        <p:nvSpPr>
+          <p:cNvPr id="76" name="Google Shape;76;p15"/>
+          <p:cNvSpPr txBox="1">
+            <a:spLocks noGrp="1"/>
+          </p:cNvSpPr>
+          <p:nvPr>
+            <p:ph type="body" idx="1"/>
+          </p:nvPr>
+        </p:nvSpPr>
+        <p:spPr>
+          <a:xfrm>
+            <a:off x="387900" y="1489824"/>
+            <a:ext cx="8368200" cy="3078900"/>
+          </a:xfrm>
+          <a:prstGeom prst="rect">
+            <a:avLst/>
+          </a:prstGeom>
+        </p:spPr>
+        <p:txBody>
+          <a:bodyPr spcFirstLastPara="1" wrap="square" lIns="91425" tIns="91425" rIns="91425" bIns="91425" anchor="t" anchorCtr="0">
+            <a:normAutofit/>
+          </a:bodyPr>
+          <a:lstStyle/>
+          <a:p>
+            <a:pPr marL="0" lvl="0" indent="0" algn="l" rtl="0">
+              <a:spcBef>
+                <a:spcPts val="0"/>
+              </a:spcBef>
+              <a:spcAft>
+                <a:spcPts val="0"/>
+              </a:spcAft>
+              <a:buNone/>
+            </a:pPr>
+            <a:endParaRPr dirty="0"/>
           </a:p>
         </p:txBody>
       </p:sp>
@@ -7831,12 +9881,243 @@
 </p:sld>
 </file>
 
-<file path=ppt/slides/slide4.xml><?xml version="1.0" encoding="utf-8"?>
-<p:sld xmlns:a="http://schemas.openxmlformats.org/drawingml/2006/main" xmlns:r="http://schemas.openxmlformats.org/officeDocument/2006/relationships" xmlns:mc="http://schemas.openxmlformats.org/markup-compatibility/2006" xmlns:mv="urn:schemas-microsoft-com:mac:vml" xmlns:p="http://schemas.openxmlformats.org/presentationml/2006/main" xmlns:c="http://schemas.openxmlformats.org/drawingml/2006/chart" xmlns:dgm="http://schemas.openxmlformats.org/drawingml/2006/diagram" xmlns:o="urn:schemas-microsoft-com:office:office" xmlns:v="urn:schemas-microsoft-com:vml" xmlns:pvml="urn:schemas-microsoft-com:office:powerpoint" xmlns:com="http://schemas.openxmlformats.org/drawingml/2006/compatibility" xmlns:p14="http://schemas.microsoft.com/office/powerpoint/2010/main" xmlns:p15="http://schemas.microsoft.com/office/powerpoint/2012/main" xmlns:ahyp="http://schemas.microsoft.com/office/drawing/2018/hyperlinkcolor">
+<file path=ppt/slides/slide5.xml><?xml version="1.0" encoding="utf-8"?>
+<p:sld xmlns:a="http://schemas.openxmlformats.org/drawingml/2006/main" xmlns:r="http://schemas.openxmlformats.org/officeDocument/2006/relationships" xmlns:p="http://schemas.openxmlformats.org/presentationml/2006/main">
   <p:cSld>
     <p:spTree>
       <p:nvGrpSpPr>
-        <p:cNvPr id="80" name="Shape 80"/>
+        <p:cNvPr id="1" name="Shape 92"/>
+        <p:cNvGrpSpPr/>
+        <p:nvPr/>
+      </p:nvGrpSpPr>
+      <p:grpSpPr>
+        <a:xfrm>
+          <a:off x="0" y="0"/>
+          <a:ext cx="0" cy="0"/>
+          <a:chOff x="0" y="0"/>
+          <a:chExt cx="0" cy="0"/>
+        </a:xfrm>
+      </p:grpSpPr>
+      <p:sp>
+        <p:nvSpPr>
+          <p:cNvPr id="93" name="Google Shape;93;p18"/>
+          <p:cNvSpPr txBox="1">
+            <a:spLocks noGrp="1"/>
+          </p:cNvSpPr>
+          <p:nvPr>
+            <p:ph type="title"/>
+          </p:nvPr>
+        </p:nvSpPr>
+        <p:spPr>
+          <a:xfrm>
+            <a:off x="387900" y="458025"/>
+            <a:ext cx="8368200" cy="686100"/>
+          </a:xfrm>
+          <a:prstGeom prst="rect">
+            <a:avLst/>
+          </a:prstGeom>
+        </p:spPr>
+        <p:txBody>
+          <a:bodyPr spcFirstLastPara="1" wrap="square" lIns="91425" tIns="91425" rIns="91425" bIns="91425" anchor="b" anchorCtr="0">
+            <a:normAutofit/>
+          </a:bodyPr>
+          <a:lstStyle/>
+          <a:p>
+            <a:pPr marL="0" lvl="0" indent="0" algn="l" rtl="0">
+              <a:spcBef>
+                <a:spcPts val="0"/>
+              </a:spcBef>
+              <a:spcAft>
+                <a:spcPts val="0"/>
+              </a:spcAft>
+              <a:buNone/>
+            </a:pPr>
+            <a:r>
+              <a:rPr lang="en-GB" dirty="0"/>
+              <a:t>Why do we use Data Model	</a:t>
+            </a:r>
+            <a:endParaRPr dirty="0"/>
+          </a:p>
+        </p:txBody>
+      </p:sp>
+      <p:sp>
+        <p:nvSpPr>
+          <p:cNvPr id="94" name="Google Shape;94;p18"/>
+          <p:cNvSpPr txBox="1">
+            <a:spLocks noGrp="1"/>
+          </p:cNvSpPr>
+          <p:nvPr>
+            <p:ph type="body" idx="1"/>
+          </p:nvPr>
+        </p:nvSpPr>
+        <p:spPr>
+          <a:xfrm>
+            <a:off x="387900" y="1489825"/>
+            <a:ext cx="8368200" cy="3433500"/>
+          </a:xfrm>
+          <a:prstGeom prst="rect">
+            <a:avLst/>
+          </a:prstGeom>
+        </p:spPr>
+        <p:txBody>
+          <a:bodyPr spcFirstLastPara="1" wrap="square" lIns="91425" tIns="91425" rIns="91425" bIns="91425" anchor="t" anchorCtr="0">
+            <a:normAutofit/>
+          </a:bodyPr>
+          <a:lstStyle/>
+          <a:p>
+            <a:pPr marL="114300" lvl="0" indent="0" algn="l" rtl="0">
+              <a:spcBef>
+                <a:spcPts val="0"/>
+              </a:spcBef>
+              <a:spcAft>
+                <a:spcPts val="0"/>
+              </a:spcAft>
+              <a:buSzPts val="1800"/>
+              <a:buNone/>
+            </a:pPr>
+            <a:r>
+              <a:rPr lang="en-MY" dirty="0" smtClean="0"/>
+              <a:t>Stereotyping of groups in data – Understanding and Analysis</a:t>
+            </a:r>
+          </a:p>
+          <a:p>
+            <a:pPr marL="114300" lvl="0" indent="0" algn="l" rtl="0">
+              <a:spcBef>
+                <a:spcPts val="0"/>
+              </a:spcBef>
+              <a:spcAft>
+                <a:spcPts val="0"/>
+              </a:spcAft>
+              <a:buSzPts val="1800"/>
+              <a:buNone/>
+            </a:pPr>
+            <a:endParaRPr lang="en-MY" dirty="0"/>
+          </a:p>
+          <a:p>
+            <a:pPr lvl="0" algn="l" rtl="0">
+              <a:spcBef>
+                <a:spcPts val="0"/>
+              </a:spcBef>
+              <a:spcAft>
+                <a:spcPts val="0"/>
+              </a:spcAft>
+              <a:buSzPts val="1800"/>
+              <a:buFontTx/>
+              <a:buChar char="-"/>
+            </a:pPr>
+            <a:r>
+              <a:rPr lang="en-MY" dirty="0" smtClean="0"/>
+              <a:t>Classification of species of flower from Sepal and Petal Length</a:t>
+            </a:r>
+          </a:p>
+          <a:p>
+            <a:pPr lvl="0" algn="l" rtl="0">
+              <a:spcBef>
+                <a:spcPts val="0"/>
+              </a:spcBef>
+              <a:spcAft>
+                <a:spcPts val="0"/>
+              </a:spcAft>
+              <a:buSzPts val="1800"/>
+              <a:buFontTx/>
+              <a:buChar char="-"/>
+            </a:pPr>
+            <a:r>
+              <a:rPr lang="en-MY" dirty="0" smtClean="0"/>
+              <a:t>Clustering of data into groups  (skin cells,  muscle cells, blood cells, etc.) for further analysis </a:t>
+            </a:r>
+          </a:p>
+          <a:p>
+            <a:pPr lvl="0" algn="l" rtl="0">
+              <a:spcBef>
+                <a:spcPts val="0"/>
+              </a:spcBef>
+              <a:spcAft>
+                <a:spcPts val="0"/>
+              </a:spcAft>
+              <a:buSzPts val="1800"/>
+              <a:buFontTx/>
+              <a:buChar char="-"/>
+            </a:pPr>
+            <a:r>
+              <a:rPr lang="en-MY" dirty="0" smtClean="0"/>
+              <a:t>Predicting of new data from pre-existing data ( Predicting the age survival rate of cancer patients from biomarkers and gene expression ) </a:t>
+            </a:r>
+          </a:p>
+          <a:p>
+            <a:pPr lvl="0" algn="l" rtl="0">
+              <a:spcBef>
+                <a:spcPts val="0"/>
+              </a:spcBef>
+              <a:spcAft>
+                <a:spcPts val="0"/>
+              </a:spcAft>
+              <a:buSzPts val="1800"/>
+              <a:buFontTx/>
+              <a:buChar char="-"/>
+            </a:pPr>
+            <a:r>
+              <a:rPr lang="en-MY" dirty="0" smtClean="0"/>
+              <a:t>Forecasting of weather using previous data (LSTM-Neural Network Model) </a:t>
+            </a:r>
+          </a:p>
+          <a:p>
+            <a:pPr lvl="0" algn="l" rtl="0">
+              <a:spcBef>
+                <a:spcPts val="0"/>
+              </a:spcBef>
+              <a:spcAft>
+                <a:spcPts val="0"/>
+              </a:spcAft>
+              <a:buSzPts val="1800"/>
+              <a:buFontTx/>
+              <a:buChar char="-"/>
+            </a:pPr>
+            <a:endParaRPr lang="en-MY" dirty="0" smtClean="0"/>
+          </a:p>
+          <a:p>
+            <a:pPr lvl="0" algn="l" rtl="0">
+              <a:spcBef>
+                <a:spcPts val="0"/>
+              </a:spcBef>
+              <a:spcAft>
+                <a:spcPts val="0"/>
+              </a:spcAft>
+              <a:buSzPts val="1800"/>
+              <a:buFontTx/>
+              <a:buChar char="-"/>
+            </a:pPr>
+            <a:endParaRPr lang="en-MY" dirty="0" smtClean="0"/>
+          </a:p>
+          <a:p>
+            <a:pPr marL="114300" lvl="0" indent="0" algn="l" rtl="0">
+              <a:spcBef>
+                <a:spcPts val="0"/>
+              </a:spcBef>
+              <a:spcAft>
+                <a:spcPts val="0"/>
+              </a:spcAft>
+              <a:buSzPts val="1800"/>
+              <a:buNone/>
+            </a:pPr>
+            <a:endParaRPr lang="en-MY" dirty="0" smtClean="0"/>
+          </a:p>
+        </p:txBody>
+      </p:sp>
+    </p:spTree>
+  </p:cSld>
+  <p:clrMapOvr>
+    <a:masterClrMapping/>
+  </p:clrMapOvr>
+</p:sld>
+</file>
+
+<file path=ppt/slides/slide6.xml><?xml version="1.0" encoding="utf-8"?>
+<p:sld xmlns:a="http://schemas.openxmlformats.org/drawingml/2006/main" xmlns:r="http://schemas.openxmlformats.org/officeDocument/2006/relationships" xmlns:p="http://schemas.openxmlformats.org/presentationml/2006/main">
+  <p:cSld>
+    <p:spTree>
+      <p:nvGrpSpPr>
+        <p:cNvPr id="1" name="Shape 80"/>
         <p:cNvGrpSpPr/>
         <p:nvPr/>
       </p:nvGrpSpPr>
@@ -7851,7 +10132,9 @@
       <p:sp>
         <p:nvSpPr>
           <p:cNvPr id="81" name="Google Shape;81;p16"/>
-          <p:cNvSpPr txBox="1"/>
+          <p:cNvSpPr txBox="1">
+            <a:spLocks noGrp="1"/>
+          </p:cNvSpPr>
           <p:nvPr>
             <p:ph type="title"/>
           </p:nvPr>
@@ -7866,12 +10149,12 @@
           </a:prstGeom>
         </p:spPr>
         <p:txBody>
-          <a:bodyPr anchorCtr="0" anchor="b" bIns="91425" lIns="91425" spcFirstLastPara="1" rIns="91425" wrap="square" tIns="91425">
+          <a:bodyPr spcFirstLastPara="1" wrap="square" lIns="91425" tIns="91425" rIns="91425" bIns="91425" anchor="b" anchorCtr="0">
             <a:normAutofit/>
           </a:bodyPr>
           <a:lstStyle/>
           <a:p>
-            <a:pPr indent="0" lvl="0" marL="0" rtl="0" algn="l">
+            <a:pPr marL="0" lvl="0" indent="0" algn="l" rtl="0">
               <a:spcBef>
                 <a:spcPts val="0"/>
               </a:spcBef>
@@ -7891,9 +10174,11 @@
       <p:sp>
         <p:nvSpPr>
           <p:cNvPr id="82" name="Google Shape;82;p16"/>
-          <p:cNvSpPr txBox="1"/>
+          <p:cNvSpPr txBox="1">
+            <a:spLocks noGrp="1"/>
+          </p:cNvSpPr>
           <p:nvPr>
-            <p:ph idx="1" type="body"/>
+            <p:ph type="body" idx="1"/>
           </p:nvPr>
         </p:nvSpPr>
         <p:spPr>
@@ -7906,12 +10191,12 @@
           </a:prstGeom>
         </p:spPr>
         <p:txBody>
-          <a:bodyPr anchorCtr="0" anchor="t" bIns="91425" lIns="91425" spcFirstLastPara="1" rIns="91425" wrap="square" tIns="91425">
+          <a:bodyPr spcFirstLastPara="1" wrap="square" lIns="91425" tIns="91425" rIns="91425" bIns="91425" anchor="t" anchorCtr="0">
             <a:normAutofit/>
           </a:bodyPr>
           <a:lstStyle/>
           <a:p>
-            <a:pPr indent="-412750" lvl="0" marL="457200" rtl="0" algn="l">
+            <a:pPr marL="457200" lvl="0" indent="-412750" algn="l" rtl="0">
               <a:spcBef>
                 <a:spcPts val="0"/>
               </a:spcBef>
@@ -7922,13 +10207,13 @@
               <a:buAutoNum type="arabicPeriod"/>
             </a:pPr>
             <a:r>
-              <a:rPr lang="en-GB" sz="2900"/>
+              <a:rPr lang="en-GB" sz="2900" dirty="0"/>
               <a:t>Classification model </a:t>
             </a:r>
-            <a:endParaRPr sz="2900"/>
-          </a:p>
-          <a:p>
-            <a:pPr indent="-412750" lvl="0" marL="457200" rtl="0" algn="l">
+            <a:endParaRPr sz="2900" dirty="0"/>
+          </a:p>
+          <a:p>
+            <a:pPr marL="457200" lvl="0" indent="-412750" algn="l" rtl="0">
               <a:spcBef>
                 <a:spcPts val="0"/>
               </a:spcBef>
@@ -7939,13 +10224,13 @@
               <a:buAutoNum type="arabicPeriod"/>
             </a:pPr>
             <a:r>
-              <a:rPr lang="en-GB" sz="2900"/>
+              <a:rPr lang="en-GB" sz="2900" dirty="0"/>
               <a:t>Clustering model </a:t>
             </a:r>
-            <a:endParaRPr sz="2900"/>
-          </a:p>
-          <a:p>
-            <a:pPr indent="-412750" lvl="0" marL="457200" rtl="0" algn="l">
+            <a:endParaRPr sz="2900" dirty="0"/>
+          </a:p>
+          <a:p>
+            <a:pPr marL="457200" lvl="0" indent="-412750" algn="l" rtl="0">
               <a:spcBef>
                 <a:spcPts val="0"/>
               </a:spcBef>
@@ -7956,27 +10241,14 @@
               <a:buAutoNum type="arabicPeriod"/>
             </a:pPr>
             <a:r>
-              <a:rPr lang="en-GB" sz="2900"/>
-              <a:t>Forecast model</a:t>
+              <a:rPr lang="en-GB" sz="2900" dirty="0"/>
+              <a:t>Forecast </a:t>
             </a:r>
-            <a:endParaRPr sz="2900"/>
-          </a:p>
-          <a:p>
-            <a:pPr indent="-412750" lvl="0" marL="457200" rtl="0" algn="l">
-              <a:spcBef>
-                <a:spcPts val="0"/>
-              </a:spcBef>
-              <a:spcAft>
-                <a:spcPts val="0"/>
-              </a:spcAft>
-              <a:buSzPts val="2900"/>
-              <a:buAutoNum type="arabicPeriod"/>
-            </a:pPr>
             <a:r>
-              <a:rPr lang="en-GB" sz="2900"/>
-              <a:t>Time series model</a:t>
+              <a:rPr lang="en-GB" sz="2900" dirty="0" smtClean="0"/>
+              <a:t>model</a:t>
             </a:r>
-            <a:endParaRPr sz="2900"/>
+            <a:endParaRPr sz="2900" dirty="0"/>
           </a:p>
         </p:txBody>
       </p:sp>
@@ -7988,12 +10260,12 @@
 </p:sld>
 </file>
 
-<file path=ppt/slides/slide5.xml><?xml version="1.0" encoding="utf-8"?>
-<p:sld xmlns:a="http://schemas.openxmlformats.org/drawingml/2006/main" xmlns:r="http://schemas.openxmlformats.org/officeDocument/2006/relationships" xmlns:mc="http://schemas.openxmlformats.org/markup-compatibility/2006" xmlns:mv="urn:schemas-microsoft-com:mac:vml" xmlns:p="http://schemas.openxmlformats.org/presentationml/2006/main" xmlns:c="http://schemas.openxmlformats.org/drawingml/2006/chart" xmlns:dgm="http://schemas.openxmlformats.org/drawingml/2006/diagram" xmlns:o="urn:schemas-microsoft-com:office:office" xmlns:v="urn:schemas-microsoft-com:vml" xmlns:pvml="urn:schemas-microsoft-com:office:powerpoint" xmlns:com="http://schemas.openxmlformats.org/drawingml/2006/compatibility" xmlns:p14="http://schemas.microsoft.com/office/powerpoint/2010/main" xmlns:p15="http://schemas.microsoft.com/office/powerpoint/2012/main" xmlns:ahyp="http://schemas.microsoft.com/office/drawing/2018/hyperlinkcolor">
+<file path=ppt/slides/slide7.xml><?xml version="1.0" encoding="utf-8"?>
+<p:sld xmlns:a="http://schemas.openxmlformats.org/drawingml/2006/main" xmlns:r="http://schemas.openxmlformats.org/officeDocument/2006/relationships" xmlns:p="http://schemas.openxmlformats.org/presentationml/2006/main">
   <p:cSld>
     <p:spTree>
       <p:nvGrpSpPr>
-        <p:cNvPr id="86" name="Shape 86"/>
+        <p:cNvPr id="1" name="Shape 86"/>
         <p:cNvGrpSpPr/>
         <p:nvPr/>
       </p:nvGrpSpPr>
@@ -8008,7 +10280,9 @@
       <p:sp>
         <p:nvSpPr>
           <p:cNvPr id="87" name="Google Shape;87;p17"/>
-          <p:cNvSpPr txBox="1"/>
+          <p:cNvSpPr txBox="1">
+            <a:spLocks noGrp="1"/>
+          </p:cNvSpPr>
           <p:nvPr>
             <p:ph type="title"/>
           </p:nvPr>
@@ -8023,12 +10297,12 @@
           </a:prstGeom>
         </p:spPr>
         <p:txBody>
-          <a:bodyPr anchorCtr="0" anchor="b" bIns="91425" lIns="91425" spcFirstLastPara="1" rIns="91425" wrap="square" tIns="91425">
+          <a:bodyPr spcFirstLastPara="1" wrap="square" lIns="91425" tIns="91425" rIns="91425" bIns="91425" anchor="b" anchorCtr="0">
             <a:normAutofit/>
           </a:bodyPr>
           <a:lstStyle/>
           <a:p>
-            <a:pPr indent="0" lvl="0" marL="0" rtl="0" algn="l">
+            <a:pPr marL="0" lvl="0" indent="0" algn="l" rtl="0">
               <a:spcBef>
                 <a:spcPts val="0"/>
               </a:spcBef>
@@ -8048,9 +10322,11 @@
       <p:sp>
         <p:nvSpPr>
           <p:cNvPr id="88" name="Google Shape;88;p17"/>
-          <p:cNvSpPr txBox="1"/>
+          <p:cNvSpPr txBox="1">
+            <a:spLocks noGrp="1"/>
+          </p:cNvSpPr>
           <p:nvPr>
-            <p:ph idx="1" type="body"/>
+            <p:ph type="body" idx="1"/>
           </p:nvPr>
         </p:nvSpPr>
         <p:spPr>
@@ -8063,12 +10339,12 @@
           </a:prstGeom>
         </p:spPr>
         <p:txBody>
-          <a:bodyPr anchorCtr="0" anchor="t" bIns="91425" lIns="91425" spcFirstLastPara="1" rIns="91425" wrap="square" tIns="91425">
+          <a:bodyPr spcFirstLastPara="1" wrap="square" lIns="91425" tIns="91425" rIns="91425" bIns="91425" anchor="t" anchorCtr="0">
             <a:normAutofit/>
           </a:bodyPr>
           <a:lstStyle/>
           <a:p>
-            <a:pPr indent="-412750" lvl="0" marL="457200" rtl="0" algn="l">
+            <a:pPr marL="457200" lvl="0" indent="-412750" algn="l" rtl="0">
               <a:spcBef>
                 <a:spcPts val="0"/>
               </a:spcBef>
@@ -8078,9 +10354,6 @@
               <a:buSzPts val="2900"/>
               <a:buAutoNum type="arabicPeriod"/>
             </a:pPr>
-            <a:r>
-              <a:t/>
-            </a:r>
             <a:endParaRPr sz="2900"/>
           </a:p>
         </p:txBody>
@@ -8093,12 +10366,12 @@
 </p:sld>
 </file>
 
-<file path=ppt/slides/slide6.xml><?xml version="1.0" encoding="utf-8"?>
-<p:sld xmlns:a="http://schemas.openxmlformats.org/drawingml/2006/main" xmlns:r="http://schemas.openxmlformats.org/officeDocument/2006/relationships" xmlns:mc="http://schemas.openxmlformats.org/markup-compatibility/2006" xmlns:mv="urn:schemas-microsoft-com:mac:vml" xmlns:p="http://schemas.openxmlformats.org/presentationml/2006/main" xmlns:c="http://schemas.openxmlformats.org/drawingml/2006/chart" xmlns:dgm="http://schemas.openxmlformats.org/drawingml/2006/diagram" xmlns:o="urn:schemas-microsoft-com:office:office" xmlns:v="urn:schemas-microsoft-com:vml" xmlns:pvml="urn:schemas-microsoft-com:office:powerpoint" xmlns:com="http://schemas.openxmlformats.org/drawingml/2006/compatibility" xmlns:p14="http://schemas.microsoft.com/office/powerpoint/2010/main" xmlns:p15="http://schemas.microsoft.com/office/powerpoint/2012/main" xmlns:ahyp="http://schemas.microsoft.com/office/drawing/2018/hyperlinkcolor">
+<file path=ppt/slides/slide8.xml><?xml version="1.0" encoding="utf-8"?>
+<p:sld xmlns:a="http://schemas.openxmlformats.org/drawingml/2006/main" xmlns:r="http://schemas.openxmlformats.org/officeDocument/2006/relationships" xmlns:p="http://schemas.openxmlformats.org/presentationml/2006/main">
   <p:cSld>
     <p:spTree>
       <p:nvGrpSpPr>
-        <p:cNvPr id="92" name="Shape 92"/>
+        <p:cNvPr id="1" name="Shape 98"/>
         <p:cNvGrpSpPr/>
         <p:nvPr/>
       </p:nvGrpSpPr>
@@ -8112,8 +10385,10 @@
       </p:grpSpPr>
       <p:sp>
         <p:nvSpPr>
-          <p:cNvPr id="93" name="Google Shape;93;p18"/>
-          <p:cNvSpPr txBox="1"/>
+          <p:cNvPr id="99" name="Google Shape;99;p19"/>
+          <p:cNvSpPr txBox="1">
+            <a:spLocks noGrp="1"/>
+          </p:cNvSpPr>
           <p:nvPr>
             <p:ph type="title"/>
           </p:nvPr>
@@ -8128,65 +10403,115 @@
           </a:prstGeom>
         </p:spPr>
         <p:txBody>
-          <a:bodyPr anchorCtr="0" anchor="b" bIns="91425" lIns="91425" spcFirstLastPara="1" rIns="91425" wrap="square" tIns="91425">
+          <a:bodyPr spcFirstLastPara="1" wrap="square" lIns="91425" tIns="91425" rIns="91425" bIns="91425" anchor="b" anchorCtr="0">
             <a:normAutofit/>
           </a:bodyPr>
           <a:lstStyle/>
           <a:p>
-            <a:pPr indent="0" lvl="0" marL="0" rtl="0" algn="l">
-              <a:spcBef>
-                <a:spcPts val="0"/>
-              </a:spcBef>
-              <a:spcAft>
-                <a:spcPts val="0"/>
-              </a:spcAft>
-              <a:buNone/>
-            </a:pPr>
+            <a:pPr lvl="0"/>
             <a:r>
-              <a:rPr lang="en-GB"/>
-              <a:t>Why do we use Data Model	</a:t>
+              <a:rPr lang="en-GB" dirty="0"/>
+              <a:t>Linear </a:t>
             </a:r>
-            <a:endParaRPr/>
+            <a:r>
+              <a:rPr lang="en-GB" dirty="0" smtClean="0"/>
+              <a:t>Least Squares </a:t>
+            </a:r>
+            <a:r>
+              <a:rPr lang="en-GB" dirty="0" smtClean="0"/>
+              <a:t>Model</a:t>
+            </a:r>
+            <a:endParaRPr dirty="0"/>
           </a:p>
         </p:txBody>
       </p:sp>
       <p:sp>
         <p:nvSpPr>
-          <p:cNvPr id="94" name="Google Shape;94;p18"/>
-          <p:cNvSpPr txBox="1"/>
+          <p:cNvPr id="100" name="Google Shape;100;p19"/>
+          <p:cNvSpPr txBox="1">
+            <a:spLocks noGrp="1"/>
+          </p:cNvSpPr>
           <p:nvPr>
-            <p:ph idx="1" type="body"/>
+            <p:ph type="body" idx="1"/>
           </p:nvPr>
         </p:nvSpPr>
         <p:spPr>
           <a:xfrm>
-            <a:off x="387900" y="1489825"/>
-            <a:ext cx="8368200" cy="3433500"/>
+            <a:off x="387900" y="1489824"/>
+            <a:ext cx="8368200" cy="3078900"/>
           </a:xfrm>
           <a:prstGeom prst="rect">
             <a:avLst/>
           </a:prstGeom>
         </p:spPr>
         <p:txBody>
-          <a:bodyPr anchorCtr="0" anchor="t" bIns="91425" lIns="91425" spcFirstLastPara="1" rIns="91425" wrap="square" tIns="91425">
+          <a:bodyPr spcFirstLastPara="1" wrap="square" lIns="91425" tIns="91425" rIns="91425" bIns="91425" anchor="t" anchorCtr="0">
             <a:normAutofit/>
           </a:bodyPr>
           <a:lstStyle/>
           <a:p>
-            <a:pPr indent="-342900" lvl="0" marL="457200" rtl="0" algn="l">
-              <a:spcBef>
-                <a:spcPts val="0"/>
-              </a:spcBef>
-              <a:spcAft>
-                <a:spcPts val="0"/>
-              </a:spcAft>
-              <a:buSzPts val="1800"/>
-              <a:buAutoNum type="arabicPeriod"/>
+            <a:pPr marL="0" lvl="0" indent="0" algn="l" rtl="0">
+              <a:spcBef>
+                <a:spcPts val="0"/>
+              </a:spcBef>
+              <a:spcAft>
+                <a:spcPts val="0"/>
+              </a:spcAft>
+              <a:buNone/>
             </a:pPr>
             <a:r>
-              <a:t/>
+              <a:rPr lang="en-GB" dirty="0" err="1"/>
+              <a:t>fit_lin</a:t>
             </a:r>
-            <a:endParaRPr/>
+            <a:r>
+              <a:rPr lang="en-GB" dirty="0"/>
+              <a:t> &lt;- lm(Income ~ Investment, data = </a:t>
+            </a:r>
+            <a:r>
+              <a:rPr lang="en-GB" dirty="0" err="1"/>
+              <a:t>dat</a:t>
+            </a:r>
+            <a:r>
+              <a:rPr lang="en-GB" dirty="0"/>
+              <a:t>)</a:t>
+            </a:r>
+            <a:endParaRPr dirty="0"/>
+          </a:p>
+          <a:p>
+            <a:pPr marL="0" lvl="0" indent="0" algn="l" rtl="0">
+              <a:spcBef>
+                <a:spcPts val="1200"/>
+              </a:spcBef>
+              <a:spcAft>
+                <a:spcPts val="0"/>
+              </a:spcAft>
+              <a:buNone/>
+            </a:pPr>
+            <a:r>
+              <a:rPr lang="en-GB" dirty="0"/>
+              <a:t>summary(</a:t>
+            </a:r>
+            <a:r>
+              <a:rPr lang="en-GB" dirty="0" err="1"/>
+              <a:t>fit_lin</a:t>
+            </a:r>
+            <a:r>
+              <a:rPr lang="en-GB" dirty="0"/>
+              <a:t>)</a:t>
+            </a:r>
+            <a:endParaRPr dirty="0"/>
+          </a:p>
+          <a:p>
+            <a:pPr marL="0" lvl="0" indent="0" algn="l" rtl="0">
+              <a:spcBef>
+                <a:spcPts val="1200"/>
+              </a:spcBef>
+              <a:spcAft>
+                <a:spcPts val="1200"/>
+              </a:spcAft>
+              <a:buNone/>
+            </a:pPr>
+            <a:endParaRPr dirty="0"/>
           </a:p>
         </p:txBody>
       </p:sp>
@@ -8198,12 +10523,12 @@
 </p:sld>
 </file>
 
-<file path=ppt/slides/slide7.xml><?xml version="1.0" encoding="utf-8"?>
-<p:sld xmlns:a="http://schemas.openxmlformats.org/drawingml/2006/main" xmlns:r="http://schemas.openxmlformats.org/officeDocument/2006/relationships" xmlns:mc="http://schemas.openxmlformats.org/markup-compatibility/2006" xmlns:mv="urn:schemas-microsoft-com:mac:vml" xmlns:p="http://schemas.openxmlformats.org/presentationml/2006/main" xmlns:c="http://schemas.openxmlformats.org/drawingml/2006/chart" xmlns:dgm="http://schemas.openxmlformats.org/drawingml/2006/diagram" xmlns:o="urn:schemas-microsoft-com:office:office" xmlns:v="urn:schemas-microsoft-com:vml" xmlns:pvml="urn:schemas-microsoft-com:office:powerpoint" xmlns:com="http://schemas.openxmlformats.org/drawingml/2006/compatibility" xmlns:p14="http://schemas.microsoft.com/office/powerpoint/2010/main" xmlns:p15="http://schemas.microsoft.com/office/powerpoint/2012/main" xmlns:ahyp="http://schemas.microsoft.com/office/drawing/2018/hyperlinkcolor">
+<file path=ppt/slides/slide9.xml><?xml version="1.0" encoding="utf-8"?>
+<p:sld xmlns:a="http://schemas.openxmlformats.org/drawingml/2006/main" xmlns:r="http://schemas.openxmlformats.org/officeDocument/2006/relationships" xmlns:p="http://schemas.openxmlformats.org/presentationml/2006/main">
   <p:cSld>
     <p:spTree>
       <p:nvGrpSpPr>
-        <p:cNvPr id="98" name="Shape 98"/>
+        <p:cNvPr id="1" name="Shape 104"/>
         <p:cNvGrpSpPr/>
         <p:nvPr/>
       </p:nvGrpSpPr>
@@ -8217,8 +10542,10 @@
       </p:grpSpPr>
       <p:sp>
         <p:nvSpPr>
-          <p:cNvPr id="99" name="Google Shape;99;p19"/>
-          <p:cNvSpPr txBox="1"/>
+          <p:cNvPr id="105" name="Google Shape;105;p20"/>
+          <p:cNvSpPr txBox="1">
+            <a:spLocks noGrp="1"/>
+          </p:cNvSpPr>
           <p:nvPr>
             <p:ph type="title"/>
           </p:nvPr>
@@ -8233,12 +10560,12 @@
           </a:prstGeom>
         </p:spPr>
         <p:txBody>
-          <a:bodyPr anchorCtr="0" anchor="b" bIns="91425" lIns="91425" spcFirstLastPara="1" rIns="91425" wrap="square" tIns="91425">
+          <a:bodyPr spcFirstLastPara="1" wrap="square" lIns="91425" tIns="91425" rIns="91425" bIns="91425" anchor="b" anchorCtr="0">
             <a:normAutofit/>
           </a:bodyPr>
           <a:lstStyle/>
           <a:p>
-            <a:pPr indent="0" lvl="0" marL="0" rtl="0" algn="l">
+            <a:pPr marL="0" lvl="0" indent="0" algn="l" rtl="0">
               <a:spcBef>
                 <a:spcPts val="0"/>
               </a:spcBef>
@@ -8249,7 +10576,7 @@
             </a:pPr>
             <a:r>
               <a:rPr lang="en-GB"/>
-              <a:t>Linear Model</a:t>
+              <a:t>K-means Clustering </a:t>
             </a:r>
             <a:endParaRPr/>
           </a:p>
@@ -8257,10 +10584,12 @@
       </p:sp>
       <p:sp>
         <p:nvSpPr>
-          <p:cNvPr id="100" name="Google Shape;100;p19"/>
-          <p:cNvSpPr txBox="1"/>
+          <p:cNvPr id="106" name="Google Shape;106;p20"/>
+          <p:cNvSpPr txBox="1">
+            <a:spLocks noGrp="1"/>
+          </p:cNvSpPr>
           <p:nvPr>
-            <p:ph idx="1" type="body"/>
+            <p:ph type="body" idx="1"/>
           </p:nvPr>
         </p:nvSpPr>
         <p:spPr>
@@ -8273,12 +10602,12 @@
           </a:prstGeom>
         </p:spPr>
         <p:txBody>
-          <a:bodyPr anchorCtr="0" anchor="t" bIns="91425" lIns="91425" spcFirstLastPara="1" rIns="91425" wrap="square" tIns="91425">
+          <a:bodyPr spcFirstLastPara="1" wrap="square" lIns="91425" tIns="91425" rIns="91425" bIns="91425" anchor="t" anchorCtr="0">
             <a:normAutofit/>
           </a:bodyPr>
           <a:lstStyle/>
           <a:p>
-            <a:pPr indent="0" lvl="0" marL="0" rtl="0" algn="l">
+            <a:pPr marL="0" lvl="0" indent="0" algn="l" rtl="0">
               <a:spcBef>
                 <a:spcPts val="0"/>
               </a:spcBef>
@@ -8294,7 +10623,7 @@
             <a:endParaRPr/>
           </a:p>
           <a:p>
-            <a:pPr indent="0" lvl="0" marL="0" rtl="0" algn="l">
+            <a:pPr marL="0" lvl="0" indent="0" algn="l" rtl="0">
               <a:spcBef>
                 <a:spcPts val="1200"/>
               </a:spcBef>
@@ -8310,7 +10639,7 @@
             <a:endParaRPr/>
           </a:p>
           <a:p>
-            <a:pPr indent="0" lvl="0" marL="0" rtl="0" algn="l">
+            <a:pPr marL="0" lvl="0" indent="0" algn="l" rtl="0">
               <a:spcBef>
                 <a:spcPts val="1200"/>
               </a:spcBef>
@@ -8319,249 +10648,6 @@
               </a:spcAft>
               <a:buNone/>
             </a:pPr>
-            <a:r>
-              <a:t/>
-            </a:r>
-            <a:endParaRPr/>
-          </a:p>
-        </p:txBody>
-      </p:sp>
-    </p:spTree>
-  </p:cSld>
-  <p:clrMapOvr>
-    <a:masterClrMapping/>
-  </p:clrMapOvr>
-</p:sld>
-</file>
-
-<file path=ppt/slides/slide8.xml><?xml version="1.0" encoding="utf-8"?>
-<p:sld xmlns:a="http://schemas.openxmlformats.org/drawingml/2006/main" xmlns:r="http://schemas.openxmlformats.org/officeDocument/2006/relationships" xmlns:mc="http://schemas.openxmlformats.org/markup-compatibility/2006" xmlns:mv="urn:schemas-microsoft-com:mac:vml" xmlns:p="http://schemas.openxmlformats.org/presentationml/2006/main" xmlns:c="http://schemas.openxmlformats.org/drawingml/2006/chart" xmlns:dgm="http://schemas.openxmlformats.org/drawingml/2006/diagram" xmlns:o="urn:schemas-microsoft-com:office:office" xmlns:v="urn:schemas-microsoft-com:vml" xmlns:pvml="urn:schemas-microsoft-com:office:powerpoint" xmlns:com="http://schemas.openxmlformats.org/drawingml/2006/compatibility" xmlns:p14="http://schemas.microsoft.com/office/powerpoint/2010/main" xmlns:p15="http://schemas.microsoft.com/office/powerpoint/2012/main" xmlns:ahyp="http://schemas.microsoft.com/office/drawing/2018/hyperlinkcolor">
-  <p:cSld>
-    <p:spTree>
-      <p:nvGrpSpPr>
-        <p:cNvPr id="104" name="Shape 104"/>
-        <p:cNvGrpSpPr/>
-        <p:nvPr/>
-      </p:nvGrpSpPr>
-      <p:grpSpPr>
-        <a:xfrm>
-          <a:off x="0" y="0"/>
-          <a:ext cx="0" cy="0"/>
-          <a:chOff x="0" y="0"/>
-          <a:chExt cx="0" cy="0"/>
-        </a:xfrm>
-      </p:grpSpPr>
-      <p:sp>
-        <p:nvSpPr>
-          <p:cNvPr id="105" name="Google Shape;105;p20"/>
-          <p:cNvSpPr txBox="1"/>
-          <p:nvPr>
-            <p:ph type="title"/>
-          </p:nvPr>
-        </p:nvSpPr>
-        <p:spPr>
-          <a:xfrm>
-            <a:off x="387900" y="458025"/>
-            <a:ext cx="8368200" cy="686100"/>
-          </a:xfrm>
-          <a:prstGeom prst="rect">
-            <a:avLst/>
-          </a:prstGeom>
-        </p:spPr>
-        <p:txBody>
-          <a:bodyPr anchorCtr="0" anchor="b" bIns="91425" lIns="91425" spcFirstLastPara="1" rIns="91425" wrap="square" tIns="91425">
-            <a:normAutofit/>
-          </a:bodyPr>
-          <a:lstStyle/>
-          <a:p>
-            <a:pPr indent="0" lvl="0" marL="0" rtl="0" algn="l">
-              <a:spcBef>
-                <a:spcPts val="0"/>
-              </a:spcBef>
-              <a:spcAft>
-                <a:spcPts val="0"/>
-              </a:spcAft>
-              <a:buNone/>
-            </a:pPr>
-            <a:r>
-              <a:rPr lang="en-GB"/>
-              <a:t>K-means Clustering </a:t>
-            </a:r>
-            <a:endParaRPr/>
-          </a:p>
-        </p:txBody>
-      </p:sp>
-      <p:sp>
-        <p:nvSpPr>
-          <p:cNvPr id="106" name="Google Shape;106;p20"/>
-          <p:cNvSpPr txBox="1"/>
-          <p:nvPr>
-            <p:ph idx="1" type="body"/>
-          </p:nvPr>
-        </p:nvSpPr>
-        <p:spPr>
-          <a:xfrm>
-            <a:off x="387900" y="1489824"/>
-            <a:ext cx="8368200" cy="3078900"/>
-          </a:xfrm>
-          <a:prstGeom prst="rect">
-            <a:avLst/>
-          </a:prstGeom>
-        </p:spPr>
-        <p:txBody>
-          <a:bodyPr anchorCtr="0" anchor="t" bIns="91425" lIns="91425" spcFirstLastPara="1" rIns="91425" wrap="square" tIns="91425">
-            <a:normAutofit/>
-          </a:bodyPr>
-          <a:lstStyle/>
-          <a:p>
-            <a:pPr indent="0" lvl="0" marL="0" rtl="0" algn="l">
-              <a:spcBef>
-                <a:spcPts val="0"/>
-              </a:spcBef>
-              <a:spcAft>
-                <a:spcPts val="0"/>
-              </a:spcAft>
-              <a:buNone/>
-            </a:pPr>
-            <a:r>
-              <a:rPr lang="en-GB"/>
-              <a:t>fit_lin &lt;- lm(Income ~ Investment, data = dat)</a:t>
-            </a:r>
-            <a:endParaRPr/>
-          </a:p>
-          <a:p>
-            <a:pPr indent="0" lvl="0" marL="0" rtl="0" algn="l">
-              <a:spcBef>
-                <a:spcPts val="1200"/>
-              </a:spcBef>
-              <a:spcAft>
-                <a:spcPts val="0"/>
-              </a:spcAft>
-              <a:buNone/>
-            </a:pPr>
-            <a:r>
-              <a:rPr lang="en-GB"/>
-              <a:t>summary(fit_lin)</a:t>
-            </a:r>
-            <a:endParaRPr/>
-          </a:p>
-          <a:p>
-            <a:pPr indent="0" lvl="0" marL="0" rtl="0" algn="l">
-              <a:spcBef>
-                <a:spcPts val="1200"/>
-              </a:spcBef>
-              <a:spcAft>
-                <a:spcPts val="1200"/>
-              </a:spcAft>
-              <a:buNone/>
-            </a:pPr>
-            <a:r>
-              <a:t/>
-            </a:r>
-            <a:endParaRPr/>
-          </a:p>
-        </p:txBody>
-      </p:sp>
-    </p:spTree>
-  </p:cSld>
-  <p:clrMapOvr>
-    <a:masterClrMapping/>
-  </p:clrMapOvr>
-</p:sld>
-</file>
-
-<file path=ppt/slides/slide9.xml><?xml version="1.0" encoding="utf-8"?>
-<p:sld xmlns:a="http://schemas.openxmlformats.org/drawingml/2006/main" xmlns:r="http://schemas.openxmlformats.org/officeDocument/2006/relationships" xmlns:mc="http://schemas.openxmlformats.org/markup-compatibility/2006" xmlns:mv="urn:schemas-microsoft-com:mac:vml" xmlns:p="http://schemas.openxmlformats.org/presentationml/2006/main" xmlns:c="http://schemas.openxmlformats.org/drawingml/2006/chart" xmlns:dgm="http://schemas.openxmlformats.org/drawingml/2006/diagram" xmlns:o="urn:schemas-microsoft-com:office:office" xmlns:v="urn:schemas-microsoft-com:vml" xmlns:pvml="urn:schemas-microsoft-com:office:powerpoint" xmlns:com="http://schemas.openxmlformats.org/drawingml/2006/compatibility" xmlns:p14="http://schemas.microsoft.com/office/powerpoint/2010/main" xmlns:p15="http://schemas.microsoft.com/office/powerpoint/2012/main" xmlns:ahyp="http://schemas.microsoft.com/office/drawing/2018/hyperlinkcolor">
-  <p:cSld>
-    <p:spTree>
-      <p:nvGrpSpPr>
-        <p:cNvPr id="110" name="Shape 110"/>
-        <p:cNvGrpSpPr/>
-        <p:nvPr/>
-      </p:nvGrpSpPr>
-      <p:grpSpPr>
-        <a:xfrm>
-          <a:off x="0" y="0"/>
-          <a:ext cx="0" cy="0"/>
-          <a:chOff x="0" y="0"/>
-          <a:chExt cx="0" cy="0"/>
-        </a:xfrm>
-      </p:grpSpPr>
-      <p:sp>
-        <p:nvSpPr>
-          <p:cNvPr id="111" name="Google Shape;111;p21"/>
-          <p:cNvSpPr txBox="1"/>
-          <p:nvPr>
-            <p:ph type="title"/>
-          </p:nvPr>
-        </p:nvSpPr>
-        <p:spPr>
-          <a:xfrm>
-            <a:off x="387900" y="458025"/>
-            <a:ext cx="8368200" cy="686100"/>
-          </a:xfrm>
-          <a:prstGeom prst="rect">
-            <a:avLst/>
-          </a:prstGeom>
-        </p:spPr>
-        <p:txBody>
-          <a:bodyPr anchorCtr="0" anchor="b" bIns="91425" lIns="91425" spcFirstLastPara="1" rIns="91425" wrap="square" tIns="91425">
-            <a:normAutofit/>
-          </a:bodyPr>
-          <a:lstStyle/>
-          <a:p>
-            <a:pPr indent="0" lvl="0" marL="0" rtl="0" algn="l">
-              <a:spcBef>
-                <a:spcPts val="0"/>
-              </a:spcBef>
-              <a:spcAft>
-                <a:spcPts val="0"/>
-              </a:spcAft>
-              <a:buNone/>
-            </a:pPr>
-            <a:r>
-              <a:rPr lang="en-GB"/>
-              <a:t>Neural Network</a:t>
-            </a:r>
-            <a:endParaRPr/>
-          </a:p>
-        </p:txBody>
-      </p:sp>
-      <p:sp>
-        <p:nvSpPr>
-          <p:cNvPr id="112" name="Google Shape;112;p21"/>
-          <p:cNvSpPr txBox="1"/>
-          <p:nvPr>
-            <p:ph idx="1" type="body"/>
-          </p:nvPr>
-        </p:nvSpPr>
-        <p:spPr>
-          <a:xfrm>
-            <a:off x="387900" y="1489824"/>
-            <a:ext cx="8368200" cy="3078900"/>
-          </a:xfrm>
-          <a:prstGeom prst="rect">
-            <a:avLst/>
-          </a:prstGeom>
-        </p:spPr>
-        <p:txBody>
-          <a:bodyPr anchorCtr="0" anchor="t" bIns="91425" lIns="91425" spcFirstLastPara="1" rIns="91425" wrap="square" tIns="91425">
-            <a:normAutofit/>
-          </a:bodyPr>
-          <a:lstStyle/>
-          <a:p>
-            <a:pPr indent="0" lvl="0" marL="0" rtl="0" algn="l">
-              <a:spcBef>
-                <a:spcPts val="0"/>
-              </a:spcBef>
-              <a:spcAft>
-                <a:spcPts val="1200"/>
-              </a:spcAft>
-              <a:buNone/>
-            </a:pPr>
-            <a:r>
-              <a:t/>
-            </a:r>
             <a:endParaRPr/>
           </a:p>
         </p:txBody>
@@ -8575,7 +10661,7 @@
 </file>
 
 <file path=ppt/theme/theme1.xml><?xml version="1.0" encoding="utf-8"?>
-<a:theme xmlns:a="http://schemas.openxmlformats.org/drawingml/2006/main" xmlns:r="http://schemas.openxmlformats.org/officeDocument/2006/relationships" name="Marina">
+<a:theme xmlns:a="http://schemas.openxmlformats.org/drawingml/2006/main" name="Marina">
   <a:themeElements>
     <a:clrScheme name="Marina">
       <a:dk1>
@@ -8850,11 +10936,13 @@
       </a:bgFillStyleLst>
     </a:fmtScheme>
   </a:themeElements>
+  <a:objectDefaults/>
+  <a:extraClrSchemeLst/>
 </a:theme>
 </file>
 
 <file path=ppt/theme/theme2.xml><?xml version="1.0" encoding="utf-8"?>
-<a:theme xmlns:a="http://schemas.openxmlformats.org/drawingml/2006/main" xmlns:r="http://schemas.openxmlformats.org/officeDocument/2006/relationships">
+<a:theme xmlns:a="http://schemas.openxmlformats.org/drawingml/2006/main">
   <a:themeElements>
     <a:clrScheme name="Default">
       <a:dk1>
@@ -9129,5 +11217,7 @@
       </a:bgFillStyleLst>
     </a:fmtScheme>
   </a:themeElements>
+  <a:objectDefaults/>
+  <a:extraClrSchemeLst/>
 </a:theme>
 </file>
--- a/Week 7-Model Basics and Building/Week 7-Model Basics and Building.pptx
+++ b/Week 7-Model Basics and Building/Week 7-Model Basics and Building.pptx
@@ -1,42 +1,42 @@
 
 <file path=ppt/presentation.xml><?xml version="1.0" encoding="utf-8"?>
-<p:presentation xmlns:a="http://schemas.openxmlformats.org/drawingml/2006/main" xmlns:r="http://schemas.openxmlformats.org/officeDocument/2006/relationships" xmlns:mc="http://schemas.openxmlformats.org/markup-compatibility/2006" xmlns:mv="urn:schemas-microsoft-com:mac:vml" xmlns:p="http://schemas.openxmlformats.org/presentationml/2006/main" xmlns:c="http://schemas.openxmlformats.org/drawingml/2006/chart" xmlns:dgm="http://schemas.openxmlformats.org/drawingml/2006/diagram" xmlns:o="urn:schemas-microsoft-com:office:office" xmlns:v="urn:schemas-microsoft-com:vml" xmlns:pvml="urn:schemas-microsoft-com:office:powerpoint" xmlns:com="http://schemas.openxmlformats.org/drawingml/2006/compatibility" xmlns:p14="http://schemas.microsoft.com/office/powerpoint/2010/main" xmlns:p15="http://schemas.microsoft.com/office/powerpoint/2012/main" xmlns:ahyp="http://schemas.microsoft.com/office/drawing/2018/hyperlinkcolor" autoCompressPictures="0" embedTrueTypeFonts="1" strictFirstAndLastChars="0" saveSubsetFonts="1">
+<p:presentation xmlns:a="http://schemas.openxmlformats.org/drawingml/2006/main" xmlns:r="http://schemas.openxmlformats.org/officeDocument/2006/relationships" xmlns:p="http://schemas.openxmlformats.org/presentationml/2006/main" strictFirstAndLastChars="0" embedTrueTypeFonts="1" saveSubsetFonts="1" autoCompressPictures="0">
   <p:sldMasterIdLst>
-    <p:sldMasterId id="2147483659" r:id="rId4"/>
+    <p:sldMasterId id="2147483659" r:id="rId1"/>
   </p:sldMasterIdLst>
   <p:notesMasterIdLst>
-    <p:notesMasterId r:id="rId5"/>
+    <p:notesMasterId r:id="rId12"/>
   </p:notesMasterIdLst>
   <p:sldIdLst>
-    <p:sldId id="256" r:id="rId6"/>
-    <p:sldId id="257" r:id="rId7"/>
-    <p:sldId id="258" r:id="rId8"/>
-    <p:sldId id="259" r:id="rId9"/>
+    <p:sldId id="256" r:id="rId2"/>
+    <p:sldId id="257" r:id="rId3"/>
+    <p:sldId id="258" r:id="rId4"/>
+    <p:sldId id="269" r:id="rId5"/>
+    <p:sldId id="261" r:id="rId6"/>
+    <p:sldId id="259" r:id="rId7"/>
+    <p:sldId id="267" r:id="rId8"/>
+    <p:sldId id="268" r:id="rId9"/>
     <p:sldId id="260" r:id="rId10"/>
-    <p:sldId id="261" r:id="rId11"/>
-    <p:sldId id="262" r:id="rId12"/>
-    <p:sldId id="263" r:id="rId13"/>
-    <p:sldId id="264" r:id="rId14"/>
-    <p:sldId id="265" r:id="rId15"/>
+    <p:sldId id="270" r:id="rId11"/>
   </p:sldIdLst>
-  <p:sldSz cy="5143500" cx="9144000"/>
+  <p:sldSz cx="9144000" cy="5143500" type="screen16x9"/>
   <p:notesSz cx="6858000" cy="9144000"/>
   <p:embeddedFontLst>
     <p:embeddedFont>
-      <p:font typeface="Roboto Slab"/>
-      <p:regular r:id="rId16"/>
-      <p:bold r:id="rId17"/>
+      <p:font typeface="Roboto Slab" panose="020B0604020202020204" charset="0"/>
+      <p:regular r:id="rId13"/>
+      <p:bold r:id="rId14"/>
     </p:embeddedFont>
     <p:embeddedFont>
-      <p:font typeface="Roboto"/>
-      <p:regular r:id="rId18"/>
-      <p:bold r:id="rId19"/>
-      <p:italic r:id="rId20"/>
-      <p:boldItalic r:id="rId21"/>
+      <p:font typeface="Roboto" panose="020B0604020202020204" charset="0"/>
+      <p:regular r:id="rId15"/>
+      <p:bold r:id="rId16"/>
+      <p:italic r:id="rId17"/>
+      <p:boldItalic r:id="rId18"/>
     </p:embeddedFont>
   </p:embeddedFontLst>
   <p:defaultTextStyle>
-    <a:defPPr lvl="0" marR="0" rtl="0" algn="l">
+    <a:defPPr marR="0" lvl="0" algn="l" rtl="0">
       <a:lnSpc>
         <a:spcPct val="100000"/>
       </a:lnSpc>
@@ -47,7 +47,7 @@
         <a:spcPts val="0"/>
       </a:spcAft>
     </a:defPPr>
-    <a:lvl1pPr lvl="0" marR="0" rtl="0" algn="l">
+    <a:lvl1pPr marR="0" lvl="0" algn="l" rtl="0">
       <a:lnSpc>
         <a:spcPct val="100000"/>
       </a:lnSpc>
@@ -61,7 +61,7 @@
         <a:srgbClr val="000000"/>
       </a:buClr>
       <a:buFont typeface="Arial"/>
-      <a:defRPr b="0" i="0" sz="1400" u="none" cap="none" strike="noStrike">
+      <a:defRPr sz="1400" b="0" i="0" u="none" strike="noStrike" cap="none">
         <a:solidFill>
           <a:srgbClr val="000000"/>
         </a:solidFill>
@@ -71,7 +71,7 @@
         <a:sym typeface="Arial"/>
       </a:defRPr>
     </a:lvl1pPr>
-    <a:lvl2pPr lvl="1" marR="0" rtl="0" algn="l">
+    <a:lvl2pPr marR="0" lvl="1" algn="l" rtl="0">
       <a:lnSpc>
         <a:spcPct val="100000"/>
       </a:lnSpc>
@@ -85,7 +85,7 @@
         <a:srgbClr val="000000"/>
       </a:buClr>
       <a:buFont typeface="Arial"/>
-      <a:defRPr b="0" i="0" sz="1400" u="none" cap="none" strike="noStrike">
+      <a:defRPr sz="1400" b="0" i="0" u="none" strike="noStrike" cap="none">
         <a:solidFill>
           <a:srgbClr val="000000"/>
         </a:solidFill>
@@ -95,7 +95,7 @@
         <a:sym typeface="Arial"/>
       </a:defRPr>
     </a:lvl2pPr>
-    <a:lvl3pPr lvl="2" marR="0" rtl="0" algn="l">
+    <a:lvl3pPr marR="0" lvl="2" algn="l" rtl="0">
       <a:lnSpc>
         <a:spcPct val="100000"/>
       </a:lnSpc>
@@ -109,7 +109,7 @@
         <a:srgbClr val="000000"/>
       </a:buClr>
       <a:buFont typeface="Arial"/>
-      <a:defRPr b="0" i="0" sz="1400" u="none" cap="none" strike="noStrike">
+      <a:defRPr sz="1400" b="0" i="0" u="none" strike="noStrike" cap="none">
         <a:solidFill>
           <a:srgbClr val="000000"/>
         </a:solidFill>
@@ -119,7 +119,7 @@
         <a:sym typeface="Arial"/>
       </a:defRPr>
     </a:lvl3pPr>
-    <a:lvl4pPr lvl="3" marR="0" rtl="0" algn="l">
+    <a:lvl4pPr marR="0" lvl="3" algn="l" rtl="0">
       <a:lnSpc>
         <a:spcPct val="100000"/>
       </a:lnSpc>
@@ -133,7 +133,7 @@
         <a:srgbClr val="000000"/>
       </a:buClr>
       <a:buFont typeface="Arial"/>
-      <a:defRPr b="0" i="0" sz="1400" u="none" cap="none" strike="noStrike">
+      <a:defRPr sz="1400" b="0" i="0" u="none" strike="noStrike" cap="none">
         <a:solidFill>
           <a:srgbClr val="000000"/>
         </a:solidFill>
@@ -143,7 +143,7 @@
         <a:sym typeface="Arial"/>
       </a:defRPr>
     </a:lvl4pPr>
-    <a:lvl5pPr lvl="4" marR="0" rtl="0" algn="l">
+    <a:lvl5pPr marR="0" lvl="4" algn="l" rtl="0">
       <a:lnSpc>
         <a:spcPct val="100000"/>
       </a:lnSpc>
@@ -157,7 +157,7 @@
         <a:srgbClr val="000000"/>
       </a:buClr>
       <a:buFont typeface="Arial"/>
-      <a:defRPr b="0" i="0" sz="1400" u="none" cap="none" strike="noStrike">
+      <a:defRPr sz="1400" b="0" i="0" u="none" strike="noStrike" cap="none">
         <a:solidFill>
           <a:srgbClr val="000000"/>
         </a:solidFill>
@@ -167,7 +167,7 @@
         <a:sym typeface="Arial"/>
       </a:defRPr>
     </a:lvl5pPr>
-    <a:lvl6pPr lvl="5" marR="0" rtl="0" algn="l">
+    <a:lvl6pPr marR="0" lvl="5" algn="l" rtl="0">
       <a:lnSpc>
         <a:spcPct val="100000"/>
       </a:lnSpc>
@@ -181,7 +181,7 @@
         <a:srgbClr val="000000"/>
       </a:buClr>
       <a:buFont typeface="Arial"/>
-      <a:defRPr b="0" i="0" sz="1400" u="none" cap="none" strike="noStrike">
+      <a:defRPr sz="1400" b="0" i="0" u="none" strike="noStrike" cap="none">
         <a:solidFill>
           <a:srgbClr val="000000"/>
         </a:solidFill>
@@ -191,7 +191,7 @@
         <a:sym typeface="Arial"/>
       </a:defRPr>
     </a:lvl6pPr>
-    <a:lvl7pPr lvl="6" marR="0" rtl="0" algn="l">
+    <a:lvl7pPr marR="0" lvl="6" algn="l" rtl="0">
       <a:lnSpc>
         <a:spcPct val="100000"/>
       </a:lnSpc>
@@ -205,7 +205,7 @@
         <a:srgbClr val="000000"/>
       </a:buClr>
       <a:buFont typeface="Arial"/>
-      <a:defRPr b="0" i="0" sz="1400" u="none" cap="none" strike="noStrike">
+      <a:defRPr sz="1400" b="0" i="0" u="none" strike="noStrike" cap="none">
         <a:solidFill>
           <a:srgbClr val="000000"/>
         </a:solidFill>
@@ -215,7 +215,7 @@
         <a:sym typeface="Arial"/>
       </a:defRPr>
     </a:lvl7pPr>
-    <a:lvl8pPr lvl="7" marR="0" rtl="0" algn="l">
+    <a:lvl8pPr marR="0" lvl="7" algn="l" rtl="0">
       <a:lnSpc>
         <a:spcPct val="100000"/>
       </a:lnSpc>
@@ -229,7 +229,7 @@
         <a:srgbClr val="000000"/>
       </a:buClr>
       <a:buFont typeface="Arial"/>
-      <a:defRPr b="0" i="0" sz="1400" u="none" cap="none" strike="noStrike">
+      <a:defRPr sz="1400" b="0" i="0" u="none" strike="noStrike" cap="none">
         <a:solidFill>
           <a:srgbClr val="000000"/>
         </a:solidFill>
@@ -239,7 +239,7 @@
         <a:sym typeface="Arial"/>
       </a:defRPr>
     </a:lvl8pPr>
-    <a:lvl9pPr lvl="8" marR="0" rtl="0" algn="l">
+    <a:lvl9pPr marR="0" lvl="8" algn="l" rtl="0">
       <a:lnSpc>
         <a:spcPct val="100000"/>
       </a:lnSpc>
@@ -253,7 +253,7 @@
         <a:srgbClr val="000000"/>
       </a:buClr>
       <a:buFont typeface="Arial"/>
-      <a:defRPr b="0" i="0" sz="1400" u="none" cap="none" strike="noStrike">
+      <a:defRPr sz="1400" b="0" i="0" u="none" strike="noStrike" cap="none">
         <a:solidFill>
           <a:srgbClr val="000000"/>
         </a:solidFill>
@@ -266,7 +266,7 @@
   </p:defaultTextStyle>
   <p:extLst>
     <p:ext uri="{EFAFB233-063F-42B5-8137-9DF3F51BA10A}">
-      <p15:sldGuideLst>
+      <p15:sldGuideLst xmlns:p15="http://schemas.microsoft.com/office/powerpoint/2012/main">
         <p15:guide id="1" orient="horz" pos="1620">
           <p15:clr>
             <a:srgbClr val="A4A3A4"/>
@@ -284,11 +284,16 @@
 </file>
 
 <file path=ppt/notesMasters/notesMaster1.xml><?xml version="1.0" encoding="utf-8"?>
-<p:notesMaster xmlns:a="http://schemas.openxmlformats.org/drawingml/2006/main" xmlns:r="http://schemas.openxmlformats.org/officeDocument/2006/relationships" xmlns:mc="http://schemas.openxmlformats.org/markup-compatibility/2006" xmlns:mv="urn:schemas-microsoft-com:mac:vml" xmlns:p="http://schemas.openxmlformats.org/presentationml/2006/main" xmlns:c="http://schemas.openxmlformats.org/drawingml/2006/chart" xmlns:dgm="http://schemas.openxmlformats.org/drawingml/2006/diagram" xmlns:o="urn:schemas-microsoft-com:office:office" xmlns:v="urn:schemas-microsoft-com:vml" xmlns:pvml="urn:schemas-microsoft-com:office:powerpoint" xmlns:com="http://schemas.openxmlformats.org/drawingml/2006/compatibility" xmlns:p14="http://schemas.microsoft.com/office/powerpoint/2010/main" xmlns:p15="http://schemas.microsoft.com/office/powerpoint/2012/main" xmlns:ahyp="http://schemas.microsoft.com/office/drawing/2018/hyperlinkcolor">
+<p:notesMaster xmlns:a="http://schemas.openxmlformats.org/drawingml/2006/main" xmlns:r="http://schemas.openxmlformats.org/officeDocument/2006/relationships" xmlns:p="http://schemas.openxmlformats.org/presentationml/2006/main">
   <p:cSld>
+    <p:bg>
+      <p:bgRef idx="1001">
+        <a:schemeClr val="bg1"/>
+      </p:bgRef>
+    </p:bg>
     <p:spTree>
       <p:nvGrpSpPr>
-        <p:cNvPr id="2" name="Shape 2"/>
+        <p:cNvPr id="1" name="Shape 2"/>
         <p:cNvGrpSpPr/>
         <p:nvPr/>
       </p:nvGrpSpPr>
@@ -303,9 +308,11 @@
       <p:sp>
         <p:nvSpPr>
           <p:cNvPr id="3" name="Google Shape;3;n"/>
-          <p:cNvSpPr/>
+          <p:cNvSpPr>
+            <a:spLocks noGrp="1" noRot="1" noChangeAspect="1"/>
+          </p:cNvSpPr>
           <p:nvPr>
-            <p:ph idx="2" type="sldImg"/>
+            <p:ph type="sldImg" idx="2"/>
           </p:nvPr>
         </p:nvSpPr>
         <p:spPr>
@@ -314,9 +321,13 @@
             <a:ext cx="6096075" cy="3429000"/>
           </a:xfrm>
           <a:custGeom>
-            <a:rect b="b" l="l" r="r" t="t"/>
+            <a:avLst/>
+            <a:gdLst/>
+            <a:ahLst/>
+            <a:cxnLst/>
+            <a:rect l="l" t="t" r="r" b="b"/>
             <a:pathLst>
-              <a:path extrusionOk="0" h="120000" w="120000">
+              <a:path w="120000" h="120000" extrusionOk="0">
                 <a:moveTo>
                   <a:pt x="0" y="0"/>
                 </a:moveTo>
@@ -334,23 +345,25 @@
             </a:pathLst>
           </a:custGeom>
           <a:noFill/>
-          <a:ln cap="flat" cmpd="sng" w="9525">
+          <a:ln w="9525" cap="flat" cmpd="sng">
             <a:solidFill>
               <a:srgbClr val="000000"/>
             </a:solidFill>
             <a:prstDash val="solid"/>
             <a:round/>
-            <a:headEnd len="sm" w="sm" type="none"/>
-            <a:tailEnd len="sm" w="sm" type="none"/>
+            <a:headEnd type="none" w="sm" len="sm"/>
+            <a:tailEnd type="none" w="sm" len="sm"/>
           </a:ln>
         </p:spPr>
       </p:sp>
       <p:sp>
         <p:nvSpPr>
           <p:cNvPr id="4" name="Google Shape;4;n"/>
-          <p:cNvSpPr txBox="1"/>
+          <p:cNvSpPr txBox="1">
+            <a:spLocks noGrp="1"/>
+          </p:cNvSpPr>
           <p:nvPr>
-            <p:ph idx="1" type="body"/>
+            <p:ph type="body" idx="1"/>
           </p:nvPr>
         </p:nvSpPr>
         <p:spPr>
@@ -367,11 +380,11 @@
           </a:ln>
         </p:spPr>
         <p:txBody>
-          <a:bodyPr anchorCtr="0" anchor="t" bIns="91425" lIns="91425" spcFirstLastPara="1" rIns="91425" wrap="square" tIns="91425">
+          <a:bodyPr spcFirstLastPara="1" wrap="square" lIns="91425" tIns="91425" rIns="91425" bIns="91425" anchor="t" anchorCtr="0">
             <a:noAutofit/>
           </a:bodyPr>
           <a:lstStyle>
-            <a:lvl1pPr indent="-298450" lvl="0" marL="457200">
+            <a:lvl1pPr marL="457200" lvl="0" indent="-298450">
               <a:spcBef>
                 <a:spcPts val="0"/>
               </a:spcBef>
@@ -382,7 +395,7 @@
               <a:buChar char="●"/>
               <a:defRPr sz="1100"/>
             </a:lvl1pPr>
-            <a:lvl2pPr indent="-298450" lvl="1" marL="914400">
+            <a:lvl2pPr marL="914400" lvl="1" indent="-298450">
               <a:spcBef>
                 <a:spcPts val="0"/>
               </a:spcBef>
@@ -393,7 +406,7 @@
               <a:buChar char="○"/>
               <a:defRPr sz="1100"/>
             </a:lvl2pPr>
-            <a:lvl3pPr indent="-298450" lvl="2" marL="1371600">
+            <a:lvl3pPr marL="1371600" lvl="2" indent="-298450">
               <a:spcBef>
                 <a:spcPts val="0"/>
               </a:spcBef>
@@ -404,7 +417,7 @@
               <a:buChar char="■"/>
               <a:defRPr sz="1100"/>
             </a:lvl3pPr>
-            <a:lvl4pPr indent="-298450" lvl="3" marL="1828800">
+            <a:lvl4pPr marL="1828800" lvl="3" indent="-298450">
               <a:spcBef>
                 <a:spcPts val="0"/>
               </a:spcBef>
@@ -415,7 +428,7 @@
               <a:buChar char="●"/>
               <a:defRPr sz="1100"/>
             </a:lvl4pPr>
-            <a:lvl5pPr indent="-298450" lvl="4" marL="2286000">
+            <a:lvl5pPr marL="2286000" lvl="4" indent="-298450">
               <a:spcBef>
                 <a:spcPts val="0"/>
               </a:spcBef>
@@ -426,7 +439,7 @@
               <a:buChar char="○"/>
               <a:defRPr sz="1100"/>
             </a:lvl5pPr>
-            <a:lvl6pPr indent="-298450" lvl="5" marL="2743200">
+            <a:lvl6pPr marL="2743200" lvl="5" indent="-298450">
               <a:spcBef>
                 <a:spcPts val="0"/>
               </a:spcBef>
@@ -437,7 +450,7 @@
               <a:buChar char="■"/>
               <a:defRPr sz="1100"/>
             </a:lvl6pPr>
-            <a:lvl7pPr indent="-298450" lvl="6" marL="3200400">
+            <a:lvl7pPr marL="3200400" lvl="6" indent="-298450">
               <a:spcBef>
                 <a:spcPts val="0"/>
               </a:spcBef>
@@ -448,7 +461,7 @@
               <a:buChar char="●"/>
               <a:defRPr sz="1100"/>
             </a:lvl7pPr>
-            <a:lvl8pPr indent="-298450" lvl="7" marL="3657600">
+            <a:lvl8pPr marL="3657600" lvl="7" indent="-298450">
               <a:spcBef>
                 <a:spcPts val="0"/>
               </a:spcBef>
@@ -459,7 +472,7 @@
               <a:buChar char="○"/>
               <a:defRPr sz="1100"/>
             </a:lvl8pPr>
-            <a:lvl9pPr indent="-298450" lvl="8" marL="4114800">
+            <a:lvl9pPr marL="4114800" lvl="8" indent="-298450">
               <a:spcBef>
                 <a:spcPts val="0"/>
               </a:spcBef>
@@ -471,14 +484,16 @@
               <a:defRPr sz="1100"/>
             </a:lvl9pPr>
           </a:lstStyle>
-          <a:p/>
+          <a:p>
+            <a:endParaRPr/>
+          </a:p>
         </p:txBody>
       </p:sp>
     </p:spTree>
   </p:cSld>
-  <p:clrMap accent1="accent1" accent2="accent2" accent3="accent3" accent4="accent4" accent5="accent5" accent6="accent6" bg1="lt1" bg2="dk2" tx1="dk1" tx2="lt2" folHlink="folHlink" hlink="hlink"/>
+  <p:clrMap bg1="lt1" tx1="dk1" bg2="dk2" tx2="lt2" accent1="accent1" accent2="accent2" accent3="accent3" accent4="accent4" accent5="accent5" accent6="accent6" hlink="hlink" folHlink="folHlink"/>
   <p:notesStyle>
-    <a:defPPr lvl="0" marR="0" rtl="0" algn="l">
+    <a:defPPr marR="0" lvl="0" algn="l" rtl="0">
       <a:lnSpc>
         <a:spcPct val="100000"/>
       </a:lnSpc>
@@ -489,7 +504,7 @@
         <a:spcPts val="0"/>
       </a:spcAft>
     </a:defPPr>
-    <a:lvl1pPr lvl="0" marR="0" rtl="0" algn="l">
+    <a:lvl1pPr marR="0" lvl="0" algn="l" rtl="0">
       <a:lnSpc>
         <a:spcPct val="100000"/>
       </a:lnSpc>
@@ -503,7 +518,7 @@
         <a:srgbClr val="000000"/>
       </a:buClr>
       <a:buFont typeface="Arial"/>
-      <a:defRPr b="0" i="0" sz="1400" u="none" cap="none" strike="noStrike">
+      <a:defRPr sz="1400" b="0" i="0" u="none" strike="noStrike" cap="none">
         <a:solidFill>
           <a:srgbClr val="000000"/>
         </a:solidFill>
@@ -513,7 +528,7 @@
         <a:sym typeface="Arial"/>
       </a:defRPr>
     </a:lvl1pPr>
-    <a:lvl2pPr lvl="1" marR="0" rtl="0" algn="l">
+    <a:lvl2pPr marR="0" lvl="1" algn="l" rtl="0">
       <a:lnSpc>
         <a:spcPct val="100000"/>
       </a:lnSpc>
@@ -527,7 +542,7 @@
         <a:srgbClr val="000000"/>
       </a:buClr>
       <a:buFont typeface="Arial"/>
-      <a:defRPr b="0" i="0" sz="1400" u="none" cap="none" strike="noStrike">
+      <a:defRPr sz="1400" b="0" i="0" u="none" strike="noStrike" cap="none">
         <a:solidFill>
           <a:srgbClr val="000000"/>
         </a:solidFill>
@@ -537,7 +552,7 @@
         <a:sym typeface="Arial"/>
       </a:defRPr>
     </a:lvl2pPr>
-    <a:lvl3pPr lvl="2" marR="0" rtl="0" algn="l">
+    <a:lvl3pPr marR="0" lvl="2" algn="l" rtl="0">
       <a:lnSpc>
         <a:spcPct val="100000"/>
       </a:lnSpc>
@@ -551,7 +566,7 @@
         <a:srgbClr val="000000"/>
       </a:buClr>
       <a:buFont typeface="Arial"/>
-      <a:defRPr b="0" i="0" sz="1400" u="none" cap="none" strike="noStrike">
+      <a:defRPr sz="1400" b="0" i="0" u="none" strike="noStrike" cap="none">
         <a:solidFill>
           <a:srgbClr val="000000"/>
         </a:solidFill>
@@ -561,7 +576,7 @@
         <a:sym typeface="Arial"/>
       </a:defRPr>
     </a:lvl3pPr>
-    <a:lvl4pPr lvl="3" marR="0" rtl="0" algn="l">
+    <a:lvl4pPr marR="0" lvl="3" algn="l" rtl="0">
       <a:lnSpc>
         <a:spcPct val="100000"/>
       </a:lnSpc>
@@ -575,7 +590,7 @@
         <a:srgbClr val="000000"/>
       </a:buClr>
       <a:buFont typeface="Arial"/>
-      <a:defRPr b="0" i="0" sz="1400" u="none" cap="none" strike="noStrike">
+      <a:defRPr sz="1400" b="0" i="0" u="none" strike="noStrike" cap="none">
         <a:solidFill>
           <a:srgbClr val="000000"/>
         </a:solidFill>
@@ -585,7 +600,7 @@
         <a:sym typeface="Arial"/>
       </a:defRPr>
     </a:lvl4pPr>
-    <a:lvl5pPr lvl="4" marR="0" rtl="0" algn="l">
+    <a:lvl5pPr marR="0" lvl="4" algn="l" rtl="0">
       <a:lnSpc>
         <a:spcPct val="100000"/>
       </a:lnSpc>
@@ -599,7 +614,7 @@
         <a:srgbClr val="000000"/>
       </a:buClr>
       <a:buFont typeface="Arial"/>
-      <a:defRPr b="0" i="0" sz="1400" u="none" cap="none" strike="noStrike">
+      <a:defRPr sz="1400" b="0" i="0" u="none" strike="noStrike" cap="none">
         <a:solidFill>
           <a:srgbClr val="000000"/>
         </a:solidFill>
@@ -609,7 +624,7 @@
         <a:sym typeface="Arial"/>
       </a:defRPr>
     </a:lvl5pPr>
-    <a:lvl6pPr lvl="5" marR="0" rtl="0" algn="l">
+    <a:lvl6pPr marR="0" lvl="5" algn="l" rtl="0">
       <a:lnSpc>
         <a:spcPct val="100000"/>
       </a:lnSpc>
@@ -623,7 +638,7 @@
         <a:srgbClr val="000000"/>
       </a:buClr>
       <a:buFont typeface="Arial"/>
-      <a:defRPr b="0" i="0" sz="1400" u="none" cap="none" strike="noStrike">
+      <a:defRPr sz="1400" b="0" i="0" u="none" strike="noStrike" cap="none">
         <a:solidFill>
           <a:srgbClr val="000000"/>
         </a:solidFill>
@@ -633,7 +648,7 @@
         <a:sym typeface="Arial"/>
       </a:defRPr>
     </a:lvl6pPr>
-    <a:lvl7pPr lvl="6" marR="0" rtl="0" algn="l">
+    <a:lvl7pPr marR="0" lvl="6" algn="l" rtl="0">
       <a:lnSpc>
         <a:spcPct val="100000"/>
       </a:lnSpc>
@@ -647,7 +662,7 @@
         <a:srgbClr val="000000"/>
       </a:buClr>
       <a:buFont typeface="Arial"/>
-      <a:defRPr b="0" i="0" sz="1400" u="none" cap="none" strike="noStrike">
+      <a:defRPr sz="1400" b="0" i="0" u="none" strike="noStrike" cap="none">
         <a:solidFill>
           <a:srgbClr val="000000"/>
         </a:solidFill>
@@ -657,7 +672,7 @@
         <a:sym typeface="Arial"/>
       </a:defRPr>
     </a:lvl7pPr>
-    <a:lvl8pPr lvl="7" marR="0" rtl="0" algn="l">
+    <a:lvl8pPr marR="0" lvl="7" algn="l" rtl="0">
       <a:lnSpc>
         <a:spcPct val="100000"/>
       </a:lnSpc>
@@ -671,7 +686,7 @@
         <a:srgbClr val="000000"/>
       </a:buClr>
       <a:buFont typeface="Arial"/>
-      <a:defRPr b="0" i="0" sz="1400" u="none" cap="none" strike="noStrike">
+      <a:defRPr sz="1400" b="0" i="0" u="none" strike="noStrike" cap="none">
         <a:solidFill>
           <a:srgbClr val="000000"/>
         </a:solidFill>
@@ -681,7 +696,7 @@
         <a:sym typeface="Arial"/>
       </a:defRPr>
     </a:lvl8pPr>
-    <a:lvl9pPr lvl="8" marR="0" rtl="0" algn="l">
+    <a:lvl9pPr marR="0" lvl="8" algn="l" rtl="0">
       <a:lnSpc>
         <a:spcPct val="100000"/>
       </a:lnSpc>
@@ -695,7 +710,7 @@
         <a:srgbClr val="000000"/>
       </a:buClr>
       <a:buFont typeface="Arial"/>
-      <a:defRPr b="0" i="0" sz="1400" u="none" cap="none" strike="noStrike">
+      <a:defRPr sz="1400" b="0" i="0" u="none" strike="noStrike" cap="none">
         <a:solidFill>
           <a:srgbClr val="000000"/>
         </a:solidFill>
@@ -710,11 +725,11 @@
 </file>
 
 <file path=ppt/notesSlides/notesSlide1.xml><?xml version="1.0" encoding="utf-8"?>
-<p:notes xmlns:a="http://schemas.openxmlformats.org/drawingml/2006/main" xmlns:r="http://schemas.openxmlformats.org/officeDocument/2006/relationships" xmlns:mc="http://schemas.openxmlformats.org/markup-compatibility/2006" xmlns:mv="urn:schemas-microsoft-com:mac:vml" xmlns:p="http://schemas.openxmlformats.org/presentationml/2006/main" xmlns:c="http://schemas.openxmlformats.org/drawingml/2006/chart" xmlns:dgm="http://schemas.openxmlformats.org/drawingml/2006/diagram" xmlns:o="urn:schemas-microsoft-com:office:office" xmlns:v="urn:schemas-microsoft-com:vml" xmlns:pvml="urn:schemas-microsoft-com:office:powerpoint" xmlns:com="http://schemas.openxmlformats.org/drawingml/2006/compatibility" xmlns:p14="http://schemas.microsoft.com/office/powerpoint/2010/main" xmlns:p15="http://schemas.microsoft.com/office/powerpoint/2012/main" xmlns:ahyp="http://schemas.microsoft.com/office/drawing/2018/hyperlinkcolor" showMasterPhAnim="0" showMasterSp="0">
+<p:notes xmlns:a="http://schemas.openxmlformats.org/drawingml/2006/main" xmlns:r="http://schemas.openxmlformats.org/officeDocument/2006/relationships" xmlns:p="http://schemas.openxmlformats.org/presentationml/2006/main" showMasterSp="0" showMasterPhAnim="0">
   <p:cSld>
     <p:spTree>
       <p:nvGrpSpPr>
-        <p:cNvPr id="59" name="Shape 59"/>
+        <p:cNvPr id="1" name="Shape 59"/>
         <p:cNvGrpSpPr/>
         <p:nvPr/>
       </p:nvGrpSpPr>
@@ -729,9 +744,11 @@
       <p:sp>
         <p:nvSpPr>
           <p:cNvPr id="60" name="Google Shape;60;p:notes"/>
-          <p:cNvSpPr/>
+          <p:cNvSpPr>
+            <a:spLocks noGrp="1" noRot="1" noChangeAspect="1"/>
+          </p:cNvSpPr>
           <p:nvPr>
-            <p:ph idx="2" type="sldImg"/>
+            <p:ph type="sldImg" idx="2"/>
           </p:nvPr>
         </p:nvSpPr>
         <p:spPr>
@@ -740,9 +757,13 @@
             <a:ext cx="6096075" cy="3429000"/>
           </a:xfrm>
           <a:custGeom>
-            <a:rect b="b" l="l" r="r" t="t"/>
+            <a:avLst/>
+            <a:gdLst/>
+            <a:ahLst/>
+            <a:cxnLst/>
+            <a:rect l="l" t="t" r="r" b="b"/>
             <a:pathLst>
-              <a:path extrusionOk="0" h="120000" w="120000">
+              <a:path w="120000" h="120000" extrusionOk="0">
                 <a:moveTo>
                   <a:pt x="0" y="0"/>
                 </a:moveTo>
@@ -764,9 +785,11 @@
       <p:sp>
         <p:nvSpPr>
           <p:cNvPr id="61" name="Google Shape;61;p:notes"/>
-          <p:cNvSpPr txBox="1"/>
+          <p:cNvSpPr txBox="1">
+            <a:spLocks noGrp="1"/>
+          </p:cNvSpPr>
           <p:nvPr>
-            <p:ph idx="1" type="body"/>
+            <p:ph type="body" idx="1"/>
           </p:nvPr>
         </p:nvSpPr>
         <p:spPr>
@@ -779,48 +802,12 @@
           </a:prstGeom>
         </p:spPr>
         <p:txBody>
-          <a:bodyPr anchorCtr="0" anchor="t" bIns="91425" lIns="91425" spcFirstLastPara="1" rIns="91425" wrap="square" tIns="91425">
+          <a:bodyPr spcFirstLastPara="1" wrap="square" lIns="91425" tIns="91425" rIns="91425" bIns="91425" anchor="t" anchorCtr="0">
             <a:noAutofit/>
           </a:bodyPr>
           <a:lstStyle/>
           <a:p>
-            <a:pPr indent="0" lvl="0" marL="0" rtl="0" algn="l">
-              <a:spcBef>
-                <a:spcPts val="0"/>
-              </a:spcBef>
-              <a:spcAft>
-                <a:spcPts val="0"/>
-              </a:spcAft>
-              <a:buNone/>
-            </a:pPr>
-            <a:r>
-              <a:rPr lang="en-GB" u="sng">
-                <a:solidFill>
-                  <a:schemeClr val="hlink"/>
-                </a:solidFill>
-                <a:hlinkClick r:id="rId2"/>
-              </a:rPr>
-              <a:t>https://www.tmwr.org/resampling.html</a:t>
-            </a:r>
-            <a:endParaRPr/>
-          </a:p>
-          <a:p>
-            <a:pPr indent="0" lvl="0" marL="0" rtl="0" algn="l">
-              <a:spcBef>
-                <a:spcPts val="0"/>
-              </a:spcBef>
-              <a:spcAft>
-                <a:spcPts val="0"/>
-              </a:spcAft>
-              <a:buNone/>
-            </a:pPr>
-            <a:r>
-              <a:t/>
-            </a:r>
-            <a:endParaRPr/>
-          </a:p>
-          <a:p>
-            <a:pPr indent="0" lvl="0" marL="0" rtl="0" algn="l">
+            <a:pPr marL="0" lvl="0" indent="0" algn="l" rtl="0">
               <a:spcBef>
                 <a:spcPts val="0"/>
               </a:spcBef>
@@ -836,12 +823,45 @@
                 </a:solidFill>
                 <a:hlinkClick r:id="rId3"/>
               </a:rPr>
+              <a:t>https://www.tmwr.org/resampling.html</a:t>
+            </a:r>
+            <a:endParaRPr/>
+          </a:p>
+          <a:p>
+            <a:pPr marL="0" lvl="0" indent="0" algn="l" rtl="0">
+              <a:spcBef>
+                <a:spcPts val="0"/>
+              </a:spcBef>
+              <a:spcAft>
+                <a:spcPts val="0"/>
+              </a:spcAft>
+              <a:buNone/>
+            </a:pPr>
+            <a:endParaRPr/>
+          </a:p>
+          <a:p>
+            <a:pPr marL="0" lvl="0" indent="0" algn="l" rtl="0">
+              <a:spcBef>
+                <a:spcPts val="0"/>
+              </a:spcBef>
+              <a:spcAft>
+                <a:spcPts val="0"/>
+              </a:spcAft>
+              <a:buNone/>
+            </a:pPr>
+            <a:r>
+              <a:rPr lang="en-GB" u="sng">
+                <a:solidFill>
+                  <a:schemeClr val="hlink"/>
+                </a:solidFill>
+                <a:hlinkClick r:id="rId4"/>
+              </a:rPr>
               <a:t>http://journal.embnet.org/index.php/embnetjournal/article/view/550</a:t>
             </a:r>
             <a:endParaRPr/>
           </a:p>
           <a:p>
-            <a:pPr indent="0" lvl="0" marL="0" rtl="0" algn="l">
+            <a:pPr marL="0" lvl="0" indent="0" algn="l" rtl="0">
               <a:spcBef>
                 <a:spcPts val="0"/>
               </a:spcBef>
@@ -850,13 +870,10 @@
               </a:spcAft>
               <a:buNone/>
             </a:pPr>
-            <a:r>
-              <a:t/>
-            </a:r>
             <a:endParaRPr/>
           </a:p>
           <a:p>
-            <a:pPr indent="0" lvl="0" marL="0" rtl="0" algn="l">
+            <a:pPr marL="0" lvl="0" indent="0" algn="l" rtl="0">
               <a:spcBef>
                 <a:spcPts val="0"/>
               </a:spcBef>
@@ -865,108 +882,6 @@
               </a:spcAft>
               <a:buNone/>
             </a:pPr>
-            <a:r>
-              <a:t/>
-            </a:r>
-            <a:endParaRPr/>
-          </a:p>
-        </p:txBody>
-      </p:sp>
-    </p:spTree>
-  </p:cSld>
-  <p:clrMapOvr>
-    <a:masterClrMapping/>
-  </p:clrMapOvr>
-</p:notes>
-</file>
-
-<file path=ppt/notesSlides/notesSlide10.xml><?xml version="1.0" encoding="utf-8"?>
-<p:notes xmlns:a="http://schemas.openxmlformats.org/drawingml/2006/main" xmlns:r="http://schemas.openxmlformats.org/officeDocument/2006/relationships" xmlns:mc="http://schemas.openxmlformats.org/markup-compatibility/2006" xmlns:mv="urn:schemas-microsoft-com:mac:vml" xmlns:p="http://schemas.openxmlformats.org/presentationml/2006/main" xmlns:c="http://schemas.openxmlformats.org/drawingml/2006/chart" xmlns:dgm="http://schemas.openxmlformats.org/drawingml/2006/diagram" xmlns:o="urn:schemas-microsoft-com:office:office" xmlns:v="urn:schemas-microsoft-com:vml" xmlns:pvml="urn:schemas-microsoft-com:office:powerpoint" xmlns:com="http://schemas.openxmlformats.org/drawingml/2006/compatibility" xmlns:p14="http://schemas.microsoft.com/office/powerpoint/2010/main" xmlns:p15="http://schemas.microsoft.com/office/powerpoint/2012/main" xmlns:ahyp="http://schemas.microsoft.com/office/drawing/2018/hyperlinkcolor" showMasterPhAnim="0" showMasterSp="0">
-  <p:cSld>
-    <p:spTree>
-      <p:nvGrpSpPr>
-        <p:cNvPr id="113" name="Shape 113"/>
-        <p:cNvGrpSpPr/>
-        <p:nvPr/>
-      </p:nvGrpSpPr>
-      <p:grpSpPr>
-        <a:xfrm>
-          <a:off x="0" y="0"/>
-          <a:ext cx="0" cy="0"/>
-          <a:chOff x="0" y="0"/>
-          <a:chExt cx="0" cy="0"/>
-        </a:xfrm>
-      </p:grpSpPr>
-      <p:sp>
-        <p:nvSpPr>
-          <p:cNvPr id="114" name="Google Shape;114;gd679ff7f26_0_19:notes"/>
-          <p:cNvSpPr/>
-          <p:nvPr>
-            <p:ph idx="2" type="sldImg"/>
-          </p:nvPr>
-        </p:nvSpPr>
-        <p:spPr>
-          <a:xfrm>
-            <a:off x="381300" y="685800"/>
-            <a:ext cx="6096000" cy="3429000"/>
-          </a:xfrm>
-          <a:custGeom>
-            <a:rect b="b" l="l" r="r" t="t"/>
-            <a:pathLst>
-              <a:path extrusionOk="0" h="120000" w="120000">
-                <a:moveTo>
-                  <a:pt x="0" y="0"/>
-                </a:moveTo>
-                <a:lnTo>
-                  <a:pt x="120000" y="0"/>
-                </a:lnTo>
-                <a:lnTo>
-                  <a:pt x="120000" y="120000"/>
-                </a:lnTo>
-                <a:lnTo>
-                  <a:pt x="0" y="120000"/>
-                </a:lnTo>
-                <a:close/>
-              </a:path>
-            </a:pathLst>
-          </a:custGeom>
-        </p:spPr>
-      </p:sp>
-      <p:sp>
-        <p:nvSpPr>
-          <p:cNvPr id="115" name="Google Shape;115;gd679ff7f26_0_19:notes"/>
-          <p:cNvSpPr txBox="1"/>
-          <p:nvPr>
-            <p:ph idx="1" type="body"/>
-          </p:nvPr>
-        </p:nvSpPr>
-        <p:spPr>
-          <a:xfrm>
-            <a:off x="685800" y="4343400"/>
-            <a:ext cx="5486400" cy="4114800"/>
-          </a:xfrm>
-          <a:prstGeom prst="rect">
-            <a:avLst/>
-          </a:prstGeom>
-        </p:spPr>
-        <p:txBody>
-          <a:bodyPr anchorCtr="0" anchor="t" bIns="91425" lIns="91425" spcFirstLastPara="1" rIns="91425" wrap="square" tIns="91425">
-            <a:noAutofit/>
-          </a:bodyPr>
-          <a:lstStyle/>
-          <a:p>
-            <a:pPr indent="0" lvl="0" marL="0" rtl="0" algn="l">
-              <a:spcBef>
-                <a:spcPts val="0"/>
-              </a:spcBef>
-              <a:spcAft>
-                <a:spcPts val="0"/>
-              </a:spcAft>
-              <a:buNone/>
-            </a:pPr>
-            <a:r>
-              <a:t/>
-            </a:r>
             <a:endParaRPr/>
           </a:p>
         </p:txBody>
@@ -980,11 +895,11 @@
 </file>
 
 <file path=ppt/notesSlides/notesSlide2.xml><?xml version="1.0" encoding="utf-8"?>
-<p:notes xmlns:a="http://schemas.openxmlformats.org/drawingml/2006/main" xmlns:r="http://schemas.openxmlformats.org/officeDocument/2006/relationships" xmlns:mc="http://schemas.openxmlformats.org/markup-compatibility/2006" xmlns:mv="urn:schemas-microsoft-com:mac:vml" xmlns:p="http://schemas.openxmlformats.org/presentationml/2006/main" xmlns:c="http://schemas.openxmlformats.org/drawingml/2006/chart" xmlns:dgm="http://schemas.openxmlformats.org/drawingml/2006/diagram" xmlns:o="urn:schemas-microsoft-com:office:office" xmlns:v="urn:schemas-microsoft-com:vml" xmlns:pvml="urn:schemas-microsoft-com:office:powerpoint" xmlns:com="http://schemas.openxmlformats.org/drawingml/2006/compatibility" xmlns:p14="http://schemas.microsoft.com/office/powerpoint/2010/main" xmlns:p15="http://schemas.microsoft.com/office/powerpoint/2012/main" xmlns:ahyp="http://schemas.microsoft.com/office/drawing/2018/hyperlinkcolor" showMasterPhAnim="0" showMasterSp="0">
+<p:notes xmlns:a="http://schemas.openxmlformats.org/drawingml/2006/main" xmlns:r="http://schemas.openxmlformats.org/officeDocument/2006/relationships" xmlns:p="http://schemas.openxmlformats.org/presentationml/2006/main" showMasterSp="0" showMasterPhAnim="0">
   <p:cSld>
     <p:spTree>
       <p:nvGrpSpPr>
-        <p:cNvPr id="65" name="Shape 65"/>
+        <p:cNvPr id="1" name="Shape 65"/>
         <p:cNvGrpSpPr/>
         <p:nvPr/>
       </p:nvGrpSpPr>
@@ -999,9 +914,11 @@
       <p:sp>
         <p:nvSpPr>
           <p:cNvPr id="66" name="Google Shape;66;gc93e512bf0_0_0:notes"/>
-          <p:cNvSpPr/>
+          <p:cNvSpPr>
+            <a:spLocks noGrp="1" noRot="1" noChangeAspect="1"/>
+          </p:cNvSpPr>
           <p:nvPr>
-            <p:ph idx="2" type="sldImg"/>
+            <p:ph type="sldImg" idx="2"/>
           </p:nvPr>
         </p:nvSpPr>
         <p:spPr>
@@ -1010,9 +927,13 @@
             <a:ext cx="6096000" cy="3429000"/>
           </a:xfrm>
           <a:custGeom>
-            <a:rect b="b" l="l" r="r" t="t"/>
+            <a:avLst/>
+            <a:gdLst/>
+            <a:ahLst/>
+            <a:cxnLst/>
+            <a:rect l="l" t="t" r="r" b="b"/>
             <a:pathLst>
-              <a:path extrusionOk="0" h="120000" w="120000">
+              <a:path w="120000" h="120000" extrusionOk="0">
                 <a:moveTo>
                   <a:pt x="0" y="0"/>
                 </a:moveTo>
@@ -1034,9 +955,11 @@
       <p:sp>
         <p:nvSpPr>
           <p:cNvPr id="67" name="Google Shape;67;gc93e512bf0_0_0:notes"/>
-          <p:cNvSpPr txBox="1"/>
+          <p:cNvSpPr txBox="1">
+            <a:spLocks noGrp="1"/>
+          </p:cNvSpPr>
           <p:nvPr>
-            <p:ph idx="1" type="body"/>
+            <p:ph type="body" idx="1"/>
           </p:nvPr>
         </p:nvSpPr>
         <p:spPr>
@@ -1049,12 +972,12 @@
           </a:prstGeom>
         </p:spPr>
         <p:txBody>
-          <a:bodyPr anchorCtr="0" anchor="t" bIns="91425" lIns="91425" spcFirstLastPara="1" rIns="91425" wrap="square" tIns="91425">
+          <a:bodyPr spcFirstLastPara="1" wrap="square" lIns="91425" tIns="91425" rIns="91425" bIns="91425" anchor="t" anchorCtr="0">
             <a:noAutofit/>
           </a:bodyPr>
           <a:lstStyle/>
           <a:p>
-            <a:pPr indent="0" lvl="0" marL="0" rtl="0" algn="l">
+            <a:pPr marL="0" lvl="0" indent="0" algn="l" rtl="0">
               <a:spcBef>
                 <a:spcPts val="0"/>
               </a:spcBef>
@@ -1063,9 +986,6 @@
               </a:spcAft>
               <a:buNone/>
             </a:pPr>
-            <a:r>
-              <a:t/>
-            </a:r>
             <a:endParaRPr/>
           </a:p>
         </p:txBody>
@@ -1079,11 +999,11 @@
 </file>
 
 <file path=ppt/notesSlides/notesSlide3.xml><?xml version="1.0" encoding="utf-8"?>
-<p:notes xmlns:a="http://schemas.openxmlformats.org/drawingml/2006/main" xmlns:r="http://schemas.openxmlformats.org/officeDocument/2006/relationships" xmlns:mc="http://schemas.openxmlformats.org/markup-compatibility/2006" xmlns:mv="urn:schemas-microsoft-com:mac:vml" xmlns:p="http://schemas.openxmlformats.org/presentationml/2006/main" xmlns:c="http://schemas.openxmlformats.org/drawingml/2006/chart" xmlns:dgm="http://schemas.openxmlformats.org/drawingml/2006/diagram" xmlns:o="urn:schemas-microsoft-com:office:office" xmlns:v="urn:schemas-microsoft-com:vml" xmlns:pvml="urn:schemas-microsoft-com:office:powerpoint" xmlns:com="http://schemas.openxmlformats.org/drawingml/2006/compatibility" xmlns:p14="http://schemas.microsoft.com/office/powerpoint/2010/main" xmlns:p15="http://schemas.microsoft.com/office/powerpoint/2012/main" xmlns:ahyp="http://schemas.microsoft.com/office/drawing/2018/hyperlinkcolor" showMasterPhAnim="0" showMasterSp="0">
+<p:notes xmlns:a="http://schemas.openxmlformats.org/drawingml/2006/main" xmlns:r="http://schemas.openxmlformats.org/officeDocument/2006/relationships" xmlns:p="http://schemas.openxmlformats.org/presentationml/2006/main" showMasterSp="0" showMasterPhAnim="0">
   <p:cSld>
     <p:spTree>
       <p:nvGrpSpPr>
-        <p:cNvPr id="71" name="Shape 71"/>
+        <p:cNvPr id="1" name="Shape 71"/>
         <p:cNvGrpSpPr/>
         <p:nvPr/>
       </p:nvGrpSpPr>
@@ -1098,9 +1018,11 @@
       <p:sp>
         <p:nvSpPr>
           <p:cNvPr id="72" name="Google Shape;72;g7b244c7288_0_54:notes"/>
-          <p:cNvSpPr/>
+          <p:cNvSpPr>
+            <a:spLocks noGrp="1" noRot="1" noChangeAspect="1"/>
+          </p:cNvSpPr>
           <p:nvPr>
-            <p:ph idx="2" type="sldImg"/>
+            <p:ph type="sldImg" idx="2"/>
           </p:nvPr>
         </p:nvSpPr>
         <p:spPr>
@@ -1109,9 +1031,13 @@
             <a:ext cx="6096000" cy="3429000"/>
           </a:xfrm>
           <a:custGeom>
-            <a:rect b="b" l="l" r="r" t="t"/>
+            <a:avLst/>
+            <a:gdLst/>
+            <a:ahLst/>
+            <a:cxnLst/>
+            <a:rect l="l" t="t" r="r" b="b"/>
             <a:pathLst>
-              <a:path extrusionOk="0" h="120000" w="120000">
+              <a:path w="120000" h="120000" extrusionOk="0">
                 <a:moveTo>
                   <a:pt x="0" y="0"/>
                 </a:moveTo>
@@ -1133,9 +1059,11 @@
       <p:sp>
         <p:nvSpPr>
           <p:cNvPr id="73" name="Google Shape;73;g7b244c7288_0_54:notes"/>
-          <p:cNvSpPr txBox="1"/>
+          <p:cNvSpPr txBox="1">
+            <a:spLocks noGrp="1"/>
+          </p:cNvSpPr>
           <p:nvPr>
-            <p:ph idx="1" type="body"/>
+            <p:ph type="body" idx="1"/>
           </p:nvPr>
         </p:nvSpPr>
         <p:spPr>
@@ -1148,12 +1076,12 @@
           </a:prstGeom>
         </p:spPr>
         <p:txBody>
-          <a:bodyPr anchorCtr="0" anchor="t" bIns="91425" lIns="91425" spcFirstLastPara="1" rIns="91425" wrap="square" tIns="91425">
+          <a:bodyPr spcFirstLastPara="1" wrap="square" lIns="91425" tIns="91425" rIns="91425" bIns="91425" anchor="t" anchorCtr="0">
             <a:noAutofit/>
           </a:bodyPr>
           <a:lstStyle/>
           <a:p>
-            <a:pPr indent="0" lvl="0" marL="0" rtl="0" algn="l">
+            <a:pPr marL="0" lvl="0" indent="0" algn="l" rtl="0">
               <a:spcBef>
                 <a:spcPts val="0"/>
               </a:spcBef>
@@ -1179,11 +1107,263 @@
 </file>
 
 <file path=ppt/notesSlides/notesSlide4.xml><?xml version="1.0" encoding="utf-8"?>
-<p:notes xmlns:a="http://schemas.openxmlformats.org/drawingml/2006/main" xmlns:r="http://schemas.openxmlformats.org/officeDocument/2006/relationships" xmlns:mc="http://schemas.openxmlformats.org/markup-compatibility/2006" xmlns:mv="urn:schemas-microsoft-com:mac:vml" xmlns:p="http://schemas.openxmlformats.org/presentationml/2006/main" xmlns:c="http://schemas.openxmlformats.org/drawingml/2006/chart" xmlns:dgm="http://schemas.openxmlformats.org/drawingml/2006/diagram" xmlns:o="urn:schemas-microsoft-com:office:office" xmlns:v="urn:schemas-microsoft-com:vml" xmlns:pvml="urn:schemas-microsoft-com:office:powerpoint" xmlns:com="http://schemas.openxmlformats.org/drawingml/2006/compatibility" xmlns:p14="http://schemas.microsoft.com/office/powerpoint/2010/main" xmlns:p15="http://schemas.microsoft.com/office/powerpoint/2012/main" xmlns:ahyp="http://schemas.microsoft.com/office/drawing/2018/hyperlinkcolor" showMasterPhAnim="0" showMasterSp="0">
+<p:notes xmlns:a="http://schemas.openxmlformats.org/drawingml/2006/main" xmlns:r="http://schemas.openxmlformats.org/officeDocument/2006/relationships" xmlns:p="http://schemas.openxmlformats.org/presentationml/2006/main" showMasterSp="0" showMasterPhAnim="0">
   <p:cSld>
     <p:spTree>
       <p:nvGrpSpPr>
-        <p:cNvPr id="77" name="Shape 77"/>
+        <p:cNvPr id="1" name="Shape 71"/>
+        <p:cNvGrpSpPr/>
+        <p:nvPr/>
+      </p:nvGrpSpPr>
+      <p:grpSpPr>
+        <a:xfrm>
+          <a:off x="0" y="0"/>
+          <a:ext cx="0" cy="0"/>
+          <a:chOff x="0" y="0"/>
+          <a:chExt cx="0" cy="0"/>
+        </a:xfrm>
+      </p:grpSpPr>
+      <p:sp>
+        <p:nvSpPr>
+          <p:cNvPr id="72" name="Google Shape;72;g7b244c7288_0_54:notes"/>
+          <p:cNvSpPr>
+            <a:spLocks noGrp="1" noRot="1" noChangeAspect="1"/>
+          </p:cNvSpPr>
+          <p:nvPr>
+            <p:ph type="sldImg" idx="2"/>
+          </p:nvPr>
+        </p:nvSpPr>
+        <p:spPr>
+          <a:xfrm>
+            <a:off x="381000" y="685800"/>
+            <a:ext cx="6096000" cy="3429000"/>
+          </a:xfrm>
+          <a:custGeom>
+            <a:avLst/>
+            <a:gdLst/>
+            <a:ahLst/>
+            <a:cxnLst/>
+            <a:rect l="l" t="t" r="r" b="b"/>
+            <a:pathLst>
+              <a:path w="120000" h="120000" extrusionOk="0">
+                <a:moveTo>
+                  <a:pt x="0" y="0"/>
+                </a:moveTo>
+                <a:lnTo>
+                  <a:pt x="120000" y="0"/>
+                </a:lnTo>
+                <a:lnTo>
+                  <a:pt x="120000" y="120000"/>
+                </a:lnTo>
+                <a:lnTo>
+                  <a:pt x="0" y="120000"/>
+                </a:lnTo>
+                <a:close/>
+              </a:path>
+            </a:pathLst>
+          </a:custGeom>
+        </p:spPr>
+      </p:sp>
+      <p:sp>
+        <p:nvSpPr>
+          <p:cNvPr id="73" name="Google Shape;73;g7b244c7288_0_54:notes"/>
+          <p:cNvSpPr txBox="1">
+            <a:spLocks noGrp="1"/>
+          </p:cNvSpPr>
+          <p:nvPr>
+            <p:ph type="body" idx="1"/>
+          </p:nvPr>
+        </p:nvSpPr>
+        <p:spPr>
+          <a:xfrm>
+            <a:off x="685800" y="4343400"/>
+            <a:ext cx="5486400" cy="4114800"/>
+          </a:xfrm>
+          <a:prstGeom prst="rect">
+            <a:avLst/>
+          </a:prstGeom>
+        </p:spPr>
+        <p:txBody>
+          <a:bodyPr spcFirstLastPara="1" wrap="square" lIns="91425" tIns="91425" rIns="91425" bIns="91425" anchor="t" anchorCtr="0">
+            <a:noAutofit/>
+          </a:bodyPr>
+          <a:lstStyle/>
+          <a:p>
+            <a:pPr marL="0" lvl="0" indent="0" algn="l" rtl="0">
+              <a:spcBef>
+                <a:spcPts val="0"/>
+              </a:spcBef>
+              <a:spcAft>
+                <a:spcPts val="0"/>
+              </a:spcAft>
+              <a:buNone/>
+            </a:pPr>
+            <a:r>
+              <a:rPr lang="en-GB" dirty="0"/>
+              <a:t>https://en.wikipedia.org/wiki/Data_model</a:t>
+            </a:r>
+            <a:endParaRPr dirty="0"/>
+          </a:p>
+        </p:txBody>
+      </p:sp>
+    </p:spTree>
+    <p:extLst>
+      <p:ext uri="{BB962C8B-B14F-4D97-AF65-F5344CB8AC3E}">
+        <p14:creationId xmlns:p14="http://schemas.microsoft.com/office/powerpoint/2010/main" val="2642747601"/>
+      </p:ext>
+    </p:extLst>
+  </p:cSld>
+  <p:clrMapOvr>
+    <a:masterClrMapping/>
+  </p:clrMapOvr>
+</p:notes>
+</file>
+
+<file path=ppt/notesSlides/notesSlide5.xml><?xml version="1.0" encoding="utf-8"?>
+<p:notes xmlns:a="http://schemas.openxmlformats.org/drawingml/2006/main" xmlns:r="http://schemas.openxmlformats.org/officeDocument/2006/relationships" xmlns:p="http://schemas.openxmlformats.org/presentationml/2006/main" showMasterSp="0" showMasterPhAnim="0">
+  <p:cSld>
+    <p:spTree>
+      <p:nvGrpSpPr>
+        <p:cNvPr id="1" name="Shape 89"/>
+        <p:cNvGrpSpPr/>
+        <p:nvPr/>
+      </p:nvGrpSpPr>
+      <p:grpSpPr>
+        <a:xfrm>
+          <a:off x="0" y="0"/>
+          <a:ext cx="0" cy="0"/>
+          <a:chOff x="0" y="0"/>
+          <a:chExt cx="0" cy="0"/>
+        </a:xfrm>
+      </p:grpSpPr>
+      <p:sp>
+        <p:nvSpPr>
+          <p:cNvPr id="90" name="Google Shape;90;g7b244c7288_0_59:notes"/>
+          <p:cNvSpPr>
+            <a:spLocks noGrp="1" noRot="1" noChangeAspect="1"/>
+          </p:cNvSpPr>
+          <p:nvPr>
+            <p:ph type="sldImg" idx="2"/>
+          </p:nvPr>
+        </p:nvSpPr>
+        <p:spPr>
+          <a:xfrm>
+            <a:off x="381000" y="685800"/>
+            <a:ext cx="6096000" cy="3429000"/>
+          </a:xfrm>
+          <a:custGeom>
+            <a:avLst/>
+            <a:gdLst/>
+            <a:ahLst/>
+            <a:cxnLst/>
+            <a:rect l="l" t="t" r="r" b="b"/>
+            <a:pathLst>
+              <a:path w="120000" h="120000" extrusionOk="0">
+                <a:moveTo>
+                  <a:pt x="0" y="0"/>
+                </a:moveTo>
+                <a:lnTo>
+                  <a:pt x="120000" y="0"/>
+                </a:lnTo>
+                <a:lnTo>
+                  <a:pt x="120000" y="120000"/>
+                </a:lnTo>
+                <a:lnTo>
+                  <a:pt x="0" y="120000"/>
+                </a:lnTo>
+                <a:close/>
+              </a:path>
+            </a:pathLst>
+          </a:custGeom>
+        </p:spPr>
+      </p:sp>
+      <p:sp>
+        <p:nvSpPr>
+          <p:cNvPr id="91" name="Google Shape;91;g7b244c7288_0_59:notes"/>
+          <p:cNvSpPr txBox="1">
+            <a:spLocks noGrp="1"/>
+          </p:cNvSpPr>
+          <p:nvPr>
+            <p:ph type="body" idx="1"/>
+          </p:nvPr>
+        </p:nvSpPr>
+        <p:spPr>
+          <a:xfrm>
+            <a:off x="685800" y="4343400"/>
+            <a:ext cx="5486400" cy="4114800"/>
+          </a:xfrm>
+          <a:prstGeom prst="rect">
+            <a:avLst/>
+          </a:prstGeom>
+        </p:spPr>
+        <p:txBody>
+          <a:bodyPr spcFirstLastPara="1" wrap="square" lIns="91425" tIns="91425" rIns="91425" bIns="91425" anchor="t" anchorCtr="0">
+            <a:noAutofit/>
+          </a:bodyPr>
+          <a:lstStyle/>
+          <a:p>
+            <a:pPr marL="0" lvl="0" indent="0" algn="l" rtl="0">
+              <a:spcBef>
+                <a:spcPts val="0"/>
+              </a:spcBef>
+              <a:spcAft>
+                <a:spcPts val="0"/>
+              </a:spcAft>
+              <a:buNone/>
+            </a:pPr>
+            <a:r>
+              <a:rPr lang="en-GB" dirty="0"/>
+              <a:t>https://</a:t>
+            </a:r>
+            <a:r>
+              <a:rPr lang="en-GB" dirty="0" smtClean="0"/>
+              <a:t>www.guru99.com/data-modelling-conceptual-logical.html</a:t>
+            </a:r>
+          </a:p>
+          <a:p>
+            <a:pPr marL="0" lvl="0" indent="0" algn="l" rtl="0">
+              <a:spcBef>
+                <a:spcPts val="0"/>
+              </a:spcBef>
+              <a:spcAft>
+                <a:spcPts val="0"/>
+              </a:spcAft>
+              <a:buNone/>
+            </a:pPr>
+            <a:endParaRPr lang="en-GB" dirty="0" smtClean="0"/>
+          </a:p>
+          <a:p>
+            <a:pPr marL="0" lvl="0" indent="0" algn="l" rtl="0">
+              <a:spcBef>
+                <a:spcPts val="0"/>
+              </a:spcBef>
+              <a:spcAft>
+                <a:spcPts val="0"/>
+              </a:spcAft>
+              <a:buNone/>
+            </a:pPr>
+            <a:r>
+              <a:rPr lang="en-MY" dirty="0" smtClean="0"/>
+              <a:t>https://serc.carleton.edu/introgeo/mathstatmodels/why.html</a:t>
+            </a:r>
+            <a:endParaRPr dirty="0"/>
+          </a:p>
+        </p:txBody>
+      </p:sp>
+    </p:spTree>
+  </p:cSld>
+  <p:clrMapOvr>
+    <a:masterClrMapping/>
+  </p:clrMapOvr>
+</p:notes>
+</file>
+
+<file path=ppt/notesSlides/notesSlide6.xml><?xml version="1.0" encoding="utf-8"?>
+<p:notes xmlns:a="http://schemas.openxmlformats.org/drawingml/2006/main" xmlns:r="http://schemas.openxmlformats.org/officeDocument/2006/relationships" xmlns:p="http://schemas.openxmlformats.org/presentationml/2006/main" showMasterSp="0" showMasterPhAnim="0">
+  <p:cSld>
+    <p:spTree>
+      <p:nvGrpSpPr>
+        <p:cNvPr id="1" name="Shape 77"/>
         <p:cNvGrpSpPr/>
         <p:nvPr/>
       </p:nvGrpSpPr>
@@ -1198,20 +1378,26 @@
       <p:sp>
         <p:nvSpPr>
           <p:cNvPr id="78" name="Google Shape;78;g7b244c7288_0_83:notes"/>
-          <p:cNvSpPr/>
+          <p:cNvSpPr>
+            <a:spLocks noGrp="1" noRot="1" noChangeAspect="1"/>
+          </p:cNvSpPr>
           <p:nvPr>
-            <p:ph idx="2" type="sldImg"/>
+            <p:ph type="sldImg" idx="2"/>
           </p:nvPr>
         </p:nvSpPr>
         <p:spPr>
           <a:xfrm>
-            <a:off x="381300" y="685800"/>
+            <a:off x="381000" y="685800"/>
             <a:ext cx="6096000" cy="3429000"/>
           </a:xfrm>
           <a:custGeom>
-            <a:rect b="b" l="l" r="r" t="t"/>
+            <a:avLst/>
+            <a:gdLst/>
+            <a:ahLst/>
+            <a:cxnLst/>
+            <a:rect l="l" t="t" r="r" b="b"/>
             <a:pathLst>
-              <a:path extrusionOk="0" h="120000" w="120000">
+              <a:path w="120000" h="120000" extrusionOk="0">
                 <a:moveTo>
                   <a:pt x="0" y="0"/>
                 </a:moveTo>
@@ -1233,9 +1419,11 @@
       <p:sp>
         <p:nvSpPr>
           <p:cNvPr id="79" name="Google Shape;79;g7b244c7288_0_83:notes"/>
-          <p:cNvSpPr txBox="1"/>
+          <p:cNvSpPr txBox="1">
+            <a:spLocks noGrp="1"/>
+          </p:cNvSpPr>
           <p:nvPr>
-            <p:ph idx="1" type="body"/>
+            <p:ph type="body" idx="1"/>
           </p:nvPr>
         </p:nvSpPr>
         <p:spPr>
@@ -1248,12 +1436,12 @@
           </a:prstGeom>
         </p:spPr>
         <p:txBody>
-          <a:bodyPr anchorCtr="0" anchor="t" bIns="91425" lIns="91425" spcFirstLastPara="1" rIns="91425" wrap="square" tIns="91425">
+          <a:bodyPr spcFirstLastPara="1" wrap="square" lIns="91425" tIns="91425" rIns="91425" bIns="91425" anchor="t" anchorCtr="0">
             <a:noAutofit/>
           </a:bodyPr>
           <a:lstStyle/>
           <a:p>
-            <a:pPr indent="0" lvl="0" marL="0" rtl="0" algn="l">
+            <a:pPr marL="0" lvl="0" indent="0" algn="l" rtl="0">
               <a:spcBef>
                 <a:spcPts val="0"/>
               </a:spcBef>
@@ -1278,12 +1466,269 @@
 </p:notes>
 </file>
 
-<file path=ppt/notesSlides/notesSlide5.xml><?xml version="1.0" encoding="utf-8"?>
-<p:notes xmlns:a="http://schemas.openxmlformats.org/drawingml/2006/main" xmlns:r="http://schemas.openxmlformats.org/officeDocument/2006/relationships" xmlns:mc="http://schemas.openxmlformats.org/markup-compatibility/2006" xmlns:mv="urn:schemas-microsoft-com:mac:vml" xmlns:p="http://schemas.openxmlformats.org/presentationml/2006/main" xmlns:c="http://schemas.openxmlformats.org/drawingml/2006/chart" xmlns:dgm="http://schemas.openxmlformats.org/drawingml/2006/diagram" xmlns:o="urn:schemas-microsoft-com:office:office" xmlns:v="urn:schemas-microsoft-com:vml" xmlns:pvml="urn:schemas-microsoft-com:office:powerpoint" xmlns:com="http://schemas.openxmlformats.org/drawingml/2006/compatibility" xmlns:p14="http://schemas.microsoft.com/office/powerpoint/2010/main" xmlns:p15="http://schemas.microsoft.com/office/powerpoint/2012/main" xmlns:ahyp="http://schemas.microsoft.com/office/drawing/2018/hyperlinkcolor" showMasterPhAnim="0" showMasterSp="0">
+<file path=ppt/notesSlides/notesSlide7.xml><?xml version="1.0" encoding="utf-8"?>
+<p:notes xmlns:a="http://schemas.openxmlformats.org/drawingml/2006/main" xmlns:r="http://schemas.openxmlformats.org/officeDocument/2006/relationships" xmlns:p="http://schemas.openxmlformats.org/presentationml/2006/main" showMasterSp="0" showMasterPhAnim="0">
   <p:cSld>
     <p:spTree>
       <p:nvGrpSpPr>
-        <p:cNvPr id="83" name="Shape 83"/>
+        <p:cNvPr id="1" name="Shape 77"/>
+        <p:cNvGrpSpPr/>
+        <p:nvPr/>
+      </p:nvGrpSpPr>
+      <p:grpSpPr>
+        <a:xfrm>
+          <a:off x="0" y="0"/>
+          <a:ext cx="0" cy="0"/>
+          <a:chOff x="0" y="0"/>
+          <a:chExt cx="0" cy="0"/>
+        </a:xfrm>
+      </p:grpSpPr>
+      <p:sp>
+        <p:nvSpPr>
+          <p:cNvPr id="78" name="Google Shape;78;g7b244c7288_0_83:notes"/>
+          <p:cNvSpPr>
+            <a:spLocks noGrp="1" noRot="1" noChangeAspect="1"/>
+          </p:cNvSpPr>
+          <p:nvPr>
+            <p:ph type="sldImg" idx="2"/>
+          </p:nvPr>
+        </p:nvSpPr>
+        <p:spPr>
+          <a:xfrm>
+            <a:off x="381000" y="685800"/>
+            <a:ext cx="6096000" cy="3429000"/>
+          </a:xfrm>
+          <a:custGeom>
+            <a:avLst/>
+            <a:gdLst/>
+            <a:ahLst/>
+            <a:cxnLst/>
+            <a:rect l="l" t="t" r="r" b="b"/>
+            <a:pathLst>
+              <a:path w="120000" h="120000" extrusionOk="0">
+                <a:moveTo>
+                  <a:pt x="0" y="0"/>
+                </a:moveTo>
+                <a:lnTo>
+                  <a:pt x="120000" y="0"/>
+                </a:lnTo>
+                <a:lnTo>
+                  <a:pt x="120000" y="120000"/>
+                </a:lnTo>
+                <a:lnTo>
+                  <a:pt x="0" y="120000"/>
+                </a:lnTo>
+                <a:close/>
+              </a:path>
+            </a:pathLst>
+          </a:custGeom>
+        </p:spPr>
+      </p:sp>
+      <p:sp>
+        <p:nvSpPr>
+          <p:cNvPr id="79" name="Google Shape;79;g7b244c7288_0_83:notes"/>
+          <p:cNvSpPr txBox="1">
+            <a:spLocks noGrp="1"/>
+          </p:cNvSpPr>
+          <p:nvPr>
+            <p:ph type="body" idx="1"/>
+          </p:nvPr>
+        </p:nvSpPr>
+        <p:spPr>
+          <a:xfrm>
+            <a:off x="685800" y="4343400"/>
+            <a:ext cx="5486400" cy="4114800"/>
+          </a:xfrm>
+          <a:prstGeom prst="rect">
+            <a:avLst/>
+          </a:prstGeom>
+        </p:spPr>
+        <p:txBody>
+          <a:bodyPr spcFirstLastPara="1" wrap="square" lIns="91425" tIns="91425" rIns="91425" bIns="91425" anchor="t" anchorCtr="0">
+            <a:noAutofit/>
+          </a:bodyPr>
+          <a:lstStyle/>
+          <a:p>
+            <a:pPr marL="0" lvl="0" indent="0" algn="l" rtl="0">
+              <a:spcBef>
+                <a:spcPts val="0"/>
+              </a:spcBef>
+              <a:spcAft>
+                <a:spcPts val="0"/>
+              </a:spcAft>
+              <a:buNone/>
+            </a:pPr>
+            <a:r>
+              <a:rPr lang="en-GB" dirty="0"/>
+              <a:t>https://</a:t>
+            </a:r>
+            <a:r>
+              <a:rPr lang="en-GB" dirty="0" smtClean="0"/>
+              <a:t>www.datasciencecentral.com/profiles/blogs/top-20-uses-of-statistical-modelling</a:t>
+            </a:r>
+          </a:p>
+          <a:p>
+            <a:pPr marL="0" lvl="0" indent="0" algn="l" rtl="0">
+              <a:spcBef>
+                <a:spcPts val="0"/>
+              </a:spcBef>
+              <a:spcAft>
+                <a:spcPts val="0"/>
+              </a:spcAft>
+              <a:buNone/>
+            </a:pPr>
+            <a:endParaRPr lang="en-GB" dirty="0" smtClean="0"/>
+          </a:p>
+          <a:p>
+            <a:pPr marL="0" lvl="0" indent="0" algn="l" rtl="0">
+              <a:spcBef>
+                <a:spcPts val="0"/>
+              </a:spcBef>
+              <a:spcAft>
+                <a:spcPts val="0"/>
+              </a:spcAft>
+              <a:buNone/>
+            </a:pPr>
+            <a:r>
+              <a:rPr lang="en-MY" dirty="0" smtClean="0"/>
+              <a:t>https://analyticsindiamag.com/7-types-classification-algorithms/</a:t>
+            </a:r>
+            <a:endParaRPr dirty="0"/>
+          </a:p>
+        </p:txBody>
+      </p:sp>
+    </p:spTree>
+    <p:extLst>
+      <p:ext uri="{BB962C8B-B14F-4D97-AF65-F5344CB8AC3E}">
+        <p14:creationId xmlns:p14="http://schemas.microsoft.com/office/powerpoint/2010/main" val="2476222151"/>
+      </p:ext>
+    </p:extLst>
+  </p:cSld>
+  <p:clrMapOvr>
+    <a:masterClrMapping/>
+  </p:clrMapOvr>
+</p:notes>
+</file>
+
+<file path=ppt/notesSlides/notesSlide8.xml><?xml version="1.0" encoding="utf-8"?>
+<p:notes xmlns:a="http://schemas.openxmlformats.org/drawingml/2006/main" xmlns:r="http://schemas.openxmlformats.org/officeDocument/2006/relationships" xmlns:p="http://schemas.openxmlformats.org/presentationml/2006/main" showMasterSp="0" showMasterPhAnim="0">
+  <p:cSld>
+    <p:spTree>
+      <p:nvGrpSpPr>
+        <p:cNvPr id="1" name="Shape 77"/>
+        <p:cNvGrpSpPr/>
+        <p:nvPr/>
+      </p:nvGrpSpPr>
+      <p:grpSpPr>
+        <a:xfrm>
+          <a:off x="0" y="0"/>
+          <a:ext cx="0" cy="0"/>
+          <a:chOff x="0" y="0"/>
+          <a:chExt cx="0" cy="0"/>
+        </a:xfrm>
+      </p:grpSpPr>
+      <p:sp>
+        <p:nvSpPr>
+          <p:cNvPr id="78" name="Google Shape;78;g7b244c7288_0_83:notes"/>
+          <p:cNvSpPr>
+            <a:spLocks noGrp="1" noRot="1" noChangeAspect="1"/>
+          </p:cNvSpPr>
+          <p:nvPr>
+            <p:ph type="sldImg" idx="2"/>
+          </p:nvPr>
+        </p:nvSpPr>
+        <p:spPr>
+          <a:xfrm>
+            <a:off x="381000" y="685800"/>
+            <a:ext cx="6096000" cy="3429000"/>
+          </a:xfrm>
+          <a:custGeom>
+            <a:avLst/>
+            <a:gdLst/>
+            <a:ahLst/>
+            <a:cxnLst/>
+            <a:rect l="l" t="t" r="r" b="b"/>
+            <a:pathLst>
+              <a:path w="120000" h="120000" extrusionOk="0">
+                <a:moveTo>
+                  <a:pt x="0" y="0"/>
+                </a:moveTo>
+                <a:lnTo>
+                  <a:pt x="120000" y="0"/>
+                </a:lnTo>
+                <a:lnTo>
+                  <a:pt x="120000" y="120000"/>
+                </a:lnTo>
+                <a:lnTo>
+                  <a:pt x="0" y="120000"/>
+                </a:lnTo>
+                <a:close/>
+              </a:path>
+            </a:pathLst>
+          </a:custGeom>
+        </p:spPr>
+      </p:sp>
+      <p:sp>
+        <p:nvSpPr>
+          <p:cNvPr id="79" name="Google Shape;79;g7b244c7288_0_83:notes"/>
+          <p:cNvSpPr txBox="1">
+            <a:spLocks noGrp="1"/>
+          </p:cNvSpPr>
+          <p:nvPr>
+            <p:ph type="body" idx="1"/>
+          </p:nvPr>
+        </p:nvSpPr>
+        <p:spPr>
+          <a:xfrm>
+            <a:off x="685800" y="4343400"/>
+            <a:ext cx="5486400" cy="4114800"/>
+          </a:xfrm>
+          <a:prstGeom prst="rect">
+            <a:avLst/>
+          </a:prstGeom>
+        </p:spPr>
+        <p:txBody>
+          <a:bodyPr spcFirstLastPara="1" wrap="square" lIns="91425" tIns="91425" rIns="91425" bIns="91425" anchor="t" anchorCtr="0">
+            <a:noAutofit/>
+          </a:bodyPr>
+          <a:lstStyle/>
+          <a:p>
+            <a:pPr marL="0" lvl="0" indent="0" algn="l" rtl="0">
+              <a:spcBef>
+                <a:spcPts val="0"/>
+              </a:spcBef>
+              <a:spcAft>
+                <a:spcPts val="0"/>
+              </a:spcAft>
+              <a:buNone/>
+            </a:pPr>
+            <a:r>
+              <a:rPr lang="en-GB"/>
+              <a:t>https://www.datasciencecentral.com/profiles/blogs/top-20-uses-of-statistical-modeling</a:t>
+            </a:r>
+            <a:endParaRPr/>
+          </a:p>
+        </p:txBody>
+      </p:sp>
+    </p:spTree>
+    <p:extLst>
+      <p:ext uri="{BB962C8B-B14F-4D97-AF65-F5344CB8AC3E}">
+        <p14:creationId xmlns:p14="http://schemas.microsoft.com/office/powerpoint/2010/main" val="401632056"/>
+      </p:ext>
+    </p:extLst>
+  </p:cSld>
+  <p:clrMapOvr>
+    <a:masterClrMapping/>
+  </p:clrMapOvr>
+</p:notes>
+</file>
+
+<file path=ppt/notesSlides/notesSlide9.xml><?xml version="1.0" encoding="utf-8"?>
+<p:notes xmlns:a="http://schemas.openxmlformats.org/drawingml/2006/main" xmlns:r="http://schemas.openxmlformats.org/officeDocument/2006/relationships" xmlns:p="http://schemas.openxmlformats.org/presentationml/2006/main" showMasterSp="0" showMasterPhAnim="0">
+  <p:cSld>
+    <p:spTree>
+      <p:nvGrpSpPr>
+        <p:cNvPr id="1" name="Shape 83"/>
         <p:cNvGrpSpPr/>
         <p:nvPr/>
       </p:nvGrpSpPr>
@@ -1298,20 +1743,26 @@
       <p:sp>
         <p:nvSpPr>
           <p:cNvPr id="84" name="Google Shape;84;gd679ff7f26_0_0:notes"/>
-          <p:cNvSpPr/>
+          <p:cNvSpPr>
+            <a:spLocks noGrp="1" noRot="1" noChangeAspect="1"/>
+          </p:cNvSpPr>
           <p:nvPr>
-            <p:ph idx="2" type="sldImg"/>
+            <p:ph type="sldImg" idx="2"/>
           </p:nvPr>
         </p:nvSpPr>
         <p:spPr>
           <a:xfrm>
-            <a:off x="381300" y="685800"/>
+            <a:off x="381000" y="685800"/>
             <a:ext cx="6096000" cy="3429000"/>
           </a:xfrm>
           <a:custGeom>
-            <a:rect b="b" l="l" r="r" t="t"/>
+            <a:avLst/>
+            <a:gdLst/>
+            <a:ahLst/>
+            <a:cxnLst/>
+            <a:rect l="l" t="t" r="r" b="b"/>
             <a:pathLst>
-              <a:path extrusionOk="0" h="120000" w="120000">
+              <a:path w="120000" h="120000" extrusionOk="0">
                 <a:moveTo>
                   <a:pt x="0" y="0"/>
                 </a:moveTo>
@@ -1333,9 +1784,11 @@
       <p:sp>
         <p:nvSpPr>
           <p:cNvPr id="85" name="Google Shape;85;gd679ff7f26_0_0:notes"/>
-          <p:cNvSpPr txBox="1"/>
+          <p:cNvSpPr txBox="1">
+            <a:spLocks noGrp="1"/>
+          </p:cNvSpPr>
           <p:nvPr>
-            <p:ph idx="1" type="body"/>
+            <p:ph type="body" idx="1"/>
           </p:nvPr>
         </p:nvSpPr>
         <p:spPr>
@@ -1348,723 +1801,25 @@
           </a:prstGeom>
         </p:spPr>
         <p:txBody>
-          <a:bodyPr anchorCtr="0" anchor="t" bIns="91425" lIns="91425" spcFirstLastPara="1" rIns="91425" wrap="square" tIns="91425">
+          <a:bodyPr spcFirstLastPara="1" wrap="square" lIns="91425" tIns="91425" rIns="91425" bIns="91425" anchor="t" anchorCtr="0">
             <a:noAutofit/>
           </a:bodyPr>
           <a:lstStyle/>
           <a:p>
-            <a:pPr indent="-342900" lvl="0" marL="457200" rtl="0" algn="l">
-              <a:lnSpc>
-                <a:spcPct val="115000"/>
-              </a:lnSpc>
-              <a:spcBef>
-                <a:spcPts val="0"/>
-              </a:spcBef>
-              <a:spcAft>
-                <a:spcPts val="0"/>
-              </a:spcAft>
-              <a:buClr>
-                <a:schemeClr val="lt1"/>
-              </a:buClr>
-              <a:buSzPts val="1800"/>
-              <a:buFont typeface="Roboto"/>
-              <a:buAutoNum type="arabicPeriod"/>
+            <a:pPr marL="0" lvl="0" indent="0" algn="l" rtl="0">
+              <a:spcBef>
+                <a:spcPts val="1200"/>
+              </a:spcBef>
+              <a:spcAft>
+                <a:spcPts val="0"/>
+              </a:spcAft>
+              <a:buNone/>
             </a:pPr>
             <a:r>
-              <a:rPr lang="en-GB" sz="1800">
-                <a:solidFill>
-                  <a:schemeClr val="lt1"/>
-                </a:solidFill>
-                <a:latin typeface="Roboto"/>
-                <a:ea typeface="Roboto"/>
-                <a:cs typeface="Roboto"/>
-                <a:sym typeface="Roboto"/>
-              </a:rPr>
-              <a:t>inear Model</a:t>
+              <a:rPr lang="en-MY" dirty="0" smtClean="0"/>
+              <a:t>https://towardsdatascience.com/types-of-neural-network-and-what-each-one-does-explained-d9b4c0ed63a1</a:t>
             </a:r>
-            <a:endParaRPr sz="1800">
-              <a:solidFill>
-                <a:schemeClr val="lt1"/>
-              </a:solidFill>
-              <a:latin typeface="Roboto"/>
-              <a:ea typeface="Roboto"/>
-              <a:cs typeface="Roboto"/>
-              <a:sym typeface="Roboto"/>
-            </a:endParaRPr>
-          </a:p>
-          <a:p>
-            <a:pPr indent="-342900" lvl="0" marL="457200" rtl="0" algn="l">
-              <a:lnSpc>
-                <a:spcPct val="115000"/>
-              </a:lnSpc>
-              <a:spcBef>
-                <a:spcPts val="0"/>
-              </a:spcBef>
-              <a:spcAft>
-                <a:spcPts val="0"/>
-              </a:spcAft>
-              <a:buClr>
-                <a:schemeClr val="lt1"/>
-              </a:buClr>
-              <a:buSzPts val="1800"/>
-              <a:buFont typeface="Roboto"/>
-              <a:buAutoNum type="arabicPeriod"/>
-            </a:pPr>
-            <a:r>
-              <a:rPr lang="en-GB" sz="1800">
-                <a:solidFill>
-                  <a:schemeClr val="lt1"/>
-                </a:solidFill>
-                <a:latin typeface="Roboto"/>
-                <a:ea typeface="Roboto"/>
-                <a:cs typeface="Roboto"/>
-                <a:sym typeface="Roboto"/>
-              </a:rPr>
-              <a:t>Polynomial Model</a:t>
-            </a:r>
-            <a:endParaRPr sz="1800">
-              <a:solidFill>
-                <a:schemeClr val="lt1"/>
-              </a:solidFill>
-              <a:latin typeface="Roboto"/>
-              <a:ea typeface="Roboto"/>
-              <a:cs typeface="Roboto"/>
-              <a:sym typeface="Roboto"/>
-            </a:endParaRPr>
-          </a:p>
-          <a:p>
-            <a:pPr indent="-342900" lvl="0" marL="457200" rtl="0" algn="l">
-              <a:lnSpc>
-                <a:spcPct val="115000"/>
-              </a:lnSpc>
-              <a:spcBef>
-                <a:spcPts val="0"/>
-              </a:spcBef>
-              <a:spcAft>
-                <a:spcPts val="0"/>
-              </a:spcAft>
-              <a:buClr>
-                <a:schemeClr val="lt1"/>
-              </a:buClr>
-              <a:buSzPts val="1800"/>
-              <a:buFont typeface="Roboto"/>
-              <a:buAutoNum type="arabicPeriod"/>
-            </a:pPr>
-            <a:r>
-              <a:rPr lang="en-GB" sz="1800">
-                <a:solidFill>
-                  <a:schemeClr val="lt1"/>
-                </a:solidFill>
-                <a:latin typeface="Roboto"/>
-                <a:ea typeface="Roboto"/>
-                <a:cs typeface="Roboto"/>
-                <a:sym typeface="Roboto"/>
-              </a:rPr>
-              <a:t>Machine Learning Model</a:t>
-            </a:r>
-            <a:endParaRPr sz="1800">
-              <a:solidFill>
-                <a:schemeClr val="lt1"/>
-              </a:solidFill>
-              <a:latin typeface="Roboto"/>
-              <a:ea typeface="Roboto"/>
-              <a:cs typeface="Roboto"/>
-              <a:sym typeface="Roboto"/>
-            </a:endParaRPr>
-          </a:p>
-          <a:p>
-            <a:pPr indent="-317500" lvl="1" marL="914400" rtl="0" algn="l">
-              <a:lnSpc>
-                <a:spcPct val="115000"/>
-              </a:lnSpc>
-              <a:spcBef>
-                <a:spcPts val="0"/>
-              </a:spcBef>
-              <a:spcAft>
-                <a:spcPts val="0"/>
-              </a:spcAft>
-              <a:buClr>
-                <a:schemeClr val="lt1"/>
-              </a:buClr>
-              <a:buSzPts val="1400"/>
-              <a:buFont typeface="Roboto"/>
-              <a:buAutoNum type="alphaLcPeriod"/>
-            </a:pPr>
-            <a:r>
-              <a:rPr lang="en-GB" sz="1400">
-                <a:solidFill>
-                  <a:schemeClr val="lt1"/>
-                </a:solidFill>
-                <a:latin typeface="Roboto"/>
-                <a:ea typeface="Roboto"/>
-                <a:cs typeface="Roboto"/>
-                <a:sym typeface="Roboto"/>
-              </a:rPr>
-              <a:t>SVM</a:t>
-            </a:r>
-            <a:endParaRPr sz="1400">
-              <a:solidFill>
-                <a:schemeClr val="lt1"/>
-              </a:solidFill>
-              <a:latin typeface="Roboto"/>
-              <a:ea typeface="Roboto"/>
-              <a:cs typeface="Roboto"/>
-              <a:sym typeface="Roboto"/>
-            </a:endParaRPr>
-          </a:p>
-          <a:p>
-            <a:pPr indent="-317500" lvl="1" marL="914400" rtl="0" algn="l">
-              <a:lnSpc>
-                <a:spcPct val="115000"/>
-              </a:lnSpc>
-              <a:spcBef>
-                <a:spcPts val="0"/>
-              </a:spcBef>
-              <a:spcAft>
-                <a:spcPts val="0"/>
-              </a:spcAft>
-              <a:buClr>
-                <a:schemeClr val="lt1"/>
-              </a:buClr>
-              <a:buSzPts val="1400"/>
-              <a:buFont typeface="Roboto"/>
-              <a:buAutoNum type="alphaLcPeriod"/>
-            </a:pPr>
-            <a:r>
-              <a:rPr lang="en-GB" sz="1400">
-                <a:solidFill>
-                  <a:schemeClr val="lt1"/>
-                </a:solidFill>
-                <a:latin typeface="Roboto"/>
-                <a:ea typeface="Roboto"/>
-                <a:cs typeface="Roboto"/>
-                <a:sym typeface="Roboto"/>
-              </a:rPr>
-              <a:t>Random Forest</a:t>
-            </a:r>
-            <a:endParaRPr sz="1400">
-              <a:solidFill>
-                <a:schemeClr val="lt1"/>
-              </a:solidFill>
-              <a:latin typeface="Roboto"/>
-              <a:ea typeface="Roboto"/>
-              <a:cs typeface="Roboto"/>
-              <a:sym typeface="Roboto"/>
-            </a:endParaRPr>
-          </a:p>
-          <a:p>
-            <a:pPr indent="-317500" lvl="1" marL="914400" rtl="0" algn="l">
-              <a:lnSpc>
-                <a:spcPct val="115000"/>
-              </a:lnSpc>
-              <a:spcBef>
-                <a:spcPts val="0"/>
-              </a:spcBef>
-              <a:spcAft>
-                <a:spcPts val="0"/>
-              </a:spcAft>
-              <a:buClr>
-                <a:schemeClr val="lt1"/>
-              </a:buClr>
-              <a:buSzPts val="1400"/>
-              <a:buFont typeface="Roboto"/>
-              <a:buAutoNum type="alphaLcPeriod"/>
-            </a:pPr>
-            <a:r>
-              <a:rPr lang="en-GB" sz="1400">
-                <a:solidFill>
-                  <a:schemeClr val="lt1"/>
-                </a:solidFill>
-                <a:latin typeface="Roboto"/>
-                <a:ea typeface="Roboto"/>
-                <a:cs typeface="Roboto"/>
-                <a:sym typeface="Roboto"/>
-              </a:rPr>
-              <a:t>Feedforward Neural Network</a:t>
-            </a:r>
-            <a:endParaRPr sz="1400">
-              <a:solidFill>
-                <a:schemeClr val="lt1"/>
-              </a:solidFill>
-              <a:latin typeface="Roboto"/>
-              <a:ea typeface="Roboto"/>
-              <a:cs typeface="Roboto"/>
-              <a:sym typeface="Roboto"/>
-            </a:endParaRPr>
-          </a:p>
-          <a:p>
-            <a:pPr indent="-317500" lvl="1" marL="914400" rtl="0" algn="l">
-              <a:lnSpc>
-                <a:spcPct val="115000"/>
-              </a:lnSpc>
-              <a:spcBef>
-                <a:spcPts val="0"/>
-              </a:spcBef>
-              <a:spcAft>
-                <a:spcPts val="0"/>
-              </a:spcAft>
-              <a:buClr>
-                <a:schemeClr val="lt1"/>
-              </a:buClr>
-              <a:buSzPts val="1400"/>
-              <a:buFont typeface="Roboto"/>
-              <a:buAutoNum type="alphaLcPeriod"/>
-            </a:pPr>
-            <a:r>
-              <a:t/>
-            </a:r>
-            <a:endParaRPr sz="1400">
-              <a:solidFill>
-                <a:schemeClr val="lt1"/>
-              </a:solidFill>
-              <a:latin typeface="Roboto"/>
-              <a:ea typeface="Roboto"/>
-              <a:cs typeface="Roboto"/>
-              <a:sym typeface="Roboto"/>
-            </a:endParaRPr>
-          </a:p>
-          <a:p>
-            <a:pPr indent="0" lvl="0" marL="0" rtl="0" algn="l">
-              <a:lnSpc>
-                <a:spcPct val="115000"/>
-              </a:lnSpc>
-              <a:spcBef>
-                <a:spcPts val="1200"/>
-              </a:spcBef>
-              <a:spcAft>
-                <a:spcPts val="0"/>
-              </a:spcAft>
-              <a:buClr>
-                <a:schemeClr val="dk1"/>
-              </a:buClr>
-              <a:buSzPts val="1100"/>
-              <a:buFont typeface="Arial"/>
-              <a:buNone/>
-            </a:pPr>
-            <a:r>
-              <a:t/>
-            </a:r>
-            <a:endParaRPr sz="1800">
-              <a:solidFill>
-                <a:schemeClr val="lt1"/>
-              </a:solidFill>
-              <a:latin typeface="Roboto"/>
-              <a:ea typeface="Roboto"/>
-              <a:cs typeface="Roboto"/>
-              <a:sym typeface="Roboto"/>
-            </a:endParaRPr>
-          </a:p>
-          <a:p>
-            <a:pPr indent="0" lvl="0" marL="0" rtl="0" algn="l">
-              <a:spcBef>
-                <a:spcPts val="1200"/>
-              </a:spcBef>
-              <a:spcAft>
-                <a:spcPts val="0"/>
-              </a:spcAft>
-              <a:buNone/>
-            </a:pPr>
-            <a:r>
-              <a:t/>
-            </a:r>
-            <a:endParaRPr/>
-          </a:p>
-        </p:txBody>
-      </p:sp>
-    </p:spTree>
-  </p:cSld>
-  <p:clrMapOvr>
-    <a:masterClrMapping/>
-  </p:clrMapOvr>
-</p:notes>
-</file>
-
-<file path=ppt/notesSlides/notesSlide6.xml><?xml version="1.0" encoding="utf-8"?>
-<p:notes xmlns:a="http://schemas.openxmlformats.org/drawingml/2006/main" xmlns:r="http://schemas.openxmlformats.org/officeDocument/2006/relationships" xmlns:mc="http://schemas.openxmlformats.org/markup-compatibility/2006" xmlns:mv="urn:schemas-microsoft-com:mac:vml" xmlns:p="http://schemas.openxmlformats.org/presentationml/2006/main" xmlns:c="http://schemas.openxmlformats.org/drawingml/2006/chart" xmlns:dgm="http://schemas.openxmlformats.org/drawingml/2006/diagram" xmlns:o="urn:schemas-microsoft-com:office:office" xmlns:v="urn:schemas-microsoft-com:vml" xmlns:pvml="urn:schemas-microsoft-com:office:powerpoint" xmlns:com="http://schemas.openxmlformats.org/drawingml/2006/compatibility" xmlns:p14="http://schemas.microsoft.com/office/powerpoint/2010/main" xmlns:p15="http://schemas.microsoft.com/office/powerpoint/2012/main" xmlns:ahyp="http://schemas.microsoft.com/office/drawing/2018/hyperlinkcolor" showMasterPhAnim="0" showMasterSp="0">
-  <p:cSld>
-    <p:spTree>
-      <p:nvGrpSpPr>
-        <p:cNvPr id="89" name="Shape 89"/>
-        <p:cNvGrpSpPr/>
-        <p:nvPr/>
-      </p:nvGrpSpPr>
-      <p:grpSpPr>
-        <a:xfrm>
-          <a:off x="0" y="0"/>
-          <a:ext cx="0" cy="0"/>
-          <a:chOff x="0" y="0"/>
-          <a:chExt cx="0" cy="0"/>
-        </a:xfrm>
-      </p:grpSpPr>
-      <p:sp>
-        <p:nvSpPr>
-          <p:cNvPr id="90" name="Google Shape;90;g7b244c7288_0_59:notes"/>
-          <p:cNvSpPr/>
-          <p:nvPr>
-            <p:ph idx="2" type="sldImg"/>
-          </p:nvPr>
-        </p:nvSpPr>
-        <p:spPr>
-          <a:xfrm>
-            <a:off x="381300" y="685800"/>
-            <a:ext cx="6096000" cy="3429000"/>
-          </a:xfrm>
-          <a:custGeom>
-            <a:rect b="b" l="l" r="r" t="t"/>
-            <a:pathLst>
-              <a:path extrusionOk="0" h="120000" w="120000">
-                <a:moveTo>
-                  <a:pt x="0" y="0"/>
-                </a:moveTo>
-                <a:lnTo>
-                  <a:pt x="120000" y="0"/>
-                </a:lnTo>
-                <a:lnTo>
-                  <a:pt x="120000" y="120000"/>
-                </a:lnTo>
-                <a:lnTo>
-                  <a:pt x="0" y="120000"/>
-                </a:lnTo>
-                <a:close/>
-              </a:path>
-            </a:pathLst>
-          </a:custGeom>
-        </p:spPr>
-      </p:sp>
-      <p:sp>
-        <p:nvSpPr>
-          <p:cNvPr id="91" name="Google Shape;91;g7b244c7288_0_59:notes"/>
-          <p:cNvSpPr txBox="1"/>
-          <p:nvPr>
-            <p:ph idx="1" type="body"/>
-          </p:nvPr>
-        </p:nvSpPr>
-        <p:spPr>
-          <a:xfrm>
-            <a:off x="685800" y="4343400"/>
-            <a:ext cx="5486400" cy="4114800"/>
-          </a:xfrm>
-          <a:prstGeom prst="rect">
-            <a:avLst/>
-          </a:prstGeom>
-        </p:spPr>
-        <p:txBody>
-          <a:bodyPr anchorCtr="0" anchor="t" bIns="91425" lIns="91425" spcFirstLastPara="1" rIns="91425" wrap="square" tIns="91425">
-            <a:noAutofit/>
-          </a:bodyPr>
-          <a:lstStyle/>
-          <a:p>
-            <a:pPr indent="0" lvl="0" marL="0" rtl="0" algn="l">
-              <a:spcBef>
-                <a:spcPts val="0"/>
-              </a:spcBef>
-              <a:spcAft>
-                <a:spcPts val="0"/>
-              </a:spcAft>
-              <a:buNone/>
-            </a:pPr>
-            <a:r>
-              <a:rPr lang="en-GB"/>
-              <a:t>https://www.guru99.com/data-modelling-conceptual-logical.html</a:t>
-            </a:r>
-            <a:endParaRPr/>
-          </a:p>
-        </p:txBody>
-      </p:sp>
-    </p:spTree>
-  </p:cSld>
-  <p:clrMapOvr>
-    <a:masterClrMapping/>
-  </p:clrMapOvr>
-</p:notes>
-</file>
-
-<file path=ppt/notesSlides/notesSlide7.xml><?xml version="1.0" encoding="utf-8"?>
-<p:notes xmlns:a="http://schemas.openxmlformats.org/drawingml/2006/main" xmlns:r="http://schemas.openxmlformats.org/officeDocument/2006/relationships" xmlns:mc="http://schemas.openxmlformats.org/markup-compatibility/2006" xmlns:mv="urn:schemas-microsoft-com:mac:vml" xmlns:p="http://schemas.openxmlformats.org/presentationml/2006/main" xmlns:c="http://schemas.openxmlformats.org/drawingml/2006/chart" xmlns:dgm="http://schemas.openxmlformats.org/drawingml/2006/diagram" xmlns:o="urn:schemas-microsoft-com:office:office" xmlns:v="urn:schemas-microsoft-com:vml" xmlns:pvml="urn:schemas-microsoft-com:office:powerpoint" xmlns:com="http://schemas.openxmlformats.org/drawingml/2006/compatibility" xmlns:p14="http://schemas.microsoft.com/office/powerpoint/2010/main" xmlns:p15="http://schemas.microsoft.com/office/powerpoint/2012/main" xmlns:ahyp="http://schemas.microsoft.com/office/drawing/2018/hyperlinkcolor" showMasterPhAnim="0" showMasterSp="0">
-  <p:cSld>
-    <p:spTree>
-      <p:nvGrpSpPr>
-        <p:cNvPr id="95" name="Shape 95"/>
-        <p:cNvGrpSpPr/>
-        <p:nvPr/>
-      </p:nvGrpSpPr>
-      <p:grpSpPr>
-        <a:xfrm>
-          <a:off x="0" y="0"/>
-          <a:ext cx="0" cy="0"/>
-          <a:chOff x="0" y="0"/>
-          <a:chExt cx="0" cy="0"/>
-        </a:xfrm>
-      </p:grpSpPr>
-      <p:sp>
-        <p:nvSpPr>
-          <p:cNvPr id="96" name="Google Shape;96;g7b244c7288_0_76:notes"/>
-          <p:cNvSpPr/>
-          <p:nvPr>
-            <p:ph idx="2" type="sldImg"/>
-          </p:nvPr>
-        </p:nvSpPr>
-        <p:spPr>
-          <a:xfrm>
-            <a:off x="381300" y="685800"/>
-            <a:ext cx="6096000" cy="3429000"/>
-          </a:xfrm>
-          <a:custGeom>
-            <a:rect b="b" l="l" r="r" t="t"/>
-            <a:pathLst>
-              <a:path extrusionOk="0" h="120000" w="120000">
-                <a:moveTo>
-                  <a:pt x="0" y="0"/>
-                </a:moveTo>
-                <a:lnTo>
-                  <a:pt x="120000" y="0"/>
-                </a:lnTo>
-                <a:lnTo>
-                  <a:pt x="120000" y="120000"/>
-                </a:lnTo>
-                <a:lnTo>
-                  <a:pt x="0" y="120000"/>
-                </a:lnTo>
-                <a:close/>
-              </a:path>
-            </a:pathLst>
-          </a:custGeom>
-        </p:spPr>
-      </p:sp>
-      <p:sp>
-        <p:nvSpPr>
-          <p:cNvPr id="97" name="Google Shape;97;g7b244c7288_0_76:notes"/>
-          <p:cNvSpPr txBox="1"/>
-          <p:nvPr>
-            <p:ph idx="1" type="body"/>
-          </p:nvPr>
-        </p:nvSpPr>
-        <p:spPr>
-          <a:xfrm>
-            <a:off x="685800" y="4343400"/>
-            <a:ext cx="5486400" cy="4114800"/>
-          </a:xfrm>
-          <a:prstGeom prst="rect">
-            <a:avLst/>
-          </a:prstGeom>
-        </p:spPr>
-        <p:txBody>
-          <a:bodyPr anchorCtr="0" anchor="t" bIns="91425" lIns="91425" spcFirstLastPara="1" rIns="91425" wrap="square" tIns="91425">
-            <a:noAutofit/>
-          </a:bodyPr>
-          <a:lstStyle/>
-          <a:p>
-            <a:pPr indent="0" lvl="0" marL="0" rtl="0" algn="l">
-              <a:spcBef>
-                <a:spcPts val="0"/>
-              </a:spcBef>
-              <a:spcAft>
-                <a:spcPts val="0"/>
-              </a:spcAft>
-              <a:buNone/>
-            </a:pPr>
-            <a:r>
-              <a:t/>
-            </a:r>
-            <a:endParaRPr/>
-          </a:p>
-        </p:txBody>
-      </p:sp>
-    </p:spTree>
-  </p:cSld>
-  <p:clrMapOvr>
-    <a:masterClrMapping/>
-  </p:clrMapOvr>
-</p:notes>
-</file>
-
-<file path=ppt/notesSlides/notesSlide8.xml><?xml version="1.0" encoding="utf-8"?>
-<p:notes xmlns:a="http://schemas.openxmlformats.org/drawingml/2006/main" xmlns:r="http://schemas.openxmlformats.org/officeDocument/2006/relationships" xmlns:mc="http://schemas.openxmlformats.org/markup-compatibility/2006" xmlns:mv="urn:schemas-microsoft-com:mac:vml" xmlns:p="http://schemas.openxmlformats.org/presentationml/2006/main" xmlns:c="http://schemas.openxmlformats.org/drawingml/2006/chart" xmlns:dgm="http://schemas.openxmlformats.org/drawingml/2006/diagram" xmlns:o="urn:schemas-microsoft-com:office:office" xmlns:v="urn:schemas-microsoft-com:vml" xmlns:pvml="urn:schemas-microsoft-com:office:powerpoint" xmlns:com="http://schemas.openxmlformats.org/drawingml/2006/compatibility" xmlns:p14="http://schemas.microsoft.com/office/powerpoint/2010/main" xmlns:p15="http://schemas.microsoft.com/office/powerpoint/2012/main" xmlns:ahyp="http://schemas.microsoft.com/office/drawing/2018/hyperlinkcolor" showMasterPhAnim="0" showMasterSp="0">
-  <p:cSld>
-    <p:spTree>
-      <p:nvGrpSpPr>
-        <p:cNvPr id="101" name="Shape 101"/>
-        <p:cNvGrpSpPr/>
-        <p:nvPr/>
-      </p:nvGrpSpPr>
-      <p:grpSpPr>
-        <a:xfrm>
-          <a:off x="0" y="0"/>
-          <a:ext cx="0" cy="0"/>
-          <a:chOff x="0" y="0"/>
-          <a:chExt cx="0" cy="0"/>
-        </a:xfrm>
-      </p:grpSpPr>
-      <p:sp>
-        <p:nvSpPr>
-          <p:cNvPr id="102" name="Google Shape;102;gd679ff7f26_0_24:notes"/>
-          <p:cNvSpPr/>
-          <p:nvPr>
-            <p:ph idx="2" type="sldImg"/>
-          </p:nvPr>
-        </p:nvSpPr>
-        <p:spPr>
-          <a:xfrm>
-            <a:off x="381300" y="685800"/>
-            <a:ext cx="6096000" cy="3429000"/>
-          </a:xfrm>
-          <a:custGeom>
-            <a:rect b="b" l="l" r="r" t="t"/>
-            <a:pathLst>
-              <a:path extrusionOk="0" h="120000" w="120000">
-                <a:moveTo>
-                  <a:pt x="0" y="0"/>
-                </a:moveTo>
-                <a:lnTo>
-                  <a:pt x="120000" y="0"/>
-                </a:lnTo>
-                <a:lnTo>
-                  <a:pt x="120000" y="120000"/>
-                </a:lnTo>
-                <a:lnTo>
-                  <a:pt x="0" y="120000"/>
-                </a:lnTo>
-                <a:close/>
-              </a:path>
-            </a:pathLst>
-          </a:custGeom>
-        </p:spPr>
-      </p:sp>
-      <p:sp>
-        <p:nvSpPr>
-          <p:cNvPr id="103" name="Google Shape;103;gd679ff7f26_0_24:notes"/>
-          <p:cNvSpPr txBox="1"/>
-          <p:nvPr>
-            <p:ph idx="1" type="body"/>
-          </p:nvPr>
-        </p:nvSpPr>
-        <p:spPr>
-          <a:xfrm>
-            <a:off x="685800" y="4343400"/>
-            <a:ext cx="5486400" cy="4114800"/>
-          </a:xfrm>
-          <a:prstGeom prst="rect">
-            <a:avLst/>
-          </a:prstGeom>
-        </p:spPr>
-        <p:txBody>
-          <a:bodyPr anchorCtr="0" anchor="t" bIns="91425" lIns="91425" spcFirstLastPara="1" rIns="91425" wrap="square" tIns="91425">
-            <a:noAutofit/>
-          </a:bodyPr>
-          <a:lstStyle/>
-          <a:p>
-            <a:pPr indent="0" lvl="0" marL="0" rtl="0" algn="l">
-              <a:spcBef>
-                <a:spcPts val="0"/>
-              </a:spcBef>
-              <a:spcAft>
-                <a:spcPts val="0"/>
-              </a:spcAft>
-              <a:buNone/>
-            </a:pPr>
-            <a:r>
-              <a:t/>
-            </a:r>
-            <a:endParaRPr/>
-          </a:p>
-        </p:txBody>
-      </p:sp>
-    </p:spTree>
-  </p:cSld>
-  <p:clrMapOvr>
-    <a:masterClrMapping/>
-  </p:clrMapOvr>
-</p:notes>
-</file>
-
-<file path=ppt/notesSlides/notesSlide9.xml><?xml version="1.0" encoding="utf-8"?>
-<p:notes xmlns:a="http://schemas.openxmlformats.org/drawingml/2006/main" xmlns:r="http://schemas.openxmlformats.org/officeDocument/2006/relationships" xmlns:mc="http://schemas.openxmlformats.org/markup-compatibility/2006" xmlns:mv="urn:schemas-microsoft-com:mac:vml" xmlns:p="http://schemas.openxmlformats.org/presentationml/2006/main" xmlns:c="http://schemas.openxmlformats.org/drawingml/2006/chart" xmlns:dgm="http://schemas.openxmlformats.org/drawingml/2006/diagram" xmlns:o="urn:schemas-microsoft-com:office:office" xmlns:v="urn:schemas-microsoft-com:vml" xmlns:pvml="urn:schemas-microsoft-com:office:powerpoint" xmlns:com="http://schemas.openxmlformats.org/drawingml/2006/compatibility" xmlns:p14="http://schemas.microsoft.com/office/powerpoint/2010/main" xmlns:p15="http://schemas.microsoft.com/office/powerpoint/2012/main" xmlns:ahyp="http://schemas.microsoft.com/office/drawing/2018/hyperlinkcolor" showMasterPhAnim="0" showMasterSp="0">
-  <p:cSld>
-    <p:spTree>
-      <p:nvGrpSpPr>
-        <p:cNvPr id="107" name="Shape 107"/>
-        <p:cNvGrpSpPr/>
-        <p:nvPr/>
-      </p:nvGrpSpPr>
-      <p:grpSpPr>
-        <a:xfrm>
-          <a:off x="0" y="0"/>
-          <a:ext cx="0" cy="0"/>
-          <a:chOff x="0" y="0"/>
-          <a:chExt cx="0" cy="0"/>
-        </a:xfrm>
-      </p:grpSpPr>
-      <p:sp>
-        <p:nvSpPr>
-          <p:cNvPr id="108" name="Google Shape;108;gd679ff7f26_0_14:notes"/>
-          <p:cNvSpPr/>
-          <p:nvPr>
-            <p:ph idx="2" type="sldImg"/>
-          </p:nvPr>
-        </p:nvSpPr>
-        <p:spPr>
-          <a:xfrm>
-            <a:off x="381300" y="685800"/>
-            <a:ext cx="6096000" cy="3429000"/>
-          </a:xfrm>
-          <a:custGeom>
-            <a:rect b="b" l="l" r="r" t="t"/>
-            <a:pathLst>
-              <a:path extrusionOk="0" h="120000" w="120000">
-                <a:moveTo>
-                  <a:pt x="0" y="0"/>
-                </a:moveTo>
-                <a:lnTo>
-                  <a:pt x="120000" y="0"/>
-                </a:lnTo>
-                <a:lnTo>
-                  <a:pt x="120000" y="120000"/>
-                </a:lnTo>
-                <a:lnTo>
-                  <a:pt x="0" y="120000"/>
-                </a:lnTo>
-                <a:close/>
-              </a:path>
-            </a:pathLst>
-          </a:custGeom>
-        </p:spPr>
-      </p:sp>
-      <p:sp>
-        <p:nvSpPr>
-          <p:cNvPr id="109" name="Google Shape;109;gd679ff7f26_0_14:notes"/>
-          <p:cNvSpPr txBox="1"/>
-          <p:nvPr>
-            <p:ph idx="1" type="body"/>
-          </p:nvPr>
-        </p:nvSpPr>
-        <p:spPr>
-          <a:xfrm>
-            <a:off x="685800" y="4343400"/>
-            <a:ext cx="5486400" cy="4114800"/>
-          </a:xfrm>
-          <a:prstGeom prst="rect">
-            <a:avLst/>
-          </a:prstGeom>
-        </p:spPr>
-        <p:txBody>
-          <a:bodyPr anchorCtr="0" anchor="t" bIns="91425" lIns="91425" spcFirstLastPara="1" rIns="91425" wrap="square" tIns="91425">
-            <a:noAutofit/>
-          </a:bodyPr>
-          <a:lstStyle/>
-          <a:p>
-            <a:pPr indent="0" lvl="0" marL="0" rtl="0" algn="l">
-              <a:spcBef>
-                <a:spcPts val="0"/>
-              </a:spcBef>
-              <a:spcAft>
-                <a:spcPts val="0"/>
-              </a:spcAft>
-              <a:buNone/>
-            </a:pPr>
-            <a:r>
-              <a:t/>
-            </a:r>
-            <a:endParaRPr/>
+            <a:endParaRPr dirty="0"/>
           </a:p>
         </p:txBody>
       </p:sp>
@@ -2077,11 +1832,11 @@
 </file>
 
 <file path=ppt/slideLayouts/slideLayout1.xml><?xml version="1.0" encoding="utf-8"?>
-<p:sldLayout xmlns:a="http://schemas.openxmlformats.org/drawingml/2006/main" xmlns:r="http://schemas.openxmlformats.org/officeDocument/2006/relationships" xmlns:mc="http://schemas.openxmlformats.org/markup-compatibility/2006" xmlns:mv="urn:schemas-microsoft-com:mac:vml" xmlns:p="http://schemas.openxmlformats.org/presentationml/2006/main" xmlns:c="http://schemas.openxmlformats.org/drawingml/2006/chart" xmlns:dgm="http://schemas.openxmlformats.org/drawingml/2006/diagram" xmlns:o="urn:schemas-microsoft-com:office:office" xmlns:v="urn:schemas-microsoft-com:vml" xmlns:pvml="urn:schemas-microsoft-com:office:powerpoint" xmlns:com="http://schemas.openxmlformats.org/drawingml/2006/compatibility" xmlns:p14="http://schemas.microsoft.com/office/powerpoint/2010/main" xmlns:p15="http://schemas.microsoft.com/office/powerpoint/2012/main" xmlns:ahyp="http://schemas.microsoft.com/office/drawing/2018/hyperlinkcolor" matchingName="Title slide" type="title">
+<p:sldLayout xmlns:a="http://schemas.openxmlformats.org/drawingml/2006/main" xmlns:r="http://schemas.openxmlformats.org/officeDocument/2006/relationships" xmlns:p="http://schemas.openxmlformats.org/presentationml/2006/main" matchingName="Title slide" type="title">
   <p:cSld name="TITLE">
     <p:spTree>
       <p:nvGrpSpPr>
-        <p:cNvPr id="9" name="Shape 9"/>
+        <p:cNvPr id="1" name="Shape 9"/>
         <p:cNvGrpSpPr/>
         <p:nvPr/>
       </p:nvGrpSpPr>
@@ -2105,9 +1860,13 @@
             <a:ext cx="1081625" cy="1124950"/>
           </a:xfrm>
           <a:custGeom>
-            <a:rect b="b" l="l" r="r" t="t"/>
+            <a:avLst/>
+            <a:gdLst/>
+            <a:ahLst/>
+            <a:cxnLst/>
+            <a:rect l="l" t="t" r="r" b="b"/>
             <a:pathLst>
-              <a:path extrusionOk="0" h="44998" w="43265">
+              <a:path w="43265" h="44998" extrusionOk="0">
                 <a:moveTo>
                   <a:pt x="0" y="44998"/>
                 </a:moveTo>
@@ -2121,14 +1880,14 @@
             </a:pathLst>
           </a:custGeom>
           <a:noFill/>
-          <a:ln cap="flat" cmpd="sng" w="28575">
+          <a:ln w="28575" cap="flat" cmpd="sng">
             <a:solidFill>
               <a:schemeClr val="accent5"/>
             </a:solidFill>
             <a:prstDash val="solid"/>
             <a:miter lim="8000"/>
-            <a:headEnd len="sm" w="sm" type="none"/>
-            <a:tailEnd len="sm" w="sm" type="none"/>
+            <a:headEnd type="none" w="sm" len="sm"/>
+            <a:tailEnd type="none" w="sm" len="sm"/>
           </a:ln>
         </p:spPr>
       </p:sp>
@@ -2144,9 +1903,13 @@
             <a:ext cx="1081625" cy="1124950"/>
           </a:xfrm>
           <a:custGeom>
-            <a:rect b="b" l="l" r="r" t="t"/>
+            <a:avLst/>
+            <a:gdLst/>
+            <a:ahLst/>
+            <a:cxnLst/>
+            <a:rect l="l" t="t" r="r" b="b"/>
             <a:pathLst>
-              <a:path extrusionOk="0" h="44998" w="43265">
+              <a:path w="43265" h="44998" extrusionOk="0">
                 <a:moveTo>
                   <a:pt x="0" y="44998"/>
                 </a:moveTo>
@@ -2160,14 +1923,14 @@
             </a:pathLst>
           </a:custGeom>
           <a:noFill/>
-          <a:ln cap="flat" cmpd="sng" w="28575">
+          <a:ln w="28575" cap="flat" cmpd="sng">
             <a:solidFill>
               <a:schemeClr val="accent5"/>
             </a:solidFill>
             <a:prstDash val="solid"/>
             <a:miter lim="8000"/>
-            <a:headEnd len="sm" w="sm" type="none"/>
-            <a:tailEnd len="sm" w="sm" type="none"/>
+            <a:headEnd type="none" w="sm" len="sm"/>
+            <a:tailEnd type="none" w="sm" len="sm"/>
           </a:ln>
         </p:spPr>
       </p:sp>
@@ -2186,21 +1949,23 @@
             <a:avLst/>
           </a:prstGeom>
           <a:noFill/>
-          <a:ln cap="flat" cmpd="sng" w="38100">
+          <a:ln w="38100" cap="flat" cmpd="sng">
             <a:solidFill>
               <a:schemeClr val="accent4"/>
             </a:solidFill>
             <a:prstDash val="solid"/>
             <a:round/>
-            <a:headEnd len="sm" w="sm" type="none"/>
-            <a:tailEnd len="sm" w="sm" type="none"/>
+            <a:headEnd type="none" w="sm" len="sm"/>
+            <a:tailEnd type="none" w="sm" len="sm"/>
           </a:ln>
         </p:spPr>
       </p:cxnSp>
       <p:sp>
         <p:nvSpPr>
           <p:cNvPr id="13" name="Google Shape;13;p2"/>
-          <p:cNvSpPr txBox="1"/>
+          <p:cNvSpPr txBox="1">
+            <a:spLocks noGrp="1"/>
+          </p:cNvSpPr>
           <p:nvPr>
             <p:ph type="ctrTitle"/>
           </p:nvPr>
@@ -2215,7 +1980,7 @@
           </a:prstGeom>
         </p:spPr>
         <p:txBody>
-          <a:bodyPr anchorCtr="0" anchor="b" bIns="91425" lIns="91425" spcFirstLastPara="1" rIns="91425" wrap="square" tIns="91425">
+          <a:bodyPr spcFirstLastPara="1" wrap="square" lIns="91425" tIns="91425" rIns="91425" bIns="91425" anchor="b" anchorCtr="0">
             <a:normAutofit/>
           </a:bodyPr>
           <a:lstStyle>
@@ -2319,15 +2084,19 @@
               <a:defRPr sz="4000"/>
             </a:lvl9pPr>
           </a:lstStyle>
-          <a:p/>
+          <a:p>
+            <a:endParaRPr/>
+          </a:p>
         </p:txBody>
       </p:sp>
       <p:sp>
         <p:nvSpPr>
           <p:cNvPr id="14" name="Google Shape;14;p2"/>
-          <p:cNvSpPr txBox="1"/>
+          <p:cNvSpPr txBox="1">
+            <a:spLocks noGrp="1"/>
+          </p:cNvSpPr>
           <p:nvPr>
-            <p:ph idx="1" type="subTitle"/>
+            <p:ph type="subTitle" idx="1"/>
           </p:nvPr>
         </p:nvSpPr>
         <p:spPr>
@@ -2340,7 +2109,7 @@
           </a:prstGeom>
         </p:spPr>
         <p:txBody>
-          <a:bodyPr anchorCtr="0" anchor="t" bIns="91425" lIns="91425" spcFirstLastPara="1" rIns="91425" wrap="square" tIns="91425">
+          <a:bodyPr spcFirstLastPara="1" wrap="square" lIns="91425" tIns="91425" rIns="91425" bIns="91425" anchor="t" anchorCtr="0">
             <a:normAutofit/>
           </a:bodyPr>
           <a:lstStyle>
@@ -2579,15 +2348,19 @@
               </a:defRPr>
             </a:lvl9pPr>
           </a:lstStyle>
-          <a:p/>
+          <a:p>
+            <a:endParaRPr/>
+          </a:p>
         </p:txBody>
       </p:sp>
       <p:sp>
         <p:nvSpPr>
           <p:cNvPr id="15" name="Google Shape;15;p2"/>
-          <p:cNvSpPr txBox="1"/>
+          <p:cNvSpPr txBox="1">
+            <a:spLocks noGrp="1"/>
+          </p:cNvSpPr>
           <p:nvPr>
-            <p:ph idx="12" type="sldNum"/>
+            <p:ph type="sldNum" idx="12"/>
           </p:nvPr>
         </p:nvSpPr>
         <p:spPr>
@@ -2600,7 +2373,7 @@
           </a:prstGeom>
         </p:spPr>
         <p:txBody>
-          <a:bodyPr anchorCtr="0" anchor="ctr" bIns="91425" lIns="91425" spcFirstLastPara="1" rIns="91425" wrap="square" tIns="91425">
+          <a:bodyPr spcFirstLastPara="1" wrap="square" lIns="91425" tIns="91425" rIns="91425" bIns="91425" anchor="ctr" anchorCtr="0">
             <a:normAutofit/>
           </a:bodyPr>
           <a:lstStyle>
@@ -2642,7 +2415,7 @@
             </a:lvl9pPr>
           </a:lstStyle>
           <a:p>
-            <a:pPr indent="0" lvl="0" marL="0" rtl="0" algn="r">
+            <a:pPr marL="0" lvl="0" indent="0" algn="r" rtl="0">
               <a:spcBef>
                 <a:spcPts val="0"/>
               </a:spcBef>
@@ -2668,11 +2441,11 @@
 </file>
 
 <file path=ppt/slideLayouts/slideLayout10.xml><?xml version="1.0" encoding="utf-8"?>
-<p:sldLayout xmlns:a="http://schemas.openxmlformats.org/drawingml/2006/main" xmlns:r="http://schemas.openxmlformats.org/officeDocument/2006/relationships" xmlns:mc="http://schemas.openxmlformats.org/markup-compatibility/2006" xmlns:mv="urn:schemas-microsoft-com:mac:vml" xmlns:p="http://schemas.openxmlformats.org/presentationml/2006/main" xmlns:c="http://schemas.openxmlformats.org/drawingml/2006/chart" xmlns:dgm="http://schemas.openxmlformats.org/drawingml/2006/diagram" xmlns:o="urn:schemas-microsoft-com:office:office" xmlns:v="urn:schemas-microsoft-com:vml" xmlns:pvml="urn:schemas-microsoft-com:office:powerpoint" xmlns:com="http://schemas.openxmlformats.org/drawingml/2006/compatibility" xmlns:p14="http://schemas.microsoft.com/office/powerpoint/2010/main" xmlns:p15="http://schemas.microsoft.com/office/powerpoint/2012/main" xmlns:ahyp="http://schemas.microsoft.com/office/drawing/2018/hyperlinkcolor" matchingName="Big number">
+<p:sldLayout xmlns:a="http://schemas.openxmlformats.org/drawingml/2006/main" xmlns:r="http://schemas.openxmlformats.org/officeDocument/2006/relationships" xmlns:p="http://schemas.openxmlformats.org/presentationml/2006/main" matchingName="Big number">
   <p:cSld name="BIG_NUMBER">
     <p:spTree>
       <p:nvGrpSpPr>
-        <p:cNvPr id="52" name="Shape 52"/>
+        <p:cNvPr id="1" name="Shape 52"/>
         <p:cNvGrpSpPr/>
         <p:nvPr/>
       </p:nvGrpSpPr>
@@ -2706,12 +2479,12 @@
           </a:ln>
         </p:spPr>
         <p:txBody>
-          <a:bodyPr anchorCtr="0" anchor="ctr" bIns="91425" lIns="91425" spcFirstLastPara="1" rIns="91425" wrap="square" tIns="91425">
+          <a:bodyPr spcFirstLastPara="1" wrap="square" lIns="91425" tIns="91425" rIns="91425" bIns="91425" anchor="ctr" anchorCtr="0">
             <a:noAutofit/>
           </a:bodyPr>
           <a:lstStyle/>
           <a:p>
-            <a:pPr indent="0" lvl="0" marL="0" rtl="0" algn="l">
+            <a:pPr marL="0" lvl="0" indent="0" algn="l" rtl="0">
               <a:spcBef>
                 <a:spcPts val="0"/>
               </a:spcBef>
@@ -2720,9 +2493,6 @@
               </a:spcAft>
               <a:buNone/>
             </a:pPr>
-            <a:r>
-              <a:t/>
-            </a:r>
             <a:endParaRPr/>
           </a:p>
         </p:txBody>
@@ -2730,9 +2500,11 @@
       <p:sp>
         <p:nvSpPr>
           <p:cNvPr id="54" name="Google Shape;54;p11"/>
-          <p:cNvSpPr txBox="1"/>
+          <p:cNvSpPr txBox="1">
+            <a:spLocks noGrp="1"/>
+          </p:cNvSpPr>
           <p:nvPr>
-            <p:ph hasCustomPrompt="1" type="title"/>
+            <p:ph type="title" hasCustomPrompt="1"/>
           </p:nvPr>
         </p:nvSpPr>
         <p:spPr>
@@ -2745,7 +2517,7 @@
           </a:prstGeom>
         </p:spPr>
         <p:txBody>
-          <a:bodyPr anchorCtr="0" anchor="ctr" bIns="91425" lIns="91425" spcFirstLastPara="1" rIns="91425" wrap="square" tIns="91425">
+          <a:bodyPr spcFirstLastPara="1" wrap="square" lIns="91425" tIns="91425" rIns="91425" bIns="91425" anchor="ctr" anchorCtr="0">
             <a:normAutofit/>
           </a:bodyPr>
           <a:lstStyle>
@@ -2922,9 +2694,11 @@
       <p:sp>
         <p:nvSpPr>
           <p:cNvPr id="55" name="Google Shape;55;p11"/>
-          <p:cNvSpPr txBox="1"/>
+          <p:cNvSpPr txBox="1">
+            <a:spLocks noGrp="1"/>
+          </p:cNvSpPr>
           <p:nvPr>
-            <p:ph idx="1" type="body"/>
+            <p:ph type="body" idx="1"/>
           </p:nvPr>
         </p:nvSpPr>
         <p:spPr>
@@ -2937,11 +2711,11 @@
           </a:prstGeom>
         </p:spPr>
         <p:txBody>
-          <a:bodyPr anchorCtr="0" anchor="t" bIns="91425" lIns="91425" spcFirstLastPara="1" rIns="91425" wrap="square" tIns="91425">
+          <a:bodyPr spcFirstLastPara="1" wrap="square" lIns="91425" tIns="91425" rIns="91425" bIns="91425" anchor="t" anchorCtr="0">
             <a:normAutofit/>
           </a:bodyPr>
           <a:lstStyle>
-            <a:lvl1pPr indent="-342900" lvl="0" marL="457200" algn="ctr">
+            <a:lvl1pPr marL="457200" lvl="0" indent="-342900" algn="ctr">
               <a:spcBef>
                 <a:spcPts val="0"/>
               </a:spcBef>
@@ -2952,7 +2726,7 @@
               <a:buChar char="●"/>
               <a:defRPr/>
             </a:lvl1pPr>
-            <a:lvl2pPr indent="-317500" lvl="1" marL="914400" algn="ctr">
+            <a:lvl2pPr marL="914400" lvl="1" indent="-317500" algn="ctr">
               <a:spcBef>
                 <a:spcPts val="0"/>
               </a:spcBef>
@@ -2963,7 +2737,7 @@
               <a:buChar char="○"/>
               <a:defRPr/>
             </a:lvl2pPr>
-            <a:lvl3pPr indent="-317500" lvl="2" marL="1371600" algn="ctr">
+            <a:lvl3pPr marL="1371600" lvl="2" indent="-317500" algn="ctr">
               <a:spcBef>
                 <a:spcPts val="0"/>
               </a:spcBef>
@@ -2974,7 +2748,7 @@
               <a:buChar char="■"/>
               <a:defRPr/>
             </a:lvl3pPr>
-            <a:lvl4pPr indent="-317500" lvl="3" marL="1828800" algn="ctr">
+            <a:lvl4pPr marL="1828800" lvl="3" indent="-317500" algn="ctr">
               <a:spcBef>
                 <a:spcPts val="0"/>
               </a:spcBef>
@@ -2985,7 +2759,7 @@
               <a:buChar char="●"/>
               <a:defRPr/>
             </a:lvl4pPr>
-            <a:lvl5pPr indent="-317500" lvl="4" marL="2286000" algn="ctr">
+            <a:lvl5pPr marL="2286000" lvl="4" indent="-317500" algn="ctr">
               <a:spcBef>
                 <a:spcPts val="0"/>
               </a:spcBef>
@@ -2996,7 +2770,7 @@
               <a:buChar char="○"/>
               <a:defRPr/>
             </a:lvl5pPr>
-            <a:lvl6pPr indent="-317500" lvl="5" marL="2743200" algn="ctr">
+            <a:lvl6pPr marL="2743200" lvl="5" indent="-317500" algn="ctr">
               <a:spcBef>
                 <a:spcPts val="0"/>
               </a:spcBef>
@@ -3007,7 +2781,7 @@
               <a:buChar char="■"/>
               <a:defRPr/>
             </a:lvl6pPr>
-            <a:lvl7pPr indent="-317500" lvl="6" marL="3200400" algn="ctr">
+            <a:lvl7pPr marL="3200400" lvl="6" indent="-317500" algn="ctr">
               <a:spcBef>
                 <a:spcPts val="0"/>
               </a:spcBef>
@@ -3018,7 +2792,7 @@
               <a:buChar char="●"/>
               <a:defRPr/>
             </a:lvl7pPr>
-            <a:lvl8pPr indent="-317500" lvl="7" marL="3657600" algn="ctr">
+            <a:lvl8pPr marL="3657600" lvl="7" indent="-317500" algn="ctr">
               <a:spcBef>
                 <a:spcPts val="0"/>
               </a:spcBef>
@@ -3029,7 +2803,7 @@
               <a:buChar char="○"/>
               <a:defRPr/>
             </a:lvl8pPr>
-            <a:lvl9pPr indent="-317500" lvl="8" marL="4114800" algn="ctr">
+            <a:lvl9pPr marL="4114800" lvl="8" indent="-317500" algn="ctr">
               <a:spcBef>
                 <a:spcPts val="0"/>
               </a:spcBef>
@@ -3041,15 +2815,19 @@
               <a:defRPr/>
             </a:lvl9pPr>
           </a:lstStyle>
-          <a:p/>
+          <a:p>
+            <a:endParaRPr/>
+          </a:p>
         </p:txBody>
       </p:sp>
       <p:sp>
         <p:nvSpPr>
           <p:cNvPr id="56" name="Google Shape;56;p11"/>
-          <p:cNvSpPr txBox="1"/>
+          <p:cNvSpPr txBox="1">
+            <a:spLocks noGrp="1"/>
+          </p:cNvSpPr>
           <p:nvPr>
-            <p:ph idx="12" type="sldNum"/>
+            <p:ph type="sldNum" idx="12"/>
           </p:nvPr>
         </p:nvSpPr>
         <p:spPr>
@@ -3062,7 +2840,7 @@
           </a:prstGeom>
         </p:spPr>
         <p:txBody>
-          <a:bodyPr anchorCtr="0" anchor="ctr" bIns="91425" lIns="91425" spcFirstLastPara="1" rIns="91425" wrap="square" tIns="91425">
+          <a:bodyPr spcFirstLastPara="1" wrap="square" lIns="91425" tIns="91425" rIns="91425" bIns="91425" anchor="ctr" anchorCtr="0">
             <a:normAutofit/>
           </a:bodyPr>
           <a:lstStyle>
@@ -3104,7 +2882,7 @@
             </a:lvl9pPr>
           </a:lstStyle>
           <a:p>
-            <a:pPr indent="0" lvl="0" marL="0" rtl="0" algn="r">
+            <a:pPr marL="0" lvl="0" indent="0" algn="r" rtl="0">
               <a:spcBef>
                 <a:spcPts val="0"/>
               </a:spcBef>
@@ -3130,11 +2908,11 @@
 </file>
 
 <file path=ppt/slideLayouts/slideLayout11.xml><?xml version="1.0" encoding="utf-8"?>
-<p:sldLayout xmlns:a="http://schemas.openxmlformats.org/drawingml/2006/main" xmlns:r="http://schemas.openxmlformats.org/officeDocument/2006/relationships" xmlns:mc="http://schemas.openxmlformats.org/markup-compatibility/2006" xmlns:mv="urn:schemas-microsoft-com:mac:vml" xmlns:p="http://schemas.openxmlformats.org/presentationml/2006/main" xmlns:c="http://schemas.openxmlformats.org/drawingml/2006/chart" xmlns:dgm="http://schemas.openxmlformats.org/drawingml/2006/diagram" xmlns:o="urn:schemas-microsoft-com:office:office" xmlns:v="urn:schemas-microsoft-com:vml" xmlns:pvml="urn:schemas-microsoft-com:office:powerpoint" xmlns:com="http://schemas.openxmlformats.org/drawingml/2006/compatibility" xmlns:p14="http://schemas.microsoft.com/office/powerpoint/2010/main" xmlns:p15="http://schemas.microsoft.com/office/powerpoint/2012/main" xmlns:ahyp="http://schemas.microsoft.com/office/drawing/2018/hyperlinkcolor" matchingName="Blank" type="blank">
+<p:sldLayout xmlns:a="http://schemas.openxmlformats.org/drawingml/2006/main" xmlns:r="http://schemas.openxmlformats.org/officeDocument/2006/relationships" xmlns:p="http://schemas.openxmlformats.org/presentationml/2006/main" matchingName="Blank" type="blank">
   <p:cSld name="BLANK">
     <p:spTree>
       <p:nvGrpSpPr>
-        <p:cNvPr id="57" name="Shape 57"/>
+        <p:cNvPr id="1" name="Shape 57"/>
         <p:cNvGrpSpPr/>
         <p:nvPr/>
       </p:nvGrpSpPr>
@@ -3149,9 +2927,11 @@
       <p:sp>
         <p:nvSpPr>
           <p:cNvPr id="58" name="Google Shape;58;p12"/>
-          <p:cNvSpPr txBox="1"/>
+          <p:cNvSpPr txBox="1">
+            <a:spLocks noGrp="1"/>
+          </p:cNvSpPr>
           <p:nvPr>
-            <p:ph idx="12" type="sldNum"/>
+            <p:ph type="sldNum" idx="12"/>
           </p:nvPr>
         </p:nvSpPr>
         <p:spPr>
@@ -3164,7 +2944,7 @@
           </a:prstGeom>
         </p:spPr>
         <p:txBody>
-          <a:bodyPr anchorCtr="0" anchor="ctr" bIns="91425" lIns="91425" spcFirstLastPara="1" rIns="91425" wrap="square" tIns="91425">
+          <a:bodyPr spcFirstLastPara="1" wrap="square" lIns="91425" tIns="91425" rIns="91425" bIns="91425" anchor="ctr" anchorCtr="0">
             <a:normAutofit/>
           </a:bodyPr>
           <a:lstStyle>
@@ -3206,7 +2986,7 @@
             </a:lvl9pPr>
           </a:lstStyle>
           <a:p>
-            <a:pPr indent="0" lvl="0" marL="0" rtl="0" algn="r">
+            <a:pPr marL="0" lvl="0" indent="0" algn="r" rtl="0">
               <a:spcBef>
                 <a:spcPts val="0"/>
               </a:spcBef>
@@ -3232,11 +3012,11 @@
 </file>
 
 <file path=ppt/slideLayouts/slideLayout2.xml><?xml version="1.0" encoding="utf-8"?>
-<p:sldLayout xmlns:a="http://schemas.openxmlformats.org/drawingml/2006/main" xmlns:r="http://schemas.openxmlformats.org/officeDocument/2006/relationships" xmlns:mc="http://schemas.openxmlformats.org/markup-compatibility/2006" xmlns:mv="urn:schemas-microsoft-com:mac:vml" xmlns:p="http://schemas.openxmlformats.org/presentationml/2006/main" xmlns:c="http://schemas.openxmlformats.org/drawingml/2006/chart" xmlns:dgm="http://schemas.openxmlformats.org/drawingml/2006/diagram" xmlns:o="urn:schemas-microsoft-com:office:office" xmlns:v="urn:schemas-microsoft-com:vml" xmlns:pvml="urn:schemas-microsoft-com:office:powerpoint" xmlns:com="http://schemas.openxmlformats.org/drawingml/2006/compatibility" xmlns:p14="http://schemas.microsoft.com/office/powerpoint/2010/main" xmlns:p15="http://schemas.microsoft.com/office/powerpoint/2012/main" xmlns:ahyp="http://schemas.microsoft.com/office/drawing/2018/hyperlinkcolor" matchingName="Section header" type="secHead">
+<p:sldLayout xmlns:a="http://schemas.openxmlformats.org/drawingml/2006/main" xmlns:r="http://schemas.openxmlformats.org/officeDocument/2006/relationships" xmlns:p="http://schemas.openxmlformats.org/presentationml/2006/main" matchingName="Section header" type="secHead">
   <p:cSld name="SECTION_HEADER">
     <p:spTree>
       <p:nvGrpSpPr>
-        <p:cNvPr id="16" name="Shape 16"/>
+        <p:cNvPr id="1" name="Shape 16"/>
         <p:cNvGrpSpPr/>
         <p:nvPr/>
       </p:nvGrpSpPr>
@@ -3263,21 +3043,23 @@
             <a:avLst/>
           </a:prstGeom>
           <a:noFill/>
-          <a:ln cap="flat" cmpd="sng" w="38100">
+          <a:ln w="38100" cap="flat" cmpd="sng">
             <a:solidFill>
               <a:schemeClr val="accent4"/>
             </a:solidFill>
             <a:prstDash val="solid"/>
             <a:round/>
-            <a:headEnd len="sm" w="sm" type="none"/>
-            <a:tailEnd len="sm" w="sm" type="none"/>
+            <a:headEnd type="none" w="sm" len="sm"/>
+            <a:tailEnd type="none" w="sm" len="sm"/>
           </a:ln>
         </p:spPr>
       </p:cxnSp>
       <p:sp>
         <p:nvSpPr>
           <p:cNvPr id="18" name="Google Shape;18;p3"/>
-          <p:cNvSpPr txBox="1"/>
+          <p:cNvSpPr txBox="1">
+            <a:spLocks noGrp="1"/>
+          </p:cNvSpPr>
           <p:nvPr>
             <p:ph type="title"/>
           </p:nvPr>
@@ -3292,7 +3074,7 @@
           </a:prstGeom>
         </p:spPr>
         <p:txBody>
-          <a:bodyPr anchorCtr="0" anchor="b" bIns="91425" lIns="91425" spcFirstLastPara="1" rIns="91425" wrap="square" tIns="91425">
+          <a:bodyPr spcFirstLastPara="1" wrap="square" lIns="91425" tIns="91425" rIns="91425" bIns="91425" anchor="b" anchorCtr="0">
             <a:normAutofit/>
           </a:bodyPr>
           <a:lstStyle>
@@ -3396,15 +3178,19 @@
               <a:defRPr sz="4800"/>
             </a:lvl9pPr>
           </a:lstStyle>
-          <a:p/>
+          <a:p>
+            <a:endParaRPr/>
+          </a:p>
         </p:txBody>
       </p:sp>
       <p:sp>
         <p:nvSpPr>
           <p:cNvPr id="19" name="Google Shape;19;p3"/>
-          <p:cNvSpPr txBox="1"/>
+          <p:cNvSpPr txBox="1">
+            <a:spLocks noGrp="1"/>
+          </p:cNvSpPr>
           <p:nvPr>
-            <p:ph idx="12" type="sldNum"/>
+            <p:ph type="sldNum" idx="12"/>
           </p:nvPr>
         </p:nvSpPr>
         <p:spPr>
@@ -3417,7 +3203,7 @@
           </a:prstGeom>
         </p:spPr>
         <p:txBody>
-          <a:bodyPr anchorCtr="0" anchor="ctr" bIns="91425" lIns="91425" spcFirstLastPara="1" rIns="91425" wrap="square" tIns="91425">
+          <a:bodyPr spcFirstLastPara="1" wrap="square" lIns="91425" tIns="91425" rIns="91425" bIns="91425" anchor="ctr" anchorCtr="0">
             <a:normAutofit/>
           </a:bodyPr>
           <a:lstStyle>
@@ -3459,7 +3245,7 @@
             </a:lvl9pPr>
           </a:lstStyle>
           <a:p>
-            <a:pPr indent="0" lvl="0" marL="0" rtl="0" algn="r">
+            <a:pPr marL="0" lvl="0" indent="0" algn="r" rtl="0">
               <a:spcBef>
                 <a:spcPts val="0"/>
               </a:spcBef>
@@ -3485,11 +3271,11 @@
 </file>
 
 <file path=ppt/slideLayouts/slideLayout3.xml><?xml version="1.0" encoding="utf-8"?>
-<p:sldLayout xmlns:a="http://schemas.openxmlformats.org/drawingml/2006/main" xmlns:r="http://schemas.openxmlformats.org/officeDocument/2006/relationships" xmlns:mc="http://schemas.openxmlformats.org/markup-compatibility/2006" xmlns:mv="urn:schemas-microsoft-com:mac:vml" xmlns:p="http://schemas.openxmlformats.org/presentationml/2006/main" xmlns:c="http://schemas.openxmlformats.org/drawingml/2006/chart" xmlns:dgm="http://schemas.openxmlformats.org/drawingml/2006/diagram" xmlns:o="urn:schemas-microsoft-com:office:office" xmlns:v="urn:schemas-microsoft-com:vml" xmlns:pvml="urn:schemas-microsoft-com:office:powerpoint" xmlns:com="http://schemas.openxmlformats.org/drawingml/2006/compatibility" xmlns:p14="http://schemas.microsoft.com/office/powerpoint/2010/main" xmlns:p15="http://schemas.microsoft.com/office/powerpoint/2012/main" xmlns:ahyp="http://schemas.microsoft.com/office/drawing/2018/hyperlinkcolor" matchingName="Title and body" type="tx">
+<p:sldLayout xmlns:a="http://schemas.openxmlformats.org/drawingml/2006/main" xmlns:r="http://schemas.openxmlformats.org/officeDocument/2006/relationships" xmlns:p="http://schemas.openxmlformats.org/presentationml/2006/main" matchingName="Title and body" type="tx">
   <p:cSld name="TITLE_AND_BODY">
     <p:spTree>
       <p:nvGrpSpPr>
-        <p:cNvPr id="20" name="Shape 20"/>
+        <p:cNvPr id="1" name="Shape 20"/>
         <p:cNvGrpSpPr/>
         <p:nvPr/>
       </p:nvGrpSpPr>
@@ -3516,21 +3302,23 @@
             <a:avLst/>
           </a:prstGeom>
           <a:noFill/>
-          <a:ln cap="flat" cmpd="sng" w="38100">
+          <a:ln w="38100" cap="flat" cmpd="sng">
             <a:solidFill>
               <a:schemeClr val="accent4"/>
             </a:solidFill>
             <a:prstDash val="solid"/>
             <a:round/>
-            <a:headEnd len="sm" w="sm" type="none"/>
-            <a:tailEnd len="sm" w="sm" type="none"/>
+            <a:headEnd type="none" w="sm" len="sm"/>
+            <a:tailEnd type="none" w="sm" len="sm"/>
           </a:ln>
         </p:spPr>
       </p:cxnSp>
       <p:sp>
         <p:nvSpPr>
           <p:cNvPr id="22" name="Google Shape;22;p4"/>
-          <p:cNvSpPr txBox="1"/>
+          <p:cNvSpPr txBox="1">
+            <a:spLocks noGrp="1"/>
+          </p:cNvSpPr>
           <p:nvPr>
             <p:ph type="title"/>
           </p:nvPr>
@@ -3545,7 +3333,7 @@
           </a:prstGeom>
         </p:spPr>
         <p:txBody>
-          <a:bodyPr anchorCtr="0" anchor="b" bIns="91425" lIns="91425" spcFirstLastPara="1" rIns="91425" wrap="square" tIns="91425">
+          <a:bodyPr spcFirstLastPara="1" wrap="square" lIns="91425" tIns="91425" rIns="91425" bIns="91425" anchor="b" anchorCtr="0">
             <a:normAutofit/>
           </a:bodyPr>
           <a:lstStyle>
@@ -3649,15 +3437,19 @@
               <a:defRPr/>
             </a:lvl9pPr>
           </a:lstStyle>
-          <a:p/>
+          <a:p>
+            <a:endParaRPr/>
+          </a:p>
         </p:txBody>
       </p:sp>
       <p:sp>
         <p:nvSpPr>
           <p:cNvPr id="23" name="Google Shape;23;p4"/>
-          <p:cNvSpPr txBox="1"/>
+          <p:cNvSpPr txBox="1">
+            <a:spLocks noGrp="1"/>
+          </p:cNvSpPr>
           <p:nvPr>
-            <p:ph idx="1" type="body"/>
+            <p:ph type="body" idx="1"/>
           </p:nvPr>
         </p:nvSpPr>
         <p:spPr>
@@ -3670,11 +3462,11 @@
           </a:prstGeom>
         </p:spPr>
         <p:txBody>
-          <a:bodyPr anchorCtr="0" anchor="t" bIns="91425" lIns="91425" spcFirstLastPara="1" rIns="91425" wrap="square" tIns="91425">
+          <a:bodyPr spcFirstLastPara="1" wrap="square" lIns="91425" tIns="91425" rIns="91425" bIns="91425" anchor="t" anchorCtr="0">
             <a:normAutofit/>
           </a:bodyPr>
           <a:lstStyle>
-            <a:lvl1pPr indent="-342900" lvl="0" marL="457200">
+            <a:lvl1pPr marL="457200" lvl="0" indent="-342900">
               <a:spcBef>
                 <a:spcPts val="0"/>
               </a:spcBef>
@@ -3685,7 +3477,7 @@
               <a:buChar char="●"/>
               <a:defRPr/>
             </a:lvl1pPr>
-            <a:lvl2pPr indent="-317500" lvl="1" marL="914400">
+            <a:lvl2pPr marL="914400" lvl="1" indent="-317500">
               <a:spcBef>
                 <a:spcPts val="0"/>
               </a:spcBef>
@@ -3696,7 +3488,7 @@
               <a:buChar char="○"/>
               <a:defRPr/>
             </a:lvl2pPr>
-            <a:lvl3pPr indent="-317500" lvl="2" marL="1371600">
+            <a:lvl3pPr marL="1371600" lvl="2" indent="-317500">
               <a:spcBef>
                 <a:spcPts val="0"/>
               </a:spcBef>
@@ -3707,7 +3499,7 @@
               <a:buChar char="■"/>
               <a:defRPr/>
             </a:lvl3pPr>
-            <a:lvl4pPr indent="-317500" lvl="3" marL="1828800">
+            <a:lvl4pPr marL="1828800" lvl="3" indent="-317500">
               <a:spcBef>
                 <a:spcPts val="0"/>
               </a:spcBef>
@@ -3718,7 +3510,7 @@
               <a:buChar char="●"/>
               <a:defRPr/>
             </a:lvl4pPr>
-            <a:lvl5pPr indent="-317500" lvl="4" marL="2286000">
+            <a:lvl5pPr marL="2286000" lvl="4" indent="-317500">
               <a:spcBef>
                 <a:spcPts val="0"/>
               </a:spcBef>
@@ -3729,7 +3521,7 @@
               <a:buChar char="○"/>
               <a:defRPr/>
             </a:lvl5pPr>
-            <a:lvl6pPr indent="-317500" lvl="5" marL="2743200">
+            <a:lvl6pPr marL="2743200" lvl="5" indent="-317500">
               <a:spcBef>
                 <a:spcPts val="0"/>
               </a:spcBef>
@@ -3740,7 +3532,7 @@
               <a:buChar char="■"/>
               <a:defRPr/>
             </a:lvl6pPr>
-            <a:lvl7pPr indent="-317500" lvl="6" marL="3200400">
+            <a:lvl7pPr marL="3200400" lvl="6" indent="-317500">
               <a:spcBef>
                 <a:spcPts val="0"/>
               </a:spcBef>
@@ -3751,7 +3543,7 @@
               <a:buChar char="●"/>
               <a:defRPr/>
             </a:lvl7pPr>
-            <a:lvl8pPr indent="-317500" lvl="7" marL="3657600">
+            <a:lvl8pPr marL="3657600" lvl="7" indent="-317500">
               <a:spcBef>
                 <a:spcPts val="0"/>
               </a:spcBef>
@@ -3762,7 +3554,7 @@
               <a:buChar char="○"/>
               <a:defRPr/>
             </a:lvl8pPr>
-            <a:lvl9pPr indent="-317500" lvl="8" marL="4114800">
+            <a:lvl9pPr marL="4114800" lvl="8" indent="-317500">
               <a:spcBef>
                 <a:spcPts val="0"/>
               </a:spcBef>
@@ -3774,15 +3566,19 @@
               <a:defRPr/>
             </a:lvl9pPr>
           </a:lstStyle>
-          <a:p/>
+          <a:p>
+            <a:endParaRPr/>
+          </a:p>
         </p:txBody>
       </p:sp>
       <p:sp>
         <p:nvSpPr>
           <p:cNvPr id="24" name="Google Shape;24;p4"/>
-          <p:cNvSpPr txBox="1"/>
+          <p:cNvSpPr txBox="1">
+            <a:spLocks noGrp="1"/>
+          </p:cNvSpPr>
           <p:nvPr>
-            <p:ph idx="12" type="sldNum"/>
+            <p:ph type="sldNum" idx="12"/>
           </p:nvPr>
         </p:nvSpPr>
         <p:spPr>
@@ -3795,7 +3591,7 @@
           </a:prstGeom>
         </p:spPr>
         <p:txBody>
-          <a:bodyPr anchorCtr="0" anchor="ctr" bIns="91425" lIns="91425" spcFirstLastPara="1" rIns="91425" wrap="square" tIns="91425">
+          <a:bodyPr spcFirstLastPara="1" wrap="square" lIns="91425" tIns="91425" rIns="91425" bIns="91425" anchor="ctr" anchorCtr="0">
             <a:normAutofit/>
           </a:bodyPr>
           <a:lstStyle>
@@ -3837,7 +3633,7 @@
             </a:lvl9pPr>
           </a:lstStyle>
           <a:p>
-            <a:pPr indent="0" lvl="0" marL="0" rtl="0" algn="r">
+            <a:pPr marL="0" lvl="0" indent="0" algn="r" rtl="0">
               <a:spcBef>
                 <a:spcPts val="0"/>
               </a:spcBef>
@@ -3863,11 +3659,11 @@
 </file>
 
 <file path=ppt/slideLayouts/slideLayout4.xml><?xml version="1.0" encoding="utf-8"?>
-<p:sldLayout xmlns:a="http://schemas.openxmlformats.org/drawingml/2006/main" xmlns:r="http://schemas.openxmlformats.org/officeDocument/2006/relationships" xmlns:mc="http://schemas.openxmlformats.org/markup-compatibility/2006" xmlns:mv="urn:schemas-microsoft-com:mac:vml" xmlns:p="http://schemas.openxmlformats.org/presentationml/2006/main" xmlns:c="http://schemas.openxmlformats.org/drawingml/2006/chart" xmlns:dgm="http://schemas.openxmlformats.org/drawingml/2006/diagram" xmlns:o="urn:schemas-microsoft-com:office:office" xmlns:v="urn:schemas-microsoft-com:vml" xmlns:pvml="urn:schemas-microsoft-com:office:powerpoint" xmlns:com="http://schemas.openxmlformats.org/drawingml/2006/compatibility" xmlns:p14="http://schemas.microsoft.com/office/powerpoint/2010/main" xmlns:p15="http://schemas.microsoft.com/office/powerpoint/2012/main" xmlns:ahyp="http://schemas.microsoft.com/office/drawing/2018/hyperlinkcolor" matchingName="Title and two columns" type="twoColTx">
+<p:sldLayout xmlns:a="http://schemas.openxmlformats.org/drawingml/2006/main" xmlns:r="http://schemas.openxmlformats.org/officeDocument/2006/relationships" xmlns:p="http://schemas.openxmlformats.org/presentationml/2006/main" matchingName="Title and two columns" type="twoColTx">
   <p:cSld name="TITLE_AND_TWO_COLUMNS">
     <p:spTree>
       <p:nvGrpSpPr>
-        <p:cNvPr id="25" name="Shape 25"/>
+        <p:cNvPr id="1" name="Shape 25"/>
         <p:cNvGrpSpPr/>
         <p:nvPr/>
       </p:nvGrpSpPr>
@@ -3894,21 +3690,23 @@
             <a:avLst/>
           </a:prstGeom>
           <a:noFill/>
-          <a:ln cap="flat" cmpd="sng" w="38100">
+          <a:ln w="38100" cap="flat" cmpd="sng">
             <a:solidFill>
               <a:schemeClr val="accent4"/>
             </a:solidFill>
             <a:prstDash val="solid"/>
             <a:round/>
-            <a:headEnd len="sm" w="sm" type="none"/>
-            <a:tailEnd len="sm" w="sm" type="none"/>
+            <a:headEnd type="none" w="sm" len="sm"/>
+            <a:tailEnd type="none" w="sm" len="sm"/>
           </a:ln>
         </p:spPr>
       </p:cxnSp>
       <p:sp>
         <p:nvSpPr>
           <p:cNvPr id="27" name="Google Shape;27;p5"/>
-          <p:cNvSpPr txBox="1"/>
+          <p:cNvSpPr txBox="1">
+            <a:spLocks noGrp="1"/>
+          </p:cNvSpPr>
           <p:nvPr>
             <p:ph type="title"/>
           </p:nvPr>
@@ -3923,7 +3721,7 @@
           </a:prstGeom>
         </p:spPr>
         <p:txBody>
-          <a:bodyPr anchorCtr="0" anchor="b" bIns="91425" lIns="91425" spcFirstLastPara="1" rIns="91425" wrap="square" tIns="91425">
+          <a:bodyPr spcFirstLastPara="1" wrap="square" lIns="91425" tIns="91425" rIns="91425" bIns="91425" anchor="b" anchorCtr="0">
             <a:normAutofit/>
           </a:bodyPr>
           <a:lstStyle>
@@ -4027,15 +3825,19 @@
               <a:defRPr/>
             </a:lvl9pPr>
           </a:lstStyle>
-          <a:p/>
+          <a:p>
+            <a:endParaRPr/>
+          </a:p>
         </p:txBody>
       </p:sp>
       <p:sp>
         <p:nvSpPr>
           <p:cNvPr id="28" name="Google Shape;28;p5"/>
-          <p:cNvSpPr txBox="1"/>
+          <p:cNvSpPr txBox="1">
+            <a:spLocks noGrp="1"/>
+          </p:cNvSpPr>
           <p:nvPr>
-            <p:ph idx="1" type="body"/>
+            <p:ph type="body" idx="1"/>
           </p:nvPr>
         </p:nvSpPr>
         <p:spPr>
@@ -4048,11 +3850,11 @@
           </a:prstGeom>
         </p:spPr>
         <p:txBody>
-          <a:bodyPr anchorCtr="0" anchor="t" bIns="91425" lIns="91425" spcFirstLastPara="1" rIns="91425" wrap="square" tIns="91425">
+          <a:bodyPr spcFirstLastPara="1" wrap="square" lIns="91425" tIns="91425" rIns="91425" bIns="91425" anchor="t" anchorCtr="0">
             <a:normAutofit/>
           </a:bodyPr>
           <a:lstStyle>
-            <a:lvl1pPr indent="-317500" lvl="0" marL="457200">
+            <a:lvl1pPr marL="457200" lvl="0" indent="-317500">
               <a:spcBef>
                 <a:spcPts val="0"/>
               </a:spcBef>
@@ -4063,7 +3865,7 @@
               <a:buChar char="●"/>
               <a:defRPr sz="1400"/>
             </a:lvl1pPr>
-            <a:lvl2pPr indent="-304800" lvl="1" marL="914400">
+            <a:lvl2pPr marL="914400" lvl="1" indent="-304800">
               <a:spcBef>
                 <a:spcPts val="0"/>
               </a:spcBef>
@@ -4074,7 +3876,7 @@
               <a:buChar char="○"/>
               <a:defRPr sz="1200"/>
             </a:lvl2pPr>
-            <a:lvl3pPr indent="-304800" lvl="2" marL="1371600">
+            <a:lvl3pPr marL="1371600" lvl="2" indent="-304800">
               <a:spcBef>
                 <a:spcPts val="0"/>
               </a:spcBef>
@@ -4085,7 +3887,7 @@
               <a:buChar char="■"/>
               <a:defRPr sz="1200"/>
             </a:lvl3pPr>
-            <a:lvl4pPr indent="-304800" lvl="3" marL="1828800">
+            <a:lvl4pPr marL="1828800" lvl="3" indent="-304800">
               <a:spcBef>
                 <a:spcPts val="0"/>
               </a:spcBef>
@@ -4096,7 +3898,7 @@
               <a:buChar char="●"/>
               <a:defRPr sz="1200"/>
             </a:lvl4pPr>
-            <a:lvl5pPr indent="-304800" lvl="4" marL="2286000">
+            <a:lvl5pPr marL="2286000" lvl="4" indent="-304800">
               <a:spcBef>
                 <a:spcPts val="0"/>
               </a:spcBef>
@@ -4107,7 +3909,7 @@
               <a:buChar char="○"/>
               <a:defRPr sz="1200"/>
             </a:lvl5pPr>
-            <a:lvl6pPr indent="-304800" lvl="5" marL="2743200">
+            <a:lvl6pPr marL="2743200" lvl="5" indent="-304800">
               <a:spcBef>
                 <a:spcPts val="0"/>
               </a:spcBef>
@@ -4118,7 +3920,7 @@
               <a:buChar char="■"/>
               <a:defRPr sz="1200"/>
             </a:lvl6pPr>
-            <a:lvl7pPr indent="-304800" lvl="6" marL="3200400">
+            <a:lvl7pPr marL="3200400" lvl="6" indent="-304800">
               <a:spcBef>
                 <a:spcPts val="0"/>
               </a:spcBef>
@@ -4129,7 +3931,7 @@
               <a:buChar char="●"/>
               <a:defRPr sz="1200"/>
             </a:lvl7pPr>
-            <a:lvl8pPr indent="-304800" lvl="7" marL="3657600">
+            <a:lvl8pPr marL="3657600" lvl="7" indent="-304800">
               <a:spcBef>
                 <a:spcPts val="0"/>
               </a:spcBef>
@@ -4140,7 +3942,7 @@
               <a:buChar char="○"/>
               <a:defRPr sz="1200"/>
             </a:lvl8pPr>
-            <a:lvl9pPr indent="-304800" lvl="8" marL="4114800">
+            <a:lvl9pPr marL="4114800" lvl="8" indent="-304800">
               <a:spcBef>
                 <a:spcPts val="0"/>
               </a:spcBef>
@@ -4152,15 +3954,19 @@
               <a:defRPr sz="1200"/>
             </a:lvl9pPr>
           </a:lstStyle>
-          <a:p/>
+          <a:p>
+            <a:endParaRPr/>
+          </a:p>
         </p:txBody>
       </p:sp>
       <p:sp>
         <p:nvSpPr>
           <p:cNvPr id="29" name="Google Shape;29;p5"/>
-          <p:cNvSpPr txBox="1"/>
+          <p:cNvSpPr txBox="1">
+            <a:spLocks noGrp="1"/>
+          </p:cNvSpPr>
           <p:nvPr>
-            <p:ph idx="2" type="body"/>
+            <p:ph type="body" idx="2"/>
           </p:nvPr>
         </p:nvSpPr>
         <p:spPr>
@@ -4173,11 +3979,11 @@
           </a:prstGeom>
         </p:spPr>
         <p:txBody>
-          <a:bodyPr anchorCtr="0" anchor="t" bIns="91425" lIns="91425" spcFirstLastPara="1" rIns="91425" wrap="square" tIns="91425">
+          <a:bodyPr spcFirstLastPara="1" wrap="square" lIns="91425" tIns="91425" rIns="91425" bIns="91425" anchor="t" anchorCtr="0">
             <a:normAutofit/>
           </a:bodyPr>
           <a:lstStyle>
-            <a:lvl1pPr indent="-317500" lvl="0" marL="457200">
+            <a:lvl1pPr marL="457200" lvl="0" indent="-317500">
               <a:spcBef>
                 <a:spcPts val="0"/>
               </a:spcBef>
@@ -4188,7 +3994,7 @@
               <a:buChar char="●"/>
               <a:defRPr sz="1400"/>
             </a:lvl1pPr>
-            <a:lvl2pPr indent="-304800" lvl="1" marL="914400">
+            <a:lvl2pPr marL="914400" lvl="1" indent="-304800">
               <a:spcBef>
                 <a:spcPts val="0"/>
               </a:spcBef>
@@ -4199,7 +4005,7 @@
               <a:buChar char="○"/>
               <a:defRPr sz="1200"/>
             </a:lvl2pPr>
-            <a:lvl3pPr indent="-304800" lvl="2" marL="1371600">
+            <a:lvl3pPr marL="1371600" lvl="2" indent="-304800">
               <a:spcBef>
                 <a:spcPts val="0"/>
               </a:spcBef>
@@ -4210,7 +4016,7 @@
               <a:buChar char="■"/>
               <a:defRPr sz="1200"/>
             </a:lvl3pPr>
-            <a:lvl4pPr indent="-304800" lvl="3" marL="1828800">
+            <a:lvl4pPr marL="1828800" lvl="3" indent="-304800">
               <a:spcBef>
                 <a:spcPts val="0"/>
               </a:spcBef>
@@ -4221,7 +4027,7 @@
               <a:buChar char="●"/>
               <a:defRPr sz="1200"/>
             </a:lvl4pPr>
-            <a:lvl5pPr indent="-304800" lvl="4" marL="2286000">
+            <a:lvl5pPr marL="2286000" lvl="4" indent="-304800">
               <a:spcBef>
                 <a:spcPts val="0"/>
               </a:spcBef>
@@ -4232,7 +4038,7 @@
               <a:buChar char="○"/>
               <a:defRPr sz="1200"/>
             </a:lvl5pPr>
-            <a:lvl6pPr indent="-304800" lvl="5" marL="2743200">
+            <a:lvl6pPr marL="2743200" lvl="5" indent="-304800">
               <a:spcBef>
                 <a:spcPts val="0"/>
               </a:spcBef>
@@ -4243,7 +4049,7 @@
               <a:buChar char="■"/>
               <a:defRPr sz="1200"/>
             </a:lvl6pPr>
-            <a:lvl7pPr indent="-304800" lvl="6" marL="3200400">
+            <a:lvl7pPr marL="3200400" lvl="6" indent="-304800">
               <a:spcBef>
                 <a:spcPts val="0"/>
               </a:spcBef>
@@ -4254,7 +4060,7 @@
               <a:buChar char="●"/>
               <a:defRPr sz="1200"/>
             </a:lvl7pPr>
-            <a:lvl8pPr indent="-304800" lvl="7" marL="3657600">
+            <a:lvl8pPr marL="3657600" lvl="7" indent="-304800">
               <a:spcBef>
                 <a:spcPts val="0"/>
               </a:spcBef>
@@ -4265,7 +4071,7 @@
               <a:buChar char="○"/>
               <a:defRPr sz="1200"/>
             </a:lvl8pPr>
-            <a:lvl9pPr indent="-304800" lvl="8" marL="4114800">
+            <a:lvl9pPr marL="4114800" lvl="8" indent="-304800">
               <a:spcBef>
                 <a:spcPts val="0"/>
               </a:spcBef>
@@ -4277,15 +4083,19 @@
               <a:defRPr sz="1200"/>
             </a:lvl9pPr>
           </a:lstStyle>
-          <a:p/>
+          <a:p>
+            <a:endParaRPr/>
+          </a:p>
         </p:txBody>
       </p:sp>
       <p:sp>
         <p:nvSpPr>
           <p:cNvPr id="30" name="Google Shape;30;p5"/>
-          <p:cNvSpPr txBox="1"/>
+          <p:cNvSpPr txBox="1">
+            <a:spLocks noGrp="1"/>
+          </p:cNvSpPr>
           <p:nvPr>
-            <p:ph idx="12" type="sldNum"/>
+            <p:ph type="sldNum" idx="12"/>
           </p:nvPr>
         </p:nvSpPr>
         <p:spPr>
@@ -4298,7 +4108,7 @@
           </a:prstGeom>
         </p:spPr>
         <p:txBody>
-          <a:bodyPr anchorCtr="0" anchor="ctr" bIns="91425" lIns="91425" spcFirstLastPara="1" rIns="91425" wrap="square" tIns="91425">
+          <a:bodyPr spcFirstLastPara="1" wrap="square" lIns="91425" tIns="91425" rIns="91425" bIns="91425" anchor="ctr" anchorCtr="0">
             <a:normAutofit/>
           </a:bodyPr>
           <a:lstStyle>
@@ -4340,7 +4150,7 @@
             </a:lvl9pPr>
           </a:lstStyle>
           <a:p>
-            <a:pPr indent="0" lvl="0" marL="0" rtl="0" algn="r">
+            <a:pPr marL="0" lvl="0" indent="0" algn="r" rtl="0">
               <a:spcBef>
                 <a:spcPts val="0"/>
               </a:spcBef>
@@ -4366,11 +4176,11 @@
 </file>
 
 <file path=ppt/slideLayouts/slideLayout5.xml><?xml version="1.0" encoding="utf-8"?>
-<p:sldLayout xmlns:a="http://schemas.openxmlformats.org/drawingml/2006/main" xmlns:r="http://schemas.openxmlformats.org/officeDocument/2006/relationships" xmlns:mc="http://schemas.openxmlformats.org/markup-compatibility/2006" xmlns:mv="urn:schemas-microsoft-com:mac:vml" xmlns:p="http://schemas.openxmlformats.org/presentationml/2006/main" xmlns:c="http://schemas.openxmlformats.org/drawingml/2006/chart" xmlns:dgm="http://schemas.openxmlformats.org/drawingml/2006/diagram" xmlns:o="urn:schemas-microsoft-com:office:office" xmlns:v="urn:schemas-microsoft-com:vml" xmlns:pvml="urn:schemas-microsoft-com:office:powerpoint" xmlns:com="http://schemas.openxmlformats.org/drawingml/2006/compatibility" xmlns:p14="http://schemas.microsoft.com/office/powerpoint/2010/main" xmlns:p15="http://schemas.microsoft.com/office/powerpoint/2012/main" xmlns:ahyp="http://schemas.microsoft.com/office/drawing/2018/hyperlinkcolor" matchingName="Title only" type="titleOnly">
+<p:sldLayout xmlns:a="http://schemas.openxmlformats.org/drawingml/2006/main" xmlns:r="http://schemas.openxmlformats.org/officeDocument/2006/relationships" xmlns:p="http://schemas.openxmlformats.org/presentationml/2006/main" matchingName="Title only" type="titleOnly">
   <p:cSld name="TITLE_ONLY">
     <p:spTree>
       <p:nvGrpSpPr>
-        <p:cNvPr id="31" name="Shape 31"/>
+        <p:cNvPr id="1" name="Shape 31"/>
         <p:cNvGrpSpPr/>
         <p:nvPr/>
       </p:nvGrpSpPr>
@@ -4385,7 +4195,9 @@
       <p:sp>
         <p:nvSpPr>
           <p:cNvPr id="32" name="Google Shape;32;p6"/>
-          <p:cNvSpPr txBox="1"/>
+          <p:cNvSpPr txBox="1">
+            <a:spLocks noGrp="1"/>
+          </p:cNvSpPr>
           <p:nvPr>
             <p:ph type="title"/>
           </p:nvPr>
@@ -4400,7 +4212,7 @@
           </a:prstGeom>
         </p:spPr>
         <p:txBody>
-          <a:bodyPr anchorCtr="0" anchor="b" bIns="91425" lIns="91425" spcFirstLastPara="1" rIns="91425" wrap="square" tIns="91425">
+          <a:bodyPr spcFirstLastPara="1" wrap="square" lIns="91425" tIns="91425" rIns="91425" bIns="91425" anchor="b" anchorCtr="0">
             <a:normAutofit/>
           </a:bodyPr>
           <a:lstStyle>
@@ -4504,15 +4316,19 @@
               <a:defRPr/>
             </a:lvl9pPr>
           </a:lstStyle>
-          <a:p/>
+          <a:p>
+            <a:endParaRPr/>
+          </a:p>
         </p:txBody>
       </p:sp>
       <p:sp>
         <p:nvSpPr>
           <p:cNvPr id="33" name="Google Shape;33;p6"/>
-          <p:cNvSpPr txBox="1"/>
+          <p:cNvSpPr txBox="1">
+            <a:spLocks noGrp="1"/>
+          </p:cNvSpPr>
           <p:nvPr>
-            <p:ph idx="12" type="sldNum"/>
+            <p:ph type="sldNum" idx="12"/>
           </p:nvPr>
         </p:nvSpPr>
         <p:spPr>
@@ -4525,7 +4341,7 @@
           </a:prstGeom>
         </p:spPr>
         <p:txBody>
-          <a:bodyPr anchorCtr="0" anchor="ctr" bIns="91425" lIns="91425" spcFirstLastPara="1" rIns="91425" wrap="square" tIns="91425">
+          <a:bodyPr spcFirstLastPara="1" wrap="square" lIns="91425" tIns="91425" rIns="91425" bIns="91425" anchor="ctr" anchorCtr="0">
             <a:normAutofit/>
           </a:bodyPr>
           <a:lstStyle>
@@ -4567,7 +4383,7 @@
             </a:lvl9pPr>
           </a:lstStyle>
           <a:p>
-            <a:pPr indent="0" lvl="0" marL="0" rtl="0" algn="r">
+            <a:pPr marL="0" lvl="0" indent="0" algn="r" rtl="0">
               <a:spcBef>
                 <a:spcPts val="0"/>
               </a:spcBef>
@@ -4593,11 +4409,11 @@
 </file>
 
 <file path=ppt/slideLayouts/slideLayout6.xml><?xml version="1.0" encoding="utf-8"?>
-<p:sldLayout xmlns:a="http://schemas.openxmlformats.org/drawingml/2006/main" xmlns:r="http://schemas.openxmlformats.org/officeDocument/2006/relationships" xmlns:mc="http://schemas.openxmlformats.org/markup-compatibility/2006" xmlns:mv="urn:schemas-microsoft-com:mac:vml" xmlns:p="http://schemas.openxmlformats.org/presentationml/2006/main" xmlns:c="http://schemas.openxmlformats.org/drawingml/2006/chart" xmlns:dgm="http://schemas.openxmlformats.org/drawingml/2006/diagram" xmlns:o="urn:schemas-microsoft-com:office:office" xmlns:v="urn:schemas-microsoft-com:vml" xmlns:pvml="urn:schemas-microsoft-com:office:powerpoint" xmlns:com="http://schemas.openxmlformats.org/drawingml/2006/compatibility" xmlns:p14="http://schemas.microsoft.com/office/powerpoint/2010/main" xmlns:p15="http://schemas.microsoft.com/office/powerpoint/2012/main" xmlns:ahyp="http://schemas.microsoft.com/office/drawing/2018/hyperlinkcolor" matchingName="One column text">
+<p:sldLayout xmlns:a="http://schemas.openxmlformats.org/drawingml/2006/main" xmlns:r="http://schemas.openxmlformats.org/officeDocument/2006/relationships" xmlns:p="http://schemas.openxmlformats.org/presentationml/2006/main" matchingName="One column text">
   <p:cSld name="ONE_COLUMN_TEXT">
     <p:spTree>
       <p:nvGrpSpPr>
-        <p:cNvPr id="34" name="Shape 34"/>
+        <p:cNvPr id="1" name="Shape 34"/>
         <p:cNvGrpSpPr/>
         <p:nvPr/>
       </p:nvGrpSpPr>
@@ -4624,21 +4440,23 @@
             <a:avLst/>
           </a:prstGeom>
           <a:noFill/>
-          <a:ln cap="flat" cmpd="sng" w="38100">
+          <a:ln w="38100" cap="flat" cmpd="sng">
             <a:solidFill>
               <a:schemeClr val="accent4"/>
             </a:solidFill>
             <a:prstDash val="solid"/>
             <a:round/>
-            <a:headEnd len="sm" w="sm" type="none"/>
-            <a:tailEnd len="sm" w="sm" type="none"/>
+            <a:headEnd type="none" w="sm" len="sm"/>
+            <a:tailEnd type="none" w="sm" len="sm"/>
           </a:ln>
         </p:spPr>
       </p:cxnSp>
       <p:sp>
         <p:nvSpPr>
           <p:cNvPr id="36" name="Google Shape;36;p7"/>
-          <p:cNvSpPr txBox="1"/>
+          <p:cNvSpPr txBox="1">
+            <a:spLocks noGrp="1"/>
+          </p:cNvSpPr>
           <p:nvPr>
             <p:ph type="title"/>
           </p:nvPr>
@@ -4653,7 +4471,7 @@
           </a:prstGeom>
         </p:spPr>
         <p:txBody>
-          <a:bodyPr anchorCtr="0" anchor="b" bIns="91425" lIns="91425" spcFirstLastPara="1" rIns="91425" wrap="square" tIns="91425">
+          <a:bodyPr spcFirstLastPara="1" wrap="square" lIns="91425" tIns="91425" rIns="91425" bIns="91425" anchor="b" anchorCtr="0">
             <a:normAutofit/>
           </a:bodyPr>
           <a:lstStyle>
@@ -4757,15 +4575,19 @@
               <a:defRPr sz="2400"/>
             </a:lvl9pPr>
           </a:lstStyle>
-          <a:p/>
+          <a:p>
+            <a:endParaRPr/>
+          </a:p>
         </p:txBody>
       </p:sp>
       <p:sp>
         <p:nvSpPr>
           <p:cNvPr id="37" name="Google Shape;37;p7"/>
-          <p:cNvSpPr txBox="1"/>
+          <p:cNvSpPr txBox="1">
+            <a:spLocks noGrp="1"/>
+          </p:cNvSpPr>
           <p:nvPr>
-            <p:ph idx="1" type="body"/>
+            <p:ph type="body" idx="1"/>
           </p:nvPr>
         </p:nvSpPr>
         <p:spPr>
@@ -4778,11 +4600,11 @@
           </a:prstGeom>
         </p:spPr>
         <p:txBody>
-          <a:bodyPr anchorCtr="0" anchor="t" bIns="91425" lIns="91425" spcFirstLastPara="1" rIns="91425" wrap="square" tIns="91425">
+          <a:bodyPr spcFirstLastPara="1" wrap="square" lIns="91425" tIns="91425" rIns="91425" bIns="91425" anchor="t" anchorCtr="0">
             <a:normAutofit/>
           </a:bodyPr>
           <a:lstStyle>
-            <a:lvl1pPr indent="-304800" lvl="0" marL="457200">
+            <a:lvl1pPr marL="457200" lvl="0" indent="-304800">
               <a:spcBef>
                 <a:spcPts val="0"/>
               </a:spcBef>
@@ -4793,7 +4615,7 @@
               <a:buChar char="●"/>
               <a:defRPr sz="1200"/>
             </a:lvl1pPr>
-            <a:lvl2pPr indent="-304800" lvl="1" marL="914400">
+            <a:lvl2pPr marL="914400" lvl="1" indent="-304800">
               <a:spcBef>
                 <a:spcPts val="0"/>
               </a:spcBef>
@@ -4804,7 +4626,7 @@
               <a:buChar char="○"/>
               <a:defRPr sz="1200"/>
             </a:lvl2pPr>
-            <a:lvl3pPr indent="-304800" lvl="2" marL="1371600">
+            <a:lvl3pPr marL="1371600" lvl="2" indent="-304800">
               <a:spcBef>
                 <a:spcPts val="0"/>
               </a:spcBef>
@@ -4815,7 +4637,7 @@
               <a:buChar char="■"/>
               <a:defRPr sz="1200"/>
             </a:lvl3pPr>
-            <a:lvl4pPr indent="-304800" lvl="3" marL="1828800">
+            <a:lvl4pPr marL="1828800" lvl="3" indent="-304800">
               <a:spcBef>
                 <a:spcPts val="0"/>
               </a:spcBef>
@@ -4826,7 +4648,7 @@
               <a:buChar char="●"/>
               <a:defRPr sz="1200"/>
             </a:lvl4pPr>
-            <a:lvl5pPr indent="-304800" lvl="4" marL="2286000">
+            <a:lvl5pPr marL="2286000" lvl="4" indent="-304800">
               <a:spcBef>
                 <a:spcPts val="0"/>
               </a:spcBef>
@@ -4837,7 +4659,7 @@
               <a:buChar char="○"/>
               <a:defRPr sz="1200"/>
             </a:lvl5pPr>
-            <a:lvl6pPr indent="-304800" lvl="5" marL="2743200">
+            <a:lvl6pPr marL="2743200" lvl="5" indent="-304800">
               <a:spcBef>
                 <a:spcPts val="0"/>
               </a:spcBef>
@@ -4848,7 +4670,7 @@
               <a:buChar char="■"/>
               <a:defRPr sz="1200"/>
             </a:lvl6pPr>
-            <a:lvl7pPr indent="-304800" lvl="6" marL="3200400">
+            <a:lvl7pPr marL="3200400" lvl="6" indent="-304800">
               <a:spcBef>
                 <a:spcPts val="0"/>
               </a:spcBef>
@@ -4859,7 +4681,7 @@
               <a:buChar char="●"/>
               <a:defRPr sz="1200"/>
             </a:lvl7pPr>
-            <a:lvl8pPr indent="-304800" lvl="7" marL="3657600">
+            <a:lvl8pPr marL="3657600" lvl="7" indent="-304800">
               <a:spcBef>
                 <a:spcPts val="0"/>
               </a:spcBef>
@@ -4870,7 +4692,7 @@
               <a:buChar char="○"/>
               <a:defRPr sz="1200"/>
             </a:lvl8pPr>
-            <a:lvl9pPr indent="-304800" lvl="8" marL="4114800">
+            <a:lvl9pPr marL="4114800" lvl="8" indent="-304800">
               <a:spcBef>
                 <a:spcPts val="0"/>
               </a:spcBef>
@@ -4882,15 +4704,19 @@
               <a:defRPr sz="1200"/>
             </a:lvl9pPr>
           </a:lstStyle>
-          <a:p/>
+          <a:p>
+            <a:endParaRPr/>
+          </a:p>
         </p:txBody>
       </p:sp>
       <p:sp>
         <p:nvSpPr>
           <p:cNvPr id="38" name="Google Shape;38;p7"/>
-          <p:cNvSpPr txBox="1"/>
+          <p:cNvSpPr txBox="1">
+            <a:spLocks noGrp="1"/>
+          </p:cNvSpPr>
           <p:nvPr>
-            <p:ph idx="12" type="sldNum"/>
+            <p:ph type="sldNum" idx="12"/>
           </p:nvPr>
         </p:nvSpPr>
         <p:spPr>
@@ -4903,7 +4729,7 @@
           </a:prstGeom>
         </p:spPr>
         <p:txBody>
-          <a:bodyPr anchorCtr="0" anchor="ctr" bIns="91425" lIns="91425" spcFirstLastPara="1" rIns="91425" wrap="square" tIns="91425">
+          <a:bodyPr spcFirstLastPara="1" wrap="square" lIns="91425" tIns="91425" rIns="91425" bIns="91425" anchor="ctr" anchorCtr="0">
             <a:normAutofit/>
           </a:bodyPr>
           <a:lstStyle>
@@ -4945,7 +4771,7 @@
             </a:lvl9pPr>
           </a:lstStyle>
           <a:p>
-            <a:pPr indent="0" lvl="0" marL="0" rtl="0" algn="r">
+            <a:pPr marL="0" lvl="0" indent="0" algn="r" rtl="0">
               <a:spcBef>
                 <a:spcPts val="0"/>
               </a:spcBef>
@@ -4971,11 +4797,11 @@
 </file>
 
 <file path=ppt/slideLayouts/slideLayout7.xml><?xml version="1.0" encoding="utf-8"?>
-<p:sldLayout xmlns:a="http://schemas.openxmlformats.org/drawingml/2006/main" xmlns:r="http://schemas.openxmlformats.org/officeDocument/2006/relationships" xmlns:mc="http://schemas.openxmlformats.org/markup-compatibility/2006" xmlns:mv="urn:schemas-microsoft-com:mac:vml" xmlns:p="http://schemas.openxmlformats.org/presentationml/2006/main" xmlns:c="http://schemas.openxmlformats.org/drawingml/2006/chart" xmlns:dgm="http://schemas.openxmlformats.org/drawingml/2006/diagram" xmlns:o="urn:schemas-microsoft-com:office:office" xmlns:v="urn:schemas-microsoft-com:vml" xmlns:pvml="urn:schemas-microsoft-com:office:powerpoint" xmlns:com="http://schemas.openxmlformats.org/drawingml/2006/compatibility" xmlns:p14="http://schemas.microsoft.com/office/powerpoint/2010/main" xmlns:p15="http://schemas.microsoft.com/office/powerpoint/2012/main" xmlns:ahyp="http://schemas.microsoft.com/office/drawing/2018/hyperlinkcolor" matchingName="Main point">
+<p:sldLayout xmlns:a="http://schemas.openxmlformats.org/drawingml/2006/main" xmlns:r="http://schemas.openxmlformats.org/officeDocument/2006/relationships" xmlns:p="http://schemas.openxmlformats.org/presentationml/2006/main" matchingName="Main point">
   <p:cSld name="MAIN_POINT">
     <p:spTree>
       <p:nvGrpSpPr>
-        <p:cNvPr id="39" name="Shape 39"/>
+        <p:cNvPr id="1" name="Shape 39"/>
         <p:cNvGrpSpPr/>
         <p:nvPr/>
       </p:nvGrpSpPr>
@@ -4990,7 +4816,9 @@
       <p:sp>
         <p:nvSpPr>
           <p:cNvPr id="40" name="Google Shape;40;p8"/>
-          <p:cNvSpPr txBox="1"/>
+          <p:cNvSpPr txBox="1">
+            <a:spLocks noGrp="1"/>
+          </p:cNvSpPr>
           <p:nvPr>
             <p:ph type="title"/>
           </p:nvPr>
@@ -5005,7 +4833,7 @@
           </a:prstGeom>
         </p:spPr>
         <p:txBody>
-          <a:bodyPr anchorCtr="0" anchor="ctr" bIns="91425" lIns="91425" spcFirstLastPara="1" rIns="91425" wrap="square" tIns="91425">
+          <a:bodyPr spcFirstLastPara="1" wrap="square" lIns="91425" tIns="91425" rIns="91425" bIns="91425" anchor="ctr" anchorCtr="0">
             <a:normAutofit/>
           </a:bodyPr>
           <a:lstStyle>
@@ -5109,15 +4937,19 @@
               <a:defRPr sz="4800"/>
             </a:lvl9pPr>
           </a:lstStyle>
-          <a:p/>
+          <a:p>
+            <a:endParaRPr/>
+          </a:p>
         </p:txBody>
       </p:sp>
       <p:sp>
         <p:nvSpPr>
           <p:cNvPr id="41" name="Google Shape;41;p8"/>
-          <p:cNvSpPr txBox="1"/>
+          <p:cNvSpPr txBox="1">
+            <a:spLocks noGrp="1"/>
+          </p:cNvSpPr>
           <p:nvPr>
-            <p:ph idx="12" type="sldNum"/>
+            <p:ph type="sldNum" idx="12"/>
           </p:nvPr>
         </p:nvSpPr>
         <p:spPr>
@@ -5130,7 +4962,7 @@
           </a:prstGeom>
         </p:spPr>
         <p:txBody>
-          <a:bodyPr anchorCtr="0" anchor="ctr" bIns="91425" lIns="91425" spcFirstLastPara="1" rIns="91425" wrap="square" tIns="91425">
+          <a:bodyPr spcFirstLastPara="1" wrap="square" lIns="91425" tIns="91425" rIns="91425" bIns="91425" anchor="ctr" anchorCtr="0">
             <a:normAutofit/>
           </a:bodyPr>
           <a:lstStyle>
@@ -5172,7 +5004,7 @@
             </a:lvl9pPr>
           </a:lstStyle>
           <a:p>
-            <a:pPr indent="0" lvl="0" marL="0" rtl="0" algn="r">
+            <a:pPr marL="0" lvl="0" indent="0" algn="r" rtl="0">
               <a:spcBef>
                 <a:spcPts val="0"/>
               </a:spcBef>
@@ -5198,11 +5030,11 @@
 </file>
 
 <file path=ppt/slideLayouts/slideLayout8.xml><?xml version="1.0" encoding="utf-8"?>
-<p:sldLayout xmlns:a="http://schemas.openxmlformats.org/drawingml/2006/main" xmlns:r="http://schemas.openxmlformats.org/officeDocument/2006/relationships" xmlns:mc="http://schemas.openxmlformats.org/markup-compatibility/2006" xmlns:mv="urn:schemas-microsoft-com:mac:vml" xmlns:p="http://schemas.openxmlformats.org/presentationml/2006/main" xmlns:c="http://schemas.openxmlformats.org/drawingml/2006/chart" xmlns:dgm="http://schemas.openxmlformats.org/drawingml/2006/diagram" xmlns:o="urn:schemas-microsoft-com:office:office" xmlns:v="urn:schemas-microsoft-com:vml" xmlns:pvml="urn:schemas-microsoft-com:office:powerpoint" xmlns:com="http://schemas.openxmlformats.org/drawingml/2006/compatibility" xmlns:p14="http://schemas.microsoft.com/office/powerpoint/2010/main" xmlns:p15="http://schemas.microsoft.com/office/powerpoint/2012/main" xmlns:ahyp="http://schemas.microsoft.com/office/drawing/2018/hyperlinkcolor" matchingName="Section title and description">
+<p:sldLayout xmlns:a="http://schemas.openxmlformats.org/drawingml/2006/main" xmlns:r="http://schemas.openxmlformats.org/officeDocument/2006/relationships" xmlns:p="http://schemas.openxmlformats.org/presentationml/2006/main" matchingName="Section title and description">
   <p:cSld name="SECTION_TITLE_AND_DESCRIPTION">
     <p:spTree>
       <p:nvGrpSpPr>
-        <p:cNvPr id="42" name="Shape 42"/>
+        <p:cNvPr id="1" name="Shape 42"/>
         <p:cNvGrpSpPr/>
         <p:nvPr/>
       </p:nvGrpSpPr>
@@ -5236,12 +5068,12 @@
           </a:ln>
         </p:spPr>
         <p:txBody>
-          <a:bodyPr anchorCtr="0" anchor="ctr" bIns="91425" lIns="91425" spcFirstLastPara="1" rIns="91425" wrap="square" tIns="91425">
+          <a:bodyPr spcFirstLastPara="1" wrap="square" lIns="91425" tIns="91425" rIns="91425" bIns="91425" anchor="ctr" anchorCtr="0">
             <a:noAutofit/>
           </a:bodyPr>
           <a:lstStyle/>
           <a:p>
-            <a:pPr indent="0" lvl="0" marL="0" rtl="0" algn="l">
+            <a:pPr marL="0" lvl="0" indent="0" algn="l" rtl="0">
               <a:spcBef>
                 <a:spcPts val="0"/>
               </a:spcBef>
@@ -5250,9 +5082,6 @@
               </a:spcAft>
               <a:buNone/>
             </a:pPr>
-            <a:r>
-              <a:t/>
-            </a:r>
             <a:endParaRPr/>
           </a:p>
         </p:txBody>
@@ -5272,21 +5101,23 @@
             <a:avLst/>
           </a:prstGeom>
           <a:noFill/>
-          <a:ln cap="flat" cmpd="sng" w="38100">
+          <a:ln w="38100" cap="flat" cmpd="sng">
             <a:solidFill>
               <a:schemeClr val="accent5"/>
             </a:solidFill>
             <a:prstDash val="solid"/>
             <a:round/>
-            <a:headEnd len="sm" w="sm" type="none"/>
-            <a:tailEnd len="sm" w="sm" type="none"/>
+            <a:headEnd type="none" w="sm" len="sm"/>
+            <a:tailEnd type="none" w="sm" len="sm"/>
           </a:ln>
         </p:spPr>
       </p:cxnSp>
       <p:sp>
         <p:nvSpPr>
           <p:cNvPr id="45" name="Google Shape;45;p9"/>
-          <p:cNvSpPr txBox="1"/>
+          <p:cNvSpPr txBox="1">
+            <a:spLocks noGrp="1"/>
+          </p:cNvSpPr>
           <p:nvPr>
             <p:ph type="title"/>
           </p:nvPr>
@@ -5301,7 +5132,7 @@
           </a:prstGeom>
         </p:spPr>
         <p:txBody>
-          <a:bodyPr anchorCtr="0" anchor="b" bIns="91425" lIns="91425" spcFirstLastPara="1" rIns="91425" wrap="square" tIns="91425">
+          <a:bodyPr spcFirstLastPara="1" wrap="square" lIns="91425" tIns="91425" rIns="91425" bIns="91425" anchor="b" anchorCtr="0">
             <a:normAutofit/>
           </a:bodyPr>
           <a:lstStyle>
@@ -5405,15 +5236,19 @@
               <a:defRPr sz="3800"/>
             </a:lvl9pPr>
           </a:lstStyle>
-          <a:p/>
+          <a:p>
+            <a:endParaRPr/>
+          </a:p>
         </p:txBody>
       </p:sp>
       <p:sp>
         <p:nvSpPr>
           <p:cNvPr id="46" name="Google Shape;46;p9"/>
-          <p:cNvSpPr txBox="1"/>
+          <p:cNvSpPr txBox="1">
+            <a:spLocks noGrp="1"/>
+          </p:cNvSpPr>
           <p:nvPr>
-            <p:ph idx="1" type="subTitle"/>
+            <p:ph type="subTitle" idx="1"/>
           </p:nvPr>
         </p:nvSpPr>
         <p:spPr>
@@ -5426,7 +5261,7 @@
           </a:prstGeom>
         </p:spPr>
         <p:txBody>
-          <a:bodyPr anchorCtr="0" anchor="t" bIns="91425" lIns="91425" spcFirstLastPara="1" rIns="91425" wrap="square" tIns="91425">
+          <a:bodyPr spcFirstLastPara="1" wrap="square" lIns="91425" tIns="91425" rIns="91425" bIns="91425" anchor="t" anchorCtr="0">
             <a:normAutofit/>
           </a:bodyPr>
           <a:lstStyle>
@@ -5620,15 +5455,19 @@
               </a:defRPr>
             </a:lvl9pPr>
           </a:lstStyle>
-          <a:p/>
+          <a:p>
+            <a:endParaRPr/>
+          </a:p>
         </p:txBody>
       </p:sp>
       <p:sp>
         <p:nvSpPr>
           <p:cNvPr id="47" name="Google Shape;47;p9"/>
-          <p:cNvSpPr txBox="1"/>
+          <p:cNvSpPr txBox="1">
+            <a:spLocks noGrp="1"/>
+          </p:cNvSpPr>
           <p:nvPr>
-            <p:ph idx="2" type="body"/>
+            <p:ph type="body" idx="2"/>
           </p:nvPr>
         </p:nvSpPr>
         <p:spPr>
@@ -5641,11 +5480,11 @@
           </a:prstGeom>
         </p:spPr>
         <p:txBody>
-          <a:bodyPr anchorCtr="0" anchor="ctr" bIns="91425" lIns="91425" spcFirstLastPara="1" rIns="91425" wrap="square" tIns="91425">
+          <a:bodyPr spcFirstLastPara="1" wrap="square" lIns="91425" tIns="91425" rIns="91425" bIns="91425" anchor="ctr" anchorCtr="0">
             <a:normAutofit/>
           </a:bodyPr>
           <a:lstStyle>
-            <a:lvl1pPr indent="-342900" lvl="0" marL="457200">
+            <a:lvl1pPr marL="457200" lvl="0" indent="-342900">
               <a:spcBef>
                 <a:spcPts val="0"/>
               </a:spcBef>
@@ -5656,7 +5495,7 @@
               <a:buChar char="●"/>
               <a:defRPr/>
             </a:lvl1pPr>
-            <a:lvl2pPr indent="-317500" lvl="1" marL="914400">
+            <a:lvl2pPr marL="914400" lvl="1" indent="-317500">
               <a:spcBef>
                 <a:spcPts val="0"/>
               </a:spcBef>
@@ -5667,7 +5506,7 @@
               <a:buChar char="○"/>
               <a:defRPr/>
             </a:lvl2pPr>
-            <a:lvl3pPr indent="-317500" lvl="2" marL="1371600">
+            <a:lvl3pPr marL="1371600" lvl="2" indent="-317500">
               <a:spcBef>
                 <a:spcPts val="0"/>
               </a:spcBef>
@@ -5678,7 +5517,7 @@
               <a:buChar char="■"/>
               <a:defRPr/>
             </a:lvl3pPr>
-            <a:lvl4pPr indent="-317500" lvl="3" marL="1828800">
+            <a:lvl4pPr marL="1828800" lvl="3" indent="-317500">
               <a:spcBef>
                 <a:spcPts val="0"/>
               </a:spcBef>
@@ -5689,7 +5528,7 @@
               <a:buChar char="●"/>
               <a:defRPr/>
             </a:lvl4pPr>
-            <a:lvl5pPr indent="-317500" lvl="4" marL="2286000">
+            <a:lvl5pPr marL="2286000" lvl="4" indent="-317500">
               <a:spcBef>
                 <a:spcPts val="0"/>
               </a:spcBef>
@@ -5700,7 +5539,7 @@
               <a:buChar char="○"/>
               <a:defRPr/>
             </a:lvl5pPr>
-            <a:lvl6pPr indent="-317500" lvl="5" marL="2743200">
+            <a:lvl6pPr marL="2743200" lvl="5" indent="-317500">
               <a:spcBef>
                 <a:spcPts val="0"/>
               </a:spcBef>
@@ -5711,7 +5550,7 @@
               <a:buChar char="■"/>
               <a:defRPr/>
             </a:lvl6pPr>
-            <a:lvl7pPr indent="-317500" lvl="6" marL="3200400">
+            <a:lvl7pPr marL="3200400" lvl="6" indent="-317500">
               <a:spcBef>
                 <a:spcPts val="0"/>
               </a:spcBef>
@@ -5722,7 +5561,7 @@
               <a:buChar char="●"/>
               <a:defRPr/>
             </a:lvl7pPr>
-            <a:lvl8pPr indent="-317500" lvl="7" marL="3657600">
+            <a:lvl8pPr marL="3657600" lvl="7" indent="-317500">
               <a:spcBef>
                 <a:spcPts val="0"/>
               </a:spcBef>
@@ -5733,7 +5572,7 @@
               <a:buChar char="○"/>
               <a:defRPr/>
             </a:lvl8pPr>
-            <a:lvl9pPr indent="-317500" lvl="8" marL="4114800">
+            <a:lvl9pPr marL="4114800" lvl="8" indent="-317500">
               <a:spcBef>
                 <a:spcPts val="0"/>
               </a:spcBef>
@@ -5745,15 +5584,19 @@
               <a:defRPr/>
             </a:lvl9pPr>
           </a:lstStyle>
-          <a:p/>
+          <a:p>
+            <a:endParaRPr/>
+          </a:p>
         </p:txBody>
       </p:sp>
       <p:sp>
         <p:nvSpPr>
           <p:cNvPr id="48" name="Google Shape;48;p9"/>
-          <p:cNvSpPr txBox="1"/>
+          <p:cNvSpPr txBox="1">
+            <a:spLocks noGrp="1"/>
+          </p:cNvSpPr>
           <p:nvPr>
-            <p:ph idx="12" type="sldNum"/>
+            <p:ph type="sldNum" idx="12"/>
           </p:nvPr>
         </p:nvSpPr>
         <p:spPr>
@@ -5766,7 +5609,7 @@
           </a:prstGeom>
         </p:spPr>
         <p:txBody>
-          <a:bodyPr anchorCtr="0" anchor="ctr" bIns="91425" lIns="91425" spcFirstLastPara="1" rIns="91425" wrap="square" tIns="91425">
+          <a:bodyPr spcFirstLastPara="1" wrap="square" lIns="91425" tIns="91425" rIns="91425" bIns="91425" anchor="ctr" anchorCtr="0">
             <a:normAutofit/>
           </a:bodyPr>
           <a:lstStyle>
@@ -5808,7 +5651,7 @@
             </a:lvl9pPr>
           </a:lstStyle>
           <a:p>
-            <a:pPr indent="0" lvl="0" marL="0" rtl="0" algn="r">
+            <a:pPr marL="0" lvl="0" indent="0" algn="r" rtl="0">
               <a:spcBef>
                 <a:spcPts val="0"/>
               </a:spcBef>
@@ -5834,11 +5677,11 @@
 </file>
 
 <file path=ppt/slideLayouts/slideLayout9.xml><?xml version="1.0" encoding="utf-8"?>
-<p:sldLayout xmlns:a="http://schemas.openxmlformats.org/drawingml/2006/main" xmlns:r="http://schemas.openxmlformats.org/officeDocument/2006/relationships" xmlns:mc="http://schemas.openxmlformats.org/markup-compatibility/2006" xmlns:mv="urn:schemas-microsoft-com:mac:vml" xmlns:p="http://schemas.openxmlformats.org/presentationml/2006/main" xmlns:c="http://schemas.openxmlformats.org/drawingml/2006/chart" xmlns:dgm="http://schemas.openxmlformats.org/drawingml/2006/diagram" xmlns:o="urn:schemas-microsoft-com:office:office" xmlns:v="urn:schemas-microsoft-com:vml" xmlns:pvml="urn:schemas-microsoft-com:office:powerpoint" xmlns:com="http://schemas.openxmlformats.org/drawingml/2006/compatibility" xmlns:p14="http://schemas.microsoft.com/office/powerpoint/2010/main" xmlns:p15="http://schemas.microsoft.com/office/powerpoint/2012/main" xmlns:ahyp="http://schemas.microsoft.com/office/drawing/2018/hyperlinkcolor" matchingName="Caption">
+<p:sldLayout xmlns:a="http://schemas.openxmlformats.org/drawingml/2006/main" xmlns:r="http://schemas.openxmlformats.org/officeDocument/2006/relationships" xmlns:p="http://schemas.openxmlformats.org/presentationml/2006/main" matchingName="Caption">
   <p:cSld name="CAPTION_ONLY">
     <p:spTree>
       <p:nvGrpSpPr>
-        <p:cNvPr id="49" name="Shape 49"/>
+        <p:cNvPr id="1" name="Shape 49"/>
         <p:cNvGrpSpPr/>
         <p:nvPr/>
       </p:nvGrpSpPr>
@@ -5853,9 +5696,11 @@
       <p:sp>
         <p:nvSpPr>
           <p:cNvPr id="50" name="Google Shape;50;p10"/>
-          <p:cNvSpPr txBox="1"/>
+          <p:cNvSpPr txBox="1">
+            <a:spLocks noGrp="1"/>
+          </p:cNvSpPr>
           <p:nvPr>
-            <p:ph idx="1" type="body"/>
+            <p:ph type="body" idx="1"/>
           </p:nvPr>
         </p:nvSpPr>
         <p:spPr>
@@ -5868,11 +5713,11 @@
           </a:prstGeom>
         </p:spPr>
         <p:txBody>
-          <a:bodyPr anchorCtr="0" anchor="ctr" bIns="91425" lIns="91425" spcFirstLastPara="1" rIns="91425" wrap="square" tIns="91425">
+          <a:bodyPr spcFirstLastPara="1" wrap="square" lIns="91425" tIns="91425" rIns="91425" bIns="91425" anchor="ctr" anchorCtr="0">
             <a:normAutofit/>
           </a:bodyPr>
           <a:lstStyle>
-            <a:lvl1pPr indent="-228600" lvl="0" marL="457200">
+            <a:lvl1pPr marL="457200" lvl="0" indent="-228600">
               <a:lnSpc>
                 <a:spcPct val="100000"/>
               </a:lnSpc>
@@ -5893,15 +5738,19 @@
               </a:defRPr>
             </a:lvl1pPr>
           </a:lstStyle>
-          <a:p/>
+          <a:p>
+            <a:endParaRPr/>
+          </a:p>
         </p:txBody>
       </p:sp>
       <p:sp>
         <p:nvSpPr>
           <p:cNvPr id="51" name="Google Shape;51;p10"/>
-          <p:cNvSpPr txBox="1"/>
+          <p:cNvSpPr txBox="1">
+            <a:spLocks noGrp="1"/>
+          </p:cNvSpPr>
           <p:nvPr>
-            <p:ph idx="12" type="sldNum"/>
+            <p:ph type="sldNum" idx="12"/>
           </p:nvPr>
         </p:nvSpPr>
         <p:spPr>
@@ -5914,7 +5763,7 @@
           </a:prstGeom>
         </p:spPr>
         <p:txBody>
-          <a:bodyPr anchorCtr="0" anchor="ctr" bIns="91425" lIns="91425" spcFirstLastPara="1" rIns="91425" wrap="square" tIns="91425">
+          <a:bodyPr spcFirstLastPara="1" wrap="square" lIns="91425" tIns="91425" rIns="91425" bIns="91425" anchor="ctr" anchorCtr="0">
             <a:normAutofit/>
           </a:bodyPr>
           <a:lstStyle>
@@ -5956,7 +5805,7 @@
             </a:lvl9pPr>
           </a:lstStyle>
           <a:p>
-            <a:pPr indent="0" lvl="0" marL="0" rtl="0" algn="r">
+            <a:pPr marL="0" lvl="0" indent="0" algn="r" rtl="0">
               <a:spcBef>
                 <a:spcPts val="0"/>
               </a:spcBef>
@@ -5982,18 +5831,19 @@
 </file>
 
 <file path=ppt/slideMasters/slideMaster1.xml><?xml version="1.0" encoding="utf-8"?>
-<p:sldMaster xmlns:a="http://schemas.openxmlformats.org/drawingml/2006/main" xmlns:r="http://schemas.openxmlformats.org/officeDocument/2006/relationships" xmlns:mc="http://schemas.openxmlformats.org/markup-compatibility/2006" xmlns:mv="urn:schemas-microsoft-com:mac:vml" xmlns:p="http://schemas.openxmlformats.org/presentationml/2006/main" xmlns:c="http://schemas.openxmlformats.org/drawingml/2006/chart" xmlns:dgm="http://schemas.openxmlformats.org/drawingml/2006/diagram" xmlns:o="urn:schemas-microsoft-com:office:office" xmlns:v="urn:schemas-microsoft-com:vml" xmlns:pvml="urn:schemas-microsoft-com:office:powerpoint" xmlns:com="http://schemas.openxmlformats.org/drawingml/2006/compatibility" xmlns:p14="http://schemas.microsoft.com/office/powerpoint/2010/main" xmlns:p15="http://schemas.microsoft.com/office/powerpoint/2012/main" xmlns:ahyp="http://schemas.microsoft.com/office/drawing/2018/hyperlinkcolor">
+<p:sldMaster xmlns:a="http://schemas.openxmlformats.org/drawingml/2006/main" xmlns:r="http://schemas.openxmlformats.org/officeDocument/2006/relationships" xmlns:p="http://schemas.openxmlformats.org/presentationml/2006/main">
   <p:cSld name="marina">
     <p:bg>
       <p:bgPr>
         <a:solidFill>
           <a:schemeClr val="lt1"/>
         </a:solidFill>
+        <a:effectLst/>
       </p:bgPr>
     </p:bg>
     <p:spTree>
       <p:nvGrpSpPr>
-        <p:cNvPr id="5" name="Shape 5"/>
+        <p:cNvPr id="1" name="Shape 5"/>
         <p:cNvGrpSpPr/>
         <p:nvPr/>
       </p:nvGrpSpPr>
@@ -6008,7 +5858,9 @@
       <p:sp>
         <p:nvSpPr>
           <p:cNvPr id="6" name="Google Shape;6;p1"/>
-          <p:cNvSpPr txBox="1"/>
+          <p:cNvSpPr txBox="1">
+            <a:spLocks noGrp="1"/>
+          </p:cNvSpPr>
           <p:nvPr>
             <p:ph type="title"/>
           </p:nvPr>
@@ -6027,7 +5879,7 @@
           </a:ln>
         </p:spPr>
         <p:txBody>
-          <a:bodyPr anchorCtr="0" anchor="b" bIns="91425" lIns="91425" spcFirstLastPara="1" rIns="91425" wrap="square" tIns="91425">
+          <a:bodyPr spcFirstLastPara="1" wrap="square" lIns="91425" tIns="91425" rIns="91425" bIns="91425" anchor="b" anchorCtr="0">
             <a:normAutofit/>
           </a:bodyPr>
           <a:lstStyle>
@@ -6239,15 +6091,19 @@
               </a:defRPr>
             </a:lvl9pPr>
           </a:lstStyle>
-          <a:p/>
+          <a:p>
+            <a:endParaRPr/>
+          </a:p>
         </p:txBody>
       </p:sp>
       <p:sp>
         <p:nvSpPr>
           <p:cNvPr id="7" name="Google Shape;7;p1"/>
-          <p:cNvSpPr txBox="1"/>
+          <p:cNvSpPr txBox="1">
+            <a:spLocks noGrp="1"/>
+          </p:cNvSpPr>
           <p:nvPr>
-            <p:ph idx="1" type="body"/>
+            <p:ph type="body" idx="1"/>
           </p:nvPr>
         </p:nvSpPr>
         <p:spPr>
@@ -6264,11 +6120,11 @@
           </a:ln>
         </p:spPr>
         <p:txBody>
-          <a:bodyPr anchorCtr="0" anchor="t" bIns="91425" lIns="91425" spcFirstLastPara="1" rIns="91425" wrap="square" tIns="91425">
+          <a:bodyPr spcFirstLastPara="1" wrap="square" lIns="91425" tIns="91425" rIns="91425" bIns="91425" anchor="t" anchorCtr="0">
             <a:normAutofit/>
           </a:bodyPr>
           <a:lstStyle>
-            <a:lvl1pPr indent="-342900" lvl="0" marL="457200">
+            <a:lvl1pPr marL="457200" lvl="0" indent="-342900">
               <a:lnSpc>
                 <a:spcPct val="115000"/>
               </a:lnSpc>
@@ -6294,7 +6150,7 @@
                 <a:sym typeface="Roboto"/>
               </a:defRPr>
             </a:lvl1pPr>
-            <a:lvl2pPr indent="-317500" lvl="1" marL="914400">
+            <a:lvl2pPr marL="914400" lvl="1" indent="-317500">
               <a:lnSpc>
                 <a:spcPct val="115000"/>
               </a:lnSpc>
@@ -6320,7 +6176,7 @@
                 <a:sym typeface="Roboto"/>
               </a:defRPr>
             </a:lvl2pPr>
-            <a:lvl3pPr indent="-317500" lvl="2" marL="1371600">
+            <a:lvl3pPr marL="1371600" lvl="2" indent="-317500">
               <a:lnSpc>
                 <a:spcPct val="115000"/>
               </a:lnSpc>
@@ -6346,7 +6202,7 @@
                 <a:sym typeface="Roboto"/>
               </a:defRPr>
             </a:lvl3pPr>
-            <a:lvl4pPr indent="-317500" lvl="3" marL="1828800">
+            <a:lvl4pPr marL="1828800" lvl="3" indent="-317500">
               <a:lnSpc>
                 <a:spcPct val="115000"/>
               </a:lnSpc>
@@ -6372,7 +6228,7 @@
                 <a:sym typeface="Roboto"/>
               </a:defRPr>
             </a:lvl4pPr>
-            <a:lvl5pPr indent="-317500" lvl="4" marL="2286000">
+            <a:lvl5pPr marL="2286000" lvl="4" indent="-317500">
               <a:lnSpc>
                 <a:spcPct val="115000"/>
               </a:lnSpc>
@@ -6398,7 +6254,7 @@
                 <a:sym typeface="Roboto"/>
               </a:defRPr>
             </a:lvl5pPr>
-            <a:lvl6pPr indent="-317500" lvl="5" marL="2743200">
+            <a:lvl6pPr marL="2743200" lvl="5" indent="-317500">
               <a:lnSpc>
                 <a:spcPct val="115000"/>
               </a:lnSpc>
@@ -6424,7 +6280,7 @@
                 <a:sym typeface="Roboto"/>
               </a:defRPr>
             </a:lvl6pPr>
-            <a:lvl7pPr indent="-317500" lvl="6" marL="3200400">
+            <a:lvl7pPr marL="3200400" lvl="6" indent="-317500">
               <a:lnSpc>
                 <a:spcPct val="115000"/>
               </a:lnSpc>
@@ -6450,7 +6306,7 @@
                 <a:sym typeface="Roboto"/>
               </a:defRPr>
             </a:lvl7pPr>
-            <a:lvl8pPr indent="-317500" lvl="7" marL="3657600">
+            <a:lvl8pPr marL="3657600" lvl="7" indent="-317500">
               <a:lnSpc>
                 <a:spcPct val="115000"/>
               </a:lnSpc>
@@ -6476,7 +6332,7 @@
                 <a:sym typeface="Roboto"/>
               </a:defRPr>
             </a:lvl8pPr>
-            <a:lvl9pPr indent="-317500" lvl="8" marL="4114800">
+            <a:lvl9pPr marL="4114800" lvl="8" indent="-317500">
               <a:lnSpc>
                 <a:spcPct val="115000"/>
               </a:lnSpc>
@@ -6503,15 +6359,19 @@
               </a:defRPr>
             </a:lvl9pPr>
           </a:lstStyle>
-          <a:p/>
+          <a:p>
+            <a:endParaRPr/>
+          </a:p>
         </p:txBody>
       </p:sp>
       <p:sp>
         <p:nvSpPr>
           <p:cNvPr id="8" name="Google Shape;8;p1"/>
-          <p:cNvSpPr txBox="1"/>
+          <p:cNvSpPr txBox="1">
+            <a:spLocks noGrp="1"/>
+          </p:cNvSpPr>
           <p:nvPr>
-            <p:ph idx="12" type="sldNum"/>
+            <p:ph type="sldNum" idx="12"/>
           </p:nvPr>
         </p:nvSpPr>
         <p:spPr>
@@ -6528,7 +6388,7 @@
           </a:ln>
         </p:spPr>
         <p:txBody>
-          <a:bodyPr anchorCtr="0" anchor="ctr" bIns="91425" lIns="91425" spcFirstLastPara="1" rIns="91425" wrap="square" tIns="91425">
+          <a:bodyPr spcFirstLastPara="1" wrap="square" lIns="91425" tIns="91425" rIns="91425" bIns="91425" anchor="ctr" anchorCtr="0">
             <a:normAutofit/>
           </a:bodyPr>
           <a:lstStyle>
@@ -6642,7 +6502,7 @@
             </a:lvl9pPr>
           </a:lstStyle>
           <a:p>
-            <a:pPr indent="0" lvl="0" marL="0" rtl="0" algn="r">
+            <a:pPr marL="0" lvl="0" indent="0" algn="r" rtl="0">
               <a:spcBef>
                 <a:spcPts val="0"/>
               </a:spcBef>
@@ -6661,7 +6521,7 @@
       </p:sp>
     </p:spTree>
   </p:cSld>
-  <p:clrMap accent1="accent1" accent2="accent2" accent3="accent3" accent4="accent4" accent5="accent5" accent6="accent6" bg1="lt1" bg2="dk2" tx1="dk1" tx2="lt2" folHlink="folHlink" hlink="hlink"/>
+  <p:clrMap bg1="lt1" tx1="dk1" bg2="dk2" tx2="lt2" accent1="accent1" accent2="accent2" accent3="accent3" accent4="accent4" accent5="accent5" accent6="accent6" hlink="hlink" folHlink="folHlink"/>
   <p:sldLayoutIdLst>
     <p:sldLayoutId id="2147483648" r:id="rId1"/>
     <p:sldLayoutId id="2147483649" r:id="rId2"/>
@@ -6675,10 +6535,10 @@
     <p:sldLayoutId id="2147483657" r:id="rId10"/>
     <p:sldLayoutId id="2147483658" r:id="rId11"/>
   </p:sldLayoutIdLst>
-  <p:hf dt="0" ftr="0" hdr="0" sldNum="0"/>
+  <p:hf sldNum="0" hdr="0" ftr="0" dt="0"/>
   <p:txStyles>
     <p:titleStyle>
-      <a:defPPr lvl="0" marR="0" rtl="0" algn="l">
+      <a:defPPr marR="0" lvl="0" algn="l" rtl="0">
         <a:lnSpc>
           <a:spcPct val="100000"/>
         </a:lnSpc>
@@ -6689,7 +6549,7 @@
           <a:spcPts val="0"/>
         </a:spcAft>
       </a:defPPr>
-      <a:lvl1pPr lvl="0" marR="0" rtl="0" algn="l">
+      <a:lvl1pPr marR="0" lvl="0" algn="l" rtl="0">
         <a:lnSpc>
           <a:spcPct val="100000"/>
         </a:lnSpc>
@@ -6703,7 +6563,7 @@
           <a:srgbClr val="000000"/>
         </a:buClr>
         <a:buFont typeface="Arial"/>
-        <a:defRPr b="0" i="0" sz="1400" u="none" cap="none" strike="noStrike">
+        <a:defRPr sz="1400" b="0" i="0" u="none" strike="noStrike" cap="none">
           <a:solidFill>
             <a:srgbClr val="000000"/>
           </a:solidFill>
@@ -6713,7 +6573,7 @@
           <a:sym typeface="Arial"/>
         </a:defRPr>
       </a:lvl1pPr>
-      <a:lvl2pPr lvl="1" marR="0" rtl="0" algn="l">
+      <a:lvl2pPr marR="0" lvl="1" algn="l" rtl="0">
         <a:lnSpc>
           <a:spcPct val="100000"/>
         </a:lnSpc>
@@ -6727,7 +6587,7 @@
           <a:srgbClr val="000000"/>
         </a:buClr>
         <a:buFont typeface="Arial"/>
-        <a:defRPr b="0" i="0" sz="1400" u="none" cap="none" strike="noStrike">
+        <a:defRPr sz="1400" b="0" i="0" u="none" strike="noStrike" cap="none">
           <a:solidFill>
             <a:srgbClr val="000000"/>
           </a:solidFill>
@@ -6737,7 +6597,7 @@
           <a:sym typeface="Arial"/>
         </a:defRPr>
       </a:lvl2pPr>
-      <a:lvl3pPr lvl="2" marR="0" rtl="0" algn="l">
+      <a:lvl3pPr marR="0" lvl="2" algn="l" rtl="0">
         <a:lnSpc>
           <a:spcPct val="100000"/>
         </a:lnSpc>
@@ -6751,7 +6611,7 @@
           <a:srgbClr val="000000"/>
         </a:buClr>
         <a:buFont typeface="Arial"/>
-        <a:defRPr b="0" i="0" sz="1400" u="none" cap="none" strike="noStrike">
+        <a:defRPr sz="1400" b="0" i="0" u="none" strike="noStrike" cap="none">
           <a:solidFill>
             <a:srgbClr val="000000"/>
           </a:solidFill>
@@ -6761,7 +6621,7 @@
           <a:sym typeface="Arial"/>
         </a:defRPr>
       </a:lvl3pPr>
-      <a:lvl4pPr lvl="3" marR="0" rtl="0" algn="l">
+      <a:lvl4pPr marR="0" lvl="3" algn="l" rtl="0">
         <a:lnSpc>
           <a:spcPct val="100000"/>
         </a:lnSpc>
@@ -6775,7 +6635,7 @@
           <a:srgbClr val="000000"/>
         </a:buClr>
         <a:buFont typeface="Arial"/>
-        <a:defRPr b="0" i="0" sz="1400" u="none" cap="none" strike="noStrike">
+        <a:defRPr sz="1400" b="0" i="0" u="none" strike="noStrike" cap="none">
           <a:solidFill>
             <a:srgbClr val="000000"/>
           </a:solidFill>
@@ -6785,7 +6645,7 @@
           <a:sym typeface="Arial"/>
         </a:defRPr>
       </a:lvl4pPr>
-      <a:lvl5pPr lvl="4" marR="0" rtl="0" algn="l">
+      <a:lvl5pPr marR="0" lvl="4" algn="l" rtl="0">
         <a:lnSpc>
           <a:spcPct val="100000"/>
         </a:lnSpc>
@@ -6799,7 +6659,7 @@
           <a:srgbClr val="000000"/>
         </a:buClr>
         <a:buFont typeface="Arial"/>
-        <a:defRPr b="0" i="0" sz="1400" u="none" cap="none" strike="noStrike">
+        <a:defRPr sz="1400" b="0" i="0" u="none" strike="noStrike" cap="none">
           <a:solidFill>
             <a:srgbClr val="000000"/>
           </a:solidFill>
@@ -6809,7 +6669,7 @@
           <a:sym typeface="Arial"/>
         </a:defRPr>
       </a:lvl5pPr>
-      <a:lvl6pPr lvl="5" marR="0" rtl="0" algn="l">
+      <a:lvl6pPr marR="0" lvl="5" algn="l" rtl="0">
         <a:lnSpc>
           <a:spcPct val="100000"/>
         </a:lnSpc>
@@ -6823,7 +6683,7 @@
           <a:srgbClr val="000000"/>
         </a:buClr>
         <a:buFont typeface="Arial"/>
-        <a:defRPr b="0" i="0" sz="1400" u="none" cap="none" strike="noStrike">
+        <a:defRPr sz="1400" b="0" i="0" u="none" strike="noStrike" cap="none">
           <a:solidFill>
             <a:srgbClr val="000000"/>
           </a:solidFill>
@@ -6833,7 +6693,7 @@
           <a:sym typeface="Arial"/>
         </a:defRPr>
       </a:lvl6pPr>
-      <a:lvl7pPr lvl="6" marR="0" rtl="0" algn="l">
+      <a:lvl7pPr marR="0" lvl="6" algn="l" rtl="0">
         <a:lnSpc>
           <a:spcPct val="100000"/>
         </a:lnSpc>
@@ -6847,7 +6707,7 @@
           <a:srgbClr val="000000"/>
         </a:buClr>
         <a:buFont typeface="Arial"/>
-        <a:defRPr b="0" i="0" sz="1400" u="none" cap="none" strike="noStrike">
+        <a:defRPr sz="1400" b="0" i="0" u="none" strike="noStrike" cap="none">
           <a:solidFill>
             <a:srgbClr val="000000"/>
           </a:solidFill>
@@ -6857,7 +6717,7 @@
           <a:sym typeface="Arial"/>
         </a:defRPr>
       </a:lvl7pPr>
-      <a:lvl8pPr lvl="7" marR="0" rtl="0" algn="l">
+      <a:lvl8pPr marR="0" lvl="7" algn="l" rtl="0">
         <a:lnSpc>
           <a:spcPct val="100000"/>
         </a:lnSpc>
@@ -6871,7 +6731,7 @@
           <a:srgbClr val="000000"/>
         </a:buClr>
         <a:buFont typeface="Arial"/>
-        <a:defRPr b="0" i="0" sz="1400" u="none" cap="none" strike="noStrike">
+        <a:defRPr sz="1400" b="0" i="0" u="none" strike="noStrike" cap="none">
           <a:solidFill>
             <a:srgbClr val="000000"/>
           </a:solidFill>
@@ -6881,7 +6741,7 @@
           <a:sym typeface="Arial"/>
         </a:defRPr>
       </a:lvl8pPr>
-      <a:lvl9pPr lvl="8" marR="0" rtl="0" algn="l">
+      <a:lvl9pPr marR="0" lvl="8" algn="l" rtl="0">
         <a:lnSpc>
           <a:spcPct val="100000"/>
         </a:lnSpc>
@@ -6895,7 +6755,7 @@
           <a:srgbClr val="000000"/>
         </a:buClr>
         <a:buFont typeface="Arial"/>
-        <a:defRPr b="0" i="0" sz="1400" u="none" cap="none" strike="noStrike">
+        <a:defRPr sz="1400" b="0" i="0" u="none" strike="noStrike" cap="none">
           <a:solidFill>
             <a:srgbClr val="000000"/>
           </a:solidFill>
@@ -6907,7 +6767,7 @@
       </a:lvl9pPr>
     </p:titleStyle>
     <p:bodyStyle>
-      <a:defPPr lvl="0" marR="0" rtl="0" algn="l">
+      <a:defPPr marR="0" lvl="0" algn="l" rtl="0">
         <a:lnSpc>
           <a:spcPct val="100000"/>
         </a:lnSpc>
@@ -6918,7 +6778,7 @@
           <a:spcPts val="0"/>
         </a:spcAft>
       </a:defPPr>
-      <a:lvl1pPr lvl="0" marR="0" rtl="0" algn="l">
+      <a:lvl1pPr marR="0" lvl="0" algn="l" rtl="0">
         <a:lnSpc>
           <a:spcPct val="100000"/>
         </a:lnSpc>
@@ -6932,7 +6792,7 @@
           <a:srgbClr val="000000"/>
         </a:buClr>
         <a:buFont typeface="Arial"/>
-        <a:defRPr b="0" i="0" sz="1400" u="none" cap="none" strike="noStrike">
+        <a:defRPr sz="1400" b="0" i="0" u="none" strike="noStrike" cap="none">
           <a:solidFill>
             <a:srgbClr val="000000"/>
           </a:solidFill>
@@ -6942,7 +6802,7 @@
           <a:sym typeface="Arial"/>
         </a:defRPr>
       </a:lvl1pPr>
-      <a:lvl2pPr lvl="1" marR="0" rtl="0" algn="l">
+      <a:lvl2pPr marR="0" lvl="1" algn="l" rtl="0">
         <a:lnSpc>
           <a:spcPct val="100000"/>
         </a:lnSpc>
@@ -6956,7 +6816,7 @@
           <a:srgbClr val="000000"/>
         </a:buClr>
         <a:buFont typeface="Arial"/>
-        <a:defRPr b="0" i="0" sz="1400" u="none" cap="none" strike="noStrike">
+        <a:defRPr sz="1400" b="0" i="0" u="none" strike="noStrike" cap="none">
           <a:solidFill>
             <a:srgbClr val="000000"/>
           </a:solidFill>
@@ -6966,7 +6826,7 @@
           <a:sym typeface="Arial"/>
         </a:defRPr>
       </a:lvl2pPr>
-      <a:lvl3pPr lvl="2" marR="0" rtl="0" algn="l">
+      <a:lvl3pPr marR="0" lvl="2" algn="l" rtl="0">
         <a:lnSpc>
           <a:spcPct val="100000"/>
         </a:lnSpc>
@@ -6980,7 +6840,7 @@
           <a:srgbClr val="000000"/>
         </a:buClr>
         <a:buFont typeface="Arial"/>
-        <a:defRPr b="0" i="0" sz="1400" u="none" cap="none" strike="noStrike">
+        <a:defRPr sz="1400" b="0" i="0" u="none" strike="noStrike" cap="none">
           <a:solidFill>
             <a:srgbClr val="000000"/>
           </a:solidFill>
@@ -6990,7 +6850,7 @@
           <a:sym typeface="Arial"/>
         </a:defRPr>
       </a:lvl3pPr>
-      <a:lvl4pPr lvl="3" marR="0" rtl="0" algn="l">
+      <a:lvl4pPr marR="0" lvl="3" algn="l" rtl="0">
         <a:lnSpc>
           <a:spcPct val="100000"/>
         </a:lnSpc>
@@ -7004,7 +6864,7 @@
           <a:srgbClr val="000000"/>
         </a:buClr>
         <a:buFont typeface="Arial"/>
-        <a:defRPr b="0" i="0" sz="1400" u="none" cap="none" strike="noStrike">
+        <a:defRPr sz="1400" b="0" i="0" u="none" strike="noStrike" cap="none">
           <a:solidFill>
             <a:srgbClr val="000000"/>
           </a:solidFill>
@@ -7014,7 +6874,7 @@
           <a:sym typeface="Arial"/>
         </a:defRPr>
       </a:lvl4pPr>
-      <a:lvl5pPr lvl="4" marR="0" rtl="0" algn="l">
+      <a:lvl5pPr marR="0" lvl="4" algn="l" rtl="0">
         <a:lnSpc>
           <a:spcPct val="100000"/>
         </a:lnSpc>
@@ -7028,7 +6888,7 @@
           <a:srgbClr val="000000"/>
         </a:buClr>
         <a:buFont typeface="Arial"/>
-        <a:defRPr b="0" i="0" sz="1400" u="none" cap="none" strike="noStrike">
+        <a:defRPr sz="1400" b="0" i="0" u="none" strike="noStrike" cap="none">
           <a:solidFill>
             <a:srgbClr val="000000"/>
           </a:solidFill>
@@ -7038,7 +6898,7 @@
           <a:sym typeface="Arial"/>
         </a:defRPr>
       </a:lvl5pPr>
-      <a:lvl6pPr lvl="5" marR="0" rtl="0" algn="l">
+      <a:lvl6pPr marR="0" lvl="5" algn="l" rtl="0">
         <a:lnSpc>
           <a:spcPct val="100000"/>
         </a:lnSpc>
@@ -7052,7 +6912,7 @@
           <a:srgbClr val="000000"/>
         </a:buClr>
         <a:buFont typeface="Arial"/>
-        <a:defRPr b="0" i="0" sz="1400" u="none" cap="none" strike="noStrike">
+        <a:defRPr sz="1400" b="0" i="0" u="none" strike="noStrike" cap="none">
           <a:solidFill>
             <a:srgbClr val="000000"/>
           </a:solidFill>
@@ -7062,7 +6922,7 @@
           <a:sym typeface="Arial"/>
         </a:defRPr>
       </a:lvl6pPr>
-      <a:lvl7pPr lvl="6" marR="0" rtl="0" algn="l">
+      <a:lvl7pPr marR="0" lvl="6" algn="l" rtl="0">
         <a:lnSpc>
           <a:spcPct val="100000"/>
         </a:lnSpc>
@@ -7076,7 +6936,7 @@
           <a:srgbClr val="000000"/>
         </a:buClr>
         <a:buFont typeface="Arial"/>
-        <a:defRPr b="0" i="0" sz="1400" u="none" cap="none" strike="noStrike">
+        <a:defRPr sz="1400" b="0" i="0" u="none" strike="noStrike" cap="none">
           <a:solidFill>
             <a:srgbClr val="000000"/>
           </a:solidFill>
@@ -7086,7 +6946,7 @@
           <a:sym typeface="Arial"/>
         </a:defRPr>
       </a:lvl7pPr>
-      <a:lvl8pPr lvl="7" marR="0" rtl="0" algn="l">
+      <a:lvl8pPr marR="0" lvl="7" algn="l" rtl="0">
         <a:lnSpc>
           <a:spcPct val="100000"/>
         </a:lnSpc>
@@ -7100,7 +6960,7 @@
           <a:srgbClr val="000000"/>
         </a:buClr>
         <a:buFont typeface="Arial"/>
-        <a:defRPr b="0" i="0" sz="1400" u="none" cap="none" strike="noStrike">
+        <a:defRPr sz="1400" b="0" i="0" u="none" strike="noStrike" cap="none">
           <a:solidFill>
             <a:srgbClr val="000000"/>
           </a:solidFill>
@@ -7110,7 +6970,7 @@
           <a:sym typeface="Arial"/>
         </a:defRPr>
       </a:lvl8pPr>
-      <a:lvl9pPr lvl="8" marR="0" rtl="0" algn="l">
+      <a:lvl9pPr marR="0" lvl="8" algn="l" rtl="0">
         <a:lnSpc>
           <a:spcPct val="100000"/>
         </a:lnSpc>
@@ -7124,7 +6984,7 @@
           <a:srgbClr val="000000"/>
         </a:buClr>
         <a:buFont typeface="Arial"/>
-        <a:defRPr b="0" i="0" sz="1400" u="none" cap="none" strike="noStrike">
+        <a:defRPr sz="1400" b="0" i="0" u="none" strike="noStrike" cap="none">
           <a:solidFill>
             <a:srgbClr val="000000"/>
           </a:solidFill>
@@ -7136,7 +6996,7 @@
       </a:lvl9pPr>
     </p:bodyStyle>
     <p:otherStyle>
-      <a:defPPr lvl="0" marR="0" rtl="0" algn="l">
+      <a:defPPr marR="0" lvl="0" algn="l" rtl="0">
         <a:lnSpc>
           <a:spcPct val="100000"/>
         </a:lnSpc>
@@ -7147,7 +7007,7 @@
           <a:spcPts val="0"/>
         </a:spcAft>
       </a:defPPr>
-      <a:lvl1pPr lvl="0" marR="0" rtl="0" algn="l">
+      <a:lvl1pPr marR="0" lvl="0" algn="l" rtl="0">
         <a:lnSpc>
           <a:spcPct val="100000"/>
         </a:lnSpc>
@@ -7161,7 +7021,7 @@
           <a:srgbClr val="000000"/>
         </a:buClr>
         <a:buFont typeface="Arial"/>
-        <a:defRPr b="0" i="0" sz="1400" u="none" cap="none" strike="noStrike">
+        <a:defRPr sz="1400" b="0" i="0" u="none" strike="noStrike" cap="none">
           <a:solidFill>
             <a:srgbClr val="000000"/>
           </a:solidFill>
@@ -7171,7 +7031,7 @@
           <a:sym typeface="Arial"/>
         </a:defRPr>
       </a:lvl1pPr>
-      <a:lvl2pPr lvl="1" marR="0" rtl="0" algn="l">
+      <a:lvl2pPr marR="0" lvl="1" algn="l" rtl="0">
         <a:lnSpc>
           <a:spcPct val="100000"/>
         </a:lnSpc>
@@ -7185,7 +7045,7 @@
           <a:srgbClr val="000000"/>
         </a:buClr>
         <a:buFont typeface="Arial"/>
-        <a:defRPr b="0" i="0" sz="1400" u="none" cap="none" strike="noStrike">
+        <a:defRPr sz="1400" b="0" i="0" u="none" strike="noStrike" cap="none">
           <a:solidFill>
             <a:srgbClr val="000000"/>
           </a:solidFill>
@@ -7195,7 +7055,7 @@
           <a:sym typeface="Arial"/>
         </a:defRPr>
       </a:lvl2pPr>
-      <a:lvl3pPr lvl="2" marR="0" rtl="0" algn="l">
+      <a:lvl3pPr marR="0" lvl="2" algn="l" rtl="0">
         <a:lnSpc>
           <a:spcPct val="100000"/>
         </a:lnSpc>
@@ -7209,7 +7069,7 @@
           <a:srgbClr val="000000"/>
         </a:buClr>
         <a:buFont typeface="Arial"/>
-        <a:defRPr b="0" i="0" sz="1400" u="none" cap="none" strike="noStrike">
+        <a:defRPr sz="1400" b="0" i="0" u="none" strike="noStrike" cap="none">
           <a:solidFill>
             <a:srgbClr val="000000"/>
           </a:solidFill>
@@ -7219,7 +7079,7 @@
           <a:sym typeface="Arial"/>
         </a:defRPr>
       </a:lvl3pPr>
-      <a:lvl4pPr lvl="3" marR="0" rtl="0" algn="l">
+      <a:lvl4pPr marR="0" lvl="3" algn="l" rtl="0">
         <a:lnSpc>
           <a:spcPct val="100000"/>
         </a:lnSpc>
@@ -7233,7 +7093,7 @@
           <a:srgbClr val="000000"/>
         </a:buClr>
         <a:buFont typeface="Arial"/>
-        <a:defRPr b="0" i="0" sz="1400" u="none" cap="none" strike="noStrike">
+        <a:defRPr sz="1400" b="0" i="0" u="none" strike="noStrike" cap="none">
           <a:solidFill>
             <a:srgbClr val="000000"/>
           </a:solidFill>
@@ -7243,7 +7103,7 @@
           <a:sym typeface="Arial"/>
         </a:defRPr>
       </a:lvl4pPr>
-      <a:lvl5pPr lvl="4" marR="0" rtl="0" algn="l">
+      <a:lvl5pPr marR="0" lvl="4" algn="l" rtl="0">
         <a:lnSpc>
           <a:spcPct val="100000"/>
         </a:lnSpc>
@@ -7257,7 +7117,7 @@
           <a:srgbClr val="000000"/>
         </a:buClr>
         <a:buFont typeface="Arial"/>
-        <a:defRPr b="0" i="0" sz="1400" u="none" cap="none" strike="noStrike">
+        <a:defRPr sz="1400" b="0" i="0" u="none" strike="noStrike" cap="none">
           <a:solidFill>
             <a:srgbClr val="000000"/>
           </a:solidFill>
@@ -7267,7 +7127,7 @@
           <a:sym typeface="Arial"/>
         </a:defRPr>
       </a:lvl5pPr>
-      <a:lvl6pPr lvl="5" marR="0" rtl="0" algn="l">
+      <a:lvl6pPr marR="0" lvl="5" algn="l" rtl="0">
         <a:lnSpc>
           <a:spcPct val="100000"/>
         </a:lnSpc>
@@ -7281,7 +7141,7 @@
           <a:srgbClr val="000000"/>
         </a:buClr>
         <a:buFont typeface="Arial"/>
-        <a:defRPr b="0" i="0" sz="1400" u="none" cap="none" strike="noStrike">
+        <a:defRPr sz="1400" b="0" i="0" u="none" strike="noStrike" cap="none">
           <a:solidFill>
             <a:srgbClr val="000000"/>
           </a:solidFill>
@@ -7291,7 +7151,7 @@
           <a:sym typeface="Arial"/>
         </a:defRPr>
       </a:lvl6pPr>
-      <a:lvl7pPr lvl="6" marR="0" rtl="0" algn="l">
+      <a:lvl7pPr marR="0" lvl="6" algn="l" rtl="0">
         <a:lnSpc>
           <a:spcPct val="100000"/>
         </a:lnSpc>
@@ -7305,7 +7165,7 @@
           <a:srgbClr val="000000"/>
         </a:buClr>
         <a:buFont typeface="Arial"/>
-        <a:defRPr b="0" i="0" sz="1400" u="none" cap="none" strike="noStrike">
+        <a:defRPr sz="1400" b="0" i="0" u="none" strike="noStrike" cap="none">
           <a:solidFill>
             <a:srgbClr val="000000"/>
           </a:solidFill>
@@ -7315,7 +7175,7 @@
           <a:sym typeface="Arial"/>
         </a:defRPr>
       </a:lvl7pPr>
-      <a:lvl8pPr lvl="7" marR="0" rtl="0" algn="l">
+      <a:lvl8pPr marR="0" lvl="7" algn="l" rtl="0">
         <a:lnSpc>
           <a:spcPct val="100000"/>
         </a:lnSpc>
@@ -7329,7 +7189,7 @@
           <a:srgbClr val="000000"/>
         </a:buClr>
         <a:buFont typeface="Arial"/>
-        <a:defRPr b="0" i="0" sz="1400" u="none" cap="none" strike="noStrike">
+        <a:defRPr sz="1400" b="0" i="0" u="none" strike="noStrike" cap="none">
           <a:solidFill>
             <a:srgbClr val="000000"/>
           </a:solidFill>
@@ -7339,7 +7199,7 @@
           <a:sym typeface="Arial"/>
         </a:defRPr>
       </a:lvl8pPr>
-      <a:lvl9pPr lvl="8" marR="0" rtl="0" algn="l">
+      <a:lvl9pPr marR="0" lvl="8" algn="l" rtl="0">
         <a:lnSpc>
           <a:spcPct val="100000"/>
         </a:lnSpc>
@@ -7353,7 +7213,7 @@
           <a:srgbClr val="000000"/>
         </a:buClr>
         <a:buFont typeface="Arial"/>
-        <a:defRPr b="0" i="0" sz="1400" u="none" cap="none" strike="noStrike">
+        <a:defRPr sz="1400" b="0" i="0" u="none" strike="noStrike" cap="none">
           <a:solidFill>
             <a:srgbClr val="000000"/>
           </a:solidFill>
@@ -7369,18 +7229,19 @@
 </file>
 
 <file path=ppt/slides/slide1.xml><?xml version="1.0" encoding="utf-8"?>
-<p:sld xmlns:a="http://schemas.openxmlformats.org/drawingml/2006/main" xmlns:r="http://schemas.openxmlformats.org/officeDocument/2006/relationships" xmlns:mc="http://schemas.openxmlformats.org/markup-compatibility/2006" xmlns:mv="urn:schemas-microsoft-com:mac:vml" xmlns:p="http://schemas.openxmlformats.org/presentationml/2006/main" xmlns:c="http://schemas.openxmlformats.org/drawingml/2006/chart" xmlns:dgm="http://schemas.openxmlformats.org/drawingml/2006/diagram" xmlns:o="urn:schemas-microsoft-com:office:office" xmlns:v="urn:schemas-microsoft-com:vml" xmlns:pvml="urn:schemas-microsoft-com:office:powerpoint" xmlns:com="http://schemas.openxmlformats.org/drawingml/2006/compatibility" xmlns:p14="http://schemas.microsoft.com/office/powerpoint/2010/main" xmlns:p15="http://schemas.microsoft.com/office/powerpoint/2012/main" xmlns:ahyp="http://schemas.microsoft.com/office/drawing/2018/hyperlinkcolor">
+<p:sld xmlns:a="http://schemas.openxmlformats.org/drawingml/2006/main" xmlns:r="http://schemas.openxmlformats.org/officeDocument/2006/relationships" xmlns:p="http://schemas.openxmlformats.org/presentationml/2006/main">
   <p:cSld>
     <p:bg>
       <p:bgPr>
         <a:solidFill>
           <a:schemeClr val="dk2"/>
         </a:solidFill>
+        <a:effectLst/>
       </p:bgPr>
     </p:bg>
     <p:spTree>
       <p:nvGrpSpPr>
-        <p:cNvPr id="62" name="Shape 62"/>
+        <p:cNvPr id="1" name="Shape 62"/>
         <p:cNvGrpSpPr/>
         <p:nvPr/>
       </p:nvGrpSpPr>
@@ -7395,7 +7256,9 @@
       <p:sp>
         <p:nvSpPr>
           <p:cNvPr id="63" name="Google Shape;63;p13"/>
-          <p:cNvSpPr txBox="1"/>
+          <p:cNvSpPr txBox="1">
+            <a:spLocks noGrp="1"/>
+          </p:cNvSpPr>
           <p:nvPr>
             <p:ph type="ctrTitle"/>
           </p:nvPr>
@@ -7410,12 +7273,12 @@
           </a:prstGeom>
         </p:spPr>
         <p:txBody>
-          <a:bodyPr anchorCtr="0" anchor="b" bIns="91425" lIns="91425" spcFirstLastPara="1" rIns="91425" wrap="square" tIns="91425">
+          <a:bodyPr spcFirstLastPara="1" wrap="square" lIns="91425" tIns="91425" rIns="91425" bIns="91425" anchor="b" anchorCtr="0">
             <a:normAutofit/>
           </a:bodyPr>
           <a:lstStyle/>
           <a:p>
-            <a:pPr indent="0" lvl="0" marL="0" rtl="0" algn="ctr">
+            <a:pPr marL="0" lvl="0" indent="0" algn="ctr" rtl="0">
               <a:spcBef>
                 <a:spcPts val="0"/>
               </a:spcBef>
@@ -7435,9 +7298,11 @@
       <p:sp>
         <p:nvSpPr>
           <p:cNvPr id="64" name="Google Shape;64;p13"/>
-          <p:cNvSpPr txBox="1"/>
+          <p:cNvSpPr txBox="1">
+            <a:spLocks noGrp="1"/>
+          </p:cNvSpPr>
           <p:nvPr>
-            <p:ph idx="1" type="subTitle"/>
+            <p:ph type="subTitle" idx="1"/>
           </p:nvPr>
         </p:nvSpPr>
         <p:spPr>
@@ -7450,12 +7315,12 @@
           </a:prstGeom>
         </p:spPr>
         <p:txBody>
-          <a:bodyPr anchorCtr="0" anchor="t" bIns="91425" lIns="91425" spcFirstLastPara="1" rIns="91425" wrap="square" tIns="91425">
+          <a:bodyPr spcFirstLastPara="1" wrap="square" lIns="91425" tIns="91425" rIns="91425" bIns="91425" anchor="t" anchorCtr="0">
             <a:normAutofit/>
           </a:bodyPr>
           <a:lstStyle/>
           <a:p>
-            <a:pPr indent="0" lvl="0" marL="0" rtl="0" algn="ctr">
+            <a:pPr marL="0" lvl="0" indent="0" algn="ctr" rtl="0">
               <a:spcBef>
                 <a:spcPts val="0"/>
               </a:spcBef>
@@ -7464,9 +7329,6 @@
               </a:spcAft>
               <a:buNone/>
             </a:pPr>
-            <a:r>
-              <a:t/>
-            </a:r>
             <a:endParaRPr/>
           </a:p>
         </p:txBody>
@@ -7480,11 +7342,11 @@
 </file>
 
 <file path=ppt/slides/slide10.xml><?xml version="1.0" encoding="utf-8"?>
-<p:sld xmlns:a="http://schemas.openxmlformats.org/drawingml/2006/main" xmlns:r="http://schemas.openxmlformats.org/officeDocument/2006/relationships" xmlns:mc="http://schemas.openxmlformats.org/markup-compatibility/2006" xmlns:mv="urn:schemas-microsoft-com:mac:vml" xmlns:p="http://schemas.openxmlformats.org/presentationml/2006/main" xmlns:c="http://schemas.openxmlformats.org/drawingml/2006/chart" xmlns:dgm="http://schemas.openxmlformats.org/drawingml/2006/diagram" xmlns:o="urn:schemas-microsoft-com:office:office" xmlns:v="urn:schemas-microsoft-com:vml" xmlns:pvml="urn:schemas-microsoft-com:office:powerpoint" xmlns:com="http://schemas.openxmlformats.org/drawingml/2006/compatibility" xmlns:p14="http://schemas.microsoft.com/office/powerpoint/2010/main" xmlns:p15="http://schemas.microsoft.com/office/powerpoint/2012/main" xmlns:ahyp="http://schemas.microsoft.com/office/drawing/2018/hyperlinkcolor">
+<p:sld xmlns:a="http://schemas.openxmlformats.org/drawingml/2006/main" xmlns:r="http://schemas.openxmlformats.org/officeDocument/2006/relationships" xmlns:p="http://schemas.openxmlformats.org/presentationml/2006/main">
   <p:cSld>
     <p:spTree>
       <p:nvGrpSpPr>
-        <p:cNvPr id="116" name="Shape 116"/>
+        <p:cNvPr id="1" name=""/>
         <p:cNvGrpSpPr/>
         <p:nvPr/>
       </p:nvGrpSpPr>
@@ -7498,8 +7360,78 @@
       </p:grpSpPr>
       <p:sp>
         <p:nvSpPr>
-          <p:cNvPr id="117" name="Google Shape;117;p22"/>
-          <p:cNvSpPr txBox="1"/>
+          <p:cNvPr id="2" name="Title 1"/>
+          <p:cNvSpPr>
+            <a:spLocks noGrp="1"/>
+          </p:cNvSpPr>
+          <p:nvPr>
+            <p:ph type="title"/>
+          </p:nvPr>
+        </p:nvSpPr>
+        <p:spPr/>
+        <p:txBody>
+          <a:bodyPr/>
+          <a:lstStyle/>
+          <a:p>
+            <a:endParaRPr lang="en-MY"/>
+          </a:p>
+        </p:txBody>
+      </p:sp>
+      <p:sp>
+        <p:nvSpPr>
+          <p:cNvPr id="3" name="Text Placeholder 2"/>
+          <p:cNvSpPr>
+            <a:spLocks noGrp="1"/>
+          </p:cNvSpPr>
+          <p:nvPr>
+            <p:ph type="body" idx="1"/>
+          </p:nvPr>
+        </p:nvSpPr>
+        <p:spPr/>
+        <p:txBody>
+          <a:bodyPr/>
+          <a:lstStyle/>
+          <a:p>
+            <a:endParaRPr lang="en-MY"/>
+          </a:p>
+        </p:txBody>
+      </p:sp>
+    </p:spTree>
+    <p:extLst>
+      <p:ext uri="{BB962C8B-B14F-4D97-AF65-F5344CB8AC3E}">
+        <p14:creationId xmlns:p14="http://schemas.microsoft.com/office/powerpoint/2010/main" val="431204697"/>
+      </p:ext>
+    </p:extLst>
+  </p:cSld>
+  <p:clrMapOvr>
+    <a:masterClrMapping/>
+  </p:clrMapOvr>
+</p:sld>
+</file>
+
+<file path=ppt/slides/slide2.xml><?xml version="1.0" encoding="utf-8"?>
+<p:sld xmlns:a="http://schemas.openxmlformats.org/drawingml/2006/main" xmlns:r="http://schemas.openxmlformats.org/officeDocument/2006/relationships" xmlns:p="http://schemas.openxmlformats.org/presentationml/2006/main">
+  <p:cSld>
+    <p:spTree>
+      <p:nvGrpSpPr>
+        <p:cNvPr id="1" name="Shape 68"/>
+        <p:cNvGrpSpPr/>
+        <p:nvPr/>
+      </p:nvGrpSpPr>
+      <p:grpSpPr>
+        <a:xfrm>
+          <a:off x="0" y="0"/>
+          <a:ext cx="0" cy="0"/>
+          <a:chOff x="0" y="0"/>
+          <a:chExt cx="0" cy="0"/>
+        </a:xfrm>
+      </p:grpSpPr>
+      <p:sp>
+        <p:nvSpPr>
+          <p:cNvPr id="69" name="Google Shape;69;p14"/>
+          <p:cNvSpPr txBox="1">
+            <a:spLocks noGrp="1"/>
+          </p:cNvSpPr>
           <p:nvPr>
             <p:ph type="title"/>
           </p:nvPr>
@@ -7514,12 +7446,12 @@
           </a:prstGeom>
         </p:spPr>
         <p:txBody>
-          <a:bodyPr anchorCtr="0" anchor="b" bIns="91425" lIns="91425" spcFirstLastPara="1" rIns="91425" wrap="square" tIns="91425">
+          <a:bodyPr spcFirstLastPara="1" wrap="square" lIns="91425" tIns="91425" rIns="91425" bIns="91425" anchor="b" anchorCtr="0">
             <a:normAutofit/>
           </a:bodyPr>
           <a:lstStyle/>
           <a:p>
-            <a:pPr indent="0" lvl="0" marL="0" rtl="0" algn="l">
+            <a:pPr marL="0" lvl="0" indent="0" algn="l" rtl="0">
               <a:spcBef>
                 <a:spcPts val="0"/>
               </a:spcBef>
@@ -7530,7 +7462,7 @@
             </a:pPr>
             <a:r>
               <a:rPr lang="en-GB"/>
-              <a:t>Neural Network</a:t>
+              <a:t>Workshop Objective</a:t>
             </a:r>
             <a:endParaRPr/>
           </a:p>
@@ -7538,10 +7470,12 @@
       </p:sp>
       <p:sp>
         <p:nvSpPr>
-          <p:cNvPr id="118" name="Google Shape;118;p22"/>
-          <p:cNvSpPr txBox="1"/>
+          <p:cNvPr id="70" name="Google Shape;70;p14"/>
+          <p:cNvSpPr txBox="1">
+            <a:spLocks noGrp="1"/>
+          </p:cNvSpPr>
           <p:nvPr>
-            <p:ph idx="1" type="body"/>
+            <p:ph type="body" idx="1"/>
           </p:nvPr>
         </p:nvSpPr>
         <p:spPr>
@@ -7554,12 +7488,12 @@
           </a:prstGeom>
         </p:spPr>
         <p:txBody>
-          <a:bodyPr anchorCtr="0" anchor="t" bIns="91425" lIns="91425" spcFirstLastPara="1" rIns="91425" wrap="square" tIns="91425">
+          <a:bodyPr spcFirstLastPara="1" wrap="square" lIns="91425" tIns="91425" rIns="91425" bIns="91425" anchor="t" anchorCtr="0">
             <a:normAutofit/>
           </a:bodyPr>
           <a:lstStyle/>
           <a:p>
-            <a:pPr indent="0" lvl="0" marL="0" rtl="0" algn="l">
+            <a:pPr marL="0" lvl="0" indent="0" algn="l" rtl="0">
               <a:spcBef>
                 <a:spcPts val="0"/>
               </a:spcBef>
@@ -7568,9 +7502,6 @@
               </a:spcAft>
               <a:buNone/>
             </a:pPr>
-            <a:r>
-              <a:t/>
-            </a:r>
             <a:endParaRPr/>
           </a:p>
         </p:txBody>
@@ -7583,12 +7514,12 @@
 </p:sld>
 </file>
 
-<file path=ppt/slides/slide2.xml><?xml version="1.0" encoding="utf-8"?>
-<p:sld xmlns:a="http://schemas.openxmlformats.org/drawingml/2006/main" xmlns:r="http://schemas.openxmlformats.org/officeDocument/2006/relationships" xmlns:mc="http://schemas.openxmlformats.org/markup-compatibility/2006" xmlns:mv="urn:schemas-microsoft-com:mac:vml" xmlns:p="http://schemas.openxmlformats.org/presentationml/2006/main" xmlns:c="http://schemas.openxmlformats.org/drawingml/2006/chart" xmlns:dgm="http://schemas.openxmlformats.org/drawingml/2006/diagram" xmlns:o="urn:schemas-microsoft-com:office:office" xmlns:v="urn:schemas-microsoft-com:vml" xmlns:pvml="urn:schemas-microsoft-com:office:powerpoint" xmlns:com="http://schemas.openxmlformats.org/drawingml/2006/compatibility" xmlns:p14="http://schemas.microsoft.com/office/powerpoint/2010/main" xmlns:p15="http://schemas.microsoft.com/office/powerpoint/2012/main" xmlns:ahyp="http://schemas.microsoft.com/office/drawing/2018/hyperlinkcolor">
+<file path=ppt/slides/slide3.xml><?xml version="1.0" encoding="utf-8"?>
+<p:sld xmlns:a="http://schemas.openxmlformats.org/drawingml/2006/main" xmlns:r="http://schemas.openxmlformats.org/officeDocument/2006/relationships" xmlns:p="http://schemas.openxmlformats.org/presentationml/2006/main">
   <p:cSld>
     <p:spTree>
       <p:nvGrpSpPr>
-        <p:cNvPr id="68" name="Shape 68"/>
+        <p:cNvPr id="1" name="Shape 74"/>
         <p:cNvGrpSpPr/>
         <p:nvPr/>
       </p:nvGrpSpPr>
@@ -7602,8 +7533,10 @@
       </p:grpSpPr>
       <p:sp>
         <p:nvSpPr>
-          <p:cNvPr id="69" name="Google Shape;69;p14"/>
-          <p:cNvSpPr txBox="1"/>
+          <p:cNvPr id="75" name="Google Shape;75;p15"/>
+          <p:cNvSpPr txBox="1">
+            <a:spLocks noGrp="1"/>
+          </p:cNvSpPr>
           <p:nvPr>
             <p:ph type="title"/>
           </p:nvPr>
@@ -7618,12 +7551,12 @@
           </a:prstGeom>
         </p:spPr>
         <p:txBody>
-          <a:bodyPr anchorCtr="0" anchor="b" bIns="91425" lIns="91425" spcFirstLastPara="1" rIns="91425" wrap="square" tIns="91425">
+          <a:bodyPr spcFirstLastPara="1" wrap="square" lIns="91425" tIns="91425" rIns="91425" bIns="91425" anchor="b" anchorCtr="0">
             <a:normAutofit/>
           </a:bodyPr>
           <a:lstStyle/>
           <a:p>
-            <a:pPr indent="0" lvl="0" marL="0" rtl="0" algn="l">
+            <a:pPr marL="0" lvl="0" indent="0" algn="l" rtl="0">
               <a:spcBef>
                 <a:spcPts val="0"/>
               </a:spcBef>
@@ -7634,7 +7567,7 @@
             </a:pPr>
             <a:r>
               <a:rPr lang="en-GB"/>
-              <a:t>Workshop Objective</a:t>
+              <a:t>Data Model Definition</a:t>
             </a:r>
             <a:endParaRPr/>
           </a:p>
@@ -7642,10 +7575,12 @@
       </p:sp>
       <p:sp>
         <p:nvSpPr>
-          <p:cNvPr id="70" name="Google Shape;70;p14"/>
-          <p:cNvSpPr txBox="1"/>
+          <p:cNvPr id="76" name="Google Shape;76;p15"/>
+          <p:cNvSpPr txBox="1">
+            <a:spLocks noGrp="1"/>
+          </p:cNvSpPr>
           <p:nvPr>
-            <p:ph idx="1" type="body"/>
+            <p:ph type="body" idx="1"/>
           </p:nvPr>
         </p:nvSpPr>
         <p:spPr>
@@ -7658,22 +7593,59 @@
           </a:prstGeom>
         </p:spPr>
         <p:txBody>
-          <a:bodyPr anchorCtr="0" anchor="t" bIns="91425" lIns="91425" spcFirstLastPara="1" rIns="91425" wrap="square" tIns="91425">
+          <a:bodyPr spcFirstLastPara="1" wrap="square" lIns="91425" tIns="91425" rIns="91425" bIns="91425" anchor="t" anchorCtr="0">
             <a:normAutofit/>
           </a:bodyPr>
           <a:lstStyle/>
           <a:p>
-            <a:pPr indent="0" lvl="0" marL="0" rtl="0" algn="l">
-              <a:spcBef>
-                <a:spcPts val="0"/>
-              </a:spcBef>
-              <a:spcAft>
-                <a:spcPts val="1200"/>
+            <a:pPr marL="0" lvl="0" indent="0" algn="l" rtl="0">
+              <a:spcBef>
+                <a:spcPts val="0"/>
+              </a:spcBef>
+              <a:spcAft>
+                <a:spcPts val="0"/>
               </a:spcAft>
               <a:buNone/>
             </a:pPr>
             <a:r>
-              <a:t/>
+              <a:rPr lang="en-GB"/>
+              <a:t>A data model (or datamodel) is an abstract model that </a:t>
+            </a:r>
+            <a:r>
+              <a:rPr lang="en-GB" b="1"/>
+              <a:t>organizes elements of data</a:t>
+            </a:r>
+            <a:r>
+              <a:rPr lang="en-GB"/>
+              <a:t> and standardizes how they relate to one another and to the properties of real-world entities. </a:t>
+            </a:r>
+            <a:endParaRPr/>
+          </a:p>
+          <a:p>
+            <a:pPr marL="0" lvl="0" indent="0" algn="l" rtl="0">
+              <a:spcBef>
+                <a:spcPts val="1200"/>
+              </a:spcBef>
+              <a:spcAft>
+                <a:spcPts val="0"/>
+              </a:spcAft>
+              <a:buNone/>
+            </a:pPr>
+            <a:endParaRPr/>
+          </a:p>
+          <a:p>
+            <a:pPr marL="0" lvl="0" indent="0" algn="l" rtl="0">
+              <a:spcBef>
+                <a:spcPts val="1200"/>
+              </a:spcBef>
+              <a:spcAft>
+                <a:spcPts val="1200"/>
+              </a:spcAft>
+              <a:buNone/>
+            </a:pPr>
+            <a:r>
+              <a:rPr lang="en-GB"/>
+              <a:t>For instance, a data model may specify that the data element representing a car be composed of a number of other elements which, in turn, represent the color and size of the car and define its owner.</a:t>
             </a:r>
             <a:endParaRPr/>
           </a:p>
@@ -7687,12 +7659,12 @@
 </p:sld>
 </file>
 
-<file path=ppt/slides/slide3.xml><?xml version="1.0" encoding="utf-8"?>
-<p:sld xmlns:a="http://schemas.openxmlformats.org/drawingml/2006/main" xmlns:r="http://schemas.openxmlformats.org/officeDocument/2006/relationships" xmlns:mc="http://schemas.openxmlformats.org/markup-compatibility/2006" xmlns:mv="urn:schemas-microsoft-com:mac:vml" xmlns:p="http://schemas.openxmlformats.org/presentationml/2006/main" xmlns:c="http://schemas.openxmlformats.org/drawingml/2006/chart" xmlns:dgm="http://schemas.openxmlformats.org/drawingml/2006/diagram" xmlns:o="urn:schemas-microsoft-com:office:office" xmlns:v="urn:schemas-microsoft-com:vml" xmlns:pvml="urn:schemas-microsoft-com:office:powerpoint" xmlns:com="http://schemas.openxmlformats.org/drawingml/2006/compatibility" xmlns:p14="http://schemas.microsoft.com/office/powerpoint/2010/main" xmlns:p15="http://schemas.microsoft.com/office/powerpoint/2012/main" xmlns:ahyp="http://schemas.microsoft.com/office/drawing/2018/hyperlinkcolor">
+<file path=ppt/slides/slide4.xml><?xml version="1.0" encoding="utf-8"?>
+<p:sld xmlns:a="http://schemas.openxmlformats.org/drawingml/2006/main" xmlns:r="http://schemas.openxmlformats.org/officeDocument/2006/relationships" xmlns:p="http://schemas.openxmlformats.org/presentationml/2006/main">
   <p:cSld>
     <p:spTree>
       <p:nvGrpSpPr>
-        <p:cNvPr id="74" name="Shape 74"/>
+        <p:cNvPr id="1" name="Shape 74"/>
         <p:cNvGrpSpPr/>
         <p:nvPr/>
       </p:nvGrpSpPr>
@@ -7707,7 +7679,9 @@
       <p:sp>
         <p:nvSpPr>
           <p:cNvPr id="75" name="Google Shape;75;p15"/>
-          <p:cNvSpPr txBox="1"/>
+          <p:cNvSpPr txBox="1">
+            <a:spLocks noGrp="1"/>
+          </p:cNvSpPr>
           <p:nvPr>
             <p:ph type="title"/>
           </p:nvPr>
@@ -7722,12 +7696,12 @@
           </a:prstGeom>
         </p:spPr>
         <p:txBody>
-          <a:bodyPr anchorCtr="0" anchor="b" bIns="91425" lIns="91425" spcFirstLastPara="1" rIns="91425" wrap="square" tIns="91425">
-            <a:normAutofit/>
+          <a:bodyPr spcFirstLastPara="1" wrap="square" lIns="91425" tIns="91425" rIns="91425" bIns="91425" anchor="b" anchorCtr="0">
+            <a:normAutofit fontScale="90000"/>
           </a:bodyPr>
           <a:lstStyle/>
           <a:p>
-            <a:pPr indent="0" lvl="0" marL="0" rtl="0" algn="l">
+            <a:pPr marL="0" lvl="0" indent="0" algn="l" rtl="0">
               <a:spcBef>
                 <a:spcPts val="0"/>
               </a:spcBef>
@@ -7737,19 +7711,29 @@
               <a:buNone/>
             </a:pPr>
             <a:r>
-              <a:rPr lang="en-GB"/>
-              <a:t>Data Model Definition</a:t>
+              <a:rPr lang="en-GB" dirty="0"/>
+              <a:t>Data Model</a:t>
             </a:r>
-            <a:endParaRPr/>
+            <a:r>
+              <a:rPr lang="en-GB" sz="2700" dirty="0"/>
+              <a:t> </a:t>
+            </a:r>
+            <a:r>
+              <a:rPr lang="en-GB" sz="2200" dirty="0" smtClean="0"/>
+              <a:t>(Sometimes also used to refer to Data Structure)</a:t>
+            </a:r>
+            <a:endParaRPr sz="2700" dirty="0"/>
           </a:p>
         </p:txBody>
       </p:sp>
       <p:sp>
         <p:nvSpPr>
           <p:cNvPr id="76" name="Google Shape;76;p15"/>
-          <p:cNvSpPr txBox="1"/>
+          <p:cNvSpPr txBox="1">
+            <a:spLocks noGrp="1"/>
+          </p:cNvSpPr>
           <p:nvPr>
-            <p:ph idx="1" type="body"/>
+            <p:ph type="body" idx="1"/>
           </p:nvPr>
         </p:nvSpPr>
         <p:spPr>
@@ -7762,12 +7746,121 @@
           </a:prstGeom>
         </p:spPr>
         <p:txBody>
-          <a:bodyPr anchorCtr="0" anchor="t" bIns="91425" lIns="91425" spcFirstLastPara="1" rIns="91425" wrap="square" tIns="91425">
+          <a:bodyPr spcFirstLastPara="1" wrap="square" lIns="91425" tIns="91425" rIns="91425" bIns="91425" anchor="t" anchorCtr="0">
             <a:normAutofit/>
           </a:bodyPr>
           <a:lstStyle/>
           <a:p>
-            <a:pPr indent="0" lvl="0" marL="0" rtl="0" algn="l">
+            <a:pPr marL="0" lvl="0" indent="0" algn="l" rtl="0">
+              <a:spcBef>
+                <a:spcPts val="0"/>
+              </a:spcBef>
+              <a:spcAft>
+                <a:spcPts val="0"/>
+              </a:spcAft>
+              <a:buNone/>
+            </a:pPr>
+            <a:r>
+              <a:rPr lang="en-MY" dirty="0" smtClean="0"/>
+              <a:t>For example, the storage structure of experiment data as an SE objects can also be called a type of “Data Model”</a:t>
+            </a:r>
+          </a:p>
+          <a:p>
+            <a:pPr marL="0" lvl="0" indent="0" algn="l" rtl="0">
+              <a:spcBef>
+                <a:spcPts val="0"/>
+              </a:spcBef>
+              <a:spcAft>
+                <a:spcPts val="0"/>
+              </a:spcAft>
+              <a:buNone/>
+            </a:pPr>
+            <a:endParaRPr lang="en-MY" dirty="0"/>
+          </a:p>
+          <a:p>
+            <a:pPr marL="0" indent="0">
+              <a:buNone/>
+            </a:pPr>
+            <a:r>
+              <a:rPr lang="en-MY" dirty="0"/>
+              <a:t>We are not talking about those </a:t>
+            </a:r>
+            <a:r>
+              <a:rPr lang="en-MY" dirty="0" smtClean="0"/>
+              <a:t>here, but rather, we will be talking about statistical models</a:t>
+            </a:r>
+            <a:endParaRPr lang="en-MY" dirty="0"/>
+          </a:p>
+          <a:p>
+            <a:pPr marL="0" lvl="0" indent="0" algn="l" rtl="0">
+              <a:spcBef>
+                <a:spcPts val="0"/>
+              </a:spcBef>
+              <a:spcAft>
+                <a:spcPts val="0"/>
+              </a:spcAft>
+              <a:buNone/>
+            </a:pPr>
+            <a:endParaRPr dirty="0"/>
+          </a:p>
+        </p:txBody>
+      </p:sp>
+    </p:spTree>
+    <p:extLst>
+      <p:ext uri="{BB962C8B-B14F-4D97-AF65-F5344CB8AC3E}">
+        <p14:creationId xmlns:p14="http://schemas.microsoft.com/office/powerpoint/2010/main" val="96396042"/>
+      </p:ext>
+    </p:extLst>
+  </p:cSld>
+  <p:clrMapOvr>
+    <a:masterClrMapping/>
+  </p:clrMapOvr>
+</p:sld>
+</file>
+
+<file path=ppt/slides/slide5.xml><?xml version="1.0" encoding="utf-8"?>
+<p:sld xmlns:a="http://schemas.openxmlformats.org/drawingml/2006/main" xmlns:r="http://schemas.openxmlformats.org/officeDocument/2006/relationships" xmlns:p="http://schemas.openxmlformats.org/presentationml/2006/main">
+  <p:cSld>
+    <p:spTree>
+      <p:nvGrpSpPr>
+        <p:cNvPr id="1" name="Shape 92"/>
+        <p:cNvGrpSpPr/>
+        <p:nvPr/>
+      </p:nvGrpSpPr>
+      <p:grpSpPr>
+        <a:xfrm>
+          <a:off x="0" y="0"/>
+          <a:ext cx="0" cy="0"/>
+          <a:chOff x="0" y="0"/>
+          <a:chExt cx="0" cy="0"/>
+        </a:xfrm>
+      </p:grpSpPr>
+      <p:sp>
+        <p:nvSpPr>
+          <p:cNvPr id="93" name="Google Shape;93;p18"/>
+          <p:cNvSpPr txBox="1">
+            <a:spLocks noGrp="1"/>
+          </p:cNvSpPr>
+          <p:nvPr>
+            <p:ph type="title"/>
+          </p:nvPr>
+        </p:nvSpPr>
+        <p:spPr>
+          <a:xfrm>
+            <a:off x="387900" y="458025"/>
+            <a:ext cx="8368200" cy="686100"/>
+          </a:xfrm>
+          <a:prstGeom prst="rect">
+            <a:avLst/>
+          </a:prstGeom>
+        </p:spPr>
+        <p:txBody>
+          <a:bodyPr spcFirstLastPara="1" wrap="square" lIns="91425" tIns="91425" rIns="91425" bIns="91425" anchor="b" anchorCtr="0">
+            <a:normAutofit/>
+          </a:bodyPr>
+          <a:lstStyle/>
+          <a:p>
+            <a:pPr marL="0" lvl="0" indent="0" algn="l" rtl="0">
               <a:spcBef>
                 <a:spcPts val="0"/>
               </a:spcBef>
@@ -7778,48 +7871,162 @@
             </a:pPr>
             <a:r>
               <a:rPr lang="en-GB"/>
-              <a:t>A data model (or datamodel) is an abstract model that </a:t>
+              <a:t>Why do we use Data Model	</a:t>
+            </a:r>
+            <a:endParaRPr/>
+          </a:p>
+        </p:txBody>
+      </p:sp>
+      <p:sp>
+        <p:nvSpPr>
+          <p:cNvPr id="94" name="Google Shape;94;p18"/>
+          <p:cNvSpPr txBox="1">
+            <a:spLocks noGrp="1"/>
+          </p:cNvSpPr>
+          <p:nvPr>
+            <p:ph type="body" idx="1"/>
+          </p:nvPr>
+        </p:nvSpPr>
+        <p:spPr>
+          <a:xfrm>
+            <a:off x="387900" y="1489825"/>
+            <a:ext cx="8368200" cy="3433500"/>
+          </a:xfrm>
+          <a:prstGeom prst="rect">
+            <a:avLst/>
+          </a:prstGeom>
+        </p:spPr>
+        <p:txBody>
+          <a:bodyPr spcFirstLastPara="1" wrap="square" lIns="91425" tIns="91425" rIns="91425" bIns="91425" anchor="t" anchorCtr="0">
+            <a:normAutofit fontScale="92500" lnSpcReduction="20000"/>
+          </a:bodyPr>
+          <a:lstStyle/>
+          <a:p>
+            <a:pPr marL="114300" lvl="0" indent="0" algn="l" rtl="0">
+              <a:spcBef>
+                <a:spcPts val="0"/>
+              </a:spcBef>
+              <a:spcAft>
+                <a:spcPts val="0"/>
+              </a:spcAft>
+              <a:buSzPts val="1800"/>
+              <a:buNone/>
+            </a:pPr>
+            <a:r>
+              <a:rPr lang="en-MY" sz="3200" b="1" u="sng" dirty="0" smtClean="0"/>
+              <a:t>Data is more important than algorithm</a:t>
+            </a:r>
+          </a:p>
+          <a:p>
+            <a:endParaRPr lang="en-US" dirty="0" smtClean="0"/>
+          </a:p>
+          <a:p>
+            <a:r>
+              <a:rPr lang="en-US" dirty="0" smtClean="0"/>
+              <a:t>To </a:t>
             </a:r>
             <a:r>
-              <a:rPr b="1" lang="en-GB"/>
-              <a:t>organizes elements of data</a:t>
+              <a:rPr lang="en-US" dirty="0"/>
+              <a:t>characterize numerical </a:t>
             </a:r>
             <a:r>
-              <a:rPr lang="en-GB"/>
-              <a:t> and standardizes how they relate to one another and to the properties of real-world entities. </a:t>
+              <a:rPr lang="en-US" dirty="0" smtClean="0"/>
+              <a:t>data</a:t>
             </a:r>
-            <a:endParaRPr/>
-          </a:p>
-          <a:p>
-            <a:pPr indent="0" lvl="0" marL="0" rtl="0" algn="l">
-              <a:spcBef>
-                <a:spcPts val="1200"/>
-              </a:spcBef>
-              <a:spcAft>
-                <a:spcPts val="0"/>
-              </a:spcAft>
+          </a:p>
+          <a:p>
+            <a:r>
+              <a:rPr lang="en-US" dirty="0" smtClean="0"/>
+              <a:t>To </a:t>
+            </a:r>
+            <a:r>
+              <a:rPr lang="en-US" dirty="0"/>
+              <a:t>help estimate uncertainties in observational data and </a:t>
+            </a:r>
+            <a:r>
+              <a:rPr lang="en-US" dirty="0" smtClean="0"/>
+              <a:t>uncertainties </a:t>
+            </a:r>
+          </a:p>
+          <a:p>
+            <a:r>
+              <a:rPr lang="en-US" dirty="0" smtClean="0"/>
+              <a:t>To characterize numerical output from mathematical models to help understand the behavior </a:t>
+            </a:r>
+          </a:p>
+          <a:p>
+            <a:r>
+              <a:rPr lang="en-US" dirty="0" smtClean="0"/>
+              <a:t>To </a:t>
+            </a:r>
+            <a:r>
+              <a:rPr lang="en-US" dirty="0"/>
+              <a:t>estimate probabilistic future behavior of a system based on past statistical information, a </a:t>
+            </a:r>
+            <a:r>
+              <a:rPr lang="en-US" b="1" dirty="0"/>
+              <a:t>statistical prediction model</a:t>
+            </a:r>
+            <a:r>
+              <a:rPr lang="en-US" dirty="0"/>
+              <a:t>. </a:t>
+            </a:r>
+            <a:endParaRPr lang="en-US" dirty="0" smtClean="0"/>
+          </a:p>
+          <a:p>
+            <a:r>
+              <a:rPr lang="en-US" dirty="0" smtClean="0"/>
+              <a:t>To </a:t>
+            </a:r>
+            <a:r>
+              <a:rPr lang="en-US" dirty="0"/>
+              <a:t>extrapolation or interpolation of data based on a linear fit (or some other mathematical fit) are also good examples of statistical prediction models.</a:t>
+            </a:r>
+          </a:p>
+          <a:p>
+            <a:r>
+              <a:rPr lang="en-US" dirty="0"/>
+              <a:t>To estimate input parameters for more complex mathematical models.</a:t>
+            </a:r>
+          </a:p>
+          <a:p>
+            <a:r>
+              <a:rPr lang="en-US" dirty="0"/>
+              <a:t>To obtain frequency spectra of observations and model output.</a:t>
+            </a:r>
+          </a:p>
+          <a:p>
+            <a:pPr marL="114300" lvl="0" indent="0" algn="l" rtl="0">
+              <a:spcBef>
+                <a:spcPts val="0"/>
+              </a:spcBef>
+              <a:spcAft>
+                <a:spcPts val="0"/>
+              </a:spcAft>
+              <a:buSzPts val="1800"/>
               <a:buNone/>
             </a:pPr>
-            <a:r>
-              <a:t/>
-            </a:r>
-            <a:endParaRPr/>
-          </a:p>
-          <a:p>
-            <a:pPr indent="0" lvl="0" marL="0" rtl="0" algn="l">
-              <a:spcBef>
-                <a:spcPts val="1200"/>
-              </a:spcBef>
-              <a:spcAft>
-                <a:spcPts val="1200"/>
-              </a:spcAft>
-              <a:buNone/>
+            <a:endParaRPr lang="en-MY" sz="3200" dirty="0" smtClean="0"/>
+          </a:p>
+          <a:p>
+            <a:pPr>
+              <a:buFont typeface="Roboto"/>
+              <a:buAutoNum type="arabicPeriod"/>
             </a:pPr>
-            <a:r>
-              <a:rPr lang="en-GB"/>
-              <a:t>For instance, a data model may specify that the data element representing a car be composed of a number of other elements which, in turn, represent the color and size of the car and define its owner.</a:t>
-            </a:r>
-            <a:endParaRPr/>
+            <a:endParaRPr lang="en-US" sz="3200" dirty="0"/>
+          </a:p>
+          <a:p>
+            <a:pPr marL="457200" lvl="0" indent="-342900" algn="l" rtl="0">
+              <a:spcBef>
+                <a:spcPts val="0"/>
+              </a:spcBef>
+              <a:spcAft>
+                <a:spcPts val="0"/>
+              </a:spcAft>
+              <a:buSzPts val="1800"/>
+              <a:buAutoNum type="arabicPeriod"/>
+            </a:pPr>
+            <a:endParaRPr sz="3200" b="1" dirty="0"/>
           </a:p>
         </p:txBody>
       </p:sp>
@@ -7831,12 +8038,12 @@
 </p:sld>
 </file>
 
-<file path=ppt/slides/slide4.xml><?xml version="1.0" encoding="utf-8"?>
-<p:sld xmlns:a="http://schemas.openxmlformats.org/drawingml/2006/main" xmlns:r="http://schemas.openxmlformats.org/officeDocument/2006/relationships" xmlns:mc="http://schemas.openxmlformats.org/markup-compatibility/2006" xmlns:mv="urn:schemas-microsoft-com:mac:vml" xmlns:p="http://schemas.openxmlformats.org/presentationml/2006/main" xmlns:c="http://schemas.openxmlformats.org/drawingml/2006/chart" xmlns:dgm="http://schemas.openxmlformats.org/drawingml/2006/diagram" xmlns:o="urn:schemas-microsoft-com:office:office" xmlns:v="urn:schemas-microsoft-com:vml" xmlns:pvml="urn:schemas-microsoft-com:office:powerpoint" xmlns:com="http://schemas.openxmlformats.org/drawingml/2006/compatibility" xmlns:p14="http://schemas.microsoft.com/office/powerpoint/2010/main" xmlns:p15="http://schemas.microsoft.com/office/powerpoint/2012/main" xmlns:ahyp="http://schemas.microsoft.com/office/drawing/2018/hyperlinkcolor">
+<file path=ppt/slides/slide6.xml><?xml version="1.0" encoding="utf-8"?>
+<p:sld xmlns:a="http://schemas.openxmlformats.org/drawingml/2006/main" xmlns:r="http://schemas.openxmlformats.org/officeDocument/2006/relationships" xmlns:p="http://schemas.openxmlformats.org/presentationml/2006/main">
   <p:cSld>
     <p:spTree>
       <p:nvGrpSpPr>
-        <p:cNvPr id="80" name="Shape 80"/>
+        <p:cNvPr id="1" name="Shape 80"/>
         <p:cNvGrpSpPr/>
         <p:nvPr/>
       </p:nvGrpSpPr>
@@ -7851,7 +8058,9 @@
       <p:sp>
         <p:nvSpPr>
           <p:cNvPr id="81" name="Google Shape;81;p16"/>
-          <p:cNvSpPr txBox="1"/>
+          <p:cNvSpPr txBox="1">
+            <a:spLocks noGrp="1"/>
+          </p:cNvSpPr>
           <p:nvPr>
             <p:ph type="title"/>
           </p:nvPr>
@@ -7866,12 +8075,12 @@
           </a:prstGeom>
         </p:spPr>
         <p:txBody>
-          <a:bodyPr anchorCtr="0" anchor="b" bIns="91425" lIns="91425" spcFirstLastPara="1" rIns="91425" wrap="square" tIns="91425">
+          <a:bodyPr spcFirstLastPara="1" wrap="square" lIns="91425" tIns="91425" rIns="91425" bIns="91425" anchor="b" anchorCtr="0">
             <a:normAutofit/>
           </a:bodyPr>
           <a:lstStyle/>
           <a:p>
-            <a:pPr indent="0" lvl="0" marL="0" rtl="0" algn="l">
+            <a:pPr marL="0" lvl="0" indent="0" algn="l" rtl="0">
               <a:spcBef>
                 <a:spcPts val="0"/>
               </a:spcBef>
@@ -7891,9 +8100,11 @@
       <p:sp>
         <p:nvSpPr>
           <p:cNvPr id="82" name="Google Shape;82;p16"/>
-          <p:cNvSpPr txBox="1"/>
+          <p:cNvSpPr txBox="1">
+            <a:spLocks noGrp="1"/>
+          </p:cNvSpPr>
           <p:nvPr>
-            <p:ph idx="1" type="body"/>
+            <p:ph type="body" idx="1"/>
           </p:nvPr>
         </p:nvSpPr>
         <p:spPr>
@@ -7906,12 +8117,12 @@
           </a:prstGeom>
         </p:spPr>
         <p:txBody>
-          <a:bodyPr anchorCtr="0" anchor="t" bIns="91425" lIns="91425" spcFirstLastPara="1" rIns="91425" wrap="square" tIns="91425">
+          <a:bodyPr spcFirstLastPara="1" wrap="square" lIns="91425" tIns="91425" rIns="91425" bIns="91425" anchor="t" anchorCtr="0">
             <a:normAutofit/>
           </a:bodyPr>
           <a:lstStyle/>
           <a:p>
-            <a:pPr indent="-412750" lvl="0" marL="457200" rtl="0" algn="l">
+            <a:pPr marL="457200" lvl="0" indent="-412750" algn="l" rtl="0">
               <a:spcBef>
                 <a:spcPts val="0"/>
               </a:spcBef>
@@ -7922,13 +8133,13 @@
               <a:buAutoNum type="arabicPeriod"/>
             </a:pPr>
             <a:r>
-              <a:rPr lang="en-GB" sz="2900"/>
+              <a:rPr lang="en-GB" sz="3200" dirty="0"/>
               <a:t>Classification model </a:t>
             </a:r>
-            <a:endParaRPr sz="2900"/>
-          </a:p>
-          <a:p>
-            <a:pPr indent="-412750" lvl="0" marL="457200" rtl="0" algn="l">
+            <a:endParaRPr sz="3200" dirty="0"/>
+          </a:p>
+          <a:p>
+            <a:pPr marL="457200" lvl="0" indent="-412750" algn="l" rtl="0">
               <a:spcBef>
                 <a:spcPts val="0"/>
               </a:spcBef>
@@ -7939,13 +8150,13 @@
               <a:buAutoNum type="arabicPeriod"/>
             </a:pPr>
             <a:r>
-              <a:rPr lang="en-GB" sz="2900"/>
+              <a:rPr lang="en-GB" sz="3200" dirty="0"/>
               <a:t>Clustering model </a:t>
             </a:r>
-            <a:endParaRPr sz="2900"/>
-          </a:p>
-          <a:p>
-            <a:pPr indent="-412750" lvl="0" marL="457200" rtl="0" algn="l">
+            <a:endParaRPr sz="3200" dirty="0"/>
+          </a:p>
+          <a:p>
+            <a:pPr marL="457200" lvl="0" indent="-412750" algn="l" rtl="0">
               <a:spcBef>
                 <a:spcPts val="0"/>
               </a:spcBef>
@@ -7956,27 +8167,14 @@
               <a:buAutoNum type="arabicPeriod"/>
             </a:pPr>
             <a:r>
-              <a:rPr lang="en-GB" sz="2900"/>
-              <a:t>Forecast model</a:t>
+              <a:rPr lang="en-GB" sz="3200" dirty="0"/>
+              <a:t>Forecast </a:t>
             </a:r>
-            <a:endParaRPr sz="2900"/>
-          </a:p>
-          <a:p>
-            <a:pPr indent="-412750" lvl="0" marL="457200" rtl="0" algn="l">
-              <a:spcBef>
-                <a:spcPts val="0"/>
-              </a:spcBef>
-              <a:spcAft>
-                <a:spcPts val="0"/>
-              </a:spcAft>
-              <a:buSzPts val="2900"/>
-              <a:buAutoNum type="arabicPeriod"/>
-            </a:pPr>
             <a:r>
-              <a:rPr lang="en-GB" sz="2900"/>
-              <a:t>Time series model</a:t>
+              <a:rPr lang="en-GB" sz="3200" dirty="0" smtClean="0"/>
+              <a:t>model</a:t>
             </a:r>
-            <a:endParaRPr sz="2900"/>
+            <a:endParaRPr sz="3200" dirty="0"/>
           </a:p>
         </p:txBody>
       </p:sp>
@@ -7988,12 +8186,335 @@
 </p:sld>
 </file>
 
-<file path=ppt/slides/slide5.xml><?xml version="1.0" encoding="utf-8"?>
-<p:sld xmlns:a="http://schemas.openxmlformats.org/drawingml/2006/main" xmlns:r="http://schemas.openxmlformats.org/officeDocument/2006/relationships" xmlns:mc="http://schemas.openxmlformats.org/markup-compatibility/2006" xmlns:mv="urn:schemas-microsoft-com:mac:vml" xmlns:p="http://schemas.openxmlformats.org/presentationml/2006/main" xmlns:c="http://schemas.openxmlformats.org/drawingml/2006/chart" xmlns:dgm="http://schemas.openxmlformats.org/drawingml/2006/diagram" xmlns:o="urn:schemas-microsoft-com:office:office" xmlns:v="urn:schemas-microsoft-com:vml" xmlns:pvml="urn:schemas-microsoft-com:office:powerpoint" xmlns:com="http://schemas.openxmlformats.org/drawingml/2006/compatibility" xmlns:p14="http://schemas.microsoft.com/office/powerpoint/2010/main" xmlns:p15="http://schemas.microsoft.com/office/powerpoint/2012/main" xmlns:ahyp="http://schemas.microsoft.com/office/drawing/2018/hyperlinkcolor">
+<file path=ppt/slides/slide7.xml><?xml version="1.0" encoding="utf-8"?>
+<p:sld xmlns:a="http://schemas.openxmlformats.org/drawingml/2006/main" xmlns:r="http://schemas.openxmlformats.org/officeDocument/2006/relationships" xmlns:p="http://schemas.openxmlformats.org/presentationml/2006/main">
   <p:cSld>
     <p:spTree>
       <p:nvGrpSpPr>
-        <p:cNvPr id="86" name="Shape 86"/>
+        <p:cNvPr id="1" name="Shape 80"/>
+        <p:cNvGrpSpPr/>
+        <p:nvPr/>
+      </p:nvGrpSpPr>
+      <p:grpSpPr>
+        <a:xfrm>
+          <a:off x="0" y="0"/>
+          <a:ext cx="0" cy="0"/>
+          <a:chOff x="0" y="0"/>
+          <a:chExt cx="0" cy="0"/>
+        </a:xfrm>
+      </p:grpSpPr>
+      <p:sp>
+        <p:nvSpPr>
+          <p:cNvPr id="81" name="Google Shape;81;p16"/>
+          <p:cNvSpPr txBox="1">
+            <a:spLocks noGrp="1"/>
+          </p:cNvSpPr>
+          <p:nvPr>
+            <p:ph type="title"/>
+          </p:nvPr>
+        </p:nvSpPr>
+        <p:spPr>
+          <a:xfrm>
+            <a:off x="387900" y="458025"/>
+            <a:ext cx="8368200" cy="686100"/>
+          </a:xfrm>
+          <a:prstGeom prst="rect">
+            <a:avLst/>
+          </a:prstGeom>
+        </p:spPr>
+        <p:txBody>
+          <a:bodyPr spcFirstLastPara="1" wrap="square" lIns="91425" tIns="91425" rIns="91425" bIns="91425" anchor="b" anchorCtr="0">
+            <a:normAutofit/>
+          </a:bodyPr>
+          <a:lstStyle/>
+          <a:p>
+            <a:pPr marL="457200" lvl="0" indent="-412750">
+              <a:buSzPts val="2900"/>
+              <a:buAutoNum type="arabicPeriod"/>
+            </a:pPr>
+            <a:r>
+              <a:rPr lang="en-GB" sz="3200" dirty="0" smtClean="0"/>
+              <a:t>Regression/Classification </a:t>
+            </a:r>
+            <a:r>
+              <a:rPr lang="en-GB" sz="3200" dirty="0"/>
+              <a:t>model </a:t>
+            </a:r>
+            <a:endParaRPr lang="en-GB" sz="3200" dirty="0"/>
+          </a:p>
+        </p:txBody>
+      </p:sp>
+      <p:sp>
+        <p:nvSpPr>
+          <p:cNvPr id="82" name="Google Shape;82;p16"/>
+          <p:cNvSpPr txBox="1">
+            <a:spLocks noGrp="1"/>
+          </p:cNvSpPr>
+          <p:nvPr>
+            <p:ph type="body" idx="1"/>
+          </p:nvPr>
+        </p:nvSpPr>
+        <p:spPr>
+          <a:xfrm>
+            <a:off x="387900" y="1489824"/>
+            <a:ext cx="8368200" cy="3078900"/>
+          </a:xfrm>
+          <a:prstGeom prst="rect">
+            <a:avLst/>
+          </a:prstGeom>
+        </p:spPr>
+        <p:txBody>
+          <a:bodyPr spcFirstLastPara="1" wrap="square" lIns="91425" tIns="91425" rIns="91425" bIns="91425" anchor="t" anchorCtr="0">
+            <a:noAutofit/>
+          </a:bodyPr>
+          <a:lstStyle/>
+          <a:p>
+            <a:pPr marL="901700" indent="-538163">
+              <a:buFont typeface="+mj-lt"/>
+              <a:buAutoNum type="arabicPeriod"/>
+            </a:pPr>
+            <a:r>
+              <a:rPr lang="en-US" sz="3200" dirty="0"/>
+              <a:t>Linear </a:t>
+            </a:r>
+            <a:r>
+              <a:rPr lang="en-US" sz="3200" dirty="0" smtClean="0"/>
+              <a:t>Regression</a:t>
+            </a:r>
+          </a:p>
+          <a:p>
+            <a:pPr marL="901700" indent="-538163">
+              <a:buFont typeface="+mj-lt"/>
+              <a:buAutoNum type="arabicPeriod"/>
+            </a:pPr>
+            <a:r>
+              <a:rPr lang="en-US" sz="3200" dirty="0" smtClean="0"/>
+              <a:t>Logistic </a:t>
+            </a:r>
+            <a:r>
+              <a:rPr lang="en-US" sz="3200" dirty="0"/>
+              <a:t>Regression</a:t>
+            </a:r>
+          </a:p>
+          <a:p>
+            <a:pPr marL="901700" indent="-538163">
+              <a:buFont typeface="+mj-lt"/>
+              <a:buAutoNum type="arabicPeriod"/>
+            </a:pPr>
+            <a:r>
+              <a:rPr lang="en-US" sz="3200" dirty="0" smtClean="0"/>
+              <a:t>K-Nearest Neighbors </a:t>
+            </a:r>
+            <a:r>
+              <a:rPr lang="en-US" sz="3200" dirty="0"/>
+              <a:t>(KNN)</a:t>
+            </a:r>
+          </a:p>
+          <a:p>
+            <a:pPr marL="901700" indent="-538163">
+              <a:buFont typeface="+mj-lt"/>
+              <a:buAutoNum type="arabicPeriod"/>
+            </a:pPr>
+            <a:r>
+              <a:rPr lang="en-US" sz="3200" dirty="0"/>
+              <a:t>Decision Tree</a:t>
+            </a:r>
+          </a:p>
+          <a:p>
+            <a:pPr marL="901700" indent="-538163">
+              <a:buFont typeface="+mj-lt"/>
+              <a:buAutoNum type="arabicPeriod"/>
+            </a:pPr>
+            <a:r>
+              <a:rPr lang="en-US" sz="3200" dirty="0"/>
+              <a:t>Random Forest</a:t>
+            </a:r>
+          </a:p>
+          <a:p>
+            <a:pPr marL="901700" indent="-538163">
+              <a:buFont typeface="+mj-lt"/>
+              <a:buAutoNum type="arabicPeriod"/>
+            </a:pPr>
+            <a:r>
+              <a:rPr lang="en-US" sz="3200" dirty="0"/>
+              <a:t>Support Vector Machine</a:t>
+            </a:r>
+          </a:p>
+          <a:p>
+            <a:pPr marL="901700" indent="-538163">
+              <a:buFont typeface="+mj-lt"/>
+              <a:buAutoNum type="arabicPeriod"/>
+            </a:pPr>
+            <a:endParaRPr lang="en-MY" sz="3200" dirty="0"/>
+          </a:p>
+        </p:txBody>
+      </p:sp>
+    </p:spTree>
+    <p:extLst>
+      <p:ext uri="{BB962C8B-B14F-4D97-AF65-F5344CB8AC3E}">
+        <p14:creationId xmlns:p14="http://schemas.microsoft.com/office/powerpoint/2010/main" val="2939584287"/>
+      </p:ext>
+    </p:extLst>
+  </p:cSld>
+  <p:clrMapOvr>
+    <a:masterClrMapping/>
+  </p:clrMapOvr>
+</p:sld>
+</file>
+
+<file path=ppt/slides/slide8.xml><?xml version="1.0" encoding="utf-8"?>
+<p:sld xmlns:a="http://schemas.openxmlformats.org/drawingml/2006/main" xmlns:r="http://schemas.openxmlformats.org/officeDocument/2006/relationships" xmlns:p="http://schemas.openxmlformats.org/presentationml/2006/main">
+  <p:cSld>
+    <p:spTree>
+      <p:nvGrpSpPr>
+        <p:cNvPr id="1" name="Shape 80"/>
+        <p:cNvGrpSpPr/>
+        <p:nvPr/>
+      </p:nvGrpSpPr>
+      <p:grpSpPr>
+        <a:xfrm>
+          <a:off x="0" y="0"/>
+          <a:ext cx="0" cy="0"/>
+          <a:chOff x="0" y="0"/>
+          <a:chExt cx="0" cy="0"/>
+        </a:xfrm>
+      </p:grpSpPr>
+      <p:sp>
+        <p:nvSpPr>
+          <p:cNvPr id="81" name="Google Shape;81;p16"/>
+          <p:cNvSpPr txBox="1">
+            <a:spLocks noGrp="1"/>
+          </p:cNvSpPr>
+          <p:nvPr>
+            <p:ph type="title"/>
+          </p:nvPr>
+        </p:nvSpPr>
+        <p:spPr>
+          <a:xfrm>
+            <a:off x="387900" y="458025"/>
+            <a:ext cx="8368200" cy="686100"/>
+          </a:xfrm>
+          <a:prstGeom prst="rect">
+            <a:avLst/>
+          </a:prstGeom>
+        </p:spPr>
+        <p:txBody>
+          <a:bodyPr spcFirstLastPara="1" wrap="square" lIns="91425" tIns="91425" rIns="91425" bIns="91425" anchor="b" anchorCtr="0">
+            <a:normAutofit/>
+          </a:bodyPr>
+          <a:lstStyle/>
+          <a:p>
+            <a:pPr marL="44450">
+              <a:buSzPts val="2900"/>
+            </a:pPr>
+            <a:r>
+              <a:rPr lang="en-GB" sz="3200" dirty="0" smtClean="0"/>
+              <a:t>2. Clustering </a:t>
+            </a:r>
+            <a:r>
+              <a:rPr lang="en-GB" sz="3200" dirty="0"/>
+              <a:t>model </a:t>
+            </a:r>
+            <a:endParaRPr lang="en-GB" sz="3200" dirty="0"/>
+          </a:p>
+        </p:txBody>
+      </p:sp>
+      <p:sp>
+        <p:nvSpPr>
+          <p:cNvPr id="82" name="Google Shape;82;p16"/>
+          <p:cNvSpPr txBox="1">
+            <a:spLocks noGrp="1"/>
+          </p:cNvSpPr>
+          <p:nvPr>
+            <p:ph type="body" idx="1"/>
+          </p:nvPr>
+        </p:nvSpPr>
+        <p:spPr>
+          <a:xfrm>
+            <a:off x="387900" y="1489824"/>
+            <a:ext cx="8368200" cy="3078900"/>
+          </a:xfrm>
+          <a:prstGeom prst="rect">
+            <a:avLst/>
+          </a:prstGeom>
+        </p:spPr>
+        <p:txBody>
+          <a:bodyPr spcFirstLastPara="1" wrap="square" lIns="91425" tIns="91425" rIns="91425" bIns="91425" anchor="t" anchorCtr="0">
+            <a:noAutofit/>
+          </a:bodyPr>
+          <a:lstStyle/>
+          <a:p>
+            <a:pPr>
+              <a:buFont typeface="+mj-lt"/>
+              <a:buAutoNum type="arabicParenR"/>
+            </a:pPr>
+            <a:r>
+              <a:rPr lang="en-MY" sz="2800" dirty="0"/>
+              <a:t>Hierarchical </a:t>
+            </a:r>
+            <a:endParaRPr lang="en-MY" sz="2800" dirty="0" smtClean="0"/>
+          </a:p>
+          <a:p>
+            <a:pPr>
+              <a:buFont typeface="+mj-lt"/>
+              <a:buAutoNum type="arabicParenR"/>
+            </a:pPr>
+            <a:r>
+              <a:rPr lang="en-MY" sz="2800" dirty="0" smtClean="0"/>
+              <a:t>Principle Component Analysis</a:t>
+            </a:r>
+          </a:p>
+          <a:p>
+            <a:pPr>
+              <a:buFont typeface="+mj-lt"/>
+              <a:buAutoNum type="arabicParenR"/>
+            </a:pPr>
+            <a:r>
+              <a:rPr lang="en-MY" sz="2800" dirty="0" smtClean="0"/>
+              <a:t>T-SNE</a:t>
+            </a:r>
+          </a:p>
+          <a:p>
+            <a:pPr>
+              <a:buFont typeface="+mj-lt"/>
+              <a:buAutoNum type="arabicParenR"/>
+            </a:pPr>
+            <a:r>
+              <a:rPr lang="en-MY" sz="2800" dirty="0" smtClean="0"/>
+              <a:t>UMAP</a:t>
+            </a:r>
+          </a:p>
+          <a:p>
+            <a:pPr>
+              <a:buFont typeface="+mj-lt"/>
+              <a:buAutoNum type="arabicParenR"/>
+            </a:pPr>
+            <a:r>
+              <a:rPr lang="en-MY" sz="2800" dirty="0" smtClean="0"/>
+              <a:t>K Means</a:t>
+            </a:r>
+          </a:p>
+        </p:txBody>
+      </p:sp>
+    </p:spTree>
+    <p:extLst>
+      <p:ext uri="{BB962C8B-B14F-4D97-AF65-F5344CB8AC3E}">
+        <p14:creationId xmlns:p14="http://schemas.microsoft.com/office/powerpoint/2010/main" val="4022451307"/>
+      </p:ext>
+    </p:extLst>
+  </p:cSld>
+  <p:clrMapOvr>
+    <a:masterClrMapping/>
+  </p:clrMapOvr>
+</p:sld>
+</file>
+
+<file path=ppt/slides/slide9.xml><?xml version="1.0" encoding="utf-8"?>
+<p:sld xmlns:a="http://schemas.openxmlformats.org/drawingml/2006/main" xmlns:r="http://schemas.openxmlformats.org/officeDocument/2006/relationships" xmlns:p="http://schemas.openxmlformats.org/presentationml/2006/main">
+  <p:cSld>
+    <p:spTree>
+      <p:nvGrpSpPr>
+        <p:cNvPr id="1" name="Shape 86"/>
         <p:cNvGrpSpPr/>
         <p:nvPr/>
       </p:nvGrpSpPr>
@@ -8008,7 +8529,9 @@
       <p:sp>
         <p:nvSpPr>
           <p:cNvPr id="87" name="Google Shape;87;p17"/>
-          <p:cNvSpPr txBox="1"/>
+          <p:cNvSpPr txBox="1">
+            <a:spLocks noGrp="1"/>
+          </p:cNvSpPr>
           <p:nvPr>
             <p:ph type="title"/>
           </p:nvPr>
@@ -8023,34 +8546,30 @@
           </a:prstGeom>
         </p:spPr>
         <p:txBody>
-          <a:bodyPr anchorCtr="0" anchor="b" bIns="91425" lIns="91425" spcFirstLastPara="1" rIns="91425" wrap="square" tIns="91425">
+          <a:bodyPr spcFirstLastPara="1" wrap="square" lIns="91425" tIns="91425" rIns="91425" bIns="91425" anchor="b" anchorCtr="0">
             <a:normAutofit/>
           </a:bodyPr>
           <a:lstStyle/>
           <a:p>
-            <a:pPr indent="0" lvl="0" marL="0" rtl="0" algn="l">
-              <a:spcBef>
-                <a:spcPts val="0"/>
-              </a:spcBef>
-              <a:spcAft>
-                <a:spcPts val="0"/>
-              </a:spcAft>
-              <a:buNone/>
+            <a:pPr marL="44450" lvl="0">
+              <a:buSzPts val="2900"/>
             </a:pPr>
             <a:r>
-              <a:rPr lang="en-GB"/>
-              <a:t>Type of Data Model (by Algorithm)</a:t>
+              <a:rPr lang="en-GB" sz="3200" dirty="0" smtClean="0"/>
+              <a:t>3. Forecast model (Predictive Models)</a:t>
             </a:r>
-            <a:endParaRPr/>
+            <a:endParaRPr lang="en-GB" sz="3200" dirty="0"/>
           </a:p>
         </p:txBody>
       </p:sp>
       <p:sp>
         <p:nvSpPr>
           <p:cNvPr id="88" name="Google Shape;88;p17"/>
-          <p:cNvSpPr txBox="1"/>
+          <p:cNvSpPr txBox="1">
+            <a:spLocks noGrp="1"/>
+          </p:cNvSpPr>
           <p:nvPr>
-            <p:ph idx="1" type="body"/>
+            <p:ph type="body" idx="1"/>
           </p:nvPr>
         </p:nvSpPr>
         <p:spPr>
@@ -8063,12 +8582,12 @@
           </a:prstGeom>
         </p:spPr>
         <p:txBody>
-          <a:bodyPr anchorCtr="0" anchor="t" bIns="91425" lIns="91425" spcFirstLastPara="1" rIns="91425" wrap="square" tIns="91425">
-            <a:normAutofit/>
+          <a:bodyPr spcFirstLastPara="1" wrap="square" lIns="91425" tIns="91425" rIns="91425" bIns="91425" anchor="t" anchorCtr="0">
+            <a:normAutofit lnSpcReduction="10000"/>
           </a:bodyPr>
           <a:lstStyle/>
           <a:p>
-            <a:pPr indent="-412750" lvl="0" marL="457200" rtl="0" algn="l">
+            <a:pPr marL="457200" lvl="0" indent="-412750" algn="l" rtl="0">
               <a:spcBef>
                 <a:spcPts val="0"/>
               </a:spcBef>
@@ -8079,490 +8598,93 @@
               <a:buAutoNum type="arabicPeriod"/>
             </a:pPr>
             <a:r>
-              <a:t/>
+              <a:rPr lang="en-MY" sz="2900" dirty="0" smtClean="0"/>
+              <a:t>Neural Network</a:t>
             </a:r>
-            <a:endParaRPr sz="2900"/>
-          </a:p>
-        </p:txBody>
-      </p:sp>
-    </p:spTree>
-  </p:cSld>
-  <p:clrMapOvr>
-    <a:masterClrMapping/>
-  </p:clrMapOvr>
-</p:sld>
-</file>
-
-<file path=ppt/slides/slide6.xml><?xml version="1.0" encoding="utf-8"?>
-<p:sld xmlns:a="http://schemas.openxmlformats.org/drawingml/2006/main" xmlns:r="http://schemas.openxmlformats.org/officeDocument/2006/relationships" xmlns:mc="http://schemas.openxmlformats.org/markup-compatibility/2006" xmlns:mv="urn:schemas-microsoft-com:mac:vml" xmlns:p="http://schemas.openxmlformats.org/presentationml/2006/main" xmlns:c="http://schemas.openxmlformats.org/drawingml/2006/chart" xmlns:dgm="http://schemas.openxmlformats.org/drawingml/2006/diagram" xmlns:o="urn:schemas-microsoft-com:office:office" xmlns:v="urn:schemas-microsoft-com:vml" xmlns:pvml="urn:schemas-microsoft-com:office:powerpoint" xmlns:com="http://schemas.openxmlformats.org/drawingml/2006/compatibility" xmlns:p14="http://schemas.microsoft.com/office/powerpoint/2010/main" xmlns:p15="http://schemas.microsoft.com/office/powerpoint/2012/main" xmlns:ahyp="http://schemas.microsoft.com/office/drawing/2018/hyperlinkcolor">
-  <p:cSld>
-    <p:spTree>
-      <p:nvGrpSpPr>
-        <p:cNvPr id="92" name="Shape 92"/>
-        <p:cNvGrpSpPr/>
-        <p:nvPr/>
-      </p:nvGrpSpPr>
-      <p:grpSpPr>
-        <a:xfrm>
-          <a:off x="0" y="0"/>
-          <a:ext cx="0" cy="0"/>
-          <a:chOff x="0" y="0"/>
-          <a:chExt cx="0" cy="0"/>
-        </a:xfrm>
-      </p:grpSpPr>
-      <p:sp>
-        <p:nvSpPr>
-          <p:cNvPr id="93" name="Google Shape;93;p18"/>
-          <p:cNvSpPr txBox="1"/>
-          <p:nvPr>
-            <p:ph type="title"/>
-          </p:nvPr>
-        </p:nvSpPr>
-        <p:spPr>
-          <a:xfrm>
-            <a:off x="387900" y="458025"/>
-            <a:ext cx="8368200" cy="686100"/>
-          </a:xfrm>
-          <a:prstGeom prst="rect">
-            <a:avLst/>
-          </a:prstGeom>
-        </p:spPr>
-        <p:txBody>
-          <a:bodyPr anchorCtr="0" anchor="b" bIns="91425" lIns="91425" spcFirstLastPara="1" rIns="91425" wrap="square" tIns="91425">
-            <a:normAutofit/>
-          </a:bodyPr>
-          <a:lstStyle/>
-          <a:p>
-            <a:pPr indent="0" lvl="0" marL="0" rtl="0" algn="l">
-              <a:spcBef>
-                <a:spcPts val="0"/>
-              </a:spcBef>
-              <a:spcAft>
-                <a:spcPts val="0"/>
-              </a:spcAft>
-              <a:buNone/>
-            </a:pPr>
-            <a:r>
-              <a:rPr lang="en-GB"/>
-              <a:t>Why do we use Data Model	</a:t>
-            </a:r>
-            <a:endParaRPr/>
-          </a:p>
-        </p:txBody>
-      </p:sp>
-      <p:sp>
-        <p:nvSpPr>
-          <p:cNvPr id="94" name="Google Shape;94;p18"/>
-          <p:cNvSpPr txBox="1"/>
-          <p:nvPr>
-            <p:ph idx="1" type="body"/>
-          </p:nvPr>
-        </p:nvSpPr>
-        <p:spPr>
-          <a:xfrm>
-            <a:off x="387900" y="1489825"/>
-            <a:ext cx="8368200" cy="3433500"/>
-          </a:xfrm>
-          <a:prstGeom prst="rect">
-            <a:avLst/>
-          </a:prstGeom>
-        </p:spPr>
-        <p:txBody>
-          <a:bodyPr anchorCtr="0" anchor="t" bIns="91425" lIns="91425" spcFirstLastPara="1" rIns="91425" wrap="square" tIns="91425">
-            <a:normAutofit/>
-          </a:bodyPr>
-          <a:lstStyle/>
-          <a:p>
-            <a:pPr indent="-342900" lvl="0" marL="457200" rtl="0" algn="l">
-              <a:spcBef>
-                <a:spcPts val="0"/>
-              </a:spcBef>
-              <a:spcAft>
-                <a:spcPts val="0"/>
-              </a:spcAft>
-              <a:buSzPts val="1800"/>
+          </a:p>
+          <a:p>
+            <a:pPr lvl="1" indent="-412750">
+              <a:buSzPts val="2900"/>
               <a:buAutoNum type="arabicPeriod"/>
             </a:pPr>
             <a:r>
-              <a:t/>
+              <a:rPr lang="en-MY" sz="2500" dirty="0"/>
+              <a:t>MLP (Multilayer </a:t>
             </a:r>
-            <a:endParaRPr/>
-          </a:p>
-        </p:txBody>
-      </p:sp>
-    </p:spTree>
-  </p:cSld>
-  <p:clrMapOvr>
-    <a:masterClrMapping/>
-  </p:clrMapOvr>
-</p:sld>
-</file>
-
-<file path=ppt/slides/slide7.xml><?xml version="1.0" encoding="utf-8"?>
-<p:sld xmlns:a="http://schemas.openxmlformats.org/drawingml/2006/main" xmlns:r="http://schemas.openxmlformats.org/officeDocument/2006/relationships" xmlns:mc="http://schemas.openxmlformats.org/markup-compatibility/2006" xmlns:mv="urn:schemas-microsoft-com:mac:vml" xmlns:p="http://schemas.openxmlformats.org/presentationml/2006/main" xmlns:c="http://schemas.openxmlformats.org/drawingml/2006/chart" xmlns:dgm="http://schemas.openxmlformats.org/drawingml/2006/diagram" xmlns:o="urn:schemas-microsoft-com:office:office" xmlns:v="urn:schemas-microsoft-com:vml" xmlns:pvml="urn:schemas-microsoft-com:office:powerpoint" xmlns:com="http://schemas.openxmlformats.org/drawingml/2006/compatibility" xmlns:p14="http://schemas.microsoft.com/office/powerpoint/2010/main" xmlns:p15="http://schemas.microsoft.com/office/powerpoint/2012/main" xmlns:ahyp="http://schemas.microsoft.com/office/drawing/2018/hyperlinkcolor">
-  <p:cSld>
-    <p:spTree>
-      <p:nvGrpSpPr>
-        <p:cNvPr id="98" name="Shape 98"/>
-        <p:cNvGrpSpPr/>
-        <p:nvPr/>
-      </p:nvGrpSpPr>
-      <p:grpSpPr>
-        <a:xfrm>
-          <a:off x="0" y="0"/>
-          <a:ext cx="0" cy="0"/>
-          <a:chOff x="0" y="0"/>
-          <a:chExt cx="0" cy="0"/>
-        </a:xfrm>
-      </p:grpSpPr>
-      <p:sp>
-        <p:nvSpPr>
-          <p:cNvPr id="99" name="Google Shape;99;p19"/>
-          <p:cNvSpPr txBox="1"/>
-          <p:nvPr>
-            <p:ph type="title"/>
-          </p:nvPr>
-        </p:nvSpPr>
-        <p:spPr>
-          <a:xfrm>
-            <a:off x="387900" y="458025"/>
-            <a:ext cx="8368200" cy="686100"/>
-          </a:xfrm>
-          <a:prstGeom prst="rect">
-            <a:avLst/>
-          </a:prstGeom>
-        </p:spPr>
-        <p:txBody>
-          <a:bodyPr anchorCtr="0" anchor="b" bIns="91425" lIns="91425" spcFirstLastPara="1" rIns="91425" wrap="square" tIns="91425">
-            <a:normAutofit/>
-          </a:bodyPr>
-          <a:lstStyle/>
-          <a:p>
-            <a:pPr indent="0" lvl="0" marL="0" rtl="0" algn="l">
-              <a:spcBef>
-                <a:spcPts val="0"/>
-              </a:spcBef>
-              <a:spcAft>
-                <a:spcPts val="0"/>
-              </a:spcAft>
-              <a:buNone/>
+            <a:r>
+              <a:rPr lang="en-MY" sz="2500" dirty="0" smtClean="0"/>
+              <a:t>Perceptron)</a:t>
+            </a:r>
+          </a:p>
+          <a:p>
+            <a:pPr lvl="1" indent="-412750">
+              <a:buSzPts val="2900"/>
+              <a:buAutoNum type="arabicPeriod"/>
             </a:pPr>
             <a:r>
-              <a:rPr lang="en-GB"/>
-              <a:t>Linear Model</a:t>
+              <a:rPr lang="en-MY" sz="2500" dirty="0" smtClean="0"/>
+              <a:t>Convolutional </a:t>
             </a:r>
-            <a:endParaRPr/>
-          </a:p>
-        </p:txBody>
-      </p:sp>
-      <p:sp>
-        <p:nvSpPr>
-          <p:cNvPr id="100" name="Google Shape;100;p19"/>
-          <p:cNvSpPr txBox="1"/>
-          <p:nvPr>
-            <p:ph idx="1" type="body"/>
-          </p:nvPr>
-        </p:nvSpPr>
-        <p:spPr>
-          <a:xfrm>
-            <a:off x="387900" y="1489824"/>
-            <a:ext cx="8368200" cy="3078900"/>
-          </a:xfrm>
-          <a:prstGeom prst="rect">
-            <a:avLst/>
-          </a:prstGeom>
-        </p:spPr>
-        <p:txBody>
-          <a:bodyPr anchorCtr="0" anchor="t" bIns="91425" lIns="91425" spcFirstLastPara="1" rIns="91425" wrap="square" tIns="91425">
-            <a:normAutofit/>
-          </a:bodyPr>
-          <a:lstStyle/>
-          <a:p>
-            <a:pPr indent="0" lvl="0" marL="0" rtl="0" algn="l">
-              <a:spcBef>
-                <a:spcPts val="0"/>
-              </a:spcBef>
-              <a:spcAft>
-                <a:spcPts val="0"/>
-              </a:spcAft>
-              <a:buNone/>
+          </a:p>
+          <a:p>
+            <a:pPr lvl="1" indent="-412750">
+              <a:buSzPts val="2900"/>
+              <a:buAutoNum type="arabicPeriod"/>
             </a:pPr>
             <a:r>
-              <a:rPr lang="en-GB"/>
-              <a:t>fit_lin &lt;- lm(Income ~ Investment, data = dat)</a:t>
+              <a:rPr lang="en-MY" sz="2500" dirty="0" smtClean="0"/>
+              <a:t>Recurrent</a:t>
             </a:r>
-            <a:endParaRPr/>
-          </a:p>
-          <a:p>
-            <a:pPr indent="0" lvl="0" marL="0" rtl="0" algn="l">
-              <a:spcBef>
-                <a:spcPts val="1200"/>
-              </a:spcBef>
-              <a:spcAft>
-                <a:spcPts val="0"/>
-              </a:spcAft>
-              <a:buNone/>
+          </a:p>
+          <a:p>
+            <a:pPr lvl="1" indent="-412750">
+              <a:buSzPts val="2900"/>
+              <a:buAutoNum type="arabicPeriod"/>
             </a:pPr>
             <a:r>
-              <a:rPr lang="en-GB"/>
-              <a:t>summary(fit_lin)</a:t>
+              <a:rPr lang="en-MY" sz="2500" dirty="0" smtClean="0"/>
+              <a:t>Auto-encoder (Classification and Dimensional Reduction)</a:t>
             </a:r>
-            <a:endParaRPr/>
-          </a:p>
-          <a:p>
-            <a:pPr indent="0" lvl="0" marL="0" rtl="0" algn="l">
-              <a:spcBef>
-                <a:spcPts val="1200"/>
-              </a:spcBef>
-              <a:spcAft>
-                <a:spcPts val="1200"/>
-              </a:spcAft>
-              <a:buNone/>
+          </a:p>
+          <a:p>
+            <a:pPr lvl="1" indent="-412750">
+              <a:buSzPts val="2900"/>
+              <a:buAutoNum type="arabicPeriod"/>
             </a:pPr>
             <a:r>
-              <a:t/>
+              <a:rPr lang="en-MY" sz="2500" dirty="0" err="1" smtClean="0"/>
+              <a:t>Etc</a:t>
             </a:r>
-            <a:endParaRPr/>
-          </a:p>
-        </p:txBody>
-      </p:sp>
-    </p:spTree>
-  </p:cSld>
-  <p:clrMapOvr>
-    <a:masterClrMapping/>
-  </p:clrMapOvr>
-</p:sld>
-</file>
-
-<file path=ppt/slides/slide8.xml><?xml version="1.0" encoding="utf-8"?>
-<p:sld xmlns:a="http://schemas.openxmlformats.org/drawingml/2006/main" xmlns:r="http://schemas.openxmlformats.org/officeDocument/2006/relationships" xmlns:mc="http://schemas.openxmlformats.org/markup-compatibility/2006" xmlns:mv="urn:schemas-microsoft-com:mac:vml" xmlns:p="http://schemas.openxmlformats.org/presentationml/2006/main" xmlns:c="http://schemas.openxmlformats.org/drawingml/2006/chart" xmlns:dgm="http://schemas.openxmlformats.org/drawingml/2006/diagram" xmlns:o="urn:schemas-microsoft-com:office:office" xmlns:v="urn:schemas-microsoft-com:vml" xmlns:pvml="urn:schemas-microsoft-com:office:powerpoint" xmlns:com="http://schemas.openxmlformats.org/drawingml/2006/compatibility" xmlns:p14="http://schemas.microsoft.com/office/powerpoint/2010/main" xmlns:p15="http://schemas.microsoft.com/office/powerpoint/2012/main" xmlns:ahyp="http://schemas.microsoft.com/office/drawing/2018/hyperlinkcolor">
-  <p:cSld>
-    <p:spTree>
-      <p:nvGrpSpPr>
-        <p:cNvPr id="104" name="Shape 104"/>
-        <p:cNvGrpSpPr/>
-        <p:nvPr/>
-      </p:nvGrpSpPr>
-      <p:grpSpPr>
-        <a:xfrm>
-          <a:off x="0" y="0"/>
-          <a:ext cx="0" cy="0"/>
-          <a:chOff x="0" y="0"/>
-          <a:chExt cx="0" cy="0"/>
-        </a:xfrm>
-      </p:grpSpPr>
-      <p:sp>
-        <p:nvSpPr>
-          <p:cNvPr id="105" name="Google Shape;105;p20"/>
-          <p:cNvSpPr txBox="1"/>
-          <p:nvPr>
-            <p:ph type="title"/>
-          </p:nvPr>
-        </p:nvSpPr>
-        <p:spPr>
-          <a:xfrm>
-            <a:off x="387900" y="458025"/>
-            <a:ext cx="8368200" cy="686100"/>
-          </a:xfrm>
-          <a:prstGeom prst="rect">
-            <a:avLst/>
-          </a:prstGeom>
-        </p:spPr>
-        <p:txBody>
-          <a:bodyPr anchorCtr="0" anchor="b" bIns="91425" lIns="91425" spcFirstLastPara="1" rIns="91425" wrap="square" tIns="91425">
-            <a:normAutofit/>
-          </a:bodyPr>
-          <a:lstStyle/>
-          <a:p>
-            <a:pPr indent="0" lvl="0" marL="0" rtl="0" algn="l">
-              <a:spcBef>
-                <a:spcPts val="0"/>
-              </a:spcBef>
-              <a:spcAft>
-                <a:spcPts val="0"/>
-              </a:spcAft>
-              <a:buNone/>
+            <a:r>
+              <a:rPr lang="en-MY" sz="2500" dirty="0" smtClean="0"/>
+              <a:t> (RBM, Transformer, and many more)</a:t>
+            </a:r>
+          </a:p>
+          <a:p>
+            <a:pPr marL="457200" lvl="0" indent="-412750" algn="l" rtl="0">
+              <a:spcBef>
+                <a:spcPts val="0"/>
+              </a:spcBef>
+              <a:spcAft>
+                <a:spcPts val="0"/>
+              </a:spcAft>
+              <a:buSzPts val="2900"/>
+              <a:buAutoNum type="arabicPeriod"/>
             </a:pPr>
-            <a:r>
-              <a:rPr lang="en-GB"/>
-              <a:t>K-means Clustering </a:t>
-            </a:r>
-            <a:endParaRPr/>
-          </a:p>
-        </p:txBody>
-      </p:sp>
-      <p:sp>
-        <p:nvSpPr>
-          <p:cNvPr id="106" name="Google Shape;106;p20"/>
-          <p:cNvSpPr txBox="1"/>
-          <p:nvPr>
-            <p:ph idx="1" type="body"/>
-          </p:nvPr>
-        </p:nvSpPr>
-        <p:spPr>
-          <a:xfrm>
-            <a:off x="387900" y="1489824"/>
-            <a:ext cx="8368200" cy="3078900"/>
-          </a:xfrm>
-          <a:prstGeom prst="rect">
-            <a:avLst/>
-          </a:prstGeom>
-        </p:spPr>
-        <p:txBody>
-          <a:bodyPr anchorCtr="0" anchor="t" bIns="91425" lIns="91425" spcFirstLastPara="1" rIns="91425" wrap="square" tIns="91425">
-            <a:normAutofit/>
-          </a:bodyPr>
-          <a:lstStyle/>
-          <a:p>
-            <a:pPr indent="0" lvl="0" marL="0" rtl="0" algn="l">
-              <a:spcBef>
-                <a:spcPts val="0"/>
-              </a:spcBef>
-              <a:spcAft>
-                <a:spcPts val="0"/>
-              </a:spcAft>
-              <a:buNone/>
+            <a:endParaRPr lang="en-MY" sz="2900" dirty="0" smtClean="0"/>
+          </a:p>
+          <a:p>
+            <a:pPr marL="457200" lvl="0" indent="-412750" algn="l" rtl="0">
+              <a:spcBef>
+                <a:spcPts val="0"/>
+              </a:spcBef>
+              <a:spcAft>
+                <a:spcPts val="0"/>
+              </a:spcAft>
+              <a:buSzPts val="2900"/>
+              <a:buAutoNum type="arabicPeriod"/>
             </a:pPr>
-            <a:r>
-              <a:rPr lang="en-GB"/>
-              <a:t>fit_lin &lt;- lm(Income ~ Investment, data = dat)</a:t>
-            </a:r>
-            <a:endParaRPr/>
-          </a:p>
-          <a:p>
-            <a:pPr indent="0" lvl="0" marL="0" rtl="0" algn="l">
-              <a:spcBef>
-                <a:spcPts val="1200"/>
-              </a:spcBef>
-              <a:spcAft>
-                <a:spcPts val="0"/>
-              </a:spcAft>
-              <a:buNone/>
-            </a:pPr>
-            <a:r>
-              <a:rPr lang="en-GB"/>
-              <a:t>summary(fit_lin)</a:t>
-            </a:r>
-            <a:endParaRPr/>
-          </a:p>
-          <a:p>
-            <a:pPr indent="0" lvl="0" marL="0" rtl="0" algn="l">
-              <a:spcBef>
-                <a:spcPts val="1200"/>
-              </a:spcBef>
-              <a:spcAft>
-                <a:spcPts val="1200"/>
-              </a:spcAft>
-              <a:buNone/>
-            </a:pPr>
-            <a:r>
-              <a:t/>
-            </a:r>
-            <a:endParaRPr/>
-          </a:p>
-        </p:txBody>
-      </p:sp>
-    </p:spTree>
-  </p:cSld>
-  <p:clrMapOvr>
-    <a:masterClrMapping/>
-  </p:clrMapOvr>
-</p:sld>
-</file>
-
-<file path=ppt/slides/slide9.xml><?xml version="1.0" encoding="utf-8"?>
-<p:sld xmlns:a="http://schemas.openxmlformats.org/drawingml/2006/main" xmlns:r="http://schemas.openxmlformats.org/officeDocument/2006/relationships" xmlns:mc="http://schemas.openxmlformats.org/markup-compatibility/2006" xmlns:mv="urn:schemas-microsoft-com:mac:vml" xmlns:p="http://schemas.openxmlformats.org/presentationml/2006/main" xmlns:c="http://schemas.openxmlformats.org/drawingml/2006/chart" xmlns:dgm="http://schemas.openxmlformats.org/drawingml/2006/diagram" xmlns:o="urn:schemas-microsoft-com:office:office" xmlns:v="urn:schemas-microsoft-com:vml" xmlns:pvml="urn:schemas-microsoft-com:office:powerpoint" xmlns:com="http://schemas.openxmlformats.org/drawingml/2006/compatibility" xmlns:p14="http://schemas.microsoft.com/office/powerpoint/2010/main" xmlns:p15="http://schemas.microsoft.com/office/powerpoint/2012/main" xmlns:ahyp="http://schemas.microsoft.com/office/drawing/2018/hyperlinkcolor">
-  <p:cSld>
-    <p:spTree>
-      <p:nvGrpSpPr>
-        <p:cNvPr id="110" name="Shape 110"/>
-        <p:cNvGrpSpPr/>
-        <p:nvPr/>
-      </p:nvGrpSpPr>
-      <p:grpSpPr>
-        <a:xfrm>
-          <a:off x="0" y="0"/>
-          <a:ext cx="0" cy="0"/>
-          <a:chOff x="0" y="0"/>
-          <a:chExt cx="0" cy="0"/>
-        </a:xfrm>
-      </p:grpSpPr>
-      <p:sp>
-        <p:nvSpPr>
-          <p:cNvPr id="111" name="Google Shape;111;p21"/>
-          <p:cNvSpPr txBox="1"/>
-          <p:nvPr>
-            <p:ph type="title"/>
-          </p:nvPr>
-        </p:nvSpPr>
-        <p:spPr>
-          <a:xfrm>
-            <a:off x="387900" y="458025"/>
-            <a:ext cx="8368200" cy="686100"/>
-          </a:xfrm>
-          <a:prstGeom prst="rect">
-            <a:avLst/>
-          </a:prstGeom>
-        </p:spPr>
-        <p:txBody>
-          <a:bodyPr anchorCtr="0" anchor="b" bIns="91425" lIns="91425" spcFirstLastPara="1" rIns="91425" wrap="square" tIns="91425">
-            <a:normAutofit/>
-          </a:bodyPr>
-          <a:lstStyle/>
-          <a:p>
-            <a:pPr indent="0" lvl="0" marL="0" rtl="0" algn="l">
-              <a:spcBef>
-                <a:spcPts val="0"/>
-              </a:spcBef>
-              <a:spcAft>
-                <a:spcPts val="0"/>
-              </a:spcAft>
-              <a:buNone/>
-            </a:pPr>
-            <a:r>
-              <a:rPr lang="en-GB"/>
-              <a:t>Neural Network</a:t>
-            </a:r>
-            <a:endParaRPr/>
-          </a:p>
-        </p:txBody>
-      </p:sp>
-      <p:sp>
-        <p:nvSpPr>
-          <p:cNvPr id="112" name="Google Shape;112;p21"/>
-          <p:cNvSpPr txBox="1"/>
-          <p:nvPr>
-            <p:ph idx="1" type="body"/>
-          </p:nvPr>
-        </p:nvSpPr>
-        <p:spPr>
-          <a:xfrm>
-            <a:off x="387900" y="1489824"/>
-            <a:ext cx="8368200" cy="3078900"/>
-          </a:xfrm>
-          <a:prstGeom prst="rect">
-            <a:avLst/>
-          </a:prstGeom>
-        </p:spPr>
-        <p:txBody>
-          <a:bodyPr anchorCtr="0" anchor="t" bIns="91425" lIns="91425" spcFirstLastPara="1" rIns="91425" wrap="square" tIns="91425">
-            <a:normAutofit/>
-          </a:bodyPr>
-          <a:lstStyle/>
-          <a:p>
-            <a:pPr indent="0" lvl="0" marL="0" rtl="0" algn="l">
-              <a:spcBef>
-                <a:spcPts val="0"/>
-              </a:spcBef>
-              <a:spcAft>
-                <a:spcPts val="1200"/>
-              </a:spcAft>
-              <a:buNone/>
-            </a:pPr>
-            <a:r>
-              <a:t/>
-            </a:r>
-            <a:endParaRPr/>
+            <a:endParaRPr sz="2900" dirty="0"/>
           </a:p>
         </p:txBody>
       </p:sp>
@@ -8575,7 +8697,7 @@
 </file>
 
 <file path=ppt/theme/theme1.xml><?xml version="1.0" encoding="utf-8"?>
-<a:theme xmlns:a="http://schemas.openxmlformats.org/drawingml/2006/main" xmlns:r="http://schemas.openxmlformats.org/officeDocument/2006/relationships" name="Marina">
+<a:theme xmlns:a="http://schemas.openxmlformats.org/drawingml/2006/main" name="Marina">
   <a:themeElements>
     <a:clrScheme name="Marina">
       <a:dk1>
@@ -8850,11 +8972,13 @@
       </a:bgFillStyleLst>
     </a:fmtScheme>
   </a:themeElements>
+  <a:objectDefaults/>
+  <a:extraClrSchemeLst/>
 </a:theme>
 </file>
 
 <file path=ppt/theme/theme2.xml><?xml version="1.0" encoding="utf-8"?>
-<a:theme xmlns:a="http://schemas.openxmlformats.org/drawingml/2006/main" xmlns:r="http://schemas.openxmlformats.org/officeDocument/2006/relationships">
+<a:theme xmlns:a="http://schemas.openxmlformats.org/drawingml/2006/main">
   <a:themeElements>
     <a:clrScheme name="Default">
       <a:dk1>
@@ -9129,5 +9253,7 @@
       </a:bgFillStyleLst>
     </a:fmtScheme>
   </a:themeElements>
+  <a:objectDefaults/>
+  <a:extraClrSchemeLst/>
 </a:theme>
 </file>